--- a/examples/dist/1.pptx
+++ b/examples/dist/1.pptx
@@ -5,14 +5,13 @@
     <p:sldMasterId id="2147483648" r:id="rId1"/>
   </p:sldMasterIdLst>
   <p:notesMasterIdLst>
-    <p:notesMasterId r:id="rId7"/>
+    <p:notesMasterId r:id="rId6"/>
   </p:notesMasterIdLst>
   <p:sldIdLst>
-    <p:sldId id="256" r:id="rId2"/>
-    <p:sldId id="257" r:id="rId3"/>
-    <p:sldId id="258" r:id="rId4"/>
-    <p:sldId id="259" r:id="rId5"/>
-    <p:sldId id="260" r:id="rId6"/>
+    <p:sldId id="257" r:id="rId2"/>
+    <p:sldId id="258" r:id="rId3"/>
+    <p:sldId id="259" r:id="rId4"/>
+    <p:sldId id="260" r:id="rId5"/>
   </p:sldIdLst>
   <p:sldSz cx="12192000" cy="6858000"/>
   <p:notesSz cx="6858000" cy="9144000"/>
@@ -201,7 +200,7 @@
           <a:p>
             <a:fld id="{2A079B6E-BB47-DC4B-B208-DE5B6C0B8C10}" type="datetimeFigureOut">
               <a:rPr kumimoji="1" lang="zh-CN" altLang="en-US" smtClean="0"/>
-              <a:t>2024/10/14</a:t>
+              <a:t>2024/10/26</a:t>
             </a:fld>
             <a:endParaRPr kumimoji="1" lang="zh-CN" altLang="en-US"/>
           </a:p>
@@ -655,7 +654,7 @@
           <a:p>
             <a:fld id="{CB466922-C78F-E14C-A6FB-A4B546F5A82C}" type="datetimeFigureOut">
               <a:rPr kumimoji="1" lang="zh-CN" altLang="en-US" smtClean="0"/>
-              <a:t>2024/10/14</a:t>
+              <a:t>2024/10/26</a:t>
             </a:fld>
             <a:endParaRPr kumimoji="1" lang="zh-CN" altLang="en-US"/>
           </a:p>
@@ -893,7 +892,7 @@
           <a:p>
             <a:fld id="{CB466922-C78F-E14C-A6FB-A4B546F5A82C}" type="datetimeFigureOut">
               <a:rPr kumimoji="1" lang="zh-CN" altLang="en-US" smtClean="0"/>
-              <a:t>2024/10/14</a:t>
+              <a:t>2024/10/26</a:t>
             </a:fld>
             <a:endParaRPr kumimoji="1" lang="zh-CN" altLang="en-US"/>
           </a:p>
@@ -1139,7 +1138,7 @@
           <a:p>
             <a:fld id="{CB466922-C78F-E14C-A6FB-A4B546F5A82C}" type="datetimeFigureOut">
               <a:rPr kumimoji="1" lang="zh-CN" altLang="en-US" smtClean="0"/>
-              <a:t>2024/10/14</a:t>
+              <a:t>2024/10/26</a:t>
             </a:fld>
             <a:endParaRPr kumimoji="1" lang="zh-CN" altLang="en-US"/>
           </a:p>
@@ -1444,7 +1443,7 @@
           <a:p>
             <a:fld id="{CB466922-C78F-E14C-A6FB-A4B546F5A82C}" type="datetimeFigureOut">
               <a:rPr kumimoji="1" lang="zh-CN" altLang="en-US" smtClean="0"/>
-              <a:t>2024/10/14</a:t>
+              <a:t>2024/10/26</a:t>
             </a:fld>
             <a:endParaRPr kumimoji="1" lang="zh-CN" altLang="en-US"/>
           </a:p>
@@ -1747,7 +1746,7 @@
           <a:p>
             <a:fld id="{CB466922-C78F-E14C-A6FB-A4B546F5A82C}" type="datetimeFigureOut">
               <a:rPr kumimoji="1" lang="zh-CN" altLang="en-US" smtClean="0"/>
-              <a:t>2024/10/14</a:t>
+              <a:t>2024/10/26</a:t>
             </a:fld>
             <a:endParaRPr kumimoji="1" lang="zh-CN" altLang="en-US"/>
           </a:p>
@@ -2198,7 +2197,7 @@
           <a:p>
             <a:fld id="{CB466922-C78F-E14C-A6FB-A4B546F5A82C}" type="datetimeFigureOut">
               <a:rPr kumimoji="1" lang="zh-CN" altLang="en-US" smtClean="0"/>
-              <a:t>2024/10/14</a:t>
+              <a:t>2024/10/26</a:t>
             </a:fld>
             <a:endParaRPr kumimoji="1" lang="zh-CN" altLang="en-US"/>
           </a:p>
@@ -2371,7 +2370,7 @@
           <a:p>
             <a:fld id="{CB466922-C78F-E14C-A6FB-A4B546F5A82C}" type="datetimeFigureOut">
               <a:rPr kumimoji="1" lang="zh-CN" altLang="en-US" smtClean="0"/>
-              <a:t>2024/10/14</a:t>
+              <a:t>2024/10/26</a:t>
             </a:fld>
             <a:endParaRPr kumimoji="1" lang="zh-CN" altLang="en-US"/>
           </a:p>
@@ -2508,7 +2507,7 @@
           <a:p>
             <a:fld id="{CB466922-C78F-E14C-A6FB-A4B546F5A82C}" type="datetimeFigureOut">
               <a:rPr kumimoji="1" lang="zh-CN" altLang="en-US" smtClean="0"/>
-              <a:t>2024/10/14</a:t>
+              <a:t>2024/10/26</a:t>
             </a:fld>
             <a:endParaRPr kumimoji="1" lang="zh-CN" altLang="en-US"/>
           </a:p>
@@ -2852,7 +2851,7 @@
           <a:p>
             <a:fld id="{CB466922-C78F-E14C-A6FB-A4B546F5A82C}" type="datetimeFigureOut">
               <a:rPr kumimoji="1" lang="zh-CN" altLang="en-US" smtClean="0"/>
-              <a:t>2024/10/14</a:t>
+              <a:t>2024/10/26</a:t>
             </a:fld>
             <a:endParaRPr kumimoji="1" lang="zh-CN" altLang="en-US"/>
           </a:p>
@@ -3173,7 +3172,7 @@
           <a:p>
             <a:fld id="{CB466922-C78F-E14C-A6FB-A4B546F5A82C}" type="datetimeFigureOut">
               <a:rPr kumimoji="1" lang="zh-CN" altLang="en-US" smtClean="0"/>
-              <a:t>2024/10/14</a:t>
+              <a:t>2024/10/26</a:t>
             </a:fld>
             <a:endParaRPr kumimoji="1" lang="zh-CN" altLang="en-US"/>
           </a:p>
@@ -3620,157 +3619,10 @@
       </p:grpSpPr>
       <p:sp>
         <p:nvSpPr>
-          <p:cNvPr id="3" name="文本框 2">
-            <a:extLst>
-              <a:ext uri="{FF2B5EF4-FFF2-40B4-BE49-F238E27FC236}">
-                <a16:creationId xmlns:a16="http://schemas.microsoft.com/office/drawing/2014/main" id="{D96CA35E-7ABA-3C9B-AA26-5366692EA4AB}"/>
-              </a:ext>
-            </a:extLst>
-          </p:cNvPr>
-          <p:cNvSpPr txBox="1"/>
-          <p:nvPr/>
-        </p:nvSpPr>
-        <p:spPr>
-          <a:xfrm>
-            <a:off x="196240" y="183124"/>
-            <a:ext cx="7601559" cy="2308324"/>
-          </a:xfrm>
-          <a:prstGeom prst="rect">
-            <a:avLst/>
-          </a:prstGeom>
-          <a:noFill/>
-        </p:spPr>
-        <p:txBody>
-          <a:bodyPr wrap="square" rtlCol="0">
-            <a:spAutoFit/>
-          </a:bodyPr>
-          <a:lstStyle/>
-          <a:p>
-            <a:pPr marL="285750" indent="-285750">
-              <a:buFont typeface="Wingdings" pitchFamily="2" charset="2"/>
-              <a:buChar char="n"/>
-            </a:pPr>
-            <a:r>
-              <a:rPr kumimoji="1" lang="zh-CN" altLang="en-US" dirty="0"/>
-              <a:t>列表方形</a:t>
-            </a:r>
-            <a:endParaRPr kumimoji="1" lang="en-US" altLang="zh-CN" dirty="0"/>
-          </a:p>
-          <a:p>
-            <a:pPr marL="285750" indent="-285750">
-              <a:buFont typeface="Wingdings" pitchFamily="2" charset="2"/>
-              <a:buChar char="l"/>
-            </a:pPr>
-            <a:r>
-              <a:rPr kumimoji="1" lang="zh-CN" altLang="en-US" dirty="0"/>
-              <a:t>列表圆圈</a:t>
-            </a:r>
-            <a:endParaRPr kumimoji="1" lang="en-US" altLang="zh-CN" dirty="0"/>
-          </a:p>
-          <a:p>
-            <a:pPr marL="285750" indent="-285750">
-              <a:buFont typeface="Wingdings" pitchFamily="2" charset="2"/>
-              <a:buChar char="u"/>
-            </a:pPr>
-            <a:r>
-              <a:rPr kumimoji="1" lang="zh-CN" altLang="en-US" dirty="0"/>
-              <a:t>列表菱形</a:t>
-            </a:r>
-            <a:endParaRPr kumimoji="1" lang="en-US" altLang="zh-CN" dirty="0"/>
-          </a:p>
-          <a:p>
-            <a:pPr marL="285750" indent="-285750">
-              <a:buFont typeface="Wingdings" pitchFamily="2" charset="2"/>
-              <a:buChar char="p"/>
-            </a:pPr>
-            <a:r>
-              <a:rPr kumimoji="1" lang="zh-CN" altLang="en-US" dirty="0"/>
-              <a:t>空心方块</a:t>
-            </a:r>
-            <a:endParaRPr kumimoji="1" lang="en-US" altLang="zh-CN" dirty="0"/>
-          </a:p>
-          <a:p>
-            <a:pPr marL="285750" indent="-285750">
-              <a:buFont typeface="Wingdings" pitchFamily="2" charset="2"/>
-              <a:buChar char="ü"/>
-            </a:pPr>
-            <a:r>
-              <a:rPr kumimoji="1" lang="zh-CN" altLang="en-US" dirty="0"/>
-              <a:t>对号</a:t>
-            </a:r>
-            <a:endParaRPr kumimoji="1" lang="en-US" altLang="zh-CN" dirty="0"/>
-          </a:p>
-          <a:p>
-            <a:pPr marL="285750" indent="-285750">
-              <a:buFont typeface="Wingdings" pitchFamily="2" charset="2"/>
-              <a:buChar char="Ø"/>
-            </a:pPr>
-            <a:r>
-              <a:rPr kumimoji="1" lang="zh-CN" altLang="en-US" dirty="0"/>
-              <a:t>箭头</a:t>
-            </a:r>
-            <a:endParaRPr kumimoji="1" lang="en-US" altLang="zh-CN" dirty="0"/>
-          </a:p>
-          <a:p>
-            <a:pPr marL="285750" indent="-285750">
-              <a:buFont typeface="Arial" panose="020B0604020202020204" pitchFamily="34" charset="0"/>
-              <a:buChar char="•"/>
-            </a:pPr>
-            <a:r>
-              <a:rPr kumimoji="1" lang="zh-CN" altLang="en-US" dirty="0"/>
-              <a:t>小圆点</a:t>
-            </a:r>
-            <a:endParaRPr kumimoji="1" lang="en-US" altLang="zh-CN" dirty="0"/>
-          </a:p>
-          <a:p>
-            <a:endParaRPr kumimoji="1" lang="zh-CN" altLang="en-US" dirty="0"/>
-          </a:p>
-        </p:txBody>
-      </p:sp>
-    </p:spTree>
-    <p:extLst>
-      <p:ext uri="{BB962C8B-B14F-4D97-AF65-F5344CB8AC3E}">
-        <p14:creationId xmlns:p14="http://schemas.microsoft.com/office/powerpoint/2010/main" val="1608560158"/>
-      </p:ext>
-    </p:extLst>
-  </p:cSld>
-  <p:clrMapOvr>
-    <a:masterClrMapping/>
-  </p:clrMapOvr>
-</p:sld>
-</file>
-
-<file path=ppt/slides/slide2.xml><?xml version="1.0" encoding="utf-8"?>
-<p:sld xmlns:a="http://schemas.openxmlformats.org/drawingml/2006/main" xmlns:r="http://schemas.openxmlformats.org/officeDocument/2006/relationships" xmlns:p="http://schemas.openxmlformats.org/presentationml/2006/main">
-  <p:cSld>
-    <p:bg>
-      <p:bgPr>
-        <a:solidFill>
-          <a:schemeClr val="bg1"/>
-        </a:solidFill>
-        <a:effectLst/>
-      </p:bgPr>
-    </p:bg>
-    <p:spTree>
-      <p:nvGrpSpPr>
-        <p:cNvPr id="1" name=""/>
-        <p:cNvGrpSpPr/>
-        <p:nvPr/>
-      </p:nvGrpSpPr>
-      <p:grpSpPr>
-        <a:xfrm>
-          <a:off x="0" y="0"/>
-          <a:ext cx="0" cy="0"/>
-          <a:chOff x="0" y="0"/>
-          <a:chExt cx="0" cy="0"/>
-        </a:xfrm>
-      </p:grpSpPr>
-      <p:sp>
-        <p:nvSpPr>
-          <p:cNvPr id="4" name="矩形 3">
-            <a:extLst>
-              <a:ext uri="{FF2B5EF4-FFF2-40B4-BE49-F238E27FC236}">
-                <a16:creationId xmlns:a16="http://schemas.microsoft.com/office/drawing/2014/main" id="{7F02780C-C5BF-34C9-12B7-D550AFFBAC3A}"/>
+          <p:cNvPr id="15" name="矩形 14">
+            <a:extLst>
+              <a:ext uri="{FF2B5EF4-FFF2-40B4-BE49-F238E27FC236}">
+                <a16:creationId xmlns:a16="http://schemas.microsoft.com/office/drawing/2014/main" id="{B25D2392-B493-555F-36DA-CBECFAC5C93F}"/>
               </a:ext>
             </a:extLst>
           </p:cNvPr>
@@ -3806,20 +3658,23 @@
           </a:fontRef>
         </p:style>
         <p:txBody>
-          <a:bodyPr rtlCol="0" anchor="ctr"/>
+          <a:bodyPr lIns="0" tIns="0" rIns="0" bIns="0" rtlCol="0" anchor="ctr"/>
           <a:lstStyle/>
           <a:p>
             <a:pPr algn="ctr"/>
-            <a:endParaRPr kumimoji="1" lang="zh-CN" altLang="en-US"/>
-          </a:p>
-        </p:txBody>
-      </p:sp>
-      <p:sp>
-        <p:nvSpPr>
-          <p:cNvPr id="5" name="圆角矩形 4">
-            <a:extLst>
-              <a:ext uri="{FF2B5EF4-FFF2-40B4-BE49-F238E27FC236}">
-                <a16:creationId xmlns:a16="http://schemas.microsoft.com/office/drawing/2014/main" id="{2F92339C-E3FE-665D-3359-7876EF33BAD3}"/>
+            <a:r>
+              <a:rPr kumimoji="1" lang="zh-CN" altLang="en-US" b="1" dirty="0"/>
+              <a:t>测试</a:t>
+            </a:r>
+          </a:p>
+        </p:txBody>
+      </p:sp>
+      <p:sp>
+        <p:nvSpPr>
+          <p:cNvPr id="16" name="圆角矩形 15">
+            <a:extLst>
+              <a:ext uri="{FF2B5EF4-FFF2-40B4-BE49-F238E27FC236}">
+                <a16:creationId xmlns:a16="http://schemas.microsoft.com/office/drawing/2014/main" id="{C8982763-524F-C8B1-BD64-77875BED0099}"/>
               </a:ext>
             </a:extLst>
           </p:cNvPr>
@@ -3870,10 +3725,10 @@
       </p:sp>
       <p:sp>
         <p:nvSpPr>
-          <p:cNvPr id="6" name="剪去单角的矩形 5">
-            <a:extLst>
-              <a:ext uri="{FF2B5EF4-FFF2-40B4-BE49-F238E27FC236}">
-                <a16:creationId xmlns:a16="http://schemas.microsoft.com/office/drawing/2014/main" id="{D995796B-26E8-0E09-113F-859EB51B2846}"/>
+          <p:cNvPr id="17" name="剪去单角的矩形 16">
+            <a:extLst>
+              <a:ext uri="{FF2B5EF4-FFF2-40B4-BE49-F238E27FC236}">
+                <a16:creationId xmlns:a16="http://schemas.microsoft.com/office/drawing/2014/main" id="{44BF610A-466F-69DE-0CDA-F6EF27159CDD}"/>
               </a:ext>
             </a:extLst>
           </p:cNvPr>
@@ -3924,10 +3779,10 @@
       </p:sp>
       <p:sp>
         <p:nvSpPr>
-          <p:cNvPr id="7" name="剪去同侧角的矩形 6">
-            <a:extLst>
-              <a:ext uri="{FF2B5EF4-FFF2-40B4-BE49-F238E27FC236}">
-                <a16:creationId xmlns:a16="http://schemas.microsoft.com/office/drawing/2014/main" id="{4853286B-8E27-68B6-2028-1F88590F36C5}"/>
+          <p:cNvPr id="18" name="剪去同侧角的矩形 17">
+            <a:extLst>
+              <a:ext uri="{FF2B5EF4-FFF2-40B4-BE49-F238E27FC236}">
+                <a16:creationId xmlns:a16="http://schemas.microsoft.com/office/drawing/2014/main" id="{28D22426-3C2F-B7E7-9DE4-296A43424A53}"/>
               </a:ext>
             </a:extLst>
           </p:cNvPr>
@@ -3945,6 +3800,11 @@
               <a:gd name="adj2" fmla="val 27273"/>
             </a:avLst>
           </a:prstGeom>
+          <a:solidFill>
+            <a:schemeClr val="accent1">
+              <a:alpha val="63000"/>
+            </a:schemeClr>
+          </a:solidFill>
           <a:ln w="63500">
             <a:prstDash val="dash"/>
           </a:ln>
@@ -3976,10 +3836,10 @@
       </p:sp>
       <p:sp>
         <p:nvSpPr>
-          <p:cNvPr id="8" name="剪去对角的矩形 7">
-            <a:extLst>
-              <a:ext uri="{FF2B5EF4-FFF2-40B4-BE49-F238E27FC236}">
-                <a16:creationId xmlns:a16="http://schemas.microsoft.com/office/drawing/2014/main" id="{8CEB3972-C9A8-2B33-F233-40183724457D}"/>
+          <p:cNvPr id="19" name="剪去对角的矩形 18">
+            <a:extLst>
+              <a:ext uri="{FF2B5EF4-FFF2-40B4-BE49-F238E27FC236}">
+                <a16:creationId xmlns:a16="http://schemas.microsoft.com/office/drawing/2014/main" id="{9FE5B511-D907-9DFC-AC1C-FEF3A37442E3}"/>
               </a:ext>
             </a:extLst>
           </p:cNvPr>
@@ -4028,10 +3888,10 @@
       </p:sp>
       <p:sp>
         <p:nvSpPr>
-          <p:cNvPr id="9" name="一个圆顶角并剪去另一个顶角的矩形 8">
-            <a:extLst>
-              <a:ext uri="{FF2B5EF4-FFF2-40B4-BE49-F238E27FC236}">
-                <a16:creationId xmlns:a16="http://schemas.microsoft.com/office/drawing/2014/main" id="{46552FA2-09AD-1255-1680-ECC9FDAFB98E}"/>
+          <p:cNvPr id="20" name="一个圆顶角并剪去另一个顶角的矩形 19">
+            <a:extLst>
+              <a:ext uri="{FF2B5EF4-FFF2-40B4-BE49-F238E27FC236}">
+                <a16:creationId xmlns:a16="http://schemas.microsoft.com/office/drawing/2014/main" id="{83B78651-8EA9-55C9-AECD-8A496AC93A2C}"/>
               </a:ext>
             </a:extLst>
           </p:cNvPr>
@@ -4093,10 +3953,10 @@
       </p:sp>
       <p:sp>
         <p:nvSpPr>
-          <p:cNvPr id="10" name="单圆角矩形 9">
-            <a:extLst>
-              <a:ext uri="{FF2B5EF4-FFF2-40B4-BE49-F238E27FC236}">
-                <a16:creationId xmlns:a16="http://schemas.microsoft.com/office/drawing/2014/main" id="{C380C0CD-7AD4-021F-64CE-2E852262E0BC}"/>
+          <p:cNvPr id="21" name="单圆角矩形 20">
+            <a:extLst>
+              <a:ext uri="{FF2B5EF4-FFF2-40B4-BE49-F238E27FC236}">
+                <a16:creationId xmlns:a16="http://schemas.microsoft.com/office/drawing/2014/main" id="{A58B0636-3C3E-05C0-9981-F57BCF1B4522}"/>
               </a:ext>
             </a:extLst>
           </p:cNvPr>
@@ -4144,10 +4004,10 @@
       </p:sp>
       <p:sp>
         <p:nvSpPr>
-          <p:cNvPr id="11" name="同侧圆角矩形 10">
-            <a:extLst>
-              <a:ext uri="{FF2B5EF4-FFF2-40B4-BE49-F238E27FC236}">
-                <a16:creationId xmlns:a16="http://schemas.microsoft.com/office/drawing/2014/main" id="{45920CF5-D7E8-73C5-0A70-E07D45208D62}"/>
+          <p:cNvPr id="22" name="同侧圆角矩形 21">
+            <a:extLst>
+              <a:ext uri="{FF2B5EF4-FFF2-40B4-BE49-F238E27FC236}">
+                <a16:creationId xmlns:a16="http://schemas.microsoft.com/office/drawing/2014/main" id="{38787469-015D-F796-1253-572E89FEF175}"/>
               </a:ext>
             </a:extLst>
           </p:cNvPr>
@@ -4156,7 +4016,7 @@
         </p:nvSpPr>
         <p:spPr>
           <a:xfrm>
-            <a:off x="292100" y="1917700"/>
+            <a:off x="292100" y="2070105"/>
             <a:ext cx="1079500" cy="927100"/>
           </a:xfrm>
           <a:prstGeom prst="round2SameRect">
@@ -4196,10 +4056,10 @@
       </p:sp>
       <p:sp>
         <p:nvSpPr>
-          <p:cNvPr id="12" name="对角圆角矩形 11">
-            <a:extLst>
-              <a:ext uri="{FF2B5EF4-FFF2-40B4-BE49-F238E27FC236}">
-                <a16:creationId xmlns:a16="http://schemas.microsoft.com/office/drawing/2014/main" id="{244330DC-68BA-0961-2218-048DA5442F14}"/>
+          <p:cNvPr id="23" name="对角圆角矩形 22">
+            <a:extLst>
+              <a:ext uri="{FF2B5EF4-FFF2-40B4-BE49-F238E27FC236}">
+                <a16:creationId xmlns:a16="http://schemas.microsoft.com/office/drawing/2014/main" id="{89E0484E-D6BF-D985-CDCE-A4CDE90B9F62}"/>
               </a:ext>
             </a:extLst>
           </p:cNvPr>
@@ -4208,7 +4068,7 @@
         </p:nvSpPr>
         <p:spPr>
           <a:xfrm>
-            <a:off x="1841500" y="1917700"/>
+            <a:off x="1841500" y="2042395"/>
             <a:ext cx="1847850" cy="1016000"/>
           </a:xfrm>
           <a:prstGeom prst="round2DiagRect">
@@ -4260,10 +4120,10 @@
       </p:sp>
       <p:sp>
         <p:nvSpPr>
-          <p:cNvPr id="13" name="文本框 12">
-            <a:extLst>
-              <a:ext uri="{FF2B5EF4-FFF2-40B4-BE49-F238E27FC236}">
-                <a16:creationId xmlns:a16="http://schemas.microsoft.com/office/drawing/2014/main" id="{10527CF6-3A51-925C-34A7-CB880ECCAE03}"/>
+          <p:cNvPr id="24" name="文本框 23">
+            <a:extLst>
+              <a:ext uri="{FF2B5EF4-FFF2-40B4-BE49-F238E27FC236}">
+                <a16:creationId xmlns:a16="http://schemas.microsoft.com/office/drawing/2014/main" id="{93CADCEF-651A-4BDD-276C-280ABF4A4F49}"/>
               </a:ext>
             </a:extLst>
           </p:cNvPr>
@@ -4272,8 +4132,8 @@
         </p:nvSpPr>
         <p:spPr>
           <a:xfrm>
-            <a:off x="2119094" y="75168"/>
-            <a:ext cx="646331" cy="369332"/>
+            <a:off x="185519" y="150921"/>
+            <a:ext cx="1107996" cy="369332"/>
           </a:xfrm>
           <a:prstGeom prst="rect">
             <a:avLst/>
@@ -4288,17 +4148,17 @@
           <a:p>
             <a:r>
               <a:rPr kumimoji="1" lang="zh-CN" altLang="en-US" b="1" dirty="0"/>
-              <a:t>形状</a:t>
-            </a:r>
-          </a:p>
-        </p:txBody>
-      </p:sp>
-      <p:sp>
-        <p:nvSpPr>
-          <p:cNvPr id="2" name="椭圆 1">
-            <a:extLst>
-              <a:ext uri="{FF2B5EF4-FFF2-40B4-BE49-F238E27FC236}">
-                <a16:creationId xmlns:a16="http://schemas.microsoft.com/office/drawing/2014/main" id="{D0D6C726-CD3C-C083-1793-305F88A51BBD}"/>
+              <a:t>形状测试</a:t>
+            </a:r>
+          </a:p>
+        </p:txBody>
+      </p:sp>
+      <p:sp>
+        <p:nvSpPr>
+          <p:cNvPr id="25" name="椭圆 24">
+            <a:extLst>
+              <a:ext uri="{FF2B5EF4-FFF2-40B4-BE49-F238E27FC236}">
+                <a16:creationId xmlns:a16="http://schemas.microsoft.com/office/drawing/2014/main" id="{35C266E9-2C60-69B5-E6CE-556829DD9FCE}"/>
               </a:ext>
             </a:extLst>
           </p:cNvPr>
@@ -4307,12 +4167,17 @@
         </p:nvSpPr>
         <p:spPr>
           <a:xfrm>
-            <a:off x="4765183" y="1917700"/>
+            <a:off x="4765183" y="1973120"/>
             <a:ext cx="1419717" cy="1224745"/>
           </a:xfrm>
           <a:prstGeom prst="ellipse">
             <a:avLst/>
           </a:prstGeom>
+          <a:solidFill>
+            <a:schemeClr val="accent1">
+              <a:alpha val="36000"/>
+            </a:schemeClr>
+          </a:solidFill>
         </p:spPr>
         <p:style>
           <a:lnRef idx="2">
@@ -4341,10 +4206,10 @@
       </p:sp>
       <p:sp>
         <p:nvSpPr>
-          <p:cNvPr id="3" name="加号 2">
-            <a:extLst>
-              <a:ext uri="{FF2B5EF4-FFF2-40B4-BE49-F238E27FC236}">
-                <a16:creationId xmlns:a16="http://schemas.microsoft.com/office/drawing/2014/main" id="{B9A8983E-72C6-387E-DAC6-2DFBC31C59EC}"/>
+          <p:cNvPr id="26" name="任意形状 25">
+            <a:extLst>
+              <a:ext uri="{FF2B5EF4-FFF2-40B4-BE49-F238E27FC236}">
+                <a16:creationId xmlns:a16="http://schemas.microsoft.com/office/drawing/2014/main" id="{773ADE39-C926-25BD-A2A3-EA9672C2A907}"/>
               </a:ext>
             </a:extLst>
           </p:cNvPr>
@@ -4353,12 +4218,74 @@
         </p:nvSpPr>
         <p:spPr>
           <a:xfrm>
-            <a:off x="6654800" y="2079311"/>
-            <a:ext cx="1663970" cy="901521"/>
-          </a:xfrm>
-          <a:prstGeom prst="mathPlus">
-            <a:avLst/>
-          </a:prstGeom>
+            <a:off x="434289" y="3751069"/>
+            <a:ext cx="1106883" cy="832908"/>
+          </a:xfrm>
+          <a:custGeom>
+            <a:avLst/>
+            <a:gdLst>
+              <a:gd name="connsiteX0" fmla="*/ 246565 w 1106883"/>
+              <a:gd name="connsiteY0" fmla="*/ 3521 h 832908"/>
+              <a:gd name="connsiteX1" fmla="*/ 1106536 w 1106883"/>
+              <a:gd name="connsiteY1" fmla="*/ 438949 h 832908"/>
+              <a:gd name="connsiteX2" fmla="*/ 137708 w 1106883"/>
+              <a:gd name="connsiteY2" fmla="*/ 830835 h 832908"/>
+              <a:gd name="connsiteX3" fmla="*/ 17965 w 1106883"/>
+              <a:gd name="connsiteY3" fmla="*/ 264778 h 832908"/>
+              <a:gd name="connsiteX4" fmla="*/ 246565 w 1106883"/>
+              <a:gd name="connsiteY4" fmla="*/ 3521 h 832908"/>
+            </a:gdLst>
+            <a:ahLst/>
+            <a:cxnLst>
+              <a:cxn ang="0">
+                <a:pos x="connsiteX0" y="connsiteY0"/>
+              </a:cxn>
+              <a:cxn ang="0">
+                <a:pos x="connsiteX1" y="connsiteY1"/>
+              </a:cxn>
+              <a:cxn ang="0">
+                <a:pos x="connsiteX2" y="connsiteY2"/>
+              </a:cxn>
+              <a:cxn ang="0">
+                <a:pos x="connsiteX3" y="connsiteY3"/>
+              </a:cxn>
+              <a:cxn ang="0">
+                <a:pos x="connsiteX4" y="connsiteY4"/>
+              </a:cxn>
+            </a:cxnLst>
+            <a:rect l="l" t="t" r="r" b="b"/>
+            <a:pathLst>
+              <a:path w="1106883" h="832908">
+                <a:moveTo>
+                  <a:pt x="246565" y="3521"/>
+                </a:moveTo>
+                <a:cubicBezTo>
+                  <a:pt x="427993" y="32549"/>
+                  <a:pt x="1124679" y="301063"/>
+                  <a:pt x="1106536" y="438949"/>
+                </a:cubicBezTo>
+                <a:cubicBezTo>
+                  <a:pt x="1088393" y="576835"/>
+                  <a:pt x="319136" y="859863"/>
+                  <a:pt x="137708" y="830835"/>
+                </a:cubicBezTo>
+                <a:cubicBezTo>
+                  <a:pt x="-43720" y="801807"/>
+                  <a:pt x="-178" y="399035"/>
+                  <a:pt x="17965" y="264778"/>
+                </a:cubicBezTo>
+                <a:cubicBezTo>
+                  <a:pt x="36108" y="130521"/>
+                  <a:pt x="65137" y="-25507"/>
+                  <a:pt x="246565" y="3521"/>
+                </a:cubicBezTo>
+                <a:close/>
+              </a:path>
+            </a:pathLst>
+          </a:custGeom>
+          <a:solidFill>
+            <a:schemeClr val="accent4"/>
+          </a:solidFill>
         </p:spPr>
         <p:style>
           <a:lnRef idx="2">
@@ -4387,10 +4314,10 @@
       </p:sp>
       <p:sp>
         <p:nvSpPr>
-          <p:cNvPr id="14" name="十六角星 13">
-            <a:extLst>
-              <a:ext uri="{FF2B5EF4-FFF2-40B4-BE49-F238E27FC236}">
-                <a16:creationId xmlns:a16="http://schemas.microsoft.com/office/drawing/2014/main" id="{23C78513-58D1-9090-4D3C-13D7547C912D}"/>
+          <p:cNvPr id="27" name="任意形状 26">
+            <a:extLst>
+              <a:ext uri="{FF2B5EF4-FFF2-40B4-BE49-F238E27FC236}">
+                <a16:creationId xmlns:a16="http://schemas.microsoft.com/office/drawing/2014/main" id="{2B4737B8-6129-02EA-CC94-D97CAB72A6D1}"/>
               </a:ext>
             </a:extLst>
           </p:cNvPr>
@@ -4399,14 +4326,68 @@
         </p:nvSpPr>
         <p:spPr>
           <a:xfrm>
-            <a:off x="7321550" y="3567448"/>
-            <a:ext cx="3329278" cy="1236372"/>
-          </a:xfrm>
-          <a:prstGeom prst="star16">
-            <a:avLst>
-              <a:gd name="adj" fmla="val 0"/>
-            </a:avLst>
-          </a:prstGeom>
+            <a:off x="2116372" y="3572215"/>
+            <a:ext cx="842962" cy="1200150"/>
+          </a:xfrm>
+          <a:custGeom>
+            <a:avLst/>
+            <a:gdLst>
+              <a:gd name="connsiteX0" fmla="*/ 0 w 842962"/>
+              <a:gd name="connsiteY0" fmla="*/ 0 h 1200150"/>
+              <a:gd name="connsiteX1" fmla="*/ 842962 w 842962"/>
+              <a:gd name="connsiteY1" fmla="*/ 28575 h 1200150"/>
+              <a:gd name="connsiteX2" fmla="*/ 842962 w 842962"/>
+              <a:gd name="connsiteY2" fmla="*/ 885825 h 1200150"/>
+              <a:gd name="connsiteX3" fmla="*/ 71437 w 842962"/>
+              <a:gd name="connsiteY3" fmla="*/ 1200150 h 1200150"/>
+              <a:gd name="connsiteX4" fmla="*/ 28575 w 842962"/>
+              <a:gd name="connsiteY4" fmla="*/ 771525 h 1200150"/>
+            </a:gdLst>
+            <a:ahLst/>
+            <a:cxnLst>
+              <a:cxn ang="0">
+                <a:pos x="connsiteX0" y="connsiteY0"/>
+              </a:cxn>
+              <a:cxn ang="0">
+                <a:pos x="connsiteX1" y="connsiteY1"/>
+              </a:cxn>
+              <a:cxn ang="0">
+                <a:pos x="connsiteX2" y="connsiteY2"/>
+              </a:cxn>
+              <a:cxn ang="0">
+                <a:pos x="connsiteX3" y="connsiteY3"/>
+              </a:cxn>
+              <a:cxn ang="0">
+                <a:pos x="connsiteX4" y="connsiteY4"/>
+              </a:cxn>
+            </a:cxnLst>
+            <a:rect l="l" t="t" r="r" b="b"/>
+            <a:pathLst>
+              <a:path w="842962" h="1200150">
+                <a:moveTo>
+                  <a:pt x="0" y="0"/>
+                </a:moveTo>
+                <a:lnTo>
+                  <a:pt x="842962" y="28575"/>
+                </a:lnTo>
+                <a:lnTo>
+                  <a:pt x="842962" y="885825"/>
+                </a:lnTo>
+                <a:lnTo>
+                  <a:pt x="71437" y="1200150"/>
+                </a:lnTo>
+                <a:lnTo>
+                  <a:pt x="28575" y="771525"/>
+                </a:lnTo>
+              </a:path>
+            </a:pathLst>
+          </a:custGeom>
+          <a:solidFill>
+            <a:schemeClr val="accent5"/>
+          </a:solidFill>
+          <a:ln w="127000">
+            <a:prstDash val="lgDashDotDot"/>
+          </a:ln>
         </p:spPr>
         <p:style>
           <a:lnRef idx="2">
@@ -4433,6 +4414,2556 @@
           </a:p>
         </p:txBody>
       </p:sp>
+      <p:sp>
+        <p:nvSpPr>
+          <p:cNvPr id="28" name="饼形 27">
+            <a:extLst>
+              <a:ext uri="{FF2B5EF4-FFF2-40B4-BE49-F238E27FC236}">
+                <a16:creationId xmlns:a16="http://schemas.microsoft.com/office/drawing/2014/main" id="{2E5339E3-B3D2-075E-42D0-9712CD0BFB35}"/>
+              </a:ext>
+            </a:extLst>
+          </p:cNvPr>
+          <p:cNvSpPr/>
+          <p:nvPr/>
+        </p:nvSpPr>
+        <p:spPr>
+          <a:xfrm>
+            <a:off x="6750339" y="1964810"/>
+            <a:ext cx="1670916" cy="1219200"/>
+          </a:xfrm>
+          <a:prstGeom prst="pie">
+            <a:avLst>
+              <a:gd name="adj1" fmla="val 1442868"/>
+              <a:gd name="adj2" fmla="val 18776329"/>
+            </a:avLst>
+          </a:prstGeom>
+          <a:solidFill>
+            <a:srgbClr val="7030A0"/>
+          </a:solidFill>
+        </p:spPr>
+        <p:style>
+          <a:lnRef idx="2">
+            <a:schemeClr val="accent1">
+              <a:shade val="15000"/>
+            </a:schemeClr>
+          </a:lnRef>
+          <a:fillRef idx="1">
+            <a:schemeClr val="accent1"/>
+          </a:fillRef>
+          <a:effectRef idx="0">
+            <a:schemeClr val="accent1"/>
+          </a:effectRef>
+          <a:fontRef idx="minor">
+            <a:schemeClr val="lt1"/>
+          </a:fontRef>
+        </p:style>
+        <p:txBody>
+          <a:bodyPr rtlCol="0" anchor="ctr"/>
+          <a:lstStyle/>
+          <a:p>
+            <a:pPr algn="ctr"/>
+            <a:endParaRPr kumimoji="1" lang="zh-CN" altLang="en-US">
+              <a:solidFill>
+                <a:schemeClr val="tx1"/>
+              </a:solidFill>
+            </a:endParaRPr>
+          </a:p>
+        </p:txBody>
+      </p:sp>
+      <p:sp>
+        <p:nvSpPr>
+          <p:cNvPr id="29" name="正五边形 28">
+            <a:extLst>
+              <a:ext uri="{FF2B5EF4-FFF2-40B4-BE49-F238E27FC236}">
+                <a16:creationId xmlns:a16="http://schemas.microsoft.com/office/drawing/2014/main" id="{D47E4805-9445-CA58-6570-AFCF82C10C14}"/>
+              </a:ext>
+            </a:extLst>
+          </p:cNvPr>
+          <p:cNvSpPr/>
+          <p:nvPr/>
+        </p:nvSpPr>
+        <p:spPr>
+          <a:xfrm>
+            <a:off x="3798641" y="3567448"/>
+            <a:ext cx="1676400" cy="1016529"/>
+          </a:xfrm>
+          <a:prstGeom prst="pentagon">
+            <a:avLst/>
+          </a:prstGeom>
+        </p:spPr>
+        <p:style>
+          <a:lnRef idx="2">
+            <a:schemeClr val="accent1">
+              <a:shade val="15000"/>
+            </a:schemeClr>
+          </a:lnRef>
+          <a:fillRef idx="1">
+            <a:schemeClr val="accent1"/>
+          </a:fillRef>
+          <a:effectRef idx="0">
+            <a:schemeClr val="accent1"/>
+          </a:effectRef>
+          <a:fontRef idx="minor">
+            <a:schemeClr val="lt1"/>
+          </a:fontRef>
+        </p:style>
+        <p:txBody>
+          <a:bodyPr rtlCol="0" anchor="ctr"/>
+          <a:lstStyle/>
+          <a:p>
+            <a:r>
+              <a:rPr kumimoji="1" lang="zh-CN" altLang="en-US" dirty="0"/>
+              <a:t>怎么样，是不是很棒！</a:t>
+            </a:r>
+          </a:p>
+        </p:txBody>
+      </p:sp>
+      <p:sp>
+        <p:nvSpPr>
+          <p:cNvPr id="30" name="六边形 29">
+            <a:extLst>
+              <a:ext uri="{FF2B5EF4-FFF2-40B4-BE49-F238E27FC236}">
+                <a16:creationId xmlns:a16="http://schemas.microsoft.com/office/drawing/2014/main" id="{123FB4C1-0FFC-4AE9-82D9-6F971D8A9D8A}"/>
+              </a:ext>
+            </a:extLst>
+          </p:cNvPr>
+          <p:cNvSpPr/>
+          <p:nvPr/>
+        </p:nvSpPr>
+        <p:spPr>
+          <a:xfrm>
+            <a:off x="6225793" y="3583782"/>
+            <a:ext cx="1422400" cy="1124032"/>
+          </a:xfrm>
+          <a:prstGeom prst="hexagon">
+            <a:avLst>
+              <a:gd name="adj" fmla="val 48419"/>
+              <a:gd name="vf" fmla="val 115470"/>
+            </a:avLst>
+          </a:prstGeom>
+          <a:solidFill>
+            <a:schemeClr val="accent3">
+              <a:lumMod val="40000"/>
+              <a:lumOff val="60000"/>
+            </a:schemeClr>
+          </a:solidFill>
+        </p:spPr>
+        <p:style>
+          <a:lnRef idx="2">
+            <a:schemeClr val="accent1">
+              <a:shade val="15000"/>
+            </a:schemeClr>
+          </a:lnRef>
+          <a:fillRef idx="1">
+            <a:schemeClr val="accent1"/>
+          </a:fillRef>
+          <a:effectRef idx="0">
+            <a:schemeClr val="accent1"/>
+          </a:effectRef>
+          <a:fontRef idx="minor">
+            <a:schemeClr val="lt1"/>
+          </a:fontRef>
+        </p:style>
+        <p:txBody>
+          <a:bodyPr rtlCol="0" anchor="ctr"/>
+          <a:lstStyle/>
+          <a:p>
+            <a:pPr algn="ctr"/>
+            <a:endParaRPr kumimoji="1" lang="zh-CN" altLang="en-US"/>
+          </a:p>
+        </p:txBody>
+      </p:sp>
+      <p:sp>
+        <p:nvSpPr>
+          <p:cNvPr id="31" name="七边形 30">
+            <a:extLst>
+              <a:ext uri="{FF2B5EF4-FFF2-40B4-BE49-F238E27FC236}">
+                <a16:creationId xmlns:a16="http://schemas.microsoft.com/office/drawing/2014/main" id="{49A81847-5CC2-C01E-FBDC-53FA0210A021}"/>
+              </a:ext>
+            </a:extLst>
+          </p:cNvPr>
+          <p:cNvSpPr/>
+          <p:nvPr/>
+        </p:nvSpPr>
+        <p:spPr>
+          <a:xfrm>
+            <a:off x="8954075" y="1981198"/>
+            <a:ext cx="1256723" cy="1105827"/>
+          </a:xfrm>
+          <a:prstGeom prst="heptagon">
+            <a:avLst/>
+          </a:prstGeom>
+        </p:spPr>
+        <p:style>
+          <a:lnRef idx="2">
+            <a:schemeClr val="accent1">
+              <a:shade val="15000"/>
+            </a:schemeClr>
+          </a:lnRef>
+          <a:fillRef idx="1">
+            <a:schemeClr val="accent1"/>
+          </a:fillRef>
+          <a:effectRef idx="0">
+            <a:schemeClr val="accent1"/>
+          </a:effectRef>
+          <a:fontRef idx="minor">
+            <a:schemeClr val="lt1"/>
+          </a:fontRef>
+        </p:style>
+        <p:txBody>
+          <a:bodyPr rtlCol="0" anchor="ctr"/>
+          <a:lstStyle/>
+          <a:p>
+            <a:pPr algn="ctr"/>
+            <a:endParaRPr kumimoji="1" lang="zh-CN" altLang="en-US"/>
+          </a:p>
+        </p:txBody>
+      </p:sp>
+      <p:sp>
+        <p:nvSpPr>
+          <p:cNvPr id="32" name="八边形 31">
+            <a:extLst>
+              <a:ext uri="{FF2B5EF4-FFF2-40B4-BE49-F238E27FC236}">
+                <a16:creationId xmlns:a16="http://schemas.microsoft.com/office/drawing/2014/main" id="{95795165-9C17-0960-2D19-BBE5980464F5}"/>
+              </a:ext>
+            </a:extLst>
+          </p:cNvPr>
+          <p:cNvSpPr/>
+          <p:nvPr/>
+        </p:nvSpPr>
+        <p:spPr>
+          <a:xfrm>
+            <a:off x="10617200" y="1977159"/>
+            <a:ext cx="1282700" cy="1165286"/>
+          </a:xfrm>
+          <a:prstGeom prst="octagon">
+            <a:avLst>
+              <a:gd name="adj" fmla="val 18589"/>
+            </a:avLst>
+          </a:prstGeom>
+          <a:solidFill>
+            <a:schemeClr val="accent2">
+              <a:lumMod val="20000"/>
+              <a:lumOff val="80000"/>
+            </a:schemeClr>
+          </a:solidFill>
+        </p:spPr>
+        <p:style>
+          <a:lnRef idx="2">
+            <a:schemeClr val="accent1">
+              <a:shade val="15000"/>
+            </a:schemeClr>
+          </a:lnRef>
+          <a:fillRef idx="1">
+            <a:schemeClr val="accent1"/>
+          </a:fillRef>
+          <a:effectRef idx="0">
+            <a:schemeClr val="accent1"/>
+          </a:effectRef>
+          <a:fontRef idx="minor">
+            <a:schemeClr val="lt1"/>
+          </a:fontRef>
+        </p:style>
+        <p:txBody>
+          <a:bodyPr rtlCol="0" anchor="ctr"/>
+          <a:lstStyle/>
+          <a:p>
+            <a:pPr algn="ctr"/>
+            <a:endParaRPr kumimoji="1" lang="zh-CN" altLang="en-US"/>
+          </a:p>
+        </p:txBody>
+      </p:sp>
+      <p:sp>
+        <p:nvSpPr>
+          <p:cNvPr id="33" name="弦形 32">
+            <a:extLst>
+              <a:ext uri="{FF2B5EF4-FFF2-40B4-BE49-F238E27FC236}">
+                <a16:creationId xmlns:a16="http://schemas.microsoft.com/office/drawing/2014/main" id="{3A248B82-40BE-2A4E-19D6-7133E621B3B8}"/>
+              </a:ext>
+            </a:extLst>
+          </p:cNvPr>
+          <p:cNvSpPr/>
+          <p:nvPr/>
+        </p:nvSpPr>
+        <p:spPr>
+          <a:xfrm>
+            <a:off x="8311365" y="3516516"/>
+            <a:ext cx="1620981" cy="1184661"/>
+          </a:xfrm>
+          <a:prstGeom prst="chord">
+            <a:avLst>
+              <a:gd name="adj1" fmla="val 4034290"/>
+              <a:gd name="adj2" fmla="val 20474016"/>
+            </a:avLst>
+          </a:prstGeom>
+          <a:solidFill>
+            <a:schemeClr val="accent5"/>
+          </a:solidFill>
+        </p:spPr>
+        <p:style>
+          <a:lnRef idx="2">
+            <a:schemeClr val="accent1">
+              <a:shade val="15000"/>
+            </a:schemeClr>
+          </a:lnRef>
+          <a:fillRef idx="1">
+            <a:schemeClr val="accent1"/>
+          </a:fillRef>
+          <a:effectRef idx="0">
+            <a:schemeClr val="accent1"/>
+          </a:effectRef>
+          <a:fontRef idx="minor">
+            <a:schemeClr val="lt1"/>
+          </a:fontRef>
+        </p:style>
+        <p:txBody>
+          <a:bodyPr rtlCol="0" anchor="ctr"/>
+          <a:lstStyle/>
+          <a:p>
+            <a:pPr algn="ctr"/>
+            <a:endParaRPr kumimoji="1" lang="zh-CN" altLang="en-US"/>
+          </a:p>
+        </p:txBody>
+      </p:sp>
+      <p:sp>
+        <p:nvSpPr>
+          <p:cNvPr id="34" name="泪珠形 33">
+            <a:extLst>
+              <a:ext uri="{FF2B5EF4-FFF2-40B4-BE49-F238E27FC236}">
+                <a16:creationId xmlns:a16="http://schemas.microsoft.com/office/drawing/2014/main" id="{76D019EA-6F87-26EE-C0E1-49BDC79A77C9}"/>
+              </a:ext>
+            </a:extLst>
+          </p:cNvPr>
+          <p:cNvSpPr/>
+          <p:nvPr/>
+        </p:nvSpPr>
+        <p:spPr>
+          <a:xfrm>
+            <a:off x="7585797" y="5278582"/>
+            <a:ext cx="1255966" cy="1278310"/>
+          </a:xfrm>
+          <a:prstGeom prst="teardrop">
+            <a:avLst>
+              <a:gd name="adj" fmla="val 141918"/>
+            </a:avLst>
+          </a:prstGeom>
+          <a:solidFill>
+            <a:schemeClr val="accent6"/>
+          </a:solidFill>
+        </p:spPr>
+        <p:style>
+          <a:lnRef idx="2">
+            <a:schemeClr val="accent1">
+              <a:shade val="15000"/>
+            </a:schemeClr>
+          </a:lnRef>
+          <a:fillRef idx="1">
+            <a:schemeClr val="accent1"/>
+          </a:fillRef>
+          <a:effectRef idx="0">
+            <a:schemeClr val="accent1"/>
+          </a:effectRef>
+          <a:fontRef idx="minor">
+            <a:schemeClr val="lt1"/>
+          </a:fontRef>
+        </p:style>
+        <p:txBody>
+          <a:bodyPr rtlCol="0" anchor="ctr"/>
+          <a:lstStyle/>
+          <a:p>
+            <a:pPr algn="ctr"/>
+            <a:endParaRPr kumimoji="1" lang="zh-CN" altLang="en-US"/>
+          </a:p>
+        </p:txBody>
+      </p:sp>
+      <p:sp>
+        <p:nvSpPr>
+          <p:cNvPr id="35" name="十边形 34">
+            <a:extLst>
+              <a:ext uri="{FF2B5EF4-FFF2-40B4-BE49-F238E27FC236}">
+                <a16:creationId xmlns:a16="http://schemas.microsoft.com/office/drawing/2014/main" id="{CC8BBB4F-12CA-B619-7E0A-8A023F9C72D0}"/>
+              </a:ext>
+            </a:extLst>
+          </p:cNvPr>
+          <p:cNvSpPr/>
+          <p:nvPr/>
+        </p:nvSpPr>
+        <p:spPr>
+          <a:xfrm>
+            <a:off x="434289" y="5278582"/>
+            <a:ext cx="1606333" cy="1288473"/>
+          </a:xfrm>
+          <a:prstGeom prst="decagon">
+            <a:avLst/>
+          </a:prstGeom>
+        </p:spPr>
+        <p:style>
+          <a:lnRef idx="2">
+            <a:schemeClr val="accent1">
+              <a:shade val="15000"/>
+            </a:schemeClr>
+          </a:lnRef>
+          <a:fillRef idx="1">
+            <a:schemeClr val="accent1"/>
+          </a:fillRef>
+          <a:effectRef idx="0">
+            <a:schemeClr val="accent1"/>
+          </a:effectRef>
+          <a:fontRef idx="minor">
+            <a:schemeClr val="lt1"/>
+          </a:fontRef>
+        </p:style>
+        <p:txBody>
+          <a:bodyPr rtlCol="0" anchor="ctr"/>
+          <a:lstStyle/>
+          <a:p>
+            <a:pPr algn="ctr"/>
+            <a:r>
+              <a:rPr kumimoji="1" lang="zh-CN" altLang="en-US" dirty="0"/>
+              <a:t>你好吗，陌生人</a:t>
+            </a:r>
+          </a:p>
+        </p:txBody>
+      </p:sp>
+      <p:sp>
+        <p:nvSpPr>
+          <p:cNvPr id="36" name="十二边形 35">
+            <a:extLst>
+              <a:ext uri="{FF2B5EF4-FFF2-40B4-BE49-F238E27FC236}">
+                <a16:creationId xmlns:a16="http://schemas.microsoft.com/office/drawing/2014/main" id="{D160A547-A558-43C0-DB4C-38BA6D07A1F8}"/>
+              </a:ext>
+            </a:extLst>
+          </p:cNvPr>
+          <p:cNvSpPr/>
+          <p:nvPr/>
+        </p:nvSpPr>
+        <p:spPr>
+          <a:xfrm>
+            <a:off x="2460371" y="5065553"/>
+            <a:ext cx="1878445" cy="1606021"/>
+          </a:xfrm>
+          <a:prstGeom prst="dodecagon">
+            <a:avLst/>
+          </a:prstGeom>
+          <a:solidFill>
+            <a:schemeClr val="accent2">
+              <a:lumMod val="60000"/>
+              <a:lumOff val="40000"/>
+            </a:schemeClr>
+          </a:solidFill>
+        </p:spPr>
+        <p:style>
+          <a:lnRef idx="2">
+            <a:schemeClr val="accent1">
+              <a:shade val="15000"/>
+            </a:schemeClr>
+          </a:lnRef>
+          <a:fillRef idx="1">
+            <a:schemeClr val="accent1"/>
+          </a:fillRef>
+          <a:effectRef idx="0">
+            <a:schemeClr val="accent1"/>
+          </a:effectRef>
+          <a:fontRef idx="minor">
+            <a:schemeClr val="lt1"/>
+          </a:fontRef>
+        </p:style>
+        <p:txBody>
+          <a:bodyPr rtlCol="0" anchor="t"/>
+          <a:lstStyle/>
+          <a:p>
+            <a:r>
+              <a:rPr kumimoji="1" lang="zh-CN" altLang="en-US" dirty="0"/>
+              <a:t>亲爱的，你不要离开我</a:t>
+            </a:r>
+          </a:p>
+        </p:txBody>
+      </p:sp>
+      <p:sp>
+        <p:nvSpPr>
+          <p:cNvPr id="37" name="框架 36">
+            <a:extLst>
+              <a:ext uri="{FF2B5EF4-FFF2-40B4-BE49-F238E27FC236}">
+                <a16:creationId xmlns:a16="http://schemas.microsoft.com/office/drawing/2014/main" id="{C8DD07EB-4593-316A-171F-5DA6F4B64268}"/>
+              </a:ext>
+            </a:extLst>
+          </p:cNvPr>
+          <p:cNvSpPr/>
+          <p:nvPr/>
+        </p:nvSpPr>
+        <p:spPr>
+          <a:xfrm>
+            <a:off x="4825219" y="5084293"/>
+            <a:ext cx="2092817" cy="1501502"/>
+          </a:xfrm>
+          <a:prstGeom prst="frame">
+            <a:avLst>
+              <a:gd name="adj1" fmla="val 30954"/>
+            </a:avLst>
+          </a:prstGeom>
+          <a:solidFill>
+            <a:schemeClr val="accent4">
+              <a:lumMod val="60000"/>
+              <a:lumOff val="40000"/>
+            </a:schemeClr>
+          </a:solidFill>
+        </p:spPr>
+        <p:style>
+          <a:lnRef idx="2">
+            <a:schemeClr val="accent1">
+              <a:shade val="15000"/>
+            </a:schemeClr>
+          </a:lnRef>
+          <a:fillRef idx="1">
+            <a:schemeClr val="accent1"/>
+          </a:fillRef>
+          <a:effectRef idx="0">
+            <a:schemeClr val="accent1"/>
+          </a:effectRef>
+          <a:fontRef idx="minor">
+            <a:schemeClr val="lt1"/>
+          </a:fontRef>
+        </p:style>
+        <p:txBody>
+          <a:bodyPr rtlCol="0" anchor="ctr"/>
+          <a:lstStyle/>
+          <a:p>
+            <a:pPr algn="ctr"/>
+            <a:endParaRPr kumimoji="1" lang="zh-CN" altLang="en-US">
+              <a:solidFill>
+                <a:schemeClr val="tx1"/>
+              </a:solidFill>
+            </a:endParaRPr>
+          </a:p>
+        </p:txBody>
+      </p:sp>
+      <p:cxnSp>
+        <p:nvCxnSpPr>
+          <p:cNvPr id="38" name="直线连接符 37">
+            <a:extLst>
+              <a:ext uri="{FF2B5EF4-FFF2-40B4-BE49-F238E27FC236}">
+                <a16:creationId xmlns:a16="http://schemas.microsoft.com/office/drawing/2014/main" id="{68B04EEC-B92E-33E2-0D5F-298C4423124E}"/>
+              </a:ext>
+            </a:extLst>
+          </p:cNvPr>
+          <p:cNvCxnSpPr>
+            <a:cxnSpLocks/>
+          </p:cNvCxnSpPr>
+          <p:nvPr/>
+        </p:nvCxnSpPr>
+        <p:spPr>
+          <a:xfrm>
+            <a:off x="0" y="569451"/>
+            <a:ext cx="12192000" cy="0"/>
+          </a:xfrm>
+          <a:prstGeom prst="line">
+            <a:avLst/>
+          </a:prstGeom>
+          <a:ln w="38100">
+            <a:solidFill>
+              <a:schemeClr val="accent2"/>
+            </a:solidFill>
+          </a:ln>
+        </p:spPr>
+        <p:style>
+          <a:lnRef idx="1">
+            <a:schemeClr val="accent1"/>
+          </a:lnRef>
+          <a:fillRef idx="0">
+            <a:schemeClr val="accent1"/>
+          </a:fillRef>
+          <a:effectRef idx="0">
+            <a:schemeClr val="accent1"/>
+          </a:effectRef>
+          <a:fontRef idx="minor">
+            <a:schemeClr val="tx1"/>
+          </a:fontRef>
+        </p:style>
+      </p:cxnSp>
+      <p:cxnSp>
+        <p:nvCxnSpPr>
+          <p:cNvPr id="39" name="直线连接符 38">
+            <a:extLst>
+              <a:ext uri="{FF2B5EF4-FFF2-40B4-BE49-F238E27FC236}">
+                <a16:creationId xmlns:a16="http://schemas.microsoft.com/office/drawing/2014/main" id="{01B71F43-4ACB-4AD9-68F8-636174182C83}"/>
+              </a:ext>
+            </a:extLst>
+          </p:cNvPr>
+          <p:cNvCxnSpPr>
+            <a:cxnSpLocks/>
+          </p:cNvCxnSpPr>
+          <p:nvPr/>
+        </p:nvCxnSpPr>
+        <p:spPr>
+          <a:xfrm>
+            <a:off x="27710" y="1788652"/>
+            <a:ext cx="12067309" cy="0"/>
+          </a:xfrm>
+          <a:prstGeom prst="line">
+            <a:avLst/>
+          </a:prstGeom>
+          <a:ln w="12700">
+            <a:solidFill>
+              <a:schemeClr val="tx1"/>
+            </a:solidFill>
+            <a:prstDash val="dash"/>
+            <a:headEnd type="triangle"/>
+            <a:tailEnd type="arrow"/>
+          </a:ln>
+        </p:spPr>
+        <p:style>
+          <a:lnRef idx="1">
+            <a:schemeClr val="accent1"/>
+          </a:lnRef>
+          <a:fillRef idx="0">
+            <a:schemeClr val="accent1"/>
+          </a:fillRef>
+          <a:effectRef idx="0">
+            <a:schemeClr val="accent1"/>
+          </a:effectRef>
+          <a:fontRef idx="minor">
+            <a:schemeClr val="tx1"/>
+          </a:fontRef>
+        </p:style>
+      </p:cxnSp>
+      <p:cxnSp>
+        <p:nvCxnSpPr>
+          <p:cNvPr id="40" name="直线连接符 39">
+            <a:extLst>
+              <a:ext uri="{FF2B5EF4-FFF2-40B4-BE49-F238E27FC236}">
+                <a16:creationId xmlns:a16="http://schemas.microsoft.com/office/drawing/2014/main" id="{584A5998-59F1-8099-D3C1-19D605A6C10B}"/>
+              </a:ext>
+            </a:extLst>
+          </p:cNvPr>
+          <p:cNvCxnSpPr>
+            <a:cxnSpLocks/>
+          </p:cNvCxnSpPr>
+          <p:nvPr/>
+        </p:nvCxnSpPr>
+        <p:spPr>
+          <a:xfrm>
+            <a:off x="124691" y="3371388"/>
+            <a:ext cx="11970328" cy="0"/>
+          </a:xfrm>
+          <a:prstGeom prst="line">
+            <a:avLst/>
+          </a:prstGeom>
+          <a:ln w="12700">
+            <a:solidFill>
+              <a:schemeClr val="tx1"/>
+            </a:solidFill>
+            <a:prstDash val="dash"/>
+            <a:headEnd type="triangle" w="lg" len="lg"/>
+            <a:tailEnd type="arrow" w="lg" len="lg"/>
+          </a:ln>
+        </p:spPr>
+        <p:style>
+          <a:lnRef idx="1">
+            <a:schemeClr val="accent1"/>
+          </a:lnRef>
+          <a:fillRef idx="0">
+            <a:schemeClr val="accent1"/>
+          </a:fillRef>
+          <a:effectRef idx="0">
+            <a:schemeClr val="accent1"/>
+          </a:effectRef>
+          <a:fontRef idx="minor">
+            <a:schemeClr val="tx1"/>
+          </a:fontRef>
+        </p:style>
+      </p:cxnSp>
+      <p:cxnSp>
+        <p:nvCxnSpPr>
+          <p:cNvPr id="41" name="直线连接符 40">
+            <a:extLst>
+              <a:ext uri="{FF2B5EF4-FFF2-40B4-BE49-F238E27FC236}">
+                <a16:creationId xmlns:a16="http://schemas.microsoft.com/office/drawing/2014/main" id="{9DE28C1A-AA0D-6DF7-22A6-7BFDC4E16D9E}"/>
+              </a:ext>
+            </a:extLst>
+          </p:cNvPr>
+          <p:cNvCxnSpPr>
+            <a:cxnSpLocks/>
+          </p:cNvCxnSpPr>
+          <p:nvPr/>
+        </p:nvCxnSpPr>
+        <p:spPr>
+          <a:xfrm>
+            <a:off x="54260" y="4939840"/>
+            <a:ext cx="12067309" cy="0"/>
+          </a:xfrm>
+          <a:prstGeom prst="line">
+            <a:avLst/>
+          </a:prstGeom>
+          <a:ln w="12700">
+            <a:solidFill>
+              <a:schemeClr val="tx1"/>
+            </a:solidFill>
+            <a:prstDash val="dash"/>
+            <a:headEnd type="diamond" w="lg" len="lg"/>
+            <a:tailEnd type="oval" w="lg" len="lg"/>
+          </a:ln>
+        </p:spPr>
+        <p:style>
+          <a:lnRef idx="1">
+            <a:schemeClr val="accent1"/>
+          </a:lnRef>
+          <a:fillRef idx="0">
+            <a:schemeClr val="accent1"/>
+          </a:fillRef>
+          <a:effectRef idx="0">
+            <a:schemeClr val="accent1"/>
+          </a:effectRef>
+          <a:fontRef idx="minor">
+            <a:schemeClr val="tx1"/>
+          </a:fontRef>
+        </p:style>
+      </p:cxnSp>
+      <p:sp>
+        <p:nvSpPr>
+          <p:cNvPr id="42" name="平行四边形 41">
+            <a:extLst>
+              <a:ext uri="{FF2B5EF4-FFF2-40B4-BE49-F238E27FC236}">
+                <a16:creationId xmlns:a16="http://schemas.microsoft.com/office/drawing/2014/main" id="{1C1A5C82-D7A8-20D2-D005-76F5257E2612}"/>
+              </a:ext>
+            </a:extLst>
+          </p:cNvPr>
+          <p:cNvSpPr/>
+          <p:nvPr/>
+        </p:nvSpPr>
+        <p:spPr>
+          <a:xfrm>
+            <a:off x="10210799" y="4184077"/>
+            <a:ext cx="703854" cy="399900"/>
+          </a:xfrm>
+          <a:prstGeom prst="parallelogram">
+            <a:avLst/>
+          </a:prstGeom>
+          <a:solidFill>
+            <a:schemeClr val="accent2">
+              <a:lumMod val="75000"/>
+            </a:schemeClr>
+          </a:solidFill>
+        </p:spPr>
+        <p:style>
+          <a:lnRef idx="2">
+            <a:schemeClr val="accent1">
+              <a:shade val="15000"/>
+            </a:schemeClr>
+          </a:lnRef>
+          <a:fillRef idx="1">
+            <a:schemeClr val="accent1"/>
+          </a:fillRef>
+          <a:effectRef idx="0">
+            <a:schemeClr val="accent1"/>
+          </a:effectRef>
+          <a:fontRef idx="minor">
+            <a:schemeClr val="lt1"/>
+          </a:fontRef>
+        </p:style>
+        <p:txBody>
+          <a:bodyPr rtlCol="0" anchor="ctr"/>
+          <a:lstStyle/>
+          <a:p>
+            <a:pPr algn="ctr"/>
+            <a:endParaRPr kumimoji="1" lang="zh-CN" altLang="en-US"/>
+          </a:p>
+        </p:txBody>
+      </p:sp>
+      <p:sp>
+        <p:nvSpPr>
+          <p:cNvPr id="43" name="梯形 42">
+            <a:extLst>
+              <a:ext uri="{FF2B5EF4-FFF2-40B4-BE49-F238E27FC236}">
+                <a16:creationId xmlns:a16="http://schemas.microsoft.com/office/drawing/2014/main" id="{439EEE19-DDBD-4F18-E79A-35700A2CBA16}"/>
+              </a:ext>
+            </a:extLst>
+          </p:cNvPr>
+          <p:cNvSpPr/>
+          <p:nvPr/>
+        </p:nvSpPr>
+        <p:spPr>
+          <a:xfrm>
+            <a:off x="11319164" y="3538864"/>
+            <a:ext cx="775855" cy="1130896"/>
+          </a:xfrm>
+          <a:prstGeom prst="trapezoid">
+            <a:avLst/>
+          </a:prstGeom>
+          <a:solidFill>
+            <a:schemeClr val="accent4">
+              <a:lumMod val="60000"/>
+              <a:lumOff val="40000"/>
+            </a:schemeClr>
+          </a:solidFill>
+        </p:spPr>
+        <p:style>
+          <a:lnRef idx="2">
+            <a:schemeClr val="accent1">
+              <a:shade val="15000"/>
+            </a:schemeClr>
+          </a:lnRef>
+          <a:fillRef idx="1">
+            <a:schemeClr val="accent1"/>
+          </a:fillRef>
+          <a:effectRef idx="0">
+            <a:schemeClr val="accent1"/>
+          </a:effectRef>
+          <a:fontRef idx="minor">
+            <a:schemeClr val="lt1"/>
+          </a:fontRef>
+        </p:style>
+        <p:txBody>
+          <a:bodyPr rtlCol="0" anchor="ctr"/>
+          <a:lstStyle/>
+          <a:p>
+            <a:pPr algn="ctr"/>
+            <a:endParaRPr kumimoji="1" lang="zh-CN" altLang="en-US"/>
+          </a:p>
+        </p:txBody>
+      </p:sp>
+      <p:sp>
+        <p:nvSpPr>
+          <p:cNvPr id="44" name="三角形 43">
+            <a:extLst>
+              <a:ext uri="{FF2B5EF4-FFF2-40B4-BE49-F238E27FC236}">
+                <a16:creationId xmlns:a16="http://schemas.microsoft.com/office/drawing/2014/main" id="{AFAF0419-BBBE-6ED1-DB1F-973CDCE71EC3}"/>
+              </a:ext>
+            </a:extLst>
+          </p:cNvPr>
+          <p:cNvSpPr/>
+          <p:nvPr/>
+        </p:nvSpPr>
+        <p:spPr>
+          <a:xfrm>
+            <a:off x="10210798" y="3665770"/>
+            <a:ext cx="839024" cy="324888"/>
+          </a:xfrm>
+          <a:prstGeom prst="triangle">
+            <a:avLst/>
+          </a:prstGeom>
+          <a:solidFill>
+            <a:schemeClr val="accent2">
+              <a:lumMod val="60000"/>
+              <a:lumOff val="40000"/>
+            </a:schemeClr>
+          </a:solidFill>
+        </p:spPr>
+        <p:style>
+          <a:lnRef idx="2">
+            <a:schemeClr val="accent1">
+              <a:shade val="15000"/>
+            </a:schemeClr>
+          </a:lnRef>
+          <a:fillRef idx="1">
+            <a:schemeClr val="accent1"/>
+          </a:fillRef>
+          <a:effectRef idx="0">
+            <a:schemeClr val="accent1"/>
+          </a:effectRef>
+          <a:fontRef idx="minor">
+            <a:schemeClr val="lt1"/>
+          </a:fontRef>
+        </p:style>
+        <p:txBody>
+          <a:bodyPr rtlCol="0" anchor="ctr"/>
+          <a:lstStyle/>
+          <a:p>
+            <a:pPr algn="ctr"/>
+            <a:endParaRPr kumimoji="1" lang="zh-CN" altLang="en-US"/>
+          </a:p>
+        </p:txBody>
+      </p:sp>
+      <p:sp>
+        <p:nvSpPr>
+          <p:cNvPr id="2" name="任意形状 1">
+            <a:extLst>
+              <a:ext uri="{FF2B5EF4-FFF2-40B4-BE49-F238E27FC236}">
+                <a16:creationId xmlns:a16="http://schemas.microsoft.com/office/drawing/2014/main" id="{0A685EA3-5D38-1572-48F4-2F7F9EA0B674}"/>
+              </a:ext>
+            </a:extLst>
+          </p:cNvPr>
+          <p:cNvSpPr/>
+          <p:nvPr/>
+        </p:nvSpPr>
+        <p:spPr>
+          <a:xfrm>
+            <a:off x="9198429" y="5257800"/>
+            <a:ext cx="1511056" cy="1480457"/>
+          </a:xfrm>
+          <a:custGeom>
+            <a:avLst/>
+            <a:gdLst>
+              <a:gd name="connsiteX0" fmla="*/ 228600 w 1511056"/>
+              <a:gd name="connsiteY0" fmla="*/ 0 h 1480457"/>
+              <a:gd name="connsiteX1" fmla="*/ 228600 w 1511056"/>
+              <a:gd name="connsiteY1" fmla="*/ 0 h 1480457"/>
+              <a:gd name="connsiteX2" fmla="*/ 359228 w 1511056"/>
+              <a:gd name="connsiteY2" fmla="*/ 65314 h 1480457"/>
+              <a:gd name="connsiteX3" fmla="*/ 664028 w 1511056"/>
+              <a:gd name="connsiteY3" fmla="*/ 293914 h 1480457"/>
+              <a:gd name="connsiteX4" fmla="*/ 903514 w 1511056"/>
+              <a:gd name="connsiteY4" fmla="*/ 511629 h 1480457"/>
+              <a:gd name="connsiteX5" fmla="*/ 1110342 w 1511056"/>
+              <a:gd name="connsiteY5" fmla="*/ 740229 h 1480457"/>
+              <a:gd name="connsiteX6" fmla="*/ 1132114 w 1511056"/>
+              <a:gd name="connsiteY6" fmla="*/ 772886 h 1480457"/>
+              <a:gd name="connsiteX7" fmla="*/ 1164771 w 1511056"/>
+              <a:gd name="connsiteY7" fmla="*/ 838200 h 1480457"/>
+              <a:gd name="connsiteX8" fmla="*/ 1175657 w 1511056"/>
+              <a:gd name="connsiteY8" fmla="*/ 881743 h 1480457"/>
+              <a:gd name="connsiteX9" fmla="*/ 1197428 w 1511056"/>
+              <a:gd name="connsiteY9" fmla="*/ 925286 h 1480457"/>
+              <a:gd name="connsiteX10" fmla="*/ 1219200 w 1511056"/>
+              <a:gd name="connsiteY10" fmla="*/ 1012371 h 1480457"/>
+              <a:gd name="connsiteX11" fmla="*/ 1230085 w 1511056"/>
+              <a:gd name="connsiteY11" fmla="*/ 1055914 h 1480457"/>
+              <a:gd name="connsiteX12" fmla="*/ 1175657 w 1511056"/>
+              <a:gd name="connsiteY12" fmla="*/ 1088571 h 1480457"/>
+              <a:gd name="connsiteX13" fmla="*/ 1121228 w 1511056"/>
+              <a:gd name="connsiteY13" fmla="*/ 1110343 h 1480457"/>
+              <a:gd name="connsiteX14" fmla="*/ 947057 w 1511056"/>
+              <a:gd name="connsiteY14" fmla="*/ 1132114 h 1480457"/>
+              <a:gd name="connsiteX15" fmla="*/ 870857 w 1511056"/>
+              <a:gd name="connsiteY15" fmla="*/ 1143000 h 1480457"/>
+              <a:gd name="connsiteX16" fmla="*/ 685800 w 1511056"/>
+              <a:gd name="connsiteY16" fmla="*/ 1132114 h 1480457"/>
+              <a:gd name="connsiteX17" fmla="*/ 576942 w 1511056"/>
+              <a:gd name="connsiteY17" fmla="*/ 1077686 h 1480457"/>
+              <a:gd name="connsiteX18" fmla="*/ 533400 w 1511056"/>
+              <a:gd name="connsiteY18" fmla="*/ 1055914 h 1480457"/>
+              <a:gd name="connsiteX19" fmla="*/ 500742 w 1511056"/>
+              <a:gd name="connsiteY19" fmla="*/ 1023257 h 1480457"/>
+              <a:gd name="connsiteX20" fmla="*/ 468085 w 1511056"/>
+              <a:gd name="connsiteY20" fmla="*/ 1001486 h 1480457"/>
+              <a:gd name="connsiteX21" fmla="*/ 424542 w 1511056"/>
+              <a:gd name="connsiteY21" fmla="*/ 957943 h 1480457"/>
+              <a:gd name="connsiteX22" fmla="*/ 413657 w 1511056"/>
+              <a:gd name="connsiteY22" fmla="*/ 925286 h 1480457"/>
+              <a:gd name="connsiteX23" fmla="*/ 391885 w 1511056"/>
+              <a:gd name="connsiteY23" fmla="*/ 870857 h 1480457"/>
+              <a:gd name="connsiteX24" fmla="*/ 413657 w 1511056"/>
+              <a:gd name="connsiteY24" fmla="*/ 718457 h 1480457"/>
+              <a:gd name="connsiteX25" fmla="*/ 446314 w 1511056"/>
+              <a:gd name="connsiteY25" fmla="*/ 674914 h 1480457"/>
+              <a:gd name="connsiteX26" fmla="*/ 566057 w 1511056"/>
+              <a:gd name="connsiteY26" fmla="*/ 587829 h 1480457"/>
+              <a:gd name="connsiteX27" fmla="*/ 642257 w 1511056"/>
+              <a:gd name="connsiteY27" fmla="*/ 555171 h 1480457"/>
+              <a:gd name="connsiteX28" fmla="*/ 870857 w 1511056"/>
+              <a:gd name="connsiteY28" fmla="*/ 533400 h 1480457"/>
+              <a:gd name="connsiteX29" fmla="*/ 1099457 w 1511056"/>
+              <a:gd name="connsiteY29" fmla="*/ 544286 h 1480457"/>
+              <a:gd name="connsiteX30" fmla="*/ 1175657 w 1511056"/>
+              <a:gd name="connsiteY30" fmla="*/ 576943 h 1480457"/>
+              <a:gd name="connsiteX31" fmla="*/ 1284514 w 1511056"/>
+              <a:gd name="connsiteY31" fmla="*/ 653143 h 1480457"/>
+              <a:gd name="connsiteX32" fmla="*/ 1306285 w 1511056"/>
+              <a:gd name="connsiteY32" fmla="*/ 696686 h 1480457"/>
+              <a:gd name="connsiteX33" fmla="*/ 1284514 w 1511056"/>
+              <a:gd name="connsiteY33" fmla="*/ 881743 h 1480457"/>
+              <a:gd name="connsiteX34" fmla="*/ 1164771 w 1511056"/>
+              <a:gd name="connsiteY34" fmla="*/ 990600 h 1480457"/>
+              <a:gd name="connsiteX35" fmla="*/ 859971 w 1511056"/>
+              <a:gd name="connsiteY35" fmla="*/ 1175657 h 1480457"/>
+              <a:gd name="connsiteX36" fmla="*/ 598714 w 1511056"/>
+              <a:gd name="connsiteY36" fmla="*/ 1262743 h 1480457"/>
+              <a:gd name="connsiteX37" fmla="*/ 359228 w 1511056"/>
+              <a:gd name="connsiteY37" fmla="*/ 1230086 h 1480457"/>
+              <a:gd name="connsiteX38" fmla="*/ 304800 w 1511056"/>
+              <a:gd name="connsiteY38" fmla="*/ 1175657 h 1480457"/>
+              <a:gd name="connsiteX39" fmla="*/ 239485 w 1511056"/>
+              <a:gd name="connsiteY39" fmla="*/ 1001486 h 1480457"/>
+              <a:gd name="connsiteX40" fmla="*/ 228600 w 1511056"/>
+              <a:gd name="connsiteY40" fmla="*/ 925286 h 1480457"/>
+              <a:gd name="connsiteX41" fmla="*/ 217714 w 1511056"/>
+              <a:gd name="connsiteY41" fmla="*/ 859971 h 1480457"/>
+              <a:gd name="connsiteX42" fmla="*/ 228600 w 1511056"/>
+              <a:gd name="connsiteY42" fmla="*/ 729343 h 1480457"/>
+              <a:gd name="connsiteX43" fmla="*/ 326571 w 1511056"/>
+              <a:gd name="connsiteY43" fmla="*/ 598714 h 1480457"/>
+              <a:gd name="connsiteX44" fmla="*/ 446314 w 1511056"/>
+              <a:gd name="connsiteY44" fmla="*/ 500743 h 1480457"/>
+              <a:gd name="connsiteX45" fmla="*/ 576942 w 1511056"/>
+              <a:gd name="connsiteY45" fmla="*/ 424543 h 1480457"/>
+              <a:gd name="connsiteX46" fmla="*/ 881742 w 1511056"/>
+              <a:gd name="connsiteY46" fmla="*/ 315686 h 1480457"/>
+              <a:gd name="connsiteX47" fmla="*/ 1045028 w 1511056"/>
+              <a:gd name="connsiteY47" fmla="*/ 293914 h 1480457"/>
+              <a:gd name="connsiteX48" fmla="*/ 1404257 w 1511056"/>
+              <a:gd name="connsiteY48" fmla="*/ 413657 h 1480457"/>
+              <a:gd name="connsiteX49" fmla="*/ 1469571 w 1511056"/>
+              <a:gd name="connsiteY49" fmla="*/ 511629 h 1480457"/>
+              <a:gd name="connsiteX50" fmla="*/ 1447800 w 1511056"/>
+              <a:gd name="connsiteY50" fmla="*/ 1001486 h 1480457"/>
+              <a:gd name="connsiteX51" fmla="*/ 1317171 w 1511056"/>
+              <a:gd name="connsiteY51" fmla="*/ 1164771 h 1480457"/>
+              <a:gd name="connsiteX52" fmla="*/ 1175657 w 1511056"/>
+              <a:gd name="connsiteY52" fmla="*/ 1306286 h 1480457"/>
+              <a:gd name="connsiteX53" fmla="*/ 881742 w 1511056"/>
+              <a:gd name="connsiteY53" fmla="*/ 1458686 h 1480457"/>
+              <a:gd name="connsiteX54" fmla="*/ 762000 w 1511056"/>
+              <a:gd name="connsiteY54" fmla="*/ 1480457 h 1480457"/>
+              <a:gd name="connsiteX55" fmla="*/ 566057 w 1511056"/>
+              <a:gd name="connsiteY55" fmla="*/ 1436914 h 1480457"/>
+              <a:gd name="connsiteX56" fmla="*/ 489857 w 1511056"/>
+              <a:gd name="connsiteY56" fmla="*/ 1360714 h 1480457"/>
+              <a:gd name="connsiteX57" fmla="*/ 391885 w 1511056"/>
+              <a:gd name="connsiteY57" fmla="*/ 1197429 h 1480457"/>
+              <a:gd name="connsiteX58" fmla="*/ 359228 w 1511056"/>
+              <a:gd name="connsiteY58" fmla="*/ 1110343 h 1480457"/>
+              <a:gd name="connsiteX59" fmla="*/ 337457 w 1511056"/>
+              <a:gd name="connsiteY59" fmla="*/ 979714 h 1480457"/>
+              <a:gd name="connsiteX60" fmla="*/ 370114 w 1511056"/>
+              <a:gd name="connsiteY60" fmla="*/ 544286 h 1480457"/>
+              <a:gd name="connsiteX61" fmla="*/ 500742 w 1511056"/>
+              <a:gd name="connsiteY61" fmla="*/ 283029 h 1480457"/>
+              <a:gd name="connsiteX62" fmla="*/ 587828 w 1511056"/>
+              <a:gd name="connsiteY62" fmla="*/ 206829 h 1480457"/>
+              <a:gd name="connsiteX63" fmla="*/ 794657 w 1511056"/>
+              <a:gd name="connsiteY63" fmla="*/ 97971 h 1480457"/>
+              <a:gd name="connsiteX64" fmla="*/ 925285 w 1511056"/>
+              <a:gd name="connsiteY64" fmla="*/ 87086 h 1480457"/>
+              <a:gd name="connsiteX65" fmla="*/ 1251857 w 1511056"/>
+              <a:gd name="connsiteY65" fmla="*/ 97971 h 1480457"/>
+              <a:gd name="connsiteX66" fmla="*/ 1317171 w 1511056"/>
+              <a:gd name="connsiteY66" fmla="*/ 130629 h 1480457"/>
+              <a:gd name="connsiteX67" fmla="*/ 1371600 w 1511056"/>
+              <a:gd name="connsiteY67" fmla="*/ 152400 h 1480457"/>
+              <a:gd name="connsiteX68" fmla="*/ 1415142 w 1511056"/>
+              <a:gd name="connsiteY68" fmla="*/ 185057 h 1480457"/>
+              <a:gd name="connsiteX69" fmla="*/ 1491342 w 1511056"/>
+              <a:gd name="connsiteY69" fmla="*/ 272143 h 1480457"/>
+              <a:gd name="connsiteX70" fmla="*/ 1502228 w 1511056"/>
+              <a:gd name="connsiteY70" fmla="*/ 304800 h 1480457"/>
+              <a:gd name="connsiteX71" fmla="*/ 1491342 w 1511056"/>
+              <a:gd name="connsiteY71" fmla="*/ 424543 h 1480457"/>
+              <a:gd name="connsiteX72" fmla="*/ 1480457 w 1511056"/>
+              <a:gd name="connsiteY72" fmla="*/ 457200 h 1480457"/>
+              <a:gd name="connsiteX73" fmla="*/ 1458685 w 1511056"/>
+              <a:gd name="connsiteY73" fmla="*/ 435429 h 1480457"/>
+              <a:gd name="connsiteX74" fmla="*/ 1404257 w 1511056"/>
+              <a:gd name="connsiteY74" fmla="*/ 348343 h 1480457"/>
+              <a:gd name="connsiteX75" fmla="*/ 1306285 w 1511056"/>
+              <a:gd name="connsiteY75" fmla="*/ 206829 h 1480457"/>
+              <a:gd name="connsiteX76" fmla="*/ 1240971 w 1511056"/>
+              <a:gd name="connsiteY76" fmla="*/ 141514 h 1480457"/>
+              <a:gd name="connsiteX77" fmla="*/ 1012371 w 1511056"/>
+              <a:gd name="connsiteY77" fmla="*/ 174171 h 1480457"/>
+              <a:gd name="connsiteX78" fmla="*/ 827314 w 1511056"/>
+              <a:gd name="connsiteY78" fmla="*/ 250371 h 1480457"/>
+              <a:gd name="connsiteX79" fmla="*/ 555171 w 1511056"/>
+              <a:gd name="connsiteY79" fmla="*/ 391886 h 1480457"/>
+              <a:gd name="connsiteX80" fmla="*/ 391885 w 1511056"/>
+              <a:gd name="connsiteY80" fmla="*/ 478971 h 1480457"/>
+              <a:gd name="connsiteX81" fmla="*/ 359228 w 1511056"/>
+              <a:gd name="connsiteY81" fmla="*/ 511629 h 1480457"/>
+              <a:gd name="connsiteX82" fmla="*/ 348342 w 1511056"/>
+              <a:gd name="connsiteY82" fmla="*/ 566057 h 1480457"/>
+              <a:gd name="connsiteX83" fmla="*/ 337457 w 1511056"/>
+              <a:gd name="connsiteY83" fmla="*/ 598714 h 1480457"/>
+              <a:gd name="connsiteX84" fmla="*/ 348342 w 1511056"/>
+              <a:gd name="connsiteY84" fmla="*/ 859971 h 1480457"/>
+              <a:gd name="connsiteX85" fmla="*/ 359228 w 1511056"/>
+              <a:gd name="connsiteY85" fmla="*/ 957943 h 1480457"/>
+              <a:gd name="connsiteX86" fmla="*/ 381000 w 1511056"/>
+              <a:gd name="connsiteY86" fmla="*/ 990600 h 1480457"/>
+              <a:gd name="connsiteX87" fmla="*/ 413657 w 1511056"/>
+              <a:gd name="connsiteY87" fmla="*/ 1023257 h 1480457"/>
+              <a:gd name="connsiteX88" fmla="*/ 489857 w 1511056"/>
+              <a:gd name="connsiteY88" fmla="*/ 1045029 h 1480457"/>
+              <a:gd name="connsiteX89" fmla="*/ 555171 w 1511056"/>
+              <a:gd name="connsiteY89" fmla="*/ 1066800 h 1480457"/>
+              <a:gd name="connsiteX90" fmla="*/ 707571 w 1511056"/>
+              <a:gd name="connsiteY90" fmla="*/ 1077686 h 1480457"/>
+              <a:gd name="connsiteX91" fmla="*/ 914400 w 1511056"/>
+              <a:gd name="connsiteY91" fmla="*/ 1077686 h 1480457"/>
+              <a:gd name="connsiteX92" fmla="*/ 936171 w 1511056"/>
+              <a:gd name="connsiteY92" fmla="*/ 1001486 h 1480457"/>
+              <a:gd name="connsiteX93" fmla="*/ 947057 w 1511056"/>
+              <a:gd name="connsiteY93" fmla="*/ 881743 h 1480457"/>
+              <a:gd name="connsiteX94" fmla="*/ 968828 w 1511056"/>
+              <a:gd name="connsiteY94" fmla="*/ 544286 h 1480457"/>
+              <a:gd name="connsiteX95" fmla="*/ 957942 w 1511056"/>
+              <a:gd name="connsiteY95" fmla="*/ 261257 h 1480457"/>
+              <a:gd name="connsiteX96" fmla="*/ 892628 w 1511056"/>
+              <a:gd name="connsiteY96" fmla="*/ 174171 h 1480457"/>
+              <a:gd name="connsiteX97" fmla="*/ 642257 w 1511056"/>
+              <a:gd name="connsiteY97" fmla="*/ 108857 h 1480457"/>
+              <a:gd name="connsiteX98" fmla="*/ 478971 w 1511056"/>
+              <a:gd name="connsiteY98" fmla="*/ 119743 h 1480457"/>
+              <a:gd name="connsiteX99" fmla="*/ 391885 w 1511056"/>
+              <a:gd name="connsiteY99" fmla="*/ 174171 h 1480457"/>
+              <a:gd name="connsiteX100" fmla="*/ 250371 w 1511056"/>
+              <a:gd name="connsiteY100" fmla="*/ 239486 h 1480457"/>
+              <a:gd name="connsiteX101" fmla="*/ 174171 w 1511056"/>
+              <a:gd name="connsiteY101" fmla="*/ 272143 h 1480457"/>
+              <a:gd name="connsiteX102" fmla="*/ 130628 w 1511056"/>
+              <a:gd name="connsiteY102" fmla="*/ 359229 h 1480457"/>
+              <a:gd name="connsiteX103" fmla="*/ 108857 w 1511056"/>
+              <a:gd name="connsiteY103" fmla="*/ 402771 h 1480457"/>
+              <a:gd name="connsiteX104" fmla="*/ 43542 w 1511056"/>
+              <a:gd name="connsiteY104" fmla="*/ 544286 h 1480457"/>
+              <a:gd name="connsiteX105" fmla="*/ 21771 w 1511056"/>
+              <a:gd name="connsiteY105" fmla="*/ 609600 h 1480457"/>
+              <a:gd name="connsiteX106" fmla="*/ 0 w 1511056"/>
+              <a:gd name="connsiteY106" fmla="*/ 827314 h 1480457"/>
+              <a:gd name="connsiteX107" fmla="*/ 10885 w 1511056"/>
+              <a:gd name="connsiteY107" fmla="*/ 968829 h 1480457"/>
+              <a:gd name="connsiteX108" fmla="*/ 21771 w 1511056"/>
+              <a:gd name="connsiteY108" fmla="*/ 1023257 h 1480457"/>
+              <a:gd name="connsiteX109" fmla="*/ 32657 w 1511056"/>
+              <a:gd name="connsiteY109" fmla="*/ 1066800 h 1480457"/>
+              <a:gd name="connsiteX110" fmla="*/ 163285 w 1511056"/>
+              <a:gd name="connsiteY110" fmla="*/ 1110343 h 1480457"/>
+            </a:gdLst>
+            <a:ahLst/>
+            <a:cxnLst>
+              <a:cxn ang="0">
+                <a:pos x="connsiteX0" y="connsiteY0"/>
+              </a:cxn>
+              <a:cxn ang="0">
+                <a:pos x="connsiteX1" y="connsiteY1"/>
+              </a:cxn>
+              <a:cxn ang="0">
+                <a:pos x="connsiteX2" y="connsiteY2"/>
+              </a:cxn>
+              <a:cxn ang="0">
+                <a:pos x="connsiteX3" y="connsiteY3"/>
+              </a:cxn>
+              <a:cxn ang="0">
+                <a:pos x="connsiteX4" y="connsiteY4"/>
+              </a:cxn>
+              <a:cxn ang="0">
+                <a:pos x="connsiteX5" y="connsiteY5"/>
+              </a:cxn>
+              <a:cxn ang="0">
+                <a:pos x="connsiteX6" y="connsiteY6"/>
+              </a:cxn>
+              <a:cxn ang="0">
+                <a:pos x="connsiteX7" y="connsiteY7"/>
+              </a:cxn>
+              <a:cxn ang="0">
+                <a:pos x="connsiteX8" y="connsiteY8"/>
+              </a:cxn>
+              <a:cxn ang="0">
+                <a:pos x="connsiteX9" y="connsiteY9"/>
+              </a:cxn>
+              <a:cxn ang="0">
+                <a:pos x="connsiteX10" y="connsiteY10"/>
+              </a:cxn>
+              <a:cxn ang="0">
+                <a:pos x="connsiteX11" y="connsiteY11"/>
+              </a:cxn>
+              <a:cxn ang="0">
+                <a:pos x="connsiteX12" y="connsiteY12"/>
+              </a:cxn>
+              <a:cxn ang="0">
+                <a:pos x="connsiteX13" y="connsiteY13"/>
+              </a:cxn>
+              <a:cxn ang="0">
+                <a:pos x="connsiteX14" y="connsiteY14"/>
+              </a:cxn>
+              <a:cxn ang="0">
+                <a:pos x="connsiteX15" y="connsiteY15"/>
+              </a:cxn>
+              <a:cxn ang="0">
+                <a:pos x="connsiteX16" y="connsiteY16"/>
+              </a:cxn>
+              <a:cxn ang="0">
+                <a:pos x="connsiteX17" y="connsiteY17"/>
+              </a:cxn>
+              <a:cxn ang="0">
+                <a:pos x="connsiteX18" y="connsiteY18"/>
+              </a:cxn>
+              <a:cxn ang="0">
+                <a:pos x="connsiteX19" y="connsiteY19"/>
+              </a:cxn>
+              <a:cxn ang="0">
+                <a:pos x="connsiteX20" y="connsiteY20"/>
+              </a:cxn>
+              <a:cxn ang="0">
+                <a:pos x="connsiteX21" y="connsiteY21"/>
+              </a:cxn>
+              <a:cxn ang="0">
+                <a:pos x="connsiteX22" y="connsiteY22"/>
+              </a:cxn>
+              <a:cxn ang="0">
+                <a:pos x="connsiteX23" y="connsiteY23"/>
+              </a:cxn>
+              <a:cxn ang="0">
+                <a:pos x="connsiteX24" y="connsiteY24"/>
+              </a:cxn>
+              <a:cxn ang="0">
+                <a:pos x="connsiteX25" y="connsiteY25"/>
+              </a:cxn>
+              <a:cxn ang="0">
+                <a:pos x="connsiteX26" y="connsiteY26"/>
+              </a:cxn>
+              <a:cxn ang="0">
+                <a:pos x="connsiteX27" y="connsiteY27"/>
+              </a:cxn>
+              <a:cxn ang="0">
+                <a:pos x="connsiteX28" y="connsiteY28"/>
+              </a:cxn>
+              <a:cxn ang="0">
+                <a:pos x="connsiteX29" y="connsiteY29"/>
+              </a:cxn>
+              <a:cxn ang="0">
+                <a:pos x="connsiteX30" y="connsiteY30"/>
+              </a:cxn>
+              <a:cxn ang="0">
+                <a:pos x="connsiteX31" y="connsiteY31"/>
+              </a:cxn>
+              <a:cxn ang="0">
+                <a:pos x="connsiteX32" y="connsiteY32"/>
+              </a:cxn>
+              <a:cxn ang="0">
+                <a:pos x="connsiteX33" y="connsiteY33"/>
+              </a:cxn>
+              <a:cxn ang="0">
+                <a:pos x="connsiteX34" y="connsiteY34"/>
+              </a:cxn>
+              <a:cxn ang="0">
+                <a:pos x="connsiteX35" y="connsiteY35"/>
+              </a:cxn>
+              <a:cxn ang="0">
+                <a:pos x="connsiteX36" y="connsiteY36"/>
+              </a:cxn>
+              <a:cxn ang="0">
+                <a:pos x="connsiteX37" y="connsiteY37"/>
+              </a:cxn>
+              <a:cxn ang="0">
+                <a:pos x="connsiteX38" y="connsiteY38"/>
+              </a:cxn>
+              <a:cxn ang="0">
+                <a:pos x="connsiteX39" y="connsiteY39"/>
+              </a:cxn>
+              <a:cxn ang="0">
+                <a:pos x="connsiteX40" y="connsiteY40"/>
+              </a:cxn>
+              <a:cxn ang="0">
+                <a:pos x="connsiteX41" y="connsiteY41"/>
+              </a:cxn>
+              <a:cxn ang="0">
+                <a:pos x="connsiteX42" y="connsiteY42"/>
+              </a:cxn>
+              <a:cxn ang="0">
+                <a:pos x="connsiteX43" y="connsiteY43"/>
+              </a:cxn>
+              <a:cxn ang="0">
+                <a:pos x="connsiteX44" y="connsiteY44"/>
+              </a:cxn>
+              <a:cxn ang="0">
+                <a:pos x="connsiteX45" y="connsiteY45"/>
+              </a:cxn>
+              <a:cxn ang="0">
+                <a:pos x="connsiteX46" y="connsiteY46"/>
+              </a:cxn>
+              <a:cxn ang="0">
+                <a:pos x="connsiteX47" y="connsiteY47"/>
+              </a:cxn>
+              <a:cxn ang="0">
+                <a:pos x="connsiteX48" y="connsiteY48"/>
+              </a:cxn>
+              <a:cxn ang="0">
+                <a:pos x="connsiteX49" y="connsiteY49"/>
+              </a:cxn>
+              <a:cxn ang="0">
+                <a:pos x="connsiteX50" y="connsiteY50"/>
+              </a:cxn>
+              <a:cxn ang="0">
+                <a:pos x="connsiteX51" y="connsiteY51"/>
+              </a:cxn>
+              <a:cxn ang="0">
+                <a:pos x="connsiteX52" y="connsiteY52"/>
+              </a:cxn>
+              <a:cxn ang="0">
+                <a:pos x="connsiteX53" y="connsiteY53"/>
+              </a:cxn>
+              <a:cxn ang="0">
+                <a:pos x="connsiteX54" y="connsiteY54"/>
+              </a:cxn>
+              <a:cxn ang="0">
+                <a:pos x="connsiteX55" y="connsiteY55"/>
+              </a:cxn>
+              <a:cxn ang="0">
+                <a:pos x="connsiteX56" y="connsiteY56"/>
+              </a:cxn>
+              <a:cxn ang="0">
+                <a:pos x="connsiteX57" y="connsiteY57"/>
+              </a:cxn>
+              <a:cxn ang="0">
+                <a:pos x="connsiteX58" y="connsiteY58"/>
+              </a:cxn>
+              <a:cxn ang="0">
+                <a:pos x="connsiteX59" y="connsiteY59"/>
+              </a:cxn>
+              <a:cxn ang="0">
+                <a:pos x="connsiteX60" y="connsiteY60"/>
+              </a:cxn>
+              <a:cxn ang="0">
+                <a:pos x="connsiteX61" y="connsiteY61"/>
+              </a:cxn>
+              <a:cxn ang="0">
+                <a:pos x="connsiteX62" y="connsiteY62"/>
+              </a:cxn>
+              <a:cxn ang="0">
+                <a:pos x="connsiteX63" y="connsiteY63"/>
+              </a:cxn>
+              <a:cxn ang="0">
+                <a:pos x="connsiteX64" y="connsiteY64"/>
+              </a:cxn>
+              <a:cxn ang="0">
+                <a:pos x="connsiteX65" y="connsiteY65"/>
+              </a:cxn>
+              <a:cxn ang="0">
+                <a:pos x="connsiteX66" y="connsiteY66"/>
+              </a:cxn>
+              <a:cxn ang="0">
+                <a:pos x="connsiteX67" y="connsiteY67"/>
+              </a:cxn>
+              <a:cxn ang="0">
+                <a:pos x="connsiteX68" y="connsiteY68"/>
+              </a:cxn>
+              <a:cxn ang="0">
+                <a:pos x="connsiteX69" y="connsiteY69"/>
+              </a:cxn>
+              <a:cxn ang="0">
+                <a:pos x="connsiteX70" y="connsiteY70"/>
+              </a:cxn>
+              <a:cxn ang="0">
+                <a:pos x="connsiteX71" y="connsiteY71"/>
+              </a:cxn>
+              <a:cxn ang="0">
+                <a:pos x="connsiteX72" y="connsiteY72"/>
+              </a:cxn>
+              <a:cxn ang="0">
+                <a:pos x="connsiteX73" y="connsiteY73"/>
+              </a:cxn>
+              <a:cxn ang="0">
+                <a:pos x="connsiteX74" y="connsiteY74"/>
+              </a:cxn>
+              <a:cxn ang="0">
+                <a:pos x="connsiteX75" y="connsiteY75"/>
+              </a:cxn>
+              <a:cxn ang="0">
+                <a:pos x="connsiteX76" y="connsiteY76"/>
+              </a:cxn>
+              <a:cxn ang="0">
+                <a:pos x="connsiteX77" y="connsiteY77"/>
+              </a:cxn>
+              <a:cxn ang="0">
+                <a:pos x="connsiteX78" y="connsiteY78"/>
+              </a:cxn>
+              <a:cxn ang="0">
+                <a:pos x="connsiteX79" y="connsiteY79"/>
+              </a:cxn>
+              <a:cxn ang="0">
+                <a:pos x="connsiteX80" y="connsiteY80"/>
+              </a:cxn>
+              <a:cxn ang="0">
+                <a:pos x="connsiteX81" y="connsiteY81"/>
+              </a:cxn>
+              <a:cxn ang="0">
+                <a:pos x="connsiteX82" y="connsiteY82"/>
+              </a:cxn>
+              <a:cxn ang="0">
+                <a:pos x="connsiteX83" y="connsiteY83"/>
+              </a:cxn>
+              <a:cxn ang="0">
+                <a:pos x="connsiteX84" y="connsiteY84"/>
+              </a:cxn>
+              <a:cxn ang="0">
+                <a:pos x="connsiteX85" y="connsiteY85"/>
+              </a:cxn>
+              <a:cxn ang="0">
+                <a:pos x="connsiteX86" y="connsiteY86"/>
+              </a:cxn>
+              <a:cxn ang="0">
+                <a:pos x="connsiteX87" y="connsiteY87"/>
+              </a:cxn>
+              <a:cxn ang="0">
+                <a:pos x="connsiteX88" y="connsiteY88"/>
+              </a:cxn>
+              <a:cxn ang="0">
+                <a:pos x="connsiteX89" y="connsiteY89"/>
+              </a:cxn>
+              <a:cxn ang="0">
+                <a:pos x="connsiteX90" y="connsiteY90"/>
+              </a:cxn>
+              <a:cxn ang="0">
+                <a:pos x="connsiteX91" y="connsiteY91"/>
+              </a:cxn>
+              <a:cxn ang="0">
+                <a:pos x="connsiteX92" y="connsiteY92"/>
+              </a:cxn>
+              <a:cxn ang="0">
+                <a:pos x="connsiteX93" y="connsiteY93"/>
+              </a:cxn>
+              <a:cxn ang="0">
+                <a:pos x="connsiteX94" y="connsiteY94"/>
+              </a:cxn>
+              <a:cxn ang="0">
+                <a:pos x="connsiteX95" y="connsiteY95"/>
+              </a:cxn>
+              <a:cxn ang="0">
+                <a:pos x="connsiteX96" y="connsiteY96"/>
+              </a:cxn>
+              <a:cxn ang="0">
+                <a:pos x="connsiteX97" y="connsiteY97"/>
+              </a:cxn>
+              <a:cxn ang="0">
+                <a:pos x="connsiteX98" y="connsiteY98"/>
+              </a:cxn>
+              <a:cxn ang="0">
+                <a:pos x="connsiteX99" y="connsiteY99"/>
+              </a:cxn>
+              <a:cxn ang="0">
+                <a:pos x="connsiteX100" y="connsiteY100"/>
+              </a:cxn>
+              <a:cxn ang="0">
+                <a:pos x="connsiteX101" y="connsiteY101"/>
+              </a:cxn>
+              <a:cxn ang="0">
+                <a:pos x="connsiteX102" y="connsiteY102"/>
+              </a:cxn>
+              <a:cxn ang="0">
+                <a:pos x="connsiteX103" y="connsiteY103"/>
+              </a:cxn>
+              <a:cxn ang="0">
+                <a:pos x="connsiteX104" y="connsiteY104"/>
+              </a:cxn>
+              <a:cxn ang="0">
+                <a:pos x="connsiteX105" y="connsiteY105"/>
+              </a:cxn>
+              <a:cxn ang="0">
+                <a:pos x="connsiteX106" y="connsiteY106"/>
+              </a:cxn>
+              <a:cxn ang="0">
+                <a:pos x="connsiteX107" y="connsiteY107"/>
+              </a:cxn>
+              <a:cxn ang="0">
+                <a:pos x="connsiteX108" y="connsiteY108"/>
+              </a:cxn>
+              <a:cxn ang="0">
+                <a:pos x="connsiteX109" y="connsiteY109"/>
+              </a:cxn>
+              <a:cxn ang="0">
+                <a:pos x="connsiteX110" y="connsiteY110"/>
+              </a:cxn>
+            </a:cxnLst>
+            <a:rect l="l" t="t" r="r" b="b"/>
+            <a:pathLst>
+              <a:path w="1511056" h="1480457">
+                <a:moveTo>
+                  <a:pt x="228600" y="0"/>
+                </a:moveTo>
+                <a:lnTo>
+                  <a:pt x="228600" y="0"/>
+                </a:lnTo>
+                <a:cubicBezTo>
+                  <a:pt x="272143" y="21771"/>
+                  <a:pt x="317177" y="40784"/>
+                  <a:pt x="359228" y="65314"/>
+                </a:cubicBezTo>
+                <a:cubicBezTo>
+                  <a:pt x="466247" y="127742"/>
+                  <a:pt x="571960" y="213960"/>
+                  <a:pt x="664028" y="293914"/>
+                </a:cubicBezTo>
+                <a:cubicBezTo>
+                  <a:pt x="745485" y="364653"/>
+                  <a:pt x="827227" y="435342"/>
+                  <a:pt x="903514" y="511629"/>
+                </a:cubicBezTo>
+                <a:cubicBezTo>
+                  <a:pt x="973896" y="582011"/>
+                  <a:pt x="1054966" y="657168"/>
+                  <a:pt x="1110342" y="740229"/>
+                </a:cubicBezTo>
+                <a:cubicBezTo>
+                  <a:pt x="1117599" y="751115"/>
+                  <a:pt x="1126263" y="761184"/>
+                  <a:pt x="1132114" y="772886"/>
+                </a:cubicBezTo>
+                <a:cubicBezTo>
+                  <a:pt x="1177188" y="863031"/>
+                  <a:pt x="1102372" y="744601"/>
+                  <a:pt x="1164771" y="838200"/>
+                </a:cubicBezTo>
+                <a:cubicBezTo>
+                  <a:pt x="1168400" y="852714"/>
+                  <a:pt x="1170404" y="867735"/>
+                  <a:pt x="1175657" y="881743"/>
+                </a:cubicBezTo>
+                <a:cubicBezTo>
+                  <a:pt x="1181355" y="896937"/>
+                  <a:pt x="1192296" y="909891"/>
+                  <a:pt x="1197428" y="925286"/>
+                </a:cubicBezTo>
+                <a:cubicBezTo>
+                  <a:pt x="1206890" y="953672"/>
+                  <a:pt x="1211943" y="983343"/>
+                  <a:pt x="1219200" y="1012371"/>
+                </a:cubicBezTo>
+                <a:lnTo>
+                  <a:pt x="1230085" y="1055914"/>
+                </a:lnTo>
+                <a:cubicBezTo>
+                  <a:pt x="1197672" y="1088329"/>
+                  <a:pt x="1220878" y="1071613"/>
+                  <a:pt x="1175657" y="1088571"/>
+                </a:cubicBezTo>
+                <a:cubicBezTo>
+                  <a:pt x="1157360" y="1095432"/>
+                  <a:pt x="1140424" y="1106687"/>
+                  <a:pt x="1121228" y="1110343"/>
+                </a:cubicBezTo>
+                <a:cubicBezTo>
+                  <a:pt x="1063753" y="1121291"/>
+                  <a:pt x="1004978" y="1123839"/>
+                  <a:pt x="947057" y="1132114"/>
+                </a:cubicBezTo>
+                <a:lnTo>
+                  <a:pt x="870857" y="1143000"/>
+                </a:lnTo>
+                <a:cubicBezTo>
+                  <a:pt x="809171" y="1139371"/>
+                  <a:pt x="747073" y="1140106"/>
+                  <a:pt x="685800" y="1132114"/>
+                </a:cubicBezTo>
+                <a:cubicBezTo>
+                  <a:pt x="617340" y="1123185"/>
+                  <a:pt x="627723" y="1109425"/>
+                  <a:pt x="576942" y="1077686"/>
+                </a:cubicBezTo>
+                <a:cubicBezTo>
+                  <a:pt x="563181" y="1069085"/>
+                  <a:pt x="546605" y="1065346"/>
+                  <a:pt x="533400" y="1055914"/>
+                </a:cubicBezTo>
+                <a:cubicBezTo>
+                  <a:pt x="520873" y="1046966"/>
+                  <a:pt x="512569" y="1033112"/>
+                  <a:pt x="500742" y="1023257"/>
+                </a:cubicBezTo>
+                <a:cubicBezTo>
+                  <a:pt x="490691" y="1014882"/>
+                  <a:pt x="478018" y="1010000"/>
+                  <a:pt x="468085" y="1001486"/>
+                </a:cubicBezTo>
+                <a:cubicBezTo>
+                  <a:pt x="452500" y="988128"/>
+                  <a:pt x="424542" y="957943"/>
+                  <a:pt x="424542" y="957943"/>
+                </a:cubicBezTo>
+                <a:cubicBezTo>
+                  <a:pt x="420914" y="947057"/>
+                  <a:pt x="417686" y="936030"/>
+                  <a:pt x="413657" y="925286"/>
+                </a:cubicBezTo>
+                <a:cubicBezTo>
+                  <a:pt x="406796" y="906989"/>
+                  <a:pt x="391885" y="890398"/>
+                  <a:pt x="391885" y="870857"/>
+                </a:cubicBezTo>
+                <a:cubicBezTo>
+                  <a:pt x="391885" y="819541"/>
+                  <a:pt x="399923" y="767901"/>
+                  <a:pt x="413657" y="718457"/>
+                </a:cubicBezTo>
+                <a:cubicBezTo>
+                  <a:pt x="418513" y="700976"/>
+                  <a:pt x="433485" y="687743"/>
+                  <a:pt x="446314" y="674914"/>
+                </a:cubicBezTo>
+                <a:cubicBezTo>
+                  <a:pt x="467861" y="653367"/>
+                  <a:pt x="541451" y="601078"/>
+                  <a:pt x="566057" y="587829"/>
+                </a:cubicBezTo>
+                <a:cubicBezTo>
+                  <a:pt x="590388" y="574728"/>
+                  <a:pt x="615053" y="560029"/>
+                  <a:pt x="642257" y="555171"/>
+                </a:cubicBezTo>
+                <a:cubicBezTo>
+                  <a:pt x="717610" y="541715"/>
+                  <a:pt x="870857" y="533400"/>
+                  <a:pt x="870857" y="533400"/>
+                </a:cubicBezTo>
+                <a:cubicBezTo>
+                  <a:pt x="947057" y="537029"/>
+                  <a:pt x="1023937" y="533497"/>
+                  <a:pt x="1099457" y="544286"/>
+                </a:cubicBezTo>
+                <a:cubicBezTo>
+                  <a:pt x="1126814" y="548194"/>
+                  <a:pt x="1150940" y="564585"/>
+                  <a:pt x="1175657" y="576943"/>
+                </a:cubicBezTo>
+                <a:cubicBezTo>
+                  <a:pt x="1225223" y="601726"/>
+                  <a:pt x="1240781" y="618157"/>
+                  <a:pt x="1284514" y="653143"/>
+                </a:cubicBezTo>
+                <a:cubicBezTo>
+                  <a:pt x="1291771" y="667657"/>
+                  <a:pt x="1300587" y="681492"/>
+                  <a:pt x="1306285" y="696686"/>
+                </a:cubicBezTo>
+                <a:cubicBezTo>
+                  <a:pt x="1328963" y="757161"/>
+                  <a:pt x="1320372" y="822833"/>
+                  <a:pt x="1284514" y="881743"/>
+                </a:cubicBezTo>
+                <a:cubicBezTo>
+                  <a:pt x="1256467" y="927821"/>
+                  <a:pt x="1207718" y="957960"/>
+                  <a:pt x="1164771" y="990600"/>
+                </a:cubicBezTo>
+                <a:cubicBezTo>
+                  <a:pt x="1116234" y="1027488"/>
+                  <a:pt x="916497" y="1148441"/>
+                  <a:pt x="859971" y="1175657"/>
+                </a:cubicBezTo>
+                <a:cubicBezTo>
+                  <a:pt x="763423" y="1222143"/>
+                  <a:pt x="698797" y="1235448"/>
+                  <a:pt x="598714" y="1262743"/>
+                </a:cubicBezTo>
+                <a:cubicBezTo>
+                  <a:pt x="518885" y="1251857"/>
+                  <a:pt x="436476" y="1252974"/>
+                  <a:pt x="359228" y="1230086"/>
+                </a:cubicBezTo>
+                <a:cubicBezTo>
+                  <a:pt x="334627" y="1222797"/>
+                  <a:pt x="319032" y="1197006"/>
+                  <a:pt x="304800" y="1175657"/>
+                </a:cubicBezTo>
+                <a:cubicBezTo>
+                  <a:pt x="284257" y="1144842"/>
+                  <a:pt x="248898" y="1029726"/>
+                  <a:pt x="239485" y="1001486"/>
+                </a:cubicBezTo>
+                <a:cubicBezTo>
+                  <a:pt x="235857" y="976086"/>
+                  <a:pt x="232501" y="950645"/>
+                  <a:pt x="228600" y="925286"/>
+                </a:cubicBezTo>
+                <a:cubicBezTo>
+                  <a:pt x="225244" y="903471"/>
+                  <a:pt x="217714" y="882043"/>
+                  <a:pt x="217714" y="859971"/>
+                </a:cubicBezTo>
+                <a:cubicBezTo>
+                  <a:pt x="217714" y="816277"/>
+                  <a:pt x="219121" y="771996"/>
+                  <a:pt x="228600" y="729343"/>
+                </a:cubicBezTo>
+                <a:cubicBezTo>
+                  <a:pt x="240821" y="674347"/>
+                  <a:pt x="287312" y="633354"/>
+                  <a:pt x="326571" y="598714"/>
+                </a:cubicBezTo>
+                <a:cubicBezTo>
+                  <a:pt x="365241" y="564593"/>
+                  <a:pt x="403979" y="530194"/>
+                  <a:pt x="446314" y="500743"/>
+                </a:cubicBezTo>
+                <a:cubicBezTo>
+                  <a:pt x="487695" y="471956"/>
+                  <a:pt x="531854" y="447087"/>
+                  <a:pt x="576942" y="424543"/>
+                </a:cubicBezTo>
+                <a:cubicBezTo>
+                  <a:pt x="671108" y="377460"/>
+                  <a:pt x="778288" y="337090"/>
+                  <a:pt x="881742" y="315686"/>
+                </a:cubicBezTo>
+                <a:cubicBezTo>
+                  <a:pt x="935514" y="304561"/>
+                  <a:pt x="990599" y="301171"/>
+                  <a:pt x="1045028" y="293914"/>
+                </a:cubicBezTo>
+                <a:cubicBezTo>
+                  <a:pt x="1232248" y="325117"/>
+                  <a:pt x="1290414" y="292224"/>
+                  <a:pt x="1404257" y="413657"/>
+                </a:cubicBezTo>
+                <a:cubicBezTo>
+                  <a:pt x="1431101" y="442291"/>
+                  <a:pt x="1447800" y="478972"/>
+                  <a:pt x="1469571" y="511629"/>
+                </a:cubicBezTo>
+                <a:cubicBezTo>
+                  <a:pt x="1515594" y="711065"/>
+                  <a:pt x="1541405" y="742695"/>
+                  <a:pt x="1447800" y="1001486"/>
+                </a:cubicBezTo>
+                <a:cubicBezTo>
+                  <a:pt x="1424092" y="1067033"/>
+                  <a:pt x="1363594" y="1112777"/>
+                  <a:pt x="1317171" y="1164771"/>
+                </a:cubicBezTo>
+                <a:cubicBezTo>
+                  <a:pt x="1272741" y="1214533"/>
+                  <a:pt x="1227373" y="1264147"/>
+                  <a:pt x="1175657" y="1306286"/>
+                </a:cubicBezTo>
+                <a:cubicBezTo>
+                  <a:pt x="1086824" y="1378669"/>
+                  <a:pt x="990847" y="1426864"/>
+                  <a:pt x="881742" y="1458686"/>
+                </a:cubicBezTo>
+                <a:cubicBezTo>
+                  <a:pt x="842796" y="1470045"/>
+                  <a:pt x="801914" y="1473200"/>
+                  <a:pt x="762000" y="1480457"/>
+                </a:cubicBezTo>
+                <a:cubicBezTo>
+                  <a:pt x="695690" y="1473826"/>
+                  <a:pt x="624889" y="1476136"/>
+                  <a:pt x="566057" y="1436914"/>
+                </a:cubicBezTo>
+                <a:cubicBezTo>
+                  <a:pt x="536169" y="1416989"/>
+                  <a:pt x="513234" y="1387987"/>
+                  <a:pt x="489857" y="1360714"/>
+                </a:cubicBezTo>
+                <a:cubicBezTo>
+                  <a:pt x="445967" y="1309509"/>
+                  <a:pt x="418816" y="1258985"/>
+                  <a:pt x="391885" y="1197429"/>
+                </a:cubicBezTo>
+                <a:cubicBezTo>
+                  <a:pt x="379459" y="1169026"/>
+                  <a:pt x="370114" y="1139372"/>
+                  <a:pt x="359228" y="1110343"/>
+                </a:cubicBezTo>
+                <a:cubicBezTo>
+                  <a:pt x="351971" y="1066800"/>
+                  <a:pt x="336608" y="1023849"/>
+                  <a:pt x="337457" y="979714"/>
+                </a:cubicBezTo>
+                <a:cubicBezTo>
+                  <a:pt x="340256" y="834191"/>
+                  <a:pt x="348390" y="688206"/>
+                  <a:pt x="370114" y="544286"/>
+                </a:cubicBezTo>
+                <a:cubicBezTo>
+                  <a:pt x="380985" y="472262"/>
+                  <a:pt x="454079" y="339024"/>
+                  <a:pt x="500742" y="283029"/>
+                </a:cubicBezTo>
+                <a:cubicBezTo>
+                  <a:pt x="525435" y="253397"/>
+                  <a:pt x="557188" y="230260"/>
+                  <a:pt x="587828" y="206829"/>
+                </a:cubicBezTo>
+                <a:cubicBezTo>
+                  <a:pt x="647614" y="161110"/>
+                  <a:pt x="719758" y="114993"/>
+                  <a:pt x="794657" y="97971"/>
+                </a:cubicBezTo>
+                <a:cubicBezTo>
+                  <a:pt x="837264" y="88288"/>
+                  <a:pt x="881742" y="90714"/>
+                  <a:pt x="925285" y="87086"/>
+                </a:cubicBezTo>
+                <a:cubicBezTo>
+                  <a:pt x="1034142" y="90714"/>
+                  <a:pt x="1143605" y="85943"/>
+                  <a:pt x="1251857" y="97971"/>
+                </a:cubicBezTo>
+                <a:cubicBezTo>
+                  <a:pt x="1276049" y="100659"/>
+                  <a:pt x="1295012" y="120556"/>
+                  <a:pt x="1317171" y="130629"/>
+                </a:cubicBezTo>
+                <a:cubicBezTo>
+                  <a:pt x="1334960" y="138715"/>
+                  <a:pt x="1354518" y="142910"/>
+                  <a:pt x="1371600" y="152400"/>
+                </a:cubicBezTo>
+                <a:cubicBezTo>
+                  <a:pt x="1387460" y="161211"/>
+                  <a:pt x="1401582" y="173004"/>
+                  <a:pt x="1415142" y="185057"/>
+                </a:cubicBezTo>
+                <a:cubicBezTo>
+                  <a:pt x="1440681" y="207759"/>
+                  <a:pt x="1474786" y="239032"/>
+                  <a:pt x="1491342" y="272143"/>
+                </a:cubicBezTo>
+                <a:cubicBezTo>
+                  <a:pt x="1496474" y="282406"/>
+                  <a:pt x="1498599" y="293914"/>
+                  <a:pt x="1502228" y="304800"/>
+                </a:cubicBezTo>
+                <a:cubicBezTo>
+                  <a:pt x="1498599" y="344714"/>
+                  <a:pt x="1497010" y="384867"/>
+                  <a:pt x="1491342" y="424543"/>
+                </a:cubicBezTo>
+                <a:cubicBezTo>
+                  <a:pt x="1489719" y="435902"/>
+                  <a:pt x="1491343" y="453571"/>
+                  <a:pt x="1480457" y="457200"/>
+                </a:cubicBezTo>
+                <a:cubicBezTo>
+                  <a:pt x="1470721" y="460446"/>
+                  <a:pt x="1465096" y="443443"/>
+                  <a:pt x="1458685" y="435429"/>
+                </a:cubicBezTo>
+                <a:cubicBezTo>
+                  <a:pt x="1442457" y="415144"/>
+                  <a:pt x="1415702" y="365510"/>
+                  <a:pt x="1404257" y="348343"/>
+                </a:cubicBezTo>
+                <a:cubicBezTo>
+                  <a:pt x="1372432" y="300606"/>
+                  <a:pt x="1346853" y="247398"/>
+                  <a:pt x="1306285" y="206829"/>
+                </a:cubicBezTo>
+                <a:lnTo>
+                  <a:pt x="1240971" y="141514"/>
+                </a:lnTo>
+                <a:cubicBezTo>
+                  <a:pt x="1164771" y="152400"/>
+                  <a:pt x="1086810" y="154582"/>
+                  <a:pt x="1012371" y="174171"/>
+                </a:cubicBezTo>
+                <a:cubicBezTo>
+                  <a:pt x="947857" y="191148"/>
+                  <a:pt x="887544" y="221690"/>
+                  <a:pt x="827314" y="250371"/>
+                </a:cubicBezTo>
+                <a:cubicBezTo>
+                  <a:pt x="735000" y="294330"/>
+                  <a:pt x="645535" y="344046"/>
+                  <a:pt x="555171" y="391886"/>
+                </a:cubicBezTo>
+                <a:cubicBezTo>
+                  <a:pt x="329970" y="511110"/>
+                  <a:pt x="559649" y="395090"/>
+                  <a:pt x="391885" y="478971"/>
+                </a:cubicBezTo>
+                <a:cubicBezTo>
+                  <a:pt x="380999" y="489857"/>
+                  <a:pt x="366113" y="497859"/>
+                  <a:pt x="359228" y="511629"/>
+                </a:cubicBezTo>
+                <a:cubicBezTo>
+                  <a:pt x="350954" y="528178"/>
+                  <a:pt x="352829" y="548107"/>
+                  <a:pt x="348342" y="566057"/>
+                </a:cubicBezTo>
+                <a:cubicBezTo>
+                  <a:pt x="345559" y="577189"/>
+                  <a:pt x="341085" y="587828"/>
+                  <a:pt x="337457" y="598714"/>
+                </a:cubicBezTo>
+                <a:cubicBezTo>
+                  <a:pt x="341085" y="685800"/>
+                  <a:pt x="343069" y="772969"/>
+                  <a:pt x="348342" y="859971"/>
+                </a:cubicBezTo>
+                <a:cubicBezTo>
+                  <a:pt x="350330" y="892769"/>
+                  <a:pt x="351259" y="926066"/>
+                  <a:pt x="359228" y="957943"/>
+                </a:cubicBezTo>
+                <a:cubicBezTo>
+                  <a:pt x="362401" y="970635"/>
+                  <a:pt x="372624" y="980549"/>
+                  <a:pt x="381000" y="990600"/>
+                </a:cubicBezTo>
+                <a:cubicBezTo>
+                  <a:pt x="390855" y="1002426"/>
+                  <a:pt x="400848" y="1014718"/>
+                  <a:pt x="413657" y="1023257"/>
+                </a:cubicBezTo>
+                <a:cubicBezTo>
+                  <a:pt x="423635" y="1029909"/>
+                  <a:pt x="483258" y="1043049"/>
+                  <a:pt x="489857" y="1045029"/>
+                </a:cubicBezTo>
+                <a:cubicBezTo>
+                  <a:pt x="511838" y="1051623"/>
+                  <a:pt x="532476" y="1063396"/>
+                  <a:pt x="555171" y="1066800"/>
+                </a:cubicBezTo>
+                <a:cubicBezTo>
+                  <a:pt x="605537" y="1074355"/>
+                  <a:pt x="656771" y="1074057"/>
+                  <a:pt x="707571" y="1077686"/>
+                </a:cubicBezTo>
+                <a:cubicBezTo>
+                  <a:pt x="773937" y="1090958"/>
+                  <a:pt x="848153" y="1110809"/>
+                  <a:pt x="914400" y="1077686"/>
+                </a:cubicBezTo>
+                <a:cubicBezTo>
+                  <a:pt x="938028" y="1065872"/>
+                  <a:pt x="928914" y="1026886"/>
+                  <a:pt x="936171" y="1001486"/>
+                </a:cubicBezTo>
+                <a:cubicBezTo>
+                  <a:pt x="939800" y="961572"/>
+                  <a:pt x="944202" y="921720"/>
+                  <a:pt x="947057" y="881743"/>
+                </a:cubicBezTo>
+                <a:cubicBezTo>
+                  <a:pt x="955088" y="769310"/>
+                  <a:pt x="968828" y="544286"/>
+                  <a:pt x="968828" y="544286"/>
+                </a:cubicBezTo>
+                <a:cubicBezTo>
+                  <a:pt x="965199" y="449943"/>
+                  <a:pt x="967336" y="355201"/>
+                  <a:pt x="957942" y="261257"/>
+                </a:cubicBezTo>
+                <a:cubicBezTo>
+                  <a:pt x="955344" y="235278"/>
+                  <a:pt x="911782" y="183748"/>
+                  <a:pt x="892628" y="174171"/>
+                </a:cubicBezTo>
+                <a:cubicBezTo>
+                  <a:pt x="814910" y="135312"/>
+                  <a:pt x="726653" y="122923"/>
+                  <a:pt x="642257" y="108857"/>
+                </a:cubicBezTo>
+                <a:cubicBezTo>
+                  <a:pt x="587828" y="112486"/>
+                  <a:pt x="532461" y="109045"/>
+                  <a:pt x="478971" y="119743"/>
+                </a:cubicBezTo>
+                <a:cubicBezTo>
+                  <a:pt x="460816" y="123374"/>
+                  <a:pt x="412780" y="162774"/>
+                  <a:pt x="391885" y="174171"/>
+                </a:cubicBezTo>
+                <a:cubicBezTo>
+                  <a:pt x="272586" y="239243"/>
+                  <a:pt x="343806" y="197959"/>
+                  <a:pt x="250371" y="239486"/>
+                </a:cubicBezTo>
+                <a:cubicBezTo>
+                  <a:pt x="169664" y="275356"/>
+                  <a:pt x="241244" y="249785"/>
+                  <a:pt x="174171" y="272143"/>
+                </a:cubicBezTo>
+                <a:cubicBezTo>
+                  <a:pt x="135618" y="329973"/>
+                  <a:pt x="166135" y="279338"/>
+                  <a:pt x="130628" y="359229"/>
+                </a:cubicBezTo>
+                <a:cubicBezTo>
+                  <a:pt x="124037" y="374058"/>
+                  <a:pt x="115249" y="387856"/>
+                  <a:pt x="108857" y="402771"/>
+                </a:cubicBezTo>
+                <a:cubicBezTo>
+                  <a:pt x="50775" y="538296"/>
+                  <a:pt x="90233" y="474251"/>
+                  <a:pt x="43542" y="544286"/>
+                </a:cubicBezTo>
+                <a:cubicBezTo>
+                  <a:pt x="36285" y="566057"/>
+                  <a:pt x="24618" y="586828"/>
+                  <a:pt x="21771" y="609600"/>
+                </a:cubicBezTo>
+                <a:cubicBezTo>
+                  <a:pt x="5465" y="740042"/>
+                  <a:pt x="13314" y="667532"/>
+                  <a:pt x="0" y="827314"/>
+                </a:cubicBezTo>
+                <a:cubicBezTo>
+                  <a:pt x="3628" y="874486"/>
+                  <a:pt x="5660" y="921807"/>
+                  <a:pt x="10885" y="968829"/>
+                </a:cubicBezTo>
+                <a:cubicBezTo>
+                  <a:pt x="12928" y="987218"/>
+                  <a:pt x="17757" y="1005196"/>
+                  <a:pt x="21771" y="1023257"/>
+                </a:cubicBezTo>
+                <a:cubicBezTo>
+                  <a:pt x="25017" y="1037862"/>
+                  <a:pt x="32657" y="1066800"/>
+                  <a:pt x="32657" y="1066800"/>
+                </a:cubicBezTo>
+                <a:lnTo>
+                  <a:pt x="163285" y="1110343"/>
+                </a:lnTo>
+              </a:path>
+            </a:pathLst>
+          </a:custGeom>
+          <a:noFill/>
+        </p:spPr>
+        <p:style>
+          <a:lnRef idx="2">
+            <a:schemeClr val="accent1">
+              <a:shade val="15000"/>
+            </a:schemeClr>
+          </a:lnRef>
+          <a:fillRef idx="1">
+            <a:schemeClr val="accent1"/>
+          </a:fillRef>
+          <a:effectRef idx="0">
+            <a:schemeClr val="accent1"/>
+          </a:effectRef>
+          <a:fontRef idx="minor">
+            <a:schemeClr val="lt1"/>
+          </a:fontRef>
+        </p:style>
+        <p:txBody>
+          <a:bodyPr rtlCol="0" anchor="ctr"/>
+          <a:lstStyle/>
+          <a:p>
+            <a:pPr algn="ctr"/>
+            <a:endParaRPr kumimoji="1" lang="zh-CN" altLang="en-US"/>
+          </a:p>
+        </p:txBody>
+      </p:sp>
+      <p:sp>
+        <p:nvSpPr>
+          <p:cNvPr id="3" name="任意形状 2">
+            <a:extLst>
+              <a:ext uri="{FF2B5EF4-FFF2-40B4-BE49-F238E27FC236}">
+                <a16:creationId xmlns:a16="http://schemas.microsoft.com/office/drawing/2014/main" id="{F732B387-16DC-457A-9A00-72091BE77C74}"/>
+              </a:ext>
+            </a:extLst>
+          </p:cNvPr>
+          <p:cNvSpPr/>
+          <p:nvPr/>
+        </p:nvSpPr>
+        <p:spPr>
+          <a:xfrm>
+            <a:off x="11343905" y="5501687"/>
+            <a:ext cx="751114" cy="957943"/>
+          </a:xfrm>
+          <a:custGeom>
+            <a:avLst/>
+            <a:gdLst>
+              <a:gd name="connsiteX0" fmla="*/ 0 w 751114"/>
+              <a:gd name="connsiteY0" fmla="*/ 0 h 957943"/>
+              <a:gd name="connsiteX1" fmla="*/ 87086 w 751114"/>
+              <a:gd name="connsiteY1" fmla="*/ 10885 h 957943"/>
+              <a:gd name="connsiteX2" fmla="*/ 261257 w 751114"/>
+              <a:gd name="connsiteY2" fmla="*/ 21771 h 957943"/>
+              <a:gd name="connsiteX3" fmla="*/ 348343 w 751114"/>
+              <a:gd name="connsiteY3" fmla="*/ 54428 h 957943"/>
+              <a:gd name="connsiteX4" fmla="*/ 381000 w 751114"/>
+              <a:gd name="connsiteY4" fmla="*/ 76200 h 957943"/>
+              <a:gd name="connsiteX5" fmla="*/ 413657 w 751114"/>
+              <a:gd name="connsiteY5" fmla="*/ 87085 h 957943"/>
+              <a:gd name="connsiteX6" fmla="*/ 446314 w 751114"/>
+              <a:gd name="connsiteY6" fmla="*/ 108857 h 957943"/>
+              <a:gd name="connsiteX7" fmla="*/ 489857 w 751114"/>
+              <a:gd name="connsiteY7" fmla="*/ 141514 h 957943"/>
+              <a:gd name="connsiteX8" fmla="*/ 533400 w 751114"/>
+              <a:gd name="connsiteY8" fmla="*/ 163285 h 957943"/>
+              <a:gd name="connsiteX9" fmla="*/ 631371 w 751114"/>
+              <a:gd name="connsiteY9" fmla="*/ 250371 h 957943"/>
+              <a:gd name="connsiteX10" fmla="*/ 674914 w 751114"/>
+              <a:gd name="connsiteY10" fmla="*/ 315685 h 957943"/>
+              <a:gd name="connsiteX11" fmla="*/ 718457 w 751114"/>
+              <a:gd name="connsiteY11" fmla="*/ 413657 h 957943"/>
+              <a:gd name="connsiteX12" fmla="*/ 751114 w 751114"/>
+              <a:gd name="connsiteY12" fmla="*/ 489857 h 957943"/>
+              <a:gd name="connsiteX13" fmla="*/ 718457 w 751114"/>
+              <a:gd name="connsiteY13" fmla="*/ 566057 h 957943"/>
+              <a:gd name="connsiteX14" fmla="*/ 707571 w 751114"/>
+              <a:gd name="connsiteY14" fmla="*/ 609600 h 957943"/>
+              <a:gd name="connsiteX15" fmla="*/ 685800 w 751114"/>
+              <a:gd name="connsiteY15" fmla="*/ 642257 h 957943"/>
+              <a:gd name="connsiteX16" fmla="*/ 631371 w 751114"/>
+              <a:gd name="connsiteY16" fmla="*/ 762000 h 957943"/>
+              <a:gd name="connsiteX17" fmla="*/ 587829 w 751114"/>
+              <a:gd name="connsiteY17" fmla="*/ 805543 h 957943"/>
+              <a:gd name="connsiteX18" fmla="*/ 522514 w 751114"/>
+              <a:gd name="connsiteY18" fmla="*/ 903514 h 957943"/>
+              <a:gd name="connsiteX19" fmla="*/ 468086 w 751114"/>
+              <a:gd name="connsiteY19" fmla="*/ 957943 h 957943"/>
+              <a:gd name="connsiteX20" fmla="*/ 315686 w 751114"/>
+              <a:gd name="connsiteY20" fmla="*/ 936171 h 957943"/>
+              <a:gd name="connsiteX21" fmla="*/ 261257 w 751114"/>
+              <a:gd name="connsiteY21" fmla="*/ 914400 h 957943"/>
+              <a:gd name="connsiteX22" fmla="*/ 152400 w 751114"/>
+              <a:gd name="connsiteY22" fmla="*/ 870857 h 957943"/>
+              <a:gd name="connsiteX23" fmla="*/ 119743 w 751114"/>
+              <a:gd name="connsiteY23" fmla="*/ 838200 h 957943"/>
+              <a:gd name="connsiteX24" fmla="*/ 87086 w 751114"/>
+              <a:gd name="connsiteY24" fmla="*/ 816428 h 957943"/>
+              <a:gd name="connsiteX25" fmla="*/ 43543 w 751114"/>
+              <a:gd name="connsiteY25" fmla="*/ 751114 h 957943"/>
+              <a:gd name="connsiteX26" fmla="*/ 21771 w 751114"/>
+              <a:gd name="connsiteY26" fmla="*/ 707571 h 957943"/>
+              <a:gd name="connsiteX27" fmla="*/ 0 w 751114"/>
+              <a:gd name="connsiteY27" fmla="*/ 642257 h 957943"/>
+              <a:gd name="connsiteX28" fmla="*/ 10886 w 751114"/>
+              <a:gd name="connsiteY28" fmla="*/ 555171 h 957943"/>
+              <a:gd name="connsiteX29" fmla="*/ 87086 w 751114"/>
+              <a:gd name="connsiteY29" fmla="*/ 478971 h 957943"/>
+              <a:gd name="connsiteX30" fmla="*/ 130629 w 751114"/>
+              <a:gd name="connsiteY30" fmla="*/ 435428 h 957943"/>
+              <a:gd name="connsiteX31" fmla="*/ 174171 w 751114"/>
+              <a:gd name="connsiteY31" fmla="*/ 391885 h 957943"/>
+              <a:gd name="connsiteX32" fmla="*/ 261257 w 751114"/>
+              <a:gd name="connsiteY32" fmla="*/ 359228 h 957943"/>
+              <a:gd name="connsiteX33" fmla="*/ 402771 w 751114"/>
+              <a:gd name="connsiteY33" fmla="*/ 370114 h 957943"/>
+              <a:gd name="connsiteX34" fmla="*/ 424543 w 751114"/>
+              <a:gd name="connsiteY34" fmla="*/ 413657 h 957943"/>
+              <a:gd name="connsiteX35" fmla="*/ 457200 w 751114"/>
+              <a:gd name="connsiteY35" fmla="*/ 500743 h 957943"/>
+              <a:gd name="connsiteX36" fmla="*/ 446314 w 751114"/>
+              <a:gd name="connsiteY36" fmla="*/ 587828 h 957943"/>
+              <a:gd name="connsiteX37" fmla="*/ 424543 w 751114"/>
+              <a:gd name="connsiteY37" fmla="*/ 620485 h 957943"/>
+            </a:gdLst>
+            <a:ahLst/>
+            <a:cxnLst>
+              <a:cxn ang="0">
+                <a:pos x="connsiteX0" y="connsiteY0"/>
+              </a:cxn>
+              <a:cxn ang="0">
+                <a:pos x="connsiteX1" y="connsiteY1"/>
+              </a:cxn>
+              <a:cxn ang="0">
+                <a:pos x="connsiteX2" y="connsiteY2"/>
+              </a:cxn>
+              <a:cxn ang="0">
+                <a:pos x="connsiteX3" y="connsiteY3"/>
+              </a:cxn>
+              <a:cxn ang="0">
+                <a:pos x="connsiteX4" y="connsiteY4"/>
+              </a:cxn>
+              <a:cxn ang="0">
+                <a:pos x="connsiteX5" y="connsiteY5"/>
+              </a:cxn>
+              <a:cxn ang="0">
+                <a:pos x="connsiteX6" y="connsiteY6"/>
+              </a:cxn>
+              <a:cxn ang="0">
+                <a:pos x="connsiteX7" y="connsiteY7"/>
+              </a:cxn>
+              <a:cxn ang="0">
+                <a:pos x="connsiteX8" y="connsiteY8"/>
+              </a:cxn>
+              <a:cxn ang="0">
+                <a:pos x="connsiteX9" y="connsiteY9"/>
+              </a:cxn>
+              <a:cxn ang="0">
+                <a:pos x="connsiteX10" y="connsiteY10"/>
+              </a:cxn>
+              <a:cxn ang="0">
+                <a:pos x="connsiteX11" y="connsiteY11"/>
+              </a:cxn>
+              <a:cxn ang="0">
+                <a:pos x="connsiteX12" y="connsiteY12"/>
+              </a:cxn>
+              <a:cxn ang="0">
+                <a:pos x="connsiteX13" y="connsiteY13"/>
+              </a:cxn>
+              <a:cxn ang="0">
+                <a:pos x="connsiteX14" y="connsiteY14"/>
+              </a:cxn>
+              <a:cxn ang="0">
+                <a:pos x="connsiteX15" y="connsiteY15"/>
+              </a:cxn>
+              <a:cxn ang="0">
+                <a:pos x="connsiteX16" y="connsiteY16"/>
+              </a:cxn>
+              <a:cxn ang="0">
+                <a:pos x="connsiteX17" y="connsiteY17"/>
+              </a:cxn>
+              <a:cxn ang="0">
+                <a:pos x="connsiteX18" y="connsiteY18"/>
+              </a:cxn>
+              <a:cxn ang="0">
+                <a:pos x="connsiteX19" y="connsiteY19"/>
+              </a:cxn>
+              <a:cxn ang="0">
+                <a:pos x="connsiteX20" y="connsiteY20"/>
+              </a:cxn>
+              <a:cxn ang="0">
+                <a:pos x="connsiteX21" y="connsiteY21"/>
+              </a:cxn>
+              <a:cxn ang="0">
+                <a:pos x="connsiteX22" y="connsiteY22"/>
+              </a:cxn>
+              <a:cxn ang="0">
+                <a:pos x="connsiteX23" y="connsiteY23"/>
+              </a:cxn>
+              <a:cxn ang="0">
+                <a:pos x="connsiteX24" y="connsiteY24"/>
+              </a:cxn>
+              <a:cxn ang="0">
+                <a:pos x="connsiteX25" y="connsiteY25"/>
+              </a:cxn>
+              <a:cxn ang="0">
+                <a:pos x="connsiteX26" y="connsiteY26"/>
+              </a:cxn>
+              <a:cxn ang="0">
+                <a:pos x="connsiteX27" y="connsiteY27"/>
+              </a:cxn>
+              <a:cxn ang="0">
+                <a:pos x="connsiteX28" y="connsiteY28"/>
+              </a:cxn>
+              <a:cxn ang="0">
+                <a:pos x="connsiteX29" y="connsiteY29"/>
+              </a:cxn>
+              <a:cxn ang="0">
+                <a:pos x="connsiteX30" y="connsiteY30"/>
+              </a:cxn>
+              <a:cxn ang="0">
+                <a:pos x="connsiteX31" y="connsiteY31"/>
+              </a:cxn>
+              <a:cxn ang="0">
+                <a:pos x="connsiteX32" y="connsiteY32"/>
+              </a:cxn>
+              <a:cxn ang="0">
+                <a:pos x="connsiteX33" y="connsiteY33"/>
+              </a:cxn>
+              <a:cxn ang="0">
+                <a:pos x="connsiteX34" y="connsiteY34"/>
+              </a:cxn>
+              <a:cxn ang="0">
+                <a:pos x="connsiteX35" y="connsiteY35"/>
+              </a:cxn>
+              <a:cxn ang="0">
+                <a:pos x="connsiteX36" y="connsiteY36"/>
+              </a:cxn>
+              <a:cxn ang="0">
+                <a:pos x="connsiteX37" y="connsiteY37"/>
+              </a:cxn>
+            </a:cxnLst>
+            <a:rect l="l" t="t" r="r" b="b"/>
+            <a:pathLst>
+              <a:path w="751114" h="957943">
+                <a:moveTo>
+                  <a:pt x="0" y="0"/>
+                </a:moveTo>
+                <a:cubicBezTo>
+                  <a:pt x="29029" y="3628"/>
+                  <a:pt x="57933" y="8456"/>
+                  <a:pt x="87086" y="10885"/>
+                </a:cubicBezTo>
+                <a:cubicBezTo>
+                  <a:pt x="145055" y="15716"/>
+                  <a:pt x="203375" y="15983"/>
+                  <a:pt x="261257" y="21771"/>
+                </a:cubicBezTo>
+                <a:cubicBezTo>
+                  <a:pt x="293725" y="25018"/>
+                  <a:pt x="320506" y="38521"/>
+                  <a:pt x="348343" y="54428"/>
+                </a:cubicBezTo>
+                <a:cubicBezTo>
+                  <a:pt x="359702" y="60919"/>
+                  <a:pt x="369298" y="70349"/>
+                  <a:pt x="381000" y="76200"/>
+                </a:cubicBezTo>
+                <a:cubicBezTo>
+                  <a:pt x="391263" y="81332"/>
+                  <a:pt x="402771" y="83457"/>
+                  <a:pt x="413657" y="87085"/>
+                </a:cubicBezTo>
+                <a:cubicBezTo>
+                  <a:pt x="424543" y="94342"/>
+                  <a:pt x="435668" y="101253"/>
+                  <a:pt x="446314" y="108857"/>
+                </a:cubicBezTo>
+                <a:cubicBezTo>
+                  <a:pt x="461077" y="119402"/>
+                  <a:pt x="474472" y="131898"/>
+                  <a:pt x="489857" y="141514"/>
+                </a:cubicBezTo>
+                <a:cubicBezTo>
+                  <a:pt x="503618" y="150114"/>
+                  <a:pt x="518886" y="156028"/>
+                  <a:pt x="533400" y="163285"/>
+                </a:cubicBezTo>
+                <a:cubicBezTo>
+                  <a:pt x="607965" y="237851"/>
+                  <a:pt x="573095" y="211521"/>
+                  <a:pt x="631371" y="250371"/>
+                </a:cubicBezTo>
+                <a:cubicBezTo>
+                  <a:pt x="645885" y="272142"/>
+                  <a:pt x="663212" y="292282"/>
+                  <a:pt x="674914" y="315685"/>
+                </a:cubicBezTo>
+                <a:cubicBezTo>
+                  <a:pt x="728511" y="422876"/>
+                  <a:pt x="662860" y="288564"/>
+                  <a:pt x="718457" y="413657"/>
+                </a:cubicBezTo>
+                <a:cubicBezTo>
+                  <a:pt x="754328" y="494367"/>
+                  <a:pt x="728757" y="422781"/>
+                  <a:pt x="751114" y="489857"/>
+                </a:cubicBezTo>
+                <a:cubicBezTo>
+                  <a:pt x="719866" y="614857"/>
+                  <a:pt x="763560" y="460819"/>
+                  <a:pt x="718457" y="566057"/>
+                </a:cubicBezTo>
+                <a:cubicBezTo>
+                  <a:pt x="712563" y="579808"/>
+                  <a:pt x="713464" y="595849"/>
+                  <a:pt x="707571" y="609600"/>
+                </a:cubicBezTo>
+                <a:cubicBezTo>
+                  <a:pt x="702417" y="621625"/>
+                  <a:pt x="691651" y="630555"/>
+                  <a:pt x="685800" y="642257"/>
+                </a:cubicBezTo>
+                <a:cubicBezTo>
+                  <a:pt x="660712" y="692434"/>
+                  <a:pt x="691187" y="702183"/>
+                  <a:pt x="631371" y="762000"/>
+                </a:cubicBezTo>
+                <a:cubicBezTo>
+                  <a:pt x="616857" y="776514"/>
+                  <a:pt x="600431" y="789341"/>
+                  <a:pt x="587829" y="805543"/>
+                </a:cubicBezTo>
+                <a:cubicBezTo>
+                  <a:pt x="514866" y="899352"/>
+                  <a:pt x="594423" y="822616"/>
+                  <a:pt x="522514" y="903514"/>
+                </a:cubicBezTo>
+                <a:cubicBezTo>
+                  <a:pt x="505468" y="922691"/>
+                  <a:pt x="468086" y="957943"/>
+                  <a:pt x="468086" y="957943"/>
+                </a:cubicBezTo>
+                <a:cubicBezTo>
+                  <a:pt x="448708" y="955521"/>
+                  <a:pt x="342249" y="943415"/>
+                  <a:pt x="315686" y="936171"/>
+                </a:cubicBezTo>
+                <a:cubicBezTo>
+                  <a:pt x="296834" y="931030"/>
+                  <a:pt x="279621" y="921078"/>
+                  <a:pt x="261257" y="914400"/>
+                </a:cubicBezTo>
+                <a:cubicBezTo>
+                  <a:pt x="162617" y="878531"/>
+                  <a:pt x="229149" y="909230"/>
+                  <a:pt x="152400" y="870857"/>
+                </a:cubicBezTo>
+                <a:cubicBezTo>
+                  <a:pt x="141514" y="859971"/>
+                  <a:pt x="131569" y="848055"/>
+                  <a:pt x="119743" y="838200"/>
+                </a:cubicBezTo>
+                <a:cubicBezTo>
+                  <a:pt x="109692" y="829824"/>
+                  <a:pt x="95701" y="826274"/>
+                  <a:pt x="87086" y="816428"/>
+                </a:cubicBezTo>
+                <a:cubicBezTo>
+                  <a:pt x="69856" y="796736"/>
+                  <a:pt x="55245" y="774517"/>
+                  <a:pt x="43543" y="751114"/>
+                </a:cubicBezTo>
+                <a:cubicBezTo>
+                  <a:pt x="36286" y="736600"/>
+                  <a:pt x="27798" y="722638"/>
+                  <a:pt x="21771" y="707571"/>
+                </a:cubicBezTo>
+                <a:cubicBezTo>
+                  <a:pt x="13248" y="686263"/>
+                  <a:pt x="0" y="642257"/>
+                  <a:pt x="0" y="642257"/>
+                </a:cubicBezTo>
+                <a:cubicBezTo>
+                  <a:pt x="3629" y="613228"/>
+                  <a:pt x="-2881" y="580984"/>
+                  <a:pt x="10886" y="555171"/>
+                </a:cubicBezTo>
+                <a:cubicBezTo>
+                  <a:pt x="27790" y="523476"/>
+                  <a:pt x="61686" y="504371"/>
+                  <a:pt x="87086" y="478971"/>
+                </a:cubicBezTo>
+                <a:lnTo>
+                  <a:pt x="130629" y="435428"/>
+                </a:lnTo>
+                <a:cubicBezTo>
+                  <a:pt x="145143" y="420914"/>
+                  <a:pt x="155812" y="401064"/>
+                  <a:pt x="174171" y="391885"/>
+                </a:cubicBezTo>
+                <a:cubicBezTo>
+                  <a:pt x="231096" y="363423"/>
+                  <a:pt x="201971" y="374050"/>
+                  <a:pt x="261257" y="359228"/>
+                </a:cubicBezTo>
+                <a:cubicBezTo>
+                  <a:pt x="308428" y="362857"/>
+                  <a:pt x="357888" y="355153"/>
+                  <a:pt x="402771" y="370114"/>
+                </a:cubicBezTo>
+                <a:cubicBezTo>
+                  <a:pt x="418166" y="375246"/>
+                  <a:pt x="417952" y="398828"/>
+                  <a:pt x="424543" y="413657"/>
+                </a:cubicBezTo>
+                <a:cubicBezTo>
+                  <a:pt x="441897" y="452703"/>
+                  <a:pt x="445231" y="464837"/>
+                  <a:pt x="457200" y="500743"/>
+                </a:cubicBezTo>
+                <a:cubicBezTo>
+                  <a:pt x="453571" y="529771"/>
+                  <a:pt x="451547" y="559046"/>
+                  <a:pt x="446314" y="587828"/>
+                </a:cubicBezTo>
+                <a:cubicBezTo>
+                  <a:pt x="439751" y="623927"/>
+                  <a:pt x="445174" y="620485"/>
+                  <a:pt x="424543" y="620485"/>
+                </a:cubicBezTo>
+              </a:path>
+            </a:pathLst>
+          </a:custGeom>
+          <a:noFill/>
+        </p:spPr>
+        <p:style>
+          <a:lnRef idx="2">
+            <a:schemeClr val="accent1">
+              <a:shade val="15000"/>
+            </a:schemeClr>
+          </a:lnRef>
+          <a:fillRef idx="1">
+            <a:schemeClr val="accent1"/>
+          </a:fillRef>
+          <a:effectRef idx="0">
+            <a:schemeClr val="accent1"/>
+          </a:effectRef>
+          <a:fontRef idx="minor">
+            <a:schemeClr val="lt1"/>
+          </a:fontRef>
+        </p:style>
+        <p:txBody>
+          <a:bodyPr rtlCol="0" anchor="ctr"/>
+          <a:lstStyle/>
+          <a:p>
+            <a:pPr algn="ctr"/>
+            <a:endParaRPr kumimoji="1" lang="zh-CN" altLang="en-US"/>
+          </a:p>
+        </p:txBody>
+      </p:sp>
+      <p:sp>
+        <p:nvSpPr>
+          <p:cNvPr id="4" name="任意形状 3">
+            <a:extLst>
+              <a:ext uri="{FF2B5EF4-FFF2-40B4-BE49-F238E27FC236}">
+                <a16:creationId xmlns:a16="http://schemas.microsoft.com/office/drawing/2014/main" id="{AFE36D9C-394D-418A-208E-DA4C5060E897}"/>
+              </a:ext>
+            </a:extLst>
+          </p:cNvPr>
+          <p:cNvSpPr/>
+          <p:nvPr/>
+        </p:nvSpPr>
+        <p:spPr>
+          <a:xfrm>
+            <a:off x="10759808" y="5501687"/>
+            <a:ext cx="448419" cy="1065368"/>
+          </a:xfrm>
+          <a:custGeom>
+            <a:avLst/>
+            <a:gdLst>
+              <a:gd name="connsiteX0" fmla="*/ 120275 w 448419"/>
+              <a:gd name="connsiteY0" fmla="*/ 0 h 1065368"/>
+              <a:gd name="connsiteX1" fmla="*/ 446846 w 448419"/>
+              <a:gd name="connsiteY1" fmla="*/ 979715 h 1065368"/>
+              <a:gd name="connsiteX2" fmla="*/ 532 w 448419"/>
+              <a:gd name="connsiteY2" fmla="*/ 990600 h 1065368"/>
+              <a:gd name="connsiteX3" fmla="*/ 348875 w 448419"/>
+              <a:gd name="connsiteY3" fmla="*/ 762000 h 1065368"/>
+              <a:gd name="connsiteX4" fmla="*/ 348875 w 448419"/>
+              <a:gd name="connsiteY4" fmla="*/ 762000 h 1065368"/>
+            </a:gdLst>
+            <a:ahLst/>
+            <a:cxnLst>
+              <a:cxn ang="0">
+                <a:pos x="connsiteX0" y="connsiteY0"/>
+              </a:cxn>
+              <a:cxn ang="0">
+                <a:pos x="connsiteX1" y="connsiteY1"/>
+              </a:cxn>
+              <a:cxn ang="0">
+                <a:pos x="connsiteX2" y="connsiteY2"/>
+              </a:cxn>
+              <a:cxn ang="0">
+                <a:pos x="connsiteX3" y="connsiteY3"/>
+              </a:cxn>
+              <a:cxn ang="0">
+                <a:pos x="connsiteX4" y="connsiteY4"/>
+              </a:cxn>
+            </a:cxnLst>
+            <a:rect l="l" t="t" r="r" b="b"/>
+            <a:pathLst>
+              <a:path w="448419" h="1065368">
+                <a:moveTo>
+                  <a:pt x="120275" y="0"/>
+                </a:moveTo>
+                <a:cubicBezTo>
+                  <a:pt x="293539" y="407307"/>
+                  <a:pt x="466803" y="814615"/>
+                  <a:pt x="446846" y="979715"/>
+                </a:cubicBezTo>
+                <a:cubicBezTo>
+                  <a:pt x="426889" y="1144815"/>
+                  <a:pt x="16860" y="1026886"/>
+                  <a:pt x="532" y="990600"/>
+                </a:cubicBezTo>
+                <a:cubicBezTo>
+                  <a:pt x="-15796" y="954314"/>
+                  <a:pt x="348875" y="762000"/>
+                  <a:pt x="348875" y="762000"/>
+                </a:cubicBezTo>
+                <a:lnTo>
+                  <a:pt x="348875" y="762000"/>
+                </a:lnTo>
+              </a:path>
+            </a:pathLst>
+          </a:custGeom>
+          <a:noFill/>
+        </p:spPr>
+        <p:style>
+          <a:lnRef idx="2">
+            <a:schemeClr val="accent1">
+              <a:shade val="15000"/>
+            </a:schemeClr>
+          </a:lnRef>
+          <a:fillRef idx="1">
+            <a:schemeClr val="accent1"/>
+          </a:fillRef>
+          <a:effectRef idx="0">
+            <a:schemeClr val="accent1"/>
+          </a:effectRef>
+          <a:fontRef idx="minor">
+            <a:schemeClr val="lt1"/>
+          </a:fontRef>
+        </p:style>
+        <p:txBody>
+          <a:bodyPr rtlCol="0" anchor="ctr"/>
+          <a:lstStyle/>
+          <a:p>
+            <a:pPr algn="ctr"/>
+            <a:endParaRPr kumimoji="1" lang="zh-CN" altLang="en-US"/>
+          </a:p>
+        </p:txBody>
+      </p:sp>
     </p:spTree>
     <p:extLst>
       <p:ext uri="{BB962C8B-B14F-4D97-AF65-F5344CB8AC3E}">
@@ -4446,7 +6977,7 @@
 </p:sld>
 </file>
 
-<file path=ppt/slides/slide3.xml><?xml version="1.0" encoding="utf-8"?>
+<file path=ppt/slides/slide2.xml><?xml version="1.0" encoding="utf-8"?>
 <p:sld xmlns:a="http://schemas.openxmlformats.org/drawingml/2006/main" xmlns:r="http://schemas.openxmlformats.org/officeDocument/2006/relationships" xmlns:p="http://schemas.openxmlformats.org/presentationml/2006/main">
   <p:cSld>
     <p:bg>
@@ -4830,7 +7361,7 @@
           <a:p>
             <a:r>
               <a:rPr kumimoji="1" lang="zh-CN" altLang="en-US" dirty="0"/>
-              <a:t>测试大标题</a:t>
+              <a:t>文本测试</a:t>
             </a:r>
           </a:p>
         </p:txBody>
@@ -4957,7 +7488,7 @@
 </p:sld>
 </file>
 
-<file path=ppt/slides/slide4.xml><?xml version="1.0" encoding="utf-8"?>
+<file path=ppt/slides/slide3.xml><?xml version="1.0" encoding="utf-8"?>
 <p:sld xmlns:a="http://schemas.openxmlformats.org/drawingml/2006/main" xmlns:r="http://schemas.openxmlformats.org/officeDocument/2006/relationships" xmlns:p="http://schemas.openxmlformats.org/presentationml/2006/main">
   <p:cSld>
     <p:spTree>
@@ -5022,10 +7553,9 @@
           </a:lstStyle>
           <a:p>
             <a:r>
-              <a:rPr lang="zh-CN" altLang="en-US"/>
-              <a:t>事实上事</a:t>
-            </a:r>
-            <a:endParaRPr lang="zh-CN" altLang="en-US" dirty="0"/>
+              <a:rPr lang="zh-CN" altLang="en-US" dirty="0"/>
+              <a:t>编号测试</a:t>
+            </a:r>
           </a:p>
         </p:txBody>
       </p:sp>
@@ -6016,7 +8546,7 @@
 </p:sld>
 </file>
 
-<file path=ppt/slides/slide5.xml><?xml version="1.0" encoding="utf-8"?>
+<file path=ppt/slides/slide4.xml><?xml version="1.0" encoding="utf-8"?>
 <p:sld xmlns:a="http://schemas.openxmlformats.org/drawingml/2006/main" xmlns:r="http://schemas.openxmlformats.org/officeDocument/2006/relationships" xmlns:p="http://schemas.openxmlformats.org/presentationml/2006/main">
   <p:cSld>
     <p:spTree>

--- a/examples/dist/1.pptx
+++ b/examples/dist/1.pptx
@@ -5,13 +5,15 @@
     <p:sldMasterId id="2147483648" r:id="rId1"/>
   </p:sldMasterIdLst>
   <p:notesMasterIdLst>
-    <p:notesMasterId r:id="rId6"/>
+    <p:notesMasterId r:id="rId8"/>
   </p:notesMasterIdLst>
   <p:sldIdLst>
-    <p:sldId id="257" r:id="rId2"/>
-    <p:sldId id="258" r:id="rId3"/>
-    <p:sldId id="259" r:id="rId4"/>
-    <p:sldId id="260" r:id="rId5"/>
+    <p:sldId id="260" r:id="rId2"/>
+    <p:sldId id="257" r:id="rId3"/>
+    <p:sldId id="262" r:id="rId4"/>
+    <p:sldId id="258" r:id="rId5"/>
+    <p:sldId id="259" r:id="rId6"/>
+    <p:sldId id="263" r:id="rId7"/>
   </p:sldIdLst>
   <p:sldSz cx="12192000" cy="6858000"/>
   <p:notesSz cx="6858000" cy="9144000"/>
@@ -200,7 +202,7 @@
           <a:p>
             <a:fld id="{2A079B6E-BB47-DC4B-B208-DE5B6C0B8C10}" type="datetimeFigureOut">
               <a:rPr kumimoji="1" lang="zh-CN" altLang="en-US" smtClean="0"/>
-              <a:t>2024/10/26</a:t>
+              <a:t>2024/11/2</a:t>
             </a:fld>
             <a:endParaRPr kumimoji="1" lang="zh-CN" altLang="en-US"/>
           </a:p>
@@ -467,14 +469,192 @@
 </p:notesMaster>
 </file>
 
+<file path=ppt/notesSlides/notesSlide1.xml><?xml version="1.0" encoding="utf-8"?>
+<p:notes xmlns:a="http://schemas.openxmlformats.org/drawingml/2006/main" xmlns:r="http://schemas.openxmlformats.org/officeDocument/2006/relationships" xmlns:p="http://schemas.openxmlformats.org/presentationml/2006/main">
+  <p:cSld>
+    <p:spTree>
+      <p:nvGrpSpPr>
+        <p:cNvPr id="1" name=""/>
+        <p:cNvGrpSpPr/>
+        <p:nvPr/>
+      </p:nvGrpSpPr>
+      <p:grpSpPr>
+        <a:xfrm>
+          <a:off x="0" y="0"/>
+          <a:ext cx="0" cy="0"/>
+          <a:chOff x="0" y="0"/>
+          <a:chExt cx="0" cy="0"/>
+        </a:xfrm>
+      </p:grpSpPr>
+      <p:sp>
+        <p:nvSpPr>
+          <p:cNvPr id="2" name="幻灯片图像占位符 1"/>
+          <p:cNvSpPr>
+            <a:spLocks noGrp="1" noRot="1" noChangeAspect="1"/>
+          </p:cNvSpPr>
+          <p:nvPr>
+            <p:ph type="sldImg"/>
+          </p:nvPr>
+        </p:nvSpPr>
+        <p:spPr/>
+      </p:sp>
+      <p:sp>
+        <p:nvSpPr>
+          <p:cNvPr id="3" name="备注占位符 2"/>
+          <p:cNvSpPr>
+            <a:spLocks noGrp="1"/>
+          </p:cNvSpPr>
+          <p:nvPr>
+            <p:ph type="body" idx="1"/>
+          </p:nvPr>
+        </p:nvSpPr>
+        <p:spPr/>
+        <p:txBody>
+          <a:bodyPr/>
+          <a:lstStyle/>
+          <a:p>
+            <a:endParaRPr kumimoji="1" lang="zh-CN" altLang="en-US" dirty="0"/>
+          </a:p>
+        </p:txBody>
+      </p:sp>
+      <p:sp>
+        <p:nvSpPr>
+          <p:cNvPr id="4" name="灯片编号占位符 3"/>
+          <p:cNvSpPr>
+            <a:spLocks noGrp="1"/>
+          </p:cNvSpPr>
+          <p:nvPr>
+            <p:ph type="sldNum" sz="quarter" idx="5"/>
+          </p:nvPr>
+        </p:nvSpPr>
+        <p:spPr/>
+        <p:txBody>
+          <a:bodyPr/>
+          <a:lstStyle/>
+          <a:p>
+            <a:fld id="{9F98B547-6C9B-E74D-AE84-E04D35D9791D}" type="slidenum">
+              <a:rPr kumimoji="1" lang="zh-CN" altLang="en-US" smtClean="0"/>
+              <a:t>2</a:t>
+            </a:fld>
+            <a:endParaRPr kumimoji="1" lang="zh-CN" altLang="en-US"/>
+          </a:p>
+        </p:txBody>
+      </p:sp>
+    </p:spTree>
+    <p:extLst>
+      <p:ext uri="{BB962C8B-B14F-4D97-AF65-F5344CB8AC3E}">
+        <p14:creationId xmlns:p14="http://schemas.microsoft.com/office/powerpoint/2010/main" val="2775550062"/>
+      </p:ext>
+    </p:extLst>
+  </p:cSld>
+  <p:clrMapOvr>
+    <a:masterClrMapping/>
+  </p:clrMapOvr>
+</p:notes>
+</file>
+
+<file path=ppt/notesSlides/notesSlide2.xml><?xml version="1.0" encoding="utf-8"?>
+<p:notes xmlns:a="http://schemas.openxmlformats.org/drawingml/2006/main" xmlns:r="http://schemas.openxmlformats.org/officeDocument/2006/relationships" xmlns:p="http://schemas.openxmlformats.org/presentationml/2006/main">
+  <p:cSld>
+    <p:spTree>
+      <p:nvGrpSpPr>
+        <p:cNvPr id="1" name=""/>
+        <p:cNvGrpSpPr/>
+        <p:nvPr/>
+      </p:nvGrpSpPr>
+      <p:grpSpPr>
+        <a:xfrm>
+          <a:off x="0" y="0"/>
+          <a:ext cx="0" cy="0"/>
+          <a:chOff x="0" y="0"/>
+          <a:chExt cx="0" cy="0"/>
+        </a:xfrm>
+      </p:grpSpPr>
+      <p:sp>
+        <p:nvSpPr>
+          <p:cNvPr id="2" name="幻灯片图像占位符 1"/>
+          <p:cNvSpPr>
+            <a:spLocks noGrp="1" noRot="1" noChangeAspect="1"/>
+          </p:cNvSpPr>
+          <p:nvPr>
+            <p:ph type="sldImg"/>
+          </p:nvPr>
+        </p:nvSpPr>
+        <p:spPr/>
+      </p:sp>
+      <p:sp>
+        <p:nvSpPr>
+          <p:cNvPr id="3" name="备注占位符 2"/>
+          <p:cNvSpPr>
+            <a:spLocks noGrp="1"/>
+          </p:cNvSpPr>
+          <p:nvPr>
+            <p:ph type="body" idx="1"/>
+          </p:nvPr>
+        </p:nvSpPr>
+        <p:spPr/>
+        <p:txBody>
+          <a:bodyPr/>
+          <a:lstStyle/>
+          <a:p>
+            <a:endParaRPr kumimoji="1" lang="zh-CN" altLang="en-US" dirty="0"/>
+          </a:p>
+        </p:txBody>
+      </p:sp>
+      <p:sp>
+        <p:nvSpPr>
+          <p:cNvPr id="4" name="灯片编号占位符 3"/>
+          <p:cNvSpPr>
+            <a:spLocks noGrp="1"/>
+          </p:cNvSpPr>
+          <p:nvPr>
+            <p:ph type="sldNum" sz="quarter" idx="5"/>
+          </p:nvPr>
+        </p:nvSpPr>
+        <p:spPr/>
+        <p:txBody>
+          <a:bodyPr/>
+          <a:lstStyle/>
+          <a:p>
+            <a:fld id="{9F98B547-6C9B-E74D-AE84-E04D35D9791D}" type="slidenum">
+              <a:rPr kumimoji="1" lang="zh-CN" altLang="en-US" smtClean="0"/>
+              <a:t>3</a:t>
+            </a:fld>
+            <a:endParaRPr kumimoji="1" lang="zh-CN" altLang="en-US"/>
+          </a:p>
+        </p:txBody>
+      </p:sp>
+    </p:spTree>
+    <p:extLst>
+      <p:ext uri="{BB962C8B-B14F-4D97-AF65-F5344CB8AC3E}">
+        <p14:creationId xmlns:p14="http://schemas.microsoft.com/office/powerpoint/2010/main" val="1078533635"/>
+      </p:ext>
+    </p:extLst>
+  </p:cSld>
+  <p:clrMapOvr>
+    <a:masterClrMapping/>
+  </p:clrMapOvr>
+</p:notes>
+</file>
+
 <file path=ppt/slideLayouts/slideLayout1.xml><?xml version="1.0" encoding="utf-8"?>
 <p:sldLayout xmlns:a="http://schemas.openxmlformats.org/drawingml/2006/main" xmlns:r="http://schemas.openxmlformats.org/officeDocument/2006/relationships" xmlns:p="http://schemas.openxmlformats.org/presentationml/2006/main" preserve="1" userDrawn="1">
   <p:cSld name="标题幻灯片">
     <p:bg>
       <p:bgPr>
-        <a:solidFill>
-          <a:schemeClr val="accent2"/>
-        </a:solidFill>
+        <a:gradFill>
+          <a:gsLst>
+            <a:gs pos="0">
+              <a:srgbClr val="002060"/>
+            </a:gs>
+            <a:gs pos="100000">
+              <a:srgbClr val="7030A0"/>
+            </a:gs>
+          </a:gsLst>
+          <a:path path="rect">
+            <a:fillToRect l="100000" t="100000"/>
+          </a:path>
+        </a:gradFill>
         <a:effectLst/>
       </p:bgPr>
     </p:bg>
@@ -654,7 +834,7 @@
           <a:p>
             <a:fld id="{CB466922-C78F-E14C-A6FB-A4B546F5A82C}" type="datetimeFigureOut">
               <a:rPr kumimoji="1" lang="zh-CN" altLang="en-US" smtClean="0"/>
-              <a:t>2024/10/26</a:t>
+              <a:t>2024/11/2</a:t>
             </a:fld>
             <a:endParaRPr kumimoji="1" lang="zh-CN" altLang="en-US"/>
           </a:p>
@@ -892,7 +1072,7 @@
           <a:p>
             <a:fld id="{CB466922-C78F-E14C-A6FB-A4B546F5A82C}" type="datetimeFigureOut">
               <a:rPr kumimoji="1" lang="zh-CN" altLang="en-US" smtClean="0"/>
-              <a:t>2024/10/26</a:t>
+              <a:t>2024/11/2</a:t>
             </a:fld>
             <a:endParaRPr kumimoji="1" lang="zh-CN" altLang="en-US"/>
           </a:p>
@@ -972,6 +1152,72 @@
     <p:extLst>
       <p:ext uri="{BB962C8B-B14F-4D97-AF65-F5344CB8AC3E}">
         <p14:creationId xmlns:p14="http://schemas.microsoft.com/office/powerpoint/2010/main" val="2121580775"/>
+      </p:ext>
+    </p:extLst>
+  </p:cSld>
+  <p:clrMapOvr>
+    <a:masterClrMapping/>
+  </p:clrMapOvr>
+</p:sldLayout>
+</file>
+
+<file path=ppt/slideLayouts/slideLayout12.xml><?xml version="1.0" encoding="utf-8"?>
+<p:sldLayout xmlns:a="http://schemas.openxmlformats.org/drawingml/2006/main" xmlns:r="http://schemas.openxmlformats.org/officeDocument/2006/relationships" xmlns:p="http://schemas.openxmlformats.org/presentationml/2006/main" preserve="1" userDrawn="1">
+  <p:cSld name="自定义版式">
+    <p:spTree>
+      <p:nvGrpSpPr>
+        <p:cNvPr id="1" name=""/>
+        <p:cNvGrpSpPr/>
+        <p:nvPr/>
+      </p:nvGrpSpPr>
+      <p:grpSpPr>
+        <a:xfrm>
+          <a:off x="0" y="0"/>
+          <a:ext cx="0" cy="0"/>
+          <a:chOff x="0" y="0"/>
+          <a:chExt cx="0" cy="0"/>
+        </a:xfrm>
+      </p:grpSpPr>
+      <p:sp>
+        <p:nvSpPr>
+          <p:cNvPr id="2" name="标题 1">
+            <a:extLst>
+              <a:ext uri="{FF2B5EF4-FFF2-40B4-BE49-F238E27FC236}">
+                <a16:creationId xmlns:a16="http://schemas.microsoft.com/office/drawing/2014/main" id="{09D15EFF-EA36-EF71-D0ED-56B5CB6E0193}"/>
+              </a:ext>
+            </a:extLst>
+          </p:cNvPr>
+          <p:cNvSpPr>
+            <a:spLocks noGrp="1"/>
+          </p:cNvSpPr>
+          <p:nvPr>
+            <p:ph type="title"/>
+          </p:nvPr>
+        </p:nvSpPr>
+        <p:spPr>
+          <a:xfrm>
+            <a:off x="838200" y="365125"/>
+            <a:ext cx="10515600" cy="1325563"/>
+          </a:xfrm>
+          <a:prstGeom prst="rect">
+            <a:avLst/>
+          </a:prstGeom>
+        </p:spPr>
+        <p:txBody>
+          <a:bodyPr/>
+          <a:lstStyle/>
+          <a:p>
+            <a:r>
+              <a:rPr kumimoji="1" lang="zh-CN" altLang="en-US"/>
+              <a:t>单击此处编辑母版标题样式</a:t>
+            </a:r>
+          </a:p>
+        </p:txBody>
+      </p:sp>
+    </p:spTree>
+    <p:extLst>
+      <p:ext uri="{BB962C8B-B14F-4D97-AF65-F5344CB8AC3E}">
+        <p14:creationId xmlns:p14="http://schemas.microsoft.com/office/powerpoint/2010/main" val="3124153173"/>
       </p:ext>
     </p:extLst>
   </p:cSld>
@@ -986,9 +1232,19 @@
   <p:cSld name="标题和内容">
     <p:bg>
       <p:bgPr>
-        <a:solidFill>
-          <a:schemeClr val="accent6"/>
-        </a:solidFill>
+        <a:gradFill>
+          <a:gsLst>
+            <a:gs pos="0">
+              <a:srgbClr val="002060"/>
+            </a:gs>
+            <a:gs pos="100000">
+              <a:srgbClr val="7030A0"/>
+            </a:gs>
+          </a:gsLst>
+          <a:path path="rect">
+            <a:fillToRect l="100000" t="100000"/>
+          </a:path>
+        </a:gradFill>
         <a:effectLst/>
       </p:bgPr>
     </p:bg>
@@ -1138,7 +1394,7 @@
           <a:p>
             <a:fld id="{CB466922-C78F-E14C-A6FB-A4B546F5A82C}" type="datetimeFigureOut">
               <a:rPr kumimoji="1" lang="zh-CN" altLang="en-US" smtClean="0"/>
-              <a:t>2024/10/26</a:t>
+              <a:t>2024/11/2</a:t>
             </a:fld>
             <a:endParaRPr kumimoji="1" lang="zh-CN" altLang="en-US"/>
           </a:p>
@@ -1443,7 +1699,7 @@
           <a:p>
             <a:fld id="{CB466922-C78F-E14C-A6FB-A4B546F5A82C}" type="datetimeFigureOut">
               <a:rPr kumimoji="1" lang="zh-CN" altLang="en-US" smtClean="0"/>
-              <a:t>2024/10/26</a:t>
+              <a:t>2024/11/2</a:t>
             </a:fld>
             <a:endParaRPr kumimoji="1" lang="zh-CN" altLang="en-US"/>
           </a:p>
@@ -1746,7 +2002,7 @@
           <a:p>
             <a:fld id="{CB466922-C78F-E14C-A6FB-A4B546F5A82C}" type="datetimeFigureOut">
               <a:rPr kumimoji="1" lang="zh-CN" altLang="en-US" smtClean="0"/>
-              <a:t>2024/10/26</a:t>
+              <a:t>2024/11/2</a:t>
             </a:fld>
             <a:endParaRPr kumimoji="1" lang="zh-CN" altLang="en-US"/>
           </a:p>
@@ -2197,7 +2453,7 @@
           <a:p>
             <a:fld id="{CB466922-C78F-E14C-A6FB-A4B546F5A82C}" type="datetimeFigureOut">
               <a:rPr kumimoji="1" lang="zh-CN" altLang="en-US" smtClean="0"/>
-              <a:t>2024/10/26</a:t>
+              <a:t>2024/11/2</a:t>
             </a:fld>
             <a:endParaRPr kumimoji="1" lang="zh-CN" altLang="en-US"/>
           </a:p>
@@ -2370,7 +2626,7 @@
           <a:p>
             <a:fld id="{CB466922-C78F-E14C-A6FB-A4B546F5A82C}" type="datetimeFigureOut">
               <a:rPr kumimoji="1" lang="zh-CN" altLang="en-US" smtClean="0"/>
-              <a:t>2024/10/26</a:t>
+              <a:t>2024/11/2</a:t>
             </a:fld>
             <a:endParaRPr kumimoji="1" lang="zh-CN" altLang="en-US"/>
           </a:p>
@@ -2507,7 +2763,7 @@
           <a:p>
             <a:fld id="{CB466922-C78F-E14C-A6FB-A4B546F5A82C}" type="datetimeFigureOut">
               <a:rPr kumimoji="1" lang="zh-CN" altLang="en-US" smtClean="0"/>
-              <a:t>2024/10/26</a:t>
+              <a:t>2024/11/2</a:t>
             </a:fld>
             <a:endParaRPr kumimoji="1" lang="zh-CN" altLang="en-US"/>
           </a:p>
@@ -2851,7 +3107,7 @@
           <a:p>
             <a:fld id="{CB466922-C78F-E14C-A6FB-A4B546F5A82C}" type="datetimeFigureOut">
               <a:rPr kumimoji="1" lang="zh-CN" altLang="en-US" smtClean="0"/>
-              <a:t>2024/10/26</a:t>
+              <a:t>2024/11/2</a:t>
             </a:fld>
             <a:endParaRPr kumimoji="1" lang="zh-CN" altLang="en-US"/>
           </a:p>
@@ -3172,7 +3428,7 @@
           <a:p>
             <a:fld id="{CB466922-C78F-E14C-A6FB-A4B546F5A82C}" type="datetimeFigureOut">
               <a:rPr kumimoji="1" lang="zh-CN" altLang="en-US" smtClean="0"/>
-              <a:t>2024/10/26</a:t>
+              <a:t>2024/11/2</a:t>
             </a:fld>
             <a:endParaRPr kumimoji="1" lang="zh-CN" altLang="en-US"/>
           </a:p>
@@ -3266,11 +3522,19 @@
   <p:cSld>
     <p:bg>
       <p:bgPr>
-        <a:solidFill>
-          <a:schemeClr val="accent6">
-            <a:alpha val="75658"/>
-          </a:schemeClr>
-        </a:solidFill>
+        <a:gradFill>
+          <a:gsLst>
+            <a:gs pos="0">
+              <a:srgbClr val="002060"/>
+            </a:gs>
+            <a:gs pos="100000">
+              <a:srgbClr val="7030A0"/>
+            </a:gs>
+          </a:gsLst>
+          <a:path path="rect">
+            <a:fillToRect l="100000" t="100000"/>
+          </a:path>
+        </a:gradFill>
         <a:effectLst/>
       </p:bgPr>
     </p:bg>
@@ -3288,6 +3552,111 @@
           <a:chExt cx="0" cy="0"/>
         </a:xfrm>
       </p:grpSpPr>
+      <p:sp>
+        <p:nvSpPr>
+          <p:cNvPr id="5" name="标题占位符 4">
+            <a:extLst>
+              <a:ext uri="{FF2B5EF4-FFF2-40B4-BE49-F238E27FC236}">
+                <a16:creationId xmlns:a16="http://schemas.microsoft.com/office/drawing/2014/main" id="{8E9BA770-A87E-C0B7-C1FB-42BF8B8281F4}"/>
+              </a:ext>
+            </a:extLst>
+          </p:cNvPr>
+          <p:cNvSpPr>
+            <a:spLocks noGrp="1"/>
+          </p:cNvSpPr>
+          <p:nvPr>
+            <p:ph type="title"/>
+          </p:nvPr>
+        </p:nvSpPr>
+        <p:spPr>
+          <a:xfrm>
+            <a:off x="838200" y="365125"/>
+            <a:ext cx="10515600" cy="1325563"/>
+          </a:xfrm>
+          <a:prstGeom prst="rect">
+            <a:avLst/>
+          </a:prstGeom>
+        </p:spPr>
+        <p:txBody>
+          <a:bodyPr vert="horz" lIns="91440" tIns="45720" rIns="91440" bIns="45720" rtlCol="0" anchor="ctr">
+            <a:normAutofit/>
+          </a:bodyPr>
+          <a:lstStyle/>
+          <a:p>
+            <a:r>
+              <a:rPr kumimoji="1" lang="zh-CN" altLang="en-US" dirty="0"/>
+              <a:t>单击此处编辑母版标题样式</a:t>
+            </a:r>
+          </a:p>
+        </p:txBody>
+      </p:sp>
+      <p:sp>
+        <p:nvSpPr>
+          <p:cNvPr id="7" name="文本占位符 6">
+            <a:extLst>
+              <a:ext uri="{FF2B5EF4-FFF2-40B4-BE49-F238E27FC236}">
+                <a16:creationId xmlns:a16="http://schemas.microsoft.com/office/drawing/2014/main" id="{D6BF4001-2D65-36CC-16C2-1E3E097D422D}"/>
+              </a:ext>
+            </a:extLst>
+          </p:cNvPr>
+          <p:cNvSpPr>
+            <a:spLocks noGrp="1"/>
+          </p:cNvSpPr>
+          <p:nvPr>
+            <p:ph type="body" idx="1"/>
+          </p:nvPr>
+        </p:nvSpPr>
+        <p:spPr>
+          <a:xfrm>
+            <a:off x="838200" y="1825625"/>
+            <a:ext cx="10515600" cy="4351338"/>
+          </a:xfrm>
+          <a:prstGeom prst="rect">
+            <a:avLst/>
+          </a:prstGeom>
+        </p:spPr>
+        <p:txBody>
+          <a:bodyPr vert="horz" lIns="91440" tIns="45720" rIns="91440" bIns="45720" rtlCol="0">
+            <a:normAutofit/>
+          </a:bodyPr>
+          <a:lstStyle/>
+          <a:p>
+            <a:pPr lvl="0"/>
+            <a:r>
+              <a:rPr kumimoji="1" lang="zh-CN" altLang="en-US"/>
+              <a:t>单击此处编辑母版文本样式</a:t>
+            </a:r>
+          </a:p>
+          <a:p>
+            <a:pPr lvl="1"/>
+            <a:r>
+              <a:rPr kumimoji="1" lang="zh-CN" altLang="en-US"/>
+              <a:t>二级</a:t>
+            </a:r>
+          </a:p>
+          <a:p>
+            <a:pPr lvl="2"/>
+            <a:r>
+              <a:rPr kumimoji="1" lang="zh-CN" altLang="en-US"/>
+              <a:t>三级</a:t>
+            </a:r>
+          </a:p>
+          <a:p>
+            <a:pPr lvl="3"/>
+            <a:r>
+              <a:rPr kumimoji="1" lang="zh-CN" altLang="en-US"/>
+              <a:t>四级</a:t>
+            </a:r>
+          </a:p>
+          <a:p>
+            <a:pPr lvl="4"/>
+            <a:r>
+              <a:rPr kumimoji="1" lang="zh-CN" altLang="en-US"/>
+              <a:t>五级</a:t>
+            </a:r>
+          </a:p>
+        </p:txBody>
+      </p:sp>
     </p:spTree>
     <p:extLst>
       <p:ext uri="{BB962C8B-B14F-4D97-AF65-F5344CB8AC3E}">
@@ -3308,6 +3677,7 @@
     <p:sldLayoutId id="2147483657" r:id="rId9"/>
     <p:sldLayoutId id="2147483658" r:id="rId10"/>
     <p:sldLayoutId id="2147483659" r:id="rId11"/>
+    <p:sldLayoutId id="2147483660" r:id="rId12"/>
   </p:sldLayoutIdLst>
   <p:txStyles>
     <p:titleStyle>
@@ -3595,6 +3965,170 @@
 <file path=ppt/slides/slide1.xml><?xml version="1.0" encoding="utf-8"?>
 <p:sld xmlns:a="http://schemas.openxmlformats.org/drawingml/2006/main" xmlns:r="http://schemas.openxmlformats.org/officeDocument/2006/relationships" xmlns:p="http://schemas.openxmlformats.org/presentationml/2006/main">
   <p:cSld>
+    <p:spTree>
+      <p:nvGrpSpPr>
+        <p:cNvPr id="1" name=""/>
+        <p:cNvGrpSpPr/>
+        <p:nvPr/>
+      </p:nvGrpSpPr>
+      <p:grpSpPr>
+        <a:xfrm>
+          <a:off x="0" y="0"/>
+          <a:ext cx="0" cy="0"/>
+          <a:chOff x="0" y="0"/>
+          <a:chExt cx="0" cy="0"/>
+        </a:xfrm>
+      </p:grpSpPr>
+      <p:sp>
+        <p:nvSpPr>
+          <p:cNvPr id="2" name="标题 1">
+            <a:extLst>
+              <a:ext uri="{FF2B5EF4-FFF2-40B4-BE49-F238E27FC236}">
+                <a16:creationId xmlns:a16="http://schemas.microsoft.com/office/drawing/2014/main" id="{47A349C2-1C82-C9ED-4F6E-0FDACB7C9282}"/>
+              </a:ext>
+            </a:extLst>
+          </p:cNvPr>
+          <p:cNvSpPr>
+            <a:spLocks noGrp="1"/>
+          </p:cNvSpPr>
+          <p:nvPr>
+            <p:ph type="title"/>
+          </p:nvPr>
+        </p:nvSpPr>
+        <p:spPr/>
+        <p:txBody>
+          <a:bodyPr/>
+          <a:lstStyle/>
+          <a:p>
+            <a:pPr algn="ctr"/>
+            <a:r>
+              <a:rPr kumimoji="1" lang="en-US" altLang="zh-CN" b="1" dirty="0" err="1">
+                <a:solidFill>
+                  <a:schemeClr val="bg1"/>
+                </a:solidFill>
+              </a:rPr>
+              <a:t>pptxPreview</a:t>
+            </a:r>
+            <a:r>
+              <a:rPr kumimoji="1" lang="zh-CN" altLang="en-US" b="1" dirty="0">
+                <a:solidFill>
+                  <a:schemeClr val="bg1"/>
+                </a:solidFill>
+              </a:rPr>
+              <a:t>功能测试</a:t>
+            </a:r>
+          </a:p>
+        </p:txBody>
+      </p:sp>
+      <p:sp>
+        <p:nvSpPr>
+          <p:cNvPr id="3" name="内容占位符 2">
+            <a:extLst>
+              <a:ext uri="{FF2B5EF4-FFF2-40B4-BE49-F238E27FC236}">
+                <a16:creationId xmlns:a16="http://schemas.microsoft.com/office/drawing/2014/main" id="{FA0FEB7F-2EDA-3559-D00A-EF373ED72C4A}"/>
+              </a:ext>
+            </a:extLst>
+          </p:cNvPr>
+          <p:cNvSpPr>
+            <a:spLocks noGrp="1"/>
+          </p:cNvSpPr>
+          <p:nvPr>
+            <p:ph idx="1"/>
+          </p:nvPr>
+        </p:nvSpPr>
+        <p:spPr/>
+        <p:txBody>
+          <a:bodyPr/>
+          <a:lstStyle/>
+          <a:p>
+            <a:r>
+              <a:rPr kumimoji="1" lang="zh-CN" altLang="en-US" dirty="0">
+                <a:solidFill>
+                  <a:schemeClr val="bg1"/>
+                </a:solidFill>
+              </a:rPr>
+              <a:t>本文件为测试文档，便于查看</a:t>
+            </a:r>
+            <a:r>
+              <a:rPr kumimoji="1" lang="en-US" altLang="zh-CN" dirty="0" err="1">
+                <a:solidFill>
+                  <a:schemeClr val="bg1"/>
+                </a:solidFill>
+              </a:rPr>
+              <a:t>pptxPreview</a:t>
+            </a:r>
+            <a:r>
+              <a:rPr kumimoji="1" lang="zh-CN" altLang="en-US" dirty="0">
+                <a:solidFill>
+                  <a:schemeClr val="bg1"/>
+                </a:solidFill>
+              </a:rPr>
+              <a:t>能力</a:t>
+            </a:r>
+            <a:endParaRPr kumimoji="1" lang="en-US" altLang="zh-CN" dirty="0">
+              <a:solidFill>
+                <a:schemeClr val="bg1"/>
+              </a:solidFill>
+            </a:endParaRPr>
+          </a:p>
+          <a:p>
+            <a:r>
+              <a:rPr kumimoji="1" lang="zh-CN" altLang="en-US" dirty="0">
+                <a:solidFill>
+                  <a:schemeClr val="bg1"/>
+                </a:solidFill>
+              </a:rPr>
+              <a:t>如有问题请联系作者反馈</a:t>
+            </a:r>
+            <a:endParaRPr kumimoji="1" lang="en-US" altLang="zh-CN" dirty="0">
+              <a:solidFill>
+                <a:schemeClr val="bg1"/>
+              </a:solidFill>
+            </a:endParaRPr>
+          </a:p>
+          <a:p>
+            <a:r>
+              <a:rPr kumimoji="1" lang="zh-CN" altLang="en-US" dirty="0">
+                <a:solidFill>
+                  <a:schemeClr val="bg1"/>
+                </a:solidFill>
+              </a:rPr>
+              <a:t>本项目免费使用，源码闭源，索要源码请付费，尊重知识产权</a:t>
+            </a:r>
+            <a:endParaRPr kumimoji="1" lang="en-US" altLang="zh-CN" dirty="0">
+              <a:solidFill>
+                <a:schemeClr val="bg1"/>
+              </a:solidFill>
+            </a:endParaRPr>
+          </a:p>
+          <a:p>
+            <a:r>
+              <a:rPr kumimoji="1" lang="zh-CN" altLang="en-US" dirty="0">
+                <a:solidFill>
+                  <a:schemeClr val="bg1"/>
+                </a:solidFill>
+              </a:rPr>
+              <a:t>感谢您的关注！</a:t>
+            </a:r>
+          </a:p>
+        </p:txBody>
+      </p:sp>
+    </p:spTree>
+    <p:extLst>
+      <p:ext uri="{BB962C8B-B14F-4D97-AF65-F5344CB8AC3E}">
+        <p14:creationId xmlns:p14="http://schemas.microsoft.com/office/powerpoint/2010/main" val="1600069309"/>
+      </p:ext>
+    </p:extLst>
+  </p:cSld>
+  <p:clrMapOvr>
+    <a:masterClrMapping/>
+  </p:clrMapOvr>
+</p:sld>
+</file>
+
+<file path=ppt/slides/slide2.xml><?xml version="1.0" encoding="utf-8"?>
+<p:sld xmlns:a="http://schemas.openxmlformats.org/drawingml/2006/main" xmlns:r="http://schemas.openxmlformats.org/officeDocument/2006/relationships" xmlns:p="http://schemas.openxmlformats.org/presentationml/2006/main">
+  <p:cSld>
     <p:bg>
       <p:bgPr>
         <a:solidFill>
@@ -3619,10 +4153,10 @@
       </p:grpSpPr>
       <p:sp>
         <p:nvSpPr>
-          <p:cNvPr id="15" name="矩形 14">
-            <a:extLst>
-              <a:ext uri="{FF2B5EF4-FFF2-40B4-BE49-F238E27FC236}">
-                <a16:creationId xmlns:a16="http://schemas.microsoft.com/office/drawing/2014/main" id="{B25D2392-B493-555F-36DA-CBECFAC5C93F}"/>
+          <p:cNvPr id="4" name="矩形 3">
+            <a:extLst>
+              <a:ext uri="{FF2B5EF4-FFF2-40B4-BE49-F238E27FC236}">
+                <a16:creationId xmlns:a16="http://schemas.microsoft.com/office/drawing/2014/main" id="{7F02780C-C5BF-34C9-12B7-D550AFFBAC3A}"/>
               </a:ext>
             </a:extLst>
           </p:cNvPr>
@@ -3663,18 +4197,18 @@
           <a:p>
             <a:pPr algn="ctr"/>
             <a:r>
-              <a:rPr kumimoji="1" lang="zh-CN" altLang="en-US" b="1" dirty="0"/>
-              <a:t>测试</a:t>
-            </a:r>
-          </a:p>
-        </p:txBody>
-      </p:sp>
-      <p:sp>
-        <p:nvSpPr>
-          <p:cNvPr id="16" name="圆角矩形 15">
-            <a:extLst>
-              <a:ext uri="{FF2B5EF4-FFF2-40B4-BE49-F238E27FC236}">
-                <a16:creationId xmlns:a16="http://schemas.microsoft.com/office/drawing/2014/main" id="{C8982763-524F-C8B1-BD64-77875BED0099}"/>
+              <a:rPr kumimoji="1" lang="zh-CN" altLang="en-US" dirty="0"/>
+              <a:t>文字内容测试</a:t>
+            </a:r>
+          </a:p>
+        </p:txBody>
+      </p:sp>
+      <p:sp>
+        <p:nvSpPr>
+          <p:cNvPr id="5" name="圆角矩形 4">
+            <a:extLst>
+              <a:ext uri="{FF2B5EF4-FFF2-40B4-BE49-F238E27FC236}">
+                <a16:creationId xmlns:a16="http://schemas.microsoft.com/office/drawing/2014/main" id="{2F92339C-E3FE-665D-3359-7876EF33BAD3}"/>
               </a:ext>
             </a:extLst>
           </p:cNvPr>
@@ -3719,16 +4253,19 @@
           <a:lstStyle/>
           <a:p>
             <a:pPr algn="ctr"/>
-            <a:endParaRPr kumimoji="1" lang="zh-CN" altLang="en-US"/>
-          </a:p>
-        </p:txBody>
-      </p:sp>
-      <p:sp>
-        <p:nvSpPr>
-          <p:cNvPr id="17" name="剪去单角的矩形 16">
-            <a:extLst>
-              <a:ext uri="{FF2B5EF4-FFF2-40B4-BE49-F238E27FC236}">
-                <a16:creationId xmlns:a16="http://schemas.microsoft.com/office/drawing/2014/main" id="{44BF610A-466F-69DE-0CDA-F6EF27159CDD}"/>
+            <a:r>
+              <a:rPr kumimoji="1" lang="zh-CN" altLang="en-US" dirty="0"/>
+              <a:t>文字内容测试</a:t>
+            </a:r>
+          </a:p>
+        </p:txBody>
+      </p:sp>
+      <p:sp>
+        <p:nvSpPr>
+          <p:cNvPr id="6" name="剪去单角的矩形 5">
+            <a:extLst>
+              <a:ext uri="{FF2B5EF4-FFF2-40B4-BE49-F238E27FC236}">
+                <a16:creationId xmlns:a16="http://schemas.microsoft.com/office/drawing/2014/main" id="{D995796B-26E8-0E09-113F-859EB51B2846}"/>
               </a:ext>
             </a:extLst>
           </p:cNvPr>
@@ -3773,16 +4310,23 @@
           <a:lstStyle/>
           <a:p>
             <a:pPr algn="ctr"/>
-            <a:endParaRPr kumimoji="1" lang="zh-CN" altLang="en-US"/>
-          </a:p>
-        </p:txBody>
-      </p:sp>
-      <p:sp>
-        <p:nvSpPr>
-          <p:cNvPr id="18" name="剪去同侧角的矩形 17">
-            <a:extLst>
-              <a:ext uri="{FF2B5EF4-FFF2-40B4-BE49-F238E27FC236}">
-                <a16:creationId xmlns:a16="http://schemas.microsoft.com/office/drawing/2014/main" id="{28D22426-3C2F-B7E7-9DE4-296A43424A53}"/>
+            <a:r>
+              <a:rPr kumimoji="1" lang="zh-CN" altLang="en-US" dirty="0"/>
+              <a:t>文字内容测试</a:t>
+            </a:r>
+          </a:p>
+          <a:p>
+            <a:pPr algn="ctr"/>
+            <a:endParaRPr kumimoji="1" lang="zh-CN" altLang="en-US" dirty="0"/>
+          </a:p>
+        </p:txBody>
+      </p:sp>
+      <p:sp>
+        <p:nvSpPr>
+          <p:cNvPr id="7" name="剪去同侧角的矩形 6">
+            <a:extLst>
+              <a:ext uri="{FF2B5EF4-FFF2-40B4-BE49-F238E27FC236}">
+                <a16:creationId xmlns:a16="http://schemas.microsoft.com/office/drawing/2014/main" id="{4853286B-8E27-68B6-2028-1F88590F36C5}"/>
               </a:ext>
             </a:extLst>
           </p:cNvPr>
@@ -3830,16 +4374,19 @@
           <a:lstStyle/>
           <a:p>
             <a:pPr algn="ctr"/>
-            <a:endParaRPr kumimoji="1" lang="zh-CN" altLang="en-US"/>
-          </a:p>
-        </p:txBody>
-      </p:sp>
-      <p:sp>
-        <p:nvSpPr>
-          <p:cNvPr id="19" name="剪去对角的矩形 18">
-            <a:extLst>
-              <a:ext uri="{FF2B5EF4-FFF2-40B4-BE49-F238E27FC236}">
-                <a16:creationId xmlns:a16="http://schemas.microsoft.com/office/drawing/2014/main" id="{9FE5B511-D907-9DFC-AC1C-FEF3A37442E3}"/>
+            <a:r>
+              <a:rPr kumimoji="1" lang="zh-CN" altLang="en-US" dirty="0"/>
+              <a:t>文字内容测试</a:t>
+            </a:r>
+          </a:p>
+        </p:txBody>
+      </p:sp>
+      <p:sp>
+        <p:nvSpPr>
+          <p:cNvPr id="8" name="剪去对角的矩形 7">
+            <a:extLst>
+              <a:ext uri="{FF2B5EF4-FFF2-40B4-BE49-F238E27FC236}">
+                <a16:creationId xmlns:a16="http://schemas.microsoft.com/office/drawing/2014/main" id="{8CEB3972-C9A8-2B33-F233-40183724457D}"/>
               </a:ext>
             </a:extLst>
           </p:cNvPr>
@@ -3882,16 +4429,19 @@
           <a:lstStyle/>
           <a:p>
             <a:pPr algn="ctr"/>
-            <a:endParaRPr kumimoji="1" lang="zh-CN" altLang="en-US"/>
-          </a:p>
-        </p:txBody>
-      </p:sp>
-      <p:sp>
-        <p:nvSpPr>
-          <p:cNvPr id="20" name="一个圆顶角并剪去另一个顶角的矩形 19">
-            <a:extLst>
-              <a:ext uri="{FF2B5EF4-FFF2-40B4-BE49-F238E27FC236}">
-                <a16:creationId xmlns:a16="http://schemas.microsoft.com/office/drawing/2014/main" id="{83B78651-8EA9-55C9-AECD-8A496AC93A2C}"/>
+            <a:r>
+              <a:rPr kumimoji="1" lang="zh-CN" altLang="en-US" dirty="0"/>
+              <a:t>文字内容测试</a:t>
+            </a:r>
+          </a:p>
+        </p:txBody>
+      </p:sp>
+      <p:sp>
+        <p:nvSpPr>
+          <p:cNvPr id="9" name="一个圆顶角并剪去另一个顶角的矩形 8">
+            <a:extLst>
+              <a:ext uri="{FF2B5EF4-FFF2-40B4-BE49-F238E27FC236}">
+                <a16:creationId xmlns:a16="http://schemas.microsoft.com/office/drawing/2014/main" id="{46552FA2-09AD-1255-1680-ECC9FDAFB98E}"/>
               </a:ext>
             </a:extLst>
           </p:cNvPr>
@@ -3953,10 +4503,10 @@
       </p:sp>
       <p:sp>
         <p:nvSpPr>
-          <p:cNvPr id="21" name="单圆角矩形 20">
-            <a:extLst>
-              <a:ext uri="{FF2B5EF4-FFF2-40B4-BE49-F238E27FC236}">
-                <a16:creationId xmlns:a16="http://schemas.microsoft.com/office/drawing/2014/main" id="{A58B0636-3C3E-05C0-9981-F57BCF1B4522}"/>
+          <p:cNvPr id="10" name="单圆角矩形 9">
+            <a:extLst>
+              <a:ext uri="{FF2B5EF4-FFF2-40B4-BE49-F238E27FC236}">
+                <a16:creationId xmlns:a16="http://schemas.microsoft.com/office/drawing/2014/main" id="{C380C0CD-7AD4-021F-64CE-2E852262E0BC}"/>
               </a:ext>
             </a:extLst>
           </p:cNvPr>
@@ -3998,16 +4548,19 @@
           <a:lstStyle/>
           <a:p>
             <a:pPr algn="ctr"/>
-            <a:endParaRPr kumimoji="1" lang="zh-CN" altLang="en-US"/>
-          </a:p>
-        </p:txBody>
-      </p:sp>
-      <p:sp>
-        <p:nvSpPr>
-          <p:cNvPr id="22" name="同侧圆角矩形 21">
-            <a:extLst>
-              <a:ext uri="{FF2B5EF4-FFF2-40B4-BE49-F238E27FC236}">
-                <a16:creationId xmlns:a16="http://schemas.microsoft.com/office/drawing/2014/main" id="{38787469-015D-F796-1253-572E89FEF175}"/>
+            <a:r>
+              <a:rPr kumimoji="1" lang="zh-CN" altLang="en-US" dirty="0"/>
+              <a:t>文字内容测试</a:t>
+            </a:r>
+          </a:p>
+        </p:txBody>
+      </p:sp>
+      <p:sp>
+        <p:nvSpPr>
+          <p:cNvPr id="11" name="同侧圆角矩形 10">
+            <a:extLst>
+              <a:ext uri="{FF2B5EF4-FFF2-40B4-BE49-F238E27FC236}">
+                <a16:creationId xmlns:a16="http://schemas.microsoft.com/office/drawing/2014/main" id="{45920CF5-D7E8-73C5-0A70-E07D45208D62}"/>
               </a:ext>
             </a:extLst>
           </p:cNvPr>
@@ -4050,16 +4603,19 @@
           <a:lstStyle/>
           <a:p>
             <a:pPr algn="ctr"/>
-            <a:endParaRPr kumimoji="1" lang="zh-CN" altLang="en-US"/>
-          </a:p>
-        </p:txBody>
-      </p:sp>
-      <p:sp>
-        <p:nvSpPr>
-          <p:cNvPr id="23" name="对角圆角矩形 22">
-            <a:extLst>
-              <a:ext uri="{FF2B5EF4-FFF2-40B4-BE49-F238E27FC236}">
-                <a16:creationId xmlns:a16="http://schemas.microsoft.com/office/drawing/2014/main" id="{89E0484E-D6BF-D985-CDCE-A4CDE90B9F62}"/>
+            <a:r>
+              <a:rPr kumimoji="1" lang="zh-CN" altLang="en-US" dirty="0"/>
+              <a:t>文字内容测试</a:t>
+            </a:r>
+          </a:p>
+        </p:txBody>
+      </p:sp>
+      <p:sp>
+        <p:nvSpPr>
+          <p:cNvPr id="12" name="对角圆角矩形 11">
+            <a:extLst>
+              <a:ext uri="{FF2B5EF4-FFF2-40B4-BE49-F238E27FC236}">
+                <a16:creationId xmlns:a16="http://schemas.microsoft.com/office/drawing/2014/main" id="{244330DC-68BA-0961-2218-048DA5442F14}"/>
               </a:ext>
             </a:extLst>
           </p:cNvPr>
@@ -4114,16 +4670,23 @@
           <a:lstStyle/>
           <a:p>
             <a:pPr algn="ctr"/>
-            <a:endParaRPr kumimoji="1" lang="zh-CN" altLang="en-US"/>
-          </a:p>
-        </p:txBody>
-      </p:sp>
-      <p:sp>
-        <p:nvSpPr>
-          <p:cNvPr id="24" name="文本框 23">
-            <a:extLst>
-              <a:ext uri="{FF2B5EF4-FFF2-40B4-BE49-F238E27FC236}">
-                <a16:creationId xmlns:a16="http://schemas.microsoft.com/office/drawing/2014/main" id="{93CADCEF-651A-4BDD-276C-280ABF4A4F49}"/>
+            <a:r>
+              <a:rPr kumimoji="1" lang="zh-CN" altLang="en-US" dirty="0">
+                <a:solidFill>
+                  <a:schemeClr val="tx1"/>
+                </a:solidFill>
+              </a:rPr>
+              <a:t>文字内容测试</a:t>
+            </a:r>
+          </a:p>
+        </p:txBody>
+      </p:sp>
+      <p:sp>
+        <p:nvSpPr>
+          <p:cNvPr id="13" name="文本框 12">
+            <a:extLst>
+              <a:ext uri="{FF2B5EF4-FFF2-40B4-BE49-F238E27FC236}">
+                <a16:creationId xmlns:a16="http://schemas.microsoft.com/office/drawing/2014/main" id="{10527CF6-3A51-925C-34A7-CB880ECCAE03}"/>
               </a:ext>
             </a:extLst>
           </p:cNvPr>
@@ -4155,10 +4718,10 @@
       </p:sp>
       <p:sp>
         <p:nvSpPr>
-          <p:cNvPr id="25" name="椭圆 24">
-            <a:extLst>
-              <a:ext uri="{FF2B5EF4-FFF2-40B4-BE49-F238E27FC236}">
-                <a16:creationId xmlns:a16="http://schemas.microsoft.com/office/drawing/2014/main" id="{35C266E9-2C60-69B5-E6CE-556829DD9FCE}"/>
+          <p:cNvPr id="2" name="椭圆 1">
+            <a:extLst>
+              <a:ext uri="{FF2B5EF4-FFF2-40B4-BE49-F238E27FC236}">
+                <a16:creationId xmlns:a16="http://schemas.microsoft.com/office/drawing/2014/main" id="{D0D6C726-CD3C-C083-1793-305F88A51BBD}"/>
               </a:ext>
             </a:extLst>
           </p:cNvPr>
@@ -4200,16 +4763,19 @@
           <a:lstStyle/>
           <a:p>
             <a:pPr algn="ctr"/>
-            <a:endParaRPr kumimoji="1" lang="zh-CN" altLang="en-US"/>
-          </a:p>
-        </p:txBody>
-      </p:sp>
-      <p:sp>
-        <p:nvSpPr>
-          <p:cNvPr id="26" name="任意形状 25">
-            <a:extLst>
-              <a:ext uri="{FF2B5EF4-FFF2-40B4-BE49-F238E27FC236}">
-                <a16:creationId xmlns:a16="http://schemas.microsoft.com/office/drawing/2014/main" id="{773ADE39-C926-25BD-A2A3-EA9672C2A907}"/>
+            <a:r>
+              <a:rPr kumimoji="1" lang="zh-CN" altLang="en-US" dirty="0"/>
+              <a:t>文字内容测试</a:t>
+            </a:r>
+          </a:p>
+        </p:txBody>
+      </p:sp>
+      <p:sp>
+        <p:nvSpPr>
+          <p:cNvPr id="15" name="任意形状 14">
+            <a:extLst>
+              <a:ext uri="{FF2B5EF4-FFF2-40B4-BE49-F238E27FC236}">
+                <a16:creationId xmlns:a16="http://schemas.microsoft.com/office/drawing/2014/main" id="{3F523924-359A-45E5-6FAC-732AD776964E}"/>
               </a:ext>
             </a:extLst>
           </p:cNvPr>
@@ -4314,10 +4880,10 @@
       </p:sp>
       <p:sp>
         <p:nvSpPr>
-          <p:cNvPr id="27" name="任意形状 26">
-            <a:extLst>
-              <a:ext uri="{FF2B5EF4-FFF2-40B4-BE49-F238E27FC236}">
-                <a16:creationId xmlns:a16="http://schemas.microsoft.com/office/drawing/2014/main" id="{2B4737B8-6129-02EA-CC94-D97CAB72A6D1}"/>
+          <p:cNvPr id="16" name="任意形状 15">
+            <a:extLst>
+              <a:ext uri="{FF2B5EF4-FFF2-40B4-BE49-F238E27FC236}">
+                <a16:creationId xmlns:a16="http://schemas.microsoft.com/office/drawing/2014/main" id="{E05AB382-B804-FF1B-B4F9-14A8A85243A9}"/>
               </a:ext>
             </a:extLst>
           </p:cNvPr>
@@ -4416,10 +4982,10 @@
       </p:sp>
       <p:sp>
         <p:nvSpPr>
-          <p:cNvPr id="28" name="饼形 27">
-            <a:extLst>
-              <a:ext uri="{FF2B5EF4-FFF2-40B4-BE49-F238E27FC236}">
-                <a16:creationId xmlns:a16="http://schemas.microsoft.com/office/drawing/2014/main" id="{2E5339E3-B3D2-075E-42D0-9712CD0BFB35}"/>
+          <p:cNvPr id="18" name="饼形 17">
+            <a:extLst>
+              <a:ext uri="{FF2B5EF4-FFF2-40B4-BE49-F238E27FC236}">
+                <a16:creationId xmlns:a16="http://schemas.microsoft.com/office/drawing/2014/main" id="{3F8BC0AC-E48F-3E0C-4B47-7E8424D7C620}"/>
               </a:ext>
             </a:extLst>
           </p:cNvPr>
@@ -4462,20 +5028,19 @@
           <a:lstStyle/>
           <a:p>
             <a:pPr algn="ctr"/>
-            <a:endParaRPr kumimoji="1" lang="zh-CN" altLang="en-US">
-              <a:solidFill>
-                <a:schemeClr val="tx1"/>
-              </a:solidFill>
-            </a:endParaRPr>
-          </a:p>
-        </p:txBody>
-      </p:sp>
-      <p:sp>
-        <p:nvSpPr>
-          <p:cNvPr id="29" name="正五边形 28">
-            <a:extLst>
-              <a:ext uri="{FF2B5EF4-FFF2-40B4-BE49-F238E27FC236}">
-                <a16:creationId xmlns:a16="http://schemas.microsoft.com/office/drawing/2014/main" id="{D47E4805-9445-CA58-6570-AFCF82C10C14}"/>
+            <a:r>
+              <a:rPr kumimoji="1" lang="zh-CN" altLang="en-US" dirty="0"/>
+              <a:t>文字内容测试</a:t>
+            </a:r>
+          </a:p>
+        </p:txBody>
+      </p:sp>
+      <p:sp>
+        <p:nvSpPr>
+          <p:cNvPr id="19" name="正五边形 18">
+            <a:extLst>
+              <a:ext uri="{FF2B5EF4-FFF2-40B4-BE49-F238E27FC236}">
+                <a16:creationId xmlns:a16="http://schemas.microsoft.com/office/drawing/2014/main" id="{A232A552-0AF0-EB0E-F9C5-788E2ECB19B4}"/>
               </a:ext>
             </a:extLst>
           </p:cNvPr>
@@ -4511,19 +5076,17 @@
           <a:bodyPr rtlCol="0" anchor="ctr"/>
           <a:lstStyle/>
           <a:p>
-            <a:r>
-              <a:rPr kumimoji="1" lang="zh-CN" altLang="en-US" dirty="0"/>
-              <a:t>怎么样，是不是很棒！</a:t>
-            </a:r>
-          </a:p>
-        </p:txBody>
-      </p:sp>
-      <p:sp>
-        <p:nvSpPr>
-          <p:cNvPr id="30" name="六边形 29">
-            <a:extLst>
-              <a:ext uri="{FF2B5EF4-FFF2-40B4-BE49-F238E27FC236}">
-                <a16:creationId xmlns:a16="http://schemas.microsoft.com/office/drawing/2014/main" id="{123FB4C1-0FFC-4AE9-82D9-6F971D8A9D8A}"/>
+            <a:pPr algn="ctr"/>
+            <a:endParaRPr kumimoji="1" lang="zh-CN" altLang="en-US"/>
+          </a:p>
+        </p:txBody>
+      </p:sp>
+      <p:sp>
+        <p:nvSpPr>
+          <p:cNvPr id="20" name="六边形 19">
+            <a:extLst>
+              <a:ext uri="{FF2B5EF4-FFF2-40B4-BE49-F238E27FC236}">
+                <a16:creationId xmlns:a16="http://schemas.microsoft.com/office/drawing/2014/main" id="{6E6D1EBE-2A3D-0894-F493-E2BFB6A74BA6}"/>
               </a:ext>
             </a:extLst>
           </p:cNvPr>
@@ -4575,10 +5138,10 @@
       </p:sp>
       <p:sp>
         <p:nvSpPr>
-          <p:cNvPr id="31" name="七边形 30">
-            <a:extLst>
-              <a:ext uri="{FF2B5EF4-FFF2-40B4-BE49-F238E27FC236}">
-                <a16:creationId xmlns:a16="http://schemas.microsoft.com/office/drawing/2014/main" id="{49A81847-5CC2-C01E-FBDC-53FA0210A021}"/>
+          <p:cNvPr id="21" name="七边形 20">
+            <a:extLst>
+              <a:ext uri="{FF2B5EF4-FFF2-40B4-BE49-F238E27FC236}">
+                <a16:creationId xmlns:a16="http://schemas.microsoft.com/office/drawing/2014/main" id="{06FFC684-CF56-E4BC-7978-4CEE5254C23E}"/>
               </a:ext>
             </a:extLst>
           </p:cNvPr>
@@ -4615,16 +5178,19 @@
           <a:lstStyle/>
           <a:p>
             <a:pPr algn="ctr"/>
-            <a:endParaRPr kumimoji="1" lang="zh-CN" altLang="en-US"/>
-          </a:p>
-        </p:txBody>
-      </p:sp>
-      <p:sp>
-        <p:nvSpPr>
-          <p:cNvPr id="32" name="八边形 31">
-            <a:extLst>
-              <a:ext uri="{FF2B5EF4-FFF2-40B4-BE49-F238E27FC236}">
-                <a16:creationId xmlns:a16="http://schemas.microsoft.com/office/drawing/2014/main" id="{95795165-9C17-0960-2D19-BBE5980464F5}"/>
+            <a:r>
+              <a:rPr kumimoji="1" lang="zh-CN" altLang="en-US" dirty="0"/>
+              <a:t>文字内容测试</a:t>
+            </a:r>
+          </a:p>
+        </p:txBody>
+      </p:sp>
+      <p:sp>
+        <p:nvSpPr>
+          <p:cNvPr id="22" name="八边形 21">
+            <a:extLst>
+              <a:ext uri="{FF2B5EF4-FFF2-40B4-BE49-F238E27FC236}">
+                <a16:creationId xmlns:a16="http://schemas.microsoft.com/office/drawing/2014/main" id="{B6D6D622-2C1E-E26C-3A5D-98B437D51374}"/>
               </a:ext>
             </a:extLst>
           </p:cNvPr>
@@ -4669,16 +5235,19 @@
           <a:lstStyle/>
           <a:p>
             <a:pPr algn="ctr"/>
-            <a:endParaRPr kumimoji="1" lang="zh-CN" altLang="en-US"/>
-          </a:p>
-        </p:txBody>
-      </p:sp>
-      <p:sp>
-        <p:nvSpPr>
-          <p:cNvPr id="33" name="弦形 32">
-            <a:extLst>
-              <a:ext uri="{FF2B5EF4-FFF2-40B4-BE49-F238E27FC236}">
-                <a16:creationId xmlns:a16="http://schemas.microsoft.com/office/drawing/2014/main" id="{3A248B82-40BE-2A4E-19D6-7133E621B3B8}"/>
+            <a:r>
+              <a:rPr kumimoji="1" lang="zh-CN" altLang="en-US" dirty="0"/>
+              <a:t>文字内容测试</a:t>
+            </a:r>
+          </a:p>
+        </p:txBody>
+      </p:sp>
+      <p:sp>
+        <p:nvSpPr>
+          <p:cNvPr id="23" name="弦形 22">
+            <a:extLst>
+              <a:ext uri="{FF2B5EF4-FFF2-40B4-BE49-F238E27FC236}">
+                <a16:creationId xmlns:a16="http://schemas.microsoft.com/office/drawing/2014/main" id="{2632F72A-96FE-CB6B-3B2B-1BE0FB813F83}"/>
               </a:ext>
             </a:extLst>
           </p:cNvPr>
@@ -4727,10 +5296,10 @@
       </p:sp>
       <p:sp>
         <p:nvSpPr>
-          <p:cNvPr id="34" name="泪珠形 33">
-            <a:extLst>
-              <a:ext uri="{FF2B5EF4-FFF2-40B4-BE49-F238E27FC236}">
-                <a16:creationId xmlns:a16="http://schemas.microsoft.com/office/drawing/2014/main" id="{76D019EA-6F87-26EE-C0E1-49BDC79A77C9}"/>
+          <p:cNvPr id="24" name="泪珠形 23">
+            <a:extLst>
+              <a:ext uri="{FF2B5EF4-FFF2-40B4-BE49-F238E27FC236}">
+                <a16:creationId xmlns:a16="http://schemas.microsoft.com/office/drawing/2014/main" id="{3EA75415-2969-9398-5052-9FE87D1E5314}"/>
               </a:ext>
             </a:extLst>
           </p:cNvPr>
@@ -4772,16 +5341,19 @@
           <a:lstStyle/>
           <a:p>
             <a:pPr algn="ctr"/>
-            <a:endParaRPr kumimoji="1" lang="zh-CN" altLang="en-US"/>
-          </a:p>
-        </p:txBody>
-      </p:sp>
-      <p:sp>
-        <p:nvSpPr>
-          <p:cNvPr id="35" name="十边形 34">
-            <a:extLst>
-              <a:ext uri="{FF2B5EF4-FFF2-40B4-BE49-F238E27FC236}">
-                <a16:creationId xmlns:a16="http://schemas.microsoft.com/office/drawing/2014/main" id="{CC8BBB4F-12CA-B619-7E0A-8A023F9C72D0}"/>
+            <a:r>
+              <a:rPr kumimoji="1" lang="zh-CN" altLang="en-US" dirty="0"/>
+              <a:t>文字内容测试</a:t>
+            </a:r>
+          </a:p>
+        </p:txBody>
+      </p:sp>
+      <p:sp>
+        <p:nvSpPr>
+          <p:cNvPr id="25" name="十边形 24">
+            <a:extLst>
+              <a:ext uri="{FF2B5EF4-FFF2-40B4-BE49-F238E27FC236}">
+                <a16:creationId xmlns:a16="http://schemas.microsoft.com/office/drawing/2014/main" id="{FCFC5BA1-D5DA-2DF4-95C8-9C7BAA79980F}"/>
               </a:ext>
             </a:extLst>
           </p:cNvPr>
@@ -4820,17 +5392,17 @@
             <a:pPr algn="ctr"/>
             <a:r>
               <a:rPr kumimoji="1" lang="zh-CN" altLang="en-US" dirty="0"/>
-              <a:t>你好吗，陌生人</a:t>
-            </a:r>
-          </a:p>
-        </p:txBody>
-      </p:sp>
-      <p:sp>
-        <p:nvSpPr>
-          <p:cNvPr id="36" name="十二边形 35">
-            <a:extLst>
-              <a:ext uri="{FF2B5EF4-FFF2-40B4-BE49-F238E27FC236}">
-                <a16:creationId xmlns:a16="http://schemas.microsoft.com/office/drawing/2014/main" id="{D160A547-A558-43C0-DB4C-38BA6D07A1F8}"/>
+              <a:t>文字内容测试</a:t>
+            </a:r>
+          </a:p>
+        </p:txBody>
+      </p:sp>
+      <p:sp>
+        <p:nvSpPr>
+          <p:cNvPr id="26" name="十二边形 25">
+            <a:extLst>
+              <a:ext uri="{FF2B5EF4-FFF2-40B4-BE49-F238E27FC236}">
+                <a16:creationId xmlns:a16="http://schemas.microsoft.com/office/drawing/2014/main" id="{60AAF01F-81B0-A191-D837-61DDD384621C}"/>
               </a:ext>
             </a:extLst>
           </p:cNvPr>
@@ -4869,22 +5441,23 @@
           </a:fontRef>
         </p:style>
         <p:txBody>
-          <a:bodyPr rtlCol="0" anchor="t"/>
-          <a:lstStyle/>
-          <a:p>
+          <a:bodyPr rtlCol="0" anchor="ctr"/>
+          <a:lstStyle/>
+          <a:p>
+            <a:pPr algn="ctr"/>
             <a:r>
               <a:rPr kumimoji="1" lang="zh-CN" altLang="en-US" dirty="0"/>
-              <a:t>亲爱的，你不要离开我</a:t>
-            </a:r>
-          </a:p>
-        </p:txBody>
-      </p:sp>
-      <p:sp>
-        <p:nvSpPr>
-          <p:cNvPr id="37" name="框架 36">
-            <a:extLst>
-              <a:ext uri="{FF2B5EF4-FFF2-40B4-BE49-F238E27FC236}">
-                <a16:creationId xmlns:a16="http://schemas.microsoft.com/office/drawing/2014/main" id="{C8DD07EB-4593-316A-171F-5DA6F4B64268}"/>
+              <a:t>文字内容测试</a:t>
+            </a:r>
+          </a:p>
+        </p:txBody>
+      </p:sp>
+      <p:sp>
+        <p:nvSpPr>
+          <p:cNvPr id="27" name="框架 26">
+            <a:extLst>
+              <a:ext uri="{FF2B5EF4-FFF2-40B4-BE49-F238E27FC236}">
+                <a16:creationId xmlns:a16="http://schemas.microsoft.com/office/drawing/2014/main" id="{1C471907-02F2-3D23-6932-51BB9A3622F9}"/>
               </a:ext>
             </a:extLst>
           </p:cNvPr>
@@ -4939,10 +5512,10 @@
       </p:sp>
       <p:cxnSp>
         <p:nvCxnSpPr>
-          <p:cNvPr id="38" name="直线连接符 37">
-            <a:extLst>
-              <a:ext uri="{FF2B5EF4-FFF2-40B4-BE49-F238E27FC236}">
-                <a16:creationId xmlns:a16="http://schemas.microsoft.com/office/drawing/2014/main" id="{68B04EEC-B92E-33E2-0D5F-298C4423124E}"/>
+          <p:cNvPr id="30" name="直线连接符 29">
+            <a:extLst>
+              <a:ext uri="{FF2B5EF4-FFF2-40B4-BE49-F238E27FC236}">
+                <a16:creationId xmlns:a16="http://schemas.microsoft.com/office/drawing/2014/main" id="{AE72E2C9-6CD3-2987-699B-5C1767C309B0}"/>
               </a:ext>
             </a:extLst>
           </p:cNvPr>
@@ -4982,10 +5555,10 @@
       </p:cxnSp>
       <p:cxnSp>
         <p:nvCxnSpPr>
-          <p:cNvPr id="39" name="直线连接符 38">
-            <a:extLst>
-              <a:ext uri="{FF2B5EF4-FFF2-40B4-BE49-F238E27FC236}">
-                <a16:creationId xmlns:a16="http://schemas.microsoft.com/office/drawing/2014/main" id="{01B71F43-4ACB-4AD9-68F8-636174182C83}"/>
+          <p:cNvPr id="32" name="直线连接符 31">
+            <a:extLst>
+              <a:ext uri="{FF2B5EF4-FFF2-40B4-BE49-F238E27FC236}">
+                <a16:creationId xmlns:a16="http://schemas.microsoft.com/office/drawing/2014/main" id="{22C3354E-98B7-C197-81C9-7BC5C96C9210}"/>
               </a:ext>
             </a:extLst>
           </p:cNvPr>
@@ -5028,10 +5601,10 @@
       </p:cxnSp>
       <p:cxnSp>
         <p:nvCxnSpPr>
-          <p:cNvPr id="40" name="直线连接符 39">
-            <a:extLst>
-              <a:ext uri="{FF2B5EF4-FFF2-40B4-BE49-F238E27FC236}">
-                <a16:creationId xmlns:a16="http://schemas.microsoft.com/office/drawing/2014/main" id="{584A5998-59F1-8099-D3C1-19D605A6C10B}"/>
+          <p:cNvPr id="35" name="直线连接符 34">
+            <a:extLst>
+              <a:ext uri="{FF2B5EF4-FFF2-40B4-BE49-F238E27FC236}">
+                <a16:creationId xmlns:a16="http://schemas.microsoft.com/office/drawing/2014/main" id="{395E0C6E-4446-6BB6-4F93-C909CBF0A9E6}"/>
               </a:ext>
             </a:extLst>
           </p:cNvPr>
@@ -5074,10 +5647,10 @@
       </p:cxnSp>
       <p:cxnSp>
         <p:nvCxnSpPr>
-          <p:cNvPr id="41" name="直线连接符 40">
-            <a:extLst>
-              <a:ext uri="{FF2B5EF4-FFF2-40B4-BE49-F238E27FC236}">
-                <a16:creationId xmlns:a16="http://schemas.microsoft.com/office/drawing/2014/main" id="{9DE28C1A-AA0D-6DF7-22A6-7BFDC4E16D9E}"/>
+          <p:cNvPr id="36" name="直线连接符 35">
+            <a:extLst>
+              <a:ext uri="{FF2B5EF4-FFF2-40B4-BE49-F238E27FC236}">
+                <a16:creationId xmlns:a16="http://schemas.microsoft.com/office/drawing/2014/main" id="{2B8AE51C-C621-575B-E946-FFFD0215D3CE}"/>
               </a:ext>
             </a:extLst>
           </p:cNvPr>
@@ -5120,10 +5693,10 @@
       </p:cxnSp>
       <p:sp>
         <p:nvSpPr>
-          <p:cNvPr id="42" name="平行四边形 41">
-            <a:extLst>
-              <a:ext uri="{FF2B5EF4-FFF2-40B4-BE49-F238E27FC236}">
-                <a16:creationId xmlns:a16="http://schemas.microsoft.com/office/drawing/2014/main" id="{1C1A5C82-D7A8-20D2-D005-76F5257E2612}"/>
+          <p:cNvPr id="38" name="平行四边形 37">
+            <a:extLst>
+              <a:ext uri="{FF2B5EF4-FFF2-40B4-BE49-F238E27FC236}">
+                <a16:creationId xmlns:a16="http://schemas.microsoft.com/office/drawing/2014/main" id="{902311F7-480A-4195-97CD-0B5D76E60F83}"/>
               </a:ext>
             </a:extLst>
           </p:cNvPr>
@@ -5171,10 +5744,10 @@
       </p:sp>
       <p:sp>
         <p:nvSpPr>
-          <p:cNvPr id="43" name="梯形 42">
-            <a:extLst>
-              <a:ext uri="{FF2B5EF4-FFF2-40B4-BE49-F238E27FC236}">
-                <a16:creationId xmlns:a16="http://schemas.microsoft.com/office/drawing/2014/main" id="{439EEE19-DDBD-4F18-E79A-35700A2CBA16}"/>
+          <p:cNvPr id="39" name="梯形 38">
+            <a:extLst>
+              <a:ext uri="{FF2B5EF4-FFF2-40B4-BE49-F238E27FC236}">
+                <a16:creationId xmlns:a16="http://schemas.microsoft.com/office/drawing/2014/main" id="{93E426B8-9751-6498-1718-C35F4C44A448}"/>
               </a:ext>
             </a:extLst>
           </p:cNvPr>
@@ -5223,10 +5796,10 @@
       </p:sp>
       <p:sp>
         <p:nvSpPr>
-          <p:cNvPr id="44" name="三角形 43">
-            <a:extLst>
-              <a:ext uri="{FF2B5EF4-FFF2-40B4-BE49-F238E27FC236}">
-                <a16:creationId xmlns:a16="http://schemas.microsoft.com/office/drawing/2014/main" id="{AFAF0419-BBBE-6ED1-DB1F-973CDCE71EC3}"/>
+          <p:cNvPr id="40" name="三角形 39">
+            <a:extLst>
+              <a:ext uri="{FF2B5EF4-FFF2-40B4-BE49-F238E27FC236}">
+                <a16:creationId xmlns:a16="http://schemas.microsoft.com/office/drawing/2014/main" id="{CF567624-53E9-2AC1-0FC0-DEC3E565069D}"/>
               </a:ext>
             </a:extLst>
           </p:cNvPr>
@@ -5275,10 +5848,10 @@
       </p:sp>
       <p:sp>
         <p:nvSpPr>
-          <p:cNvPr id="2" name="任意形状 1">
-            <a:extLst>
-              <a:ext uri="{FF2B5EF4-FFF2-40B4-BE49-F238E27FC236}">
-                <a16:creationId xmlns:a16="http://schemas.microsoft.com/office/drawing/2014/main" id="{0A685EA3-5D38-1572-48F4-2F7F9EA0B674}"/>
+          <p:cNvPr id="3" name="任意形状 2">
+            <a:extLst>
+              <a:ext uri="{FF2B5EF4-FFF2-40B4-BE49-F238E27FC236}">
+                <a16:creationId xmlns:a16="http://schemas.microsoft.com/office/drawing/2014/main" id="{D9106963-15DA-7C00-3A92-B42E5CD1E05A}"/>
               </a:ext>
             </a:extLst>
           </p:cNvPr>
@@ -5287,234 +5860,36 @@
         </p:nvSpPr>
         <p:spPr>
           <a:xfrm>
-            <a:off x="9198429" y="5257800"/>
-            <a:ext cx="1511056" cy="1480457"/>
+            <a:off x="9405257" y="5127171"/>
+            <a:ext cx="1077686" cy="1447800"/>
           </a:xfrm>
           <a:custGeom>
             <a:avLst/>
             <a:gdLst>
-              <a:gd name="connsiteX0" fmla="*/ 228600 w 1511056"/>
-              <a:gd name="connsiteY0" fmla="*/ 0 h 1480457"/>
-              <a:gd name="connsiteX1" fmla="*/ 228600 w 1511056"/>
-              <a:gd name="connsiteY1" fmla="*/ 0 h 1480457"/>
-              <a:gd name="connsiteX2" fmla="*/ 359228 w 1511056"/>
-              <a:gd name="connsiteY2" fmla="*/ 65314 h 1480457"/>
-              <a:gd name="connsiteX3" fmla="*/ 664028 w 1511056"/>
-              <a:gd name="connsiteY3" fmla="*/ 293914 h 1480457"/>
-              <a:gd name="connsiteX4" fmla="*/ 903514 w 1511056"/>
-              <a:gd name="connsiteY4" fmla="*/ 511629 h 1480457"/>
-              <a:gd name="connsiteX5" fmla="*/ 1110342 w 1511056"/>
-              <a:gd name="connsiteY5" fmla="*/ 740229 h 1480457"/>
-              <a:gd name="connsiteX6" fmla="*/ 1132114 w 1511056"/>
-              <a:gd name="connsiteY6" fmla="*/ 772886 h 1480457"/>
-              <a:gd name="connsiteX7" fmla="*/ 1164771 w 1511056"/>
-              <a:gd name="connsiteY7" fmla="*/ 838200 h 1480457"/>
-              <a:gd name="connsiteX8" fmla="*/ 1175657 w 1511056"/>
-              <a:gd name="connsiteY8" fmla="*/ 881743 h 1480457"/>
-              <a:gd name="connsiteX9" fmla="*/ 1197428 w 1511056"/>
-              <a:gd name="connsiteY9" fmla="*/ 925286 h 1480457"/>
-              <a:gd name="connsiteX10" fmla="*/ 1219200 w 1511056"/>
-              <a:gd name="connsiteY10" fmla="*/ 1012371 h 1480457"/>
-              <a:gd name="connsiteX11" fmla="*/ 1230085 w 1511056"/>
-              <a:gd name="connsiteY11" fmla="*/ 1055914 h 1480457"/>
-              <a:gd name="connsiteX12" fmla="*/ 1175657 w 1511056"/>
-              <a:gd name="connsiteY12" fmla="*/ 1088571 h 1480457"/>
-              <a:gd name="connsiteX13" fmla="*/ 1121228 w 1511056"/>
-              <a:gd name="connsiteY13" fmla="*/ 1110343 h 1480457"/>
-              <a:gd name="connsiteX14" fmla="*/ 947057 w 1511056"/>
-              <a:gd name="connsiteY14" fmla="*/ 1132114 h 1480457"/>
-              <a:gd name="connsiteX15" fmla="*/ 870857 w 1511056"/>
-              <a:gd name="connsiteY15" fmla="*/ 1143000 h 1480457"/>
-              <a:gd name="connsiteX16" fmla="*/ 685800 w 1511056"/>
-              <a:gd name="connsiteY16" fmla="*/ 1132114 h 1480457"/>
-              <a:gd name="connsiteX17" fmla="*/ 576942 w 1511056"/>
-              <a:gd name="connsiteY17" fmla="*/ 1077686 h 1480457"/>
-              <a:gd name="connsiteX18" fmla="*/ 533400 w 1511056"/>
-              <a:gd name="connsiteY18" fmla="*/ 1055914 h 1480457"/>
-              <a:gd name="connsiteX19" fmla="*/ 500742 w 1511056"/>
-              <a:gd name="connsiteY19" fmla="*/ 1023257 h 1480457"/>
-              <a:gd name="connsiteX20" fmla="*/ 468085 w 1511056"/>
-              <a:gd name="connsiteY20" fmla="*/ 1001486 h 1480457"/>
-              <a:gd name="connsiteX21" fmla="*/ 424542 w 1511056"/>
-              <a:gd name="connsiteY21" fmla="*/ 957943 h 1480457"/>
-              <a:gd name="connsiteX22" fmla="*/ 413657 w 1511056"/>
-              <a:gd name="connsiteY22" fmla="*/ 925286 h 1480457"/>
-              <a:gd name="connsiteX23" fmla="*/ 391885 w 1511056"/>
-              <a:gd name="connsiteY23" fmla="*/ 870857 h 1480457"/>
-              <a:gd name="connsiteX24" fmla="*/ 413657 w 1511056"/>
-              <a:gd name="connsiteY24" fmla="*/ 718457 h 1480457"/>
-              <a:gd name="connsiteX25" fmla="*/ 446314 w 1511056"/>
-              <a:gd name="connsiteY25" fmla="*/ 674914 h 1480457"/>
-              <a:gd name="connsiteX26" fmla="*/ 566057 w 1511056"/>
-              <a:gd name="connsiteY26" fmla="*/ 587829 h 1480457"/>
-              <a:gd name="connsiteX27" fmla="*/ 642257 w 1511056"/>
-              <a:gd name="connsiteY27" fmla="*/ 555171 h 1480457"/>
-              <a:gd name="connsiteX28" fmla="*/ 870857 w 1511056"/>
-              <a:gd name="connsiteY28" fmla="*/ 533400 h 1480457"/>
-              <a:gd name="connsiteX29" fmla="*/ 1099457 w 1511056"/>
-              <a:gd name="connsiteY29" fmla="*/ 544286 h 1480457"/>
-              <a:gd name="connsiteX30" fmla="*/ 1175657 w 1511056"/>
-              <a:gd name="connsiteY30" fmla="*/ 576943 h 1480457"/>
-              <a:gd name="connsiteX31" fmla="*/ 1284514 w 1511056"/>
-              <a:gd name="connsiteY31" fmla="*/ 653143 h 1480457"/>
-              <a:gd name="connsiteX32" fmla="*/ 1306285 w 1511056"/>
-              <a:gd name="connsiteY32" fmla="*/ 696686 h 1480457"/>
-              <a:gd name="connsiteX33" fmla="*/ 1284514 w 1511056"/>
-              <a:gd name="connsiteY33" fmla="*/ 881743 h 1480457"/>
-              <a:gd name="connsiteX34" fmla="*/ 1164771 w 1511056"/>
-              <a:gd name="connsiteY34" fmla="*/ 990600 h 1480457"/>
-              <a:gd name="connsiteX35" fmla="*/ 859971 w 1511056"/>
-              <a:gd name="connsiteY35" fmla="*/ 1175657 h 1480457"/>
-              <a:gd name="connsiteX36" fmla="*/ 598714 w 1511056"/>
-              <a:gd name="connsiteY36" fmla="*/ 1262743 h 1480457"/>
-              <a:gd name="connsiteX37" fmla="*/ 359228 w 1511056"/>
-              <a:gd name="connsiteY37" fmla="*/ 1230086 h 1480457"/>
-              <a:gd name="connsiteX38" fmla="*/ 304800 w 1511056"/>
-              <a:gd name="connsiteY38" fmla="*/ 1175657 h 1480457"/>
-              <a:gd name="connsiteX39" fmla="*/ 239485 w 1511056"/>
-              <a:gd name="connsiteY39" fmla="*/ 1001486 h 1480457"/>
-              <a:gd name="connsiteX40" fmla="*/ 228600 w 1511056"/>
-              <a:gd name="connsiteY40" fmla="*/ 925286 h 1480457"/>
-              <a:gd name="connsiteX41" fmla="*/ 217714 w 1511056"/>
-              <a:gd name="connsiteY41" fmla="*/ 859971 h 1480457"/>
-              <a:gd name="connsiteX42" fmla="*/ 228600 w 1511056"/>
-              <a:gd name="connsiteY42" fmla="*/ 729343 h 1480457"/>
-              <a:gd name="connsiteX43" fmla="*/ 326571 w 1511056"/>
-              <a:gd name="connsiteY43" fmla="*/ 598714 h 1480457"/>
-              <a:gd name="connsiteX44" fmla="*/ 446314 w 1511056"/>
-              <a:gd name="connsiteY44" fmla="*/ 500743 h 1480457"/>
-              <a:gd name="connsiteX45" fmla="*/ 576942 w 1511056"/>
-              <a:gd name="connsiteY45" fmla="*/ 424543 h 1480457"/>
-              <a:gd name="connsiteX46" fmla="*/ 881742 w 1511056"/>
-              <a:gd name="connsiteY46" fmla="*/ 315686 h 1480457"/>
-              <a:gd name="connsiteX47" fmla="*/ 1045028 w 1511056"/>
-              <a:gd name="connsiteY47" fmla="*/ 293914 h 1480457"/>
-              <a:gd name="connsiteX48" fmla="*/ 1404257 w 1511056"/>
-              <a:gd name="connsiteY48" fmla="*/ 413657 h 1480457"/>
-              <a:gd name="connsiteX49" fmla="*/ 1469571 w 1511056"/>
-              <a:gd name="connsiteY49" fmla="*/ 511629 h 1480457"/>
-              <a:gd name="connsiteX50" fmla="*/ 1447800 w 1511056"/>
-              <a:gd name="connsiteY50" fmla="*/ 1001486 h 1480457"/>
-              <a:gd name="connsiteX51" fmla="*/ 1317171 w 1511056"/>
-              <a:gd name="connsiteY51" fmla="*/ 1164771 h 1480457"/>
-              <a:gd name="connsiteX52" fmla="*/ 1175657 w 1511056"/>
-              <a:gd name="connsiteY52" fmla="*/ 1306286 h 1480457"/>
-              <a:gd name="connsiteX53" fmla="*/ 881742 w 1511056"/>
-              <a:gd name="connsiteY53" fmla="*/ 1458686 h 1480457"/>
-              <a:gd name="connsiteX54" fmla="*/ 762000 w 1511056"/>
-              <a:gd name="connsiteY54" fmla="*/ 1480457 h 1480457"/>
-              <a:gd name="connsiteX55" fmla="*/ 566057 w 1511056"/>
-              <a:gd name="connsiteY55" fmla="*/ 1436914 h 1480457"/>
-              <a:gd name="connsiteX56" fmla="*/ 489857 w 1511056"/>
-              <a:gd name="connsiteY56" fmla="*/ 1360714 h 1480457"/>
-              <a:gd name="connsiteX57" fmla="*/ 391885 w 1511056"/>
-              <a:gd name="connsiteY57" fmla="*/ 1197429 h 1480457"/>
-              <a:gd name="connsiteX58" fmla="*/ 359228 w 1511056"/>
-              <a:gd name="connsiteY58" fmla="*/ 1110343 h 1480457"/>
-              <a:gd name="connsiteX59" fmla="*/ 337457 w 1511056"/>
-              <a:gd name="connsiteY59" fmla="*/ 979714 h 1480457"/>
-              <a:gd name="connsiteX60" fmla="*/ 370114 w 1511056"/>
-              <a:gd name="connsiteY60" fmla="*/ 544286 h 1480457"/>
-              <a:gd name="connsiteX61" fmla="*/ 500742 w 1511056"/>
-              <a:gd name="connsiteY61" fmla="*/ 283029 h 1480457"/>
-              <a:gd name="connsiteX62" fmla="*/ 587828 w 1511056"/>
-              <a:gd name="connsiteY62" fmla="*/ 206829 h 1480457"/>
-              <a:gd name="connsiteX63" fmla="*/ 794657 w 1511056"/>
-              <a:gd name="connsiteY63" fmla="*/ 97971 h 1480457"/>
-              <a:gd name="connsiteX64" fmla="*/ 925285 w 1511056"/>
-              <a:gd name="connsiteY64" fmla="*/ 87086 h 1480457"/>
-              <a:gd name="connsiteX65" fmla="*/ 1251857 w 1511056"/>
-              <a:gd name="connsiteY65" fmla="*/ 97971 h 1480457"/>
-              <a:gd name="connsiteX66" fmla="*/ 1317171 w 1511056"/>
-              <a:gd name="connsiteY66" fmla="*/ 130629 h 1480457"/>
-              <a:gd name="connsiteX67" fmla="*/ 1371600 w 1511056"/>
-              <a:gd name="connsiteY67" fmla="*/ 152400 h 1480457"/>
-              <a:gd name="connsiteX68" fmla="*/ 1415142 w 1511056"/>
-              <a:gd name="connsiteY68" fmla="*/ 185057 h 1480457"/>
-              <a:gd name="connsiteX69" fmla="*/ 1491342 w 1511056"/>
-              <a:gd name="connsiteY69" fmla="*/ 272143 h 1480457"/>
-              <a:gd name="connsiteX70" fmla="*/ 1502228 w 1511056"/>
-              <a:gd name="connsiteY70" fmla="*/ 304800 h 1480457"/>
-              <a:gd name="connsiteX71" fmla="*/ 1491342 w 1511056"/>
-              <a:gd name="connsiteY71" fmla="*/ 424543 h 1480457"/>
-              <a:gd name="connsiteX72" fmla="*/ 1480457 w 1511056"/>
-              <a:gd name="connsiteY72" fmla="*/ 457200 h 1480457"/>
-              <a:gd name="connsiteX73" fmla="*/ 1458685 w 1511056"/>
-              <a:gd name="connsiteY73" fmla="*/ 435429 h 1480457"/>
-              <a:gd name="connsiteX74" fmla="*/ 1404257 w 1511056"/>
-              <a:gd name="connsiteY74" fmla="*/ 348343 h 1480457"/>
-              <a:gd name="connsiteX75" fmla="*/ 1306285 w 1511056"/>
-              <a:gd name="connsiteY75" fmla="*/ 206829 h 1480457"/>
-              <a:gd name="connsiteX76" fmla="*/ 1240971 w 1511056"/>
-              <a:gd name="connsiteY76" fmla="*/ 141514 h 1480457"/>
-              <a:gd name="connsiteX77" fmla="*/ 1012371 w 1511056"/>
-              <a:gd name="connsiteY77" fmla="*/ 174171 h 1480457"/>
-              <a:gd name="connsiteX78" fmla="*/ 827314 w 1511056"/>
-              <a:gd name="connsiteY78" fmla="*/ 250371 h 1480457"/>
-              <a:gd name="connsiteX79" fmla="*/ 555171 w 1511056"/>
-              <a:gd name="connsiteY79" fmla="*/ 391886 h 1480457"/>
-              <a:gd name="connsiteX80" fmla="*/ 391885 w 1511056"/>
-              <a:gd name="connsiteY80" fmla="*/ 478971 h 1480457"/>
-              <a:gd name="connsiteX81" fmla="*/ 359228 w 1511056"/>
-              <a:gd name="connsiteY81" fmla="*/ 511629 h 1480457"/>
-              <a:gd name="connsiteX82" fmla="*/ 348342 w 1511056"/>
-              <a:gd name="connsiteY82" fmla="*/ 566057 h 1480457"/>
-              <a:gd name="connsiteX83" fmla="*/ 337457 w 1511056"/>
-              <a:gd name="connsiteY83" fmla="*/ 598714 h 1480457"/>
-              <a:gd name="connsiteX84" fmla="*/ 348342 w 1511056"/>
-              <a:gd name="connsiteY84" fmla="*/ 859971 h 1480457"/>
-              <a:gd name="connsiteX85" fmla="*/ 359228 w 1511056"/>
-              <a:gd name="connsiteY85" fmla="*/ 957943 h 1480457"/>
-              <a:gd name="connsiteX86" fmla="*/ 381000 w 1511056"/>
-              <a:gd name="connsiteY86" fmla="*/ 990600 h 1480457"/>
-              <a:gd name="connsiteX87" fmla="*/ 413657 w 1511056"/>
-              <a:gd name="connsiteY87" fmla="*/ 1023257 h 1480457"/>
-              <a:gd name="connsiteX88" fmla="*/ 489857 w 1511056"/>
-              <a:gd name="connsiteY88" fmla="*/ 1045029 h 1480457"/>
-              <a:gd name="connsiteX89" fmla="*/ 555171 w 1511056"/>
-              <a:gd name="connsiteY89" fmla="*/ 1066800 h 1480457"/>
-              <a:gd name="connsiteX90" fmla="*/ 707571 w 1511056"/>
-              <a:gd name="connsiteY90" fmla="*/ 1077686 h 1480457"/>
-              <a:gd name="connsiteX91" fmla="*/ 914400 w 1511056"/>
-              <a:gd name="connsiteY91" fmla="*/ 1077686 h 1480457"/>
-              <a:gd name="connsiteX92" fmla="*/ 936171 w 1511056"/>
-              <a:gd name="connsiteY92" fmla="*/ 1001486 h 1480457"/>
-              <a:gd name="connsiteX93" fmla="*/ 947057 w 1511056"/>
-              <a:gd name="connsiteY93" fmla="*/ 881743 h 1480457"/>
-              <a:gd name="connsiteX94" fmla="*/ 968828 w 1511056"/>
-              <a:gd name="connsiteY94" fmla="*/ 544286 h 1480457"/>
-              <a:gd name="connsiteX95" fmla="*/ 957942 w 1511056"/>
-              <a:gd name="connsiteY95" fmla="*/ 261257 h 1480457"/>
-              <a:gd name="connsiteX96" fmla="*/ 892628 w 1511056"/>
-              <a:gd name="connsiteY96" fmla="*/ 174171 h 1480457"/>
-              <a:gd name="connsiteX97" fmla="*/ 642257 w 1511056"/>
-              <a:gd name="connsiteY97" fmla="*/ 108857 h 1480457"/>
-              <a:gd name="connsiteX98" fmla="*/ 478971 w 1511056"/>
-              <a:gd name="connsiteY98" fmla="*/ 119743 h 1480457"/>
-              <a:gd name="connsiteX99" fmla="*/ 391885 w 1511056"/>
-              <a:gd name="connsiteY99" fmla="*/ 174171 h 1480457"/>
-              <a:gd name="connsiteX100" fmla="*/ 250371 w 1511056"/>
-              <a:gd name="connsiteY100" fmla="*/ 239486 h 1480457"/>
-              <a:gd name="connsiteX101" fmla="*/ 174171 w 1511056"/>
-              <a:gd name="connsiteY101" fmla="*/ 272143 h 1480457"/>
-              <a:gd name="connsiteX102" fmla="*/ 130628 w 1511056"/>
-              <a:gd name="connsiteY102" fmla="*/ 359229 h 1480457"/>
-              <a:gd name="connsiteX103" fmla="*/ 108857 w 1511056"/>
-              <a:gd name="connsiteY103" fmla="*/ 402771 h 1480457"/>
-              <a:gd name="connsiteX104" fmla="*/ 43542 w 1511056"/>
-              <a:gd name="connsiteY104" fmla="*/ 544286 h 1480457"/>
-              <a:gd name="connsiteX105" fmla="*/ 21771 w 1511056"/>
-              <a:gd name="connsiteY105" fmla="*/ 609600 h 1480457"/>
-              <a:gd name="connsiteX106" fmla="*/ 0 w 1511056"/>
-              <a:gd name="connsiteY106" fmla="*/ 827314 h 1480457"/>
-              <a:gd name="connsiteX107" fmla="*/ 10885 w 1511056"/>
-              <a:gd name="connsiteY107" fmla="*/ 968829 h 1480457"/>
-              <a:gd name="connsiteX108" fmla="*/ 21771 w 1511056"/>
-              <a:gd name="connsiteY108" fmla="*/ 1023257 h 1480457"/>
-              <a:gd name="connsiteX109" fmla="*/ 32657 w 1511056"/>
-              <a:gd name="connsiteY109" fmla="*/ 1066800 h 1480457"/>
-              <a:gd name="connsiteX110" fmla="*/ 163285 w 1511056"/>
-              <a:gd name="connsiteY110" fmla="*/ 1110343 h 1480457"/>
+              <a:gd name="connsiteX0" fmla="*/ 326572 w 1077686"/>
+              <a:gd name="connsiteY0" fmla="*/ 217715 h 1447800"/>
+              <a:gd name="connsiteX1" fmla="*/ 0 w 1077686"/>
+              <a:gd name="connsiteY1" fmla="*/ 1099458 h 1447800"/>
+              <a:gd name="connsiteX2" fmla="*/ 402772 w 1077686"/>
+              <a:gd name="connsiteY2" fmla="*/ 1393372 h 1447800"/>
+              <a:gd name="connsiteX3" fmla="*/ 849086 w 1077686"/>
+              <a:gd name="connsiteY3" fmla="*/ 1001486 h 1447800"/>
+              <a:gd name="connsiteX4" fmla="*/ 805543 w 1077686"/>
+              <a:gd name="connsiteY4" fmla="*/ 489858 h 1447800"/>
+              <a:gd name="connsiteX5" fmla="*/ 718457 w 1077686"/>
+              <a:gd name="connsiteY5" fmla="*/ 620486 h 1447800"/>
+              <a:gd name="connsiteX6" fmla="*/ 478972 w 1077686"/>
+              <a:gd name="connsiteY6" fmla="*/ 968829 h 1447800"/>
+              <a:gd name="connsiteX7" fmla="*/ 642257 w 1077686"/>
+              <a:gd name="connsiteY7" fmla="*/ 1055915 h 1447800"/>
+              <a:gd name="connsiteX8" fmla="*/ 609600 w 1077686"/>
+              <a:gd name="connsiteY8" fmla="*/ 1447800 h 1447800"/>
+              <a:gd name="connsiteX9" fmla="*/ 10886 w 1077686"/>
+              <a:gd name="connsiteY9" fmla="*/ 391886 h 1447800"/>
+              <a:gd name="connsiteX10" fmla="*/ 1077686 w 1077686"/>
+              <a:gd name="connsiteY10" fmla="*/ 0 h 1447800"/>
+              <a:gd name="connsiteX11" fmla="*/ 979714 w 1077686"/>
+              <a:gd name="connsiteY11" fmla="*/ 261258 h 1447800"/>
             </a:gdLst>
             <a:ahLst/>
             <a:cxnLst>
@@ -5554,849 +5929,45 @@
               <a:cxn ang="0">
                 <a:pos x="connsiteX11" y="connsiteY11"/>
               </a:cxn>
-              <a:cxn ang="0">
-                <a:pos x="connsiteX12" y="connsiteY12"/>
-              </a:cxn>
-              <a:cxn ang="0">
-                <a:pos x="connsiteX13" y="connsiteY13"/>
-              </a:cxn>
-              <a:cxn ang="0">
-                <a:pos x="connsiteX14" y="connsiteY14"/>
-              </a:cxn>
-              <a:cxn ang="0">
-                <a:pos x="connsiteX15" y="connsiteY15"/>
-              </a:cxn>
-              <a:cxn ang="0">
-                <a:pos x="connsiteX16" y="connsiteY16"/>
-              </a:cxn>
-              <a:cxn ang="0">
-                <a:pos x="connsiteX17" y="connsiteY17"/>
-              </a:cxn>
-              <a:cxn ang="0">
-                <a:pos x="connsiteX18" y="connsiteY18"/>
-              </a:cxn>
-              <a:cxn ang="0">
-                <a:pos x="connsiteX19" y="connsiteY19"/>
-              </a:cxn>
-              <a:cxn ang="0">
-                <a:pos x="connsiteX20" y="connsiteY20"/>
-              </a:cxn>
-              <a:cxn ang="0">
-                <a:pos x="connsiteX21" y="connsiteY21"/>
-              </a:cxn>
-              <a:cxn ang="0">
-                <a:pos x="connsiteX22" y="connsiteY22"/>
-              </a:cxn>
-              <a:cxn ang="0">
-                <a:pos x="connsiteX23" y="connsiteY23"/>
-              </a:cxn>
-              <a:cxn ang="0">
-                <a:pos x="connsiteX24" y="connsiteY24"/>
-              </a:cxn>
-              <a:cxn ang="0">
-                <a:pos x="connsiteX25" y="connsiteY25"/>
-              </a:cxn>
-              <a:cxn ang="0">
-                <a:pos x="connsiteX26" y="connsiteY26"/>
-              </a:cxn>
-              <a:cxn ang="0">
-                <a:pos x="connsiteX27" y="connsiteY27"/>
-              </a:cxn>
-              <a:cxn ang="0">
-                <a:pos x="connsiteX28" y="connsiteY28"/>
-              </a:cxn>
-              <a:cxn ang="0">
-                <a:pos x="connsiteX29" y="connsiteY29"/>
-              </a:cxn>
-              <a:cxn ang="0">
-                <a:pos x="connsiteX30" y="connsiteY30"/>
-              </a:cxn>
-              <a:cxn ang="0">
-                <a:pos x="connsiteX31" y="connsiteY31"/>
-              </a:cxn>
-              <a:cxn ang="0">
-                <a:pos x="connsiteX32" y="connsiteY32"/>
-              </a:cxn>
-              <a:cxn ang="0">
-                <a:pos x="connsiteX33" y="connsiteY33"/>
-              </a:cxn>
-              <a:cxn ang="0">
-                <a:pos x="connsiteX34" y="connsiteY34"/>
-              </a:cxn>
-              <a:cxn ang="0">
-                <a:pos x="connsiteX35" y="connsiteY35"/>
-              </a:cxn>
-              <a:cxn ang="0">
-                <a:pos x="connsiteX36" y="connsiteY36"/>
-              </a:cxn>
-              <a:cxn ang="0">
-                <a:pos x="connsiteX37" y="connsiteY37"/>
-              </a:cxn>
-              <a:cxn ang="0">
-                <a:pos x="connsiteX38" y="connsiteY38"/>
-              </a:cxn>
-              <a:cxn ang="0">
-                <a:pos x="connsiteX39" y="connsiteY39"/>
-              </a:cxn>
-              <a:cxn ang="0">
-                <a:pos x="connsiteX40" y="connsiteY40"/>
-              </a:cxn>
-              <a:cxn ang="0">
-                <a:pos x="connsiteX41" y="connsiteY41"/>
-              </a:cxn>
-              <a:cxn ang="0">
-                <a:pos x="connsiteX42" y="connsiteY42"/>
-              </a:cxn>
-              <a:cxn ang="0">
-                <a:pos x="connsiteX43" y="connsiteY43"/>
-              </a:cxn>
-              <a:cxn ang="0">
-                <a:pos x="connsiteX44" y="connsiteY44"/>
-              </a:cxn>
-              <a:cxn ang="0">
-                <a:pos x="connsiteX45" y="connsiteY45"/>
-              </a:cxn>
-              <a:cxn ang="0">
-                <a:pos x="connsiteX46" y="connsiteY46"/>
-              </a:cxn>
-              <a:cxn ang="0">
-                <a:pos x="connsiteX47" y="connsiteY47"/>
-              </a:cxn>
-              <a:cxn ang="0">
-                <a:pos x="connsiteX48" y="connsiteY48"/>
-              </a:cxn>
-              <a:cxn ang="0">
-                <a:pos x="connsiteX49" y="connsiteY49"/>
-              </a:cxn>
-              <a:cxn ang="0">
-                <a:pos x="connsiteX50" y="connsiteY50"/>
-              </a:cxn>
-              <a:cxn ang="0">
-                <a:pos x="connsiteX51" y="connsiteY51"/>
-              </a:cxn>
-              <a:cxn ang="0">
-                <a:pos x="connsiteX52" y="connsiteY52"/>
-              </a:cxn>
-              <a:cxn ang="0">
-                <a:pos x="connsiteX53" y="connsiteY53"/>
-              </a:cxn>
-              <a:cxn ang="0">
-                <a:pos x="connsiteX54" y="connsiteY54"/>
-              </a:cxn>
-              <a:cxn ang="0">
-                <a:pos x="connsiteX55" y="connsiteY55"/>
-              </a:cxn>
-              <a:cxn ang="0">
-                <a:pos x="connsiteX56" y="connsiteY56"/>
-              </a:cxn>
-              <a:cxn ang="0">
-                <a:pos x="connsiteX57" y="connsiteY57"/>
-              </a:cxn>
-              <a:cxn ang="0">
-                <a:pos x="connsiteX58" y="connsiteY58"/>
-              </a:cxn>
-              <a:cxn ang="0">
-                <a:pos x="connsiteX59" y="connsiteY59"/>
-              </a:cxn>
-              <a:cxn ang="0">
-                <a:pos x="connsiteX60" y="connsiteY60"/>
-              </a:cxn>
-              <a:cxn ang="0">
-                <a:pos x="connsiteX61" y="connsiteY61"/>
-              </a:cxn>
-              <a:cxn ang="0">
-                <a:pos x="connsiteX62" y="connsiteY62"/>
-              </a:cxn>
-              <a:cxn ang="0">
-                <a:pos x="connsiteX63" y="connsiteY63"/>
-              </a:cxn>
-              <a:cxn ang="0">
-                <a:pos x="connsiteX64" y="connsiteY64"/>
-              </a:cxn>
-              <a:cxn ang="0">
-                <a:pos x="connsiteX65" y="connsiteY65"/>
-              </a:cxn>
-              <a:cxn ang="0">
-                <a:pos x="connsiteX66" y="connsiteY66"/>
-              </a:cxn>
-              <a:cxn ang="0">
-                <a:pos x="connsiteX67" y="connsiteY67"/>
-              </a:cxn>
-              <a:cxn ang="0">
-                <a:pos x="connsiteX68" y="connsiteY68"/>
-              </a:cxn>
-              <a:cxn ang="0">
-                <a:pos x="connsiteX69" y="connsiteY69"/>
-              </a:cxn>
-              <a:cxn ang="0">
-                <a:pos x="connsiteX70" y="connsiteY70"/>
-              </a:cxn>
-              <a:cxn ang="0">
-                <a:pos x="connsiteX71" y="connsiteY71"/>
-              </a:cxn>
-              <a:cxn ang="0">
-                <a:pos x="connsiteX72" y="connsiteY72"/>
-              </a:cxn>
-              <a:cxn ang="0">
-                <a:pos x="connsiteX73" y="connsiteY73"/>
-              </a:cxn>
-              <a:cxn ang="0">
-                <a:pos x="connsiteX74" y="connsiteY74"/>
-              </a:cxn>
-              <a:cxn ang="0">
-                <a:pos x="connsiteX75" y="connsiteY75"/>
-              </a:cxn>
-              <a:cxn ang="0">
-                <a:pos x="connsiteX76" y="connsiteY76"/>
-              </a:cxn>
-              <a:cxn ang="0">
-                <a:pos x="connsiteX77" y="connsiteY77"/>
-              </a:cxn>
-              <a:cxn ang="0">
-                <a:pos x="connsiteX78" y="connsiteY78"/>
-              </a:cxn>
-              <a:cxn ang="0">
-                <a:pos x="connsiteX79" y="connsiteY79"/>
-              </a:cxn>
-              <a:cxn ang="0">
-                <a:pos x="connsiteX80" y="connsiteY80"/>
-              </a:cxn>
-              <a:cxn ang="0">
-                <a:pos x="connsiteX81" y="connsiteY81"/>
-              </a:cxn>
-              <a:cxn ang="0">
-                <a:pos x="connsiteX82" y="connsiteY82"/>
-              </a:cxn>
-              <a:cxn ang="0">
-                <a:pos x="connsiteX83" y="connsiteY83"/>
-              </a:cxn>
-              <a:cxn ang="0">
-                <a:pos x="connsiteX84" y="connsiteY84"/>
-              </a:cxn>
-              <a:cxn ang="0">
-                <a:pos x="connsiteX85" y="connsiteY85"/>
-              </a:cxn>
-              <a:cxn ang="0">
-                <a:pos x="connsiteX86" y="connsiteY86"/>
-              </a:cxn>
-              <a:cxn ang="0">
-                <a:pos x="connsiteX87" y="connsiteY87"/>
-              </a:cxn>
-              <a:cxn ang="0">
-                <a:pos x="connsiteX88" y="connsiteY88"/>
-              </a:cxn>
-              <a:cxn ang="0">
-                <a:pos x="connsiteX89" y="connsiteY89"/>
-              </a:cxn>
-              <a:cxn ang="0">
-                <a:pos x="connsiteX90" y="connsiteY90"/>
-              </a:cxn>
-              <a:cxn ang="0">
-                <a:pos x="connsiteX91" y="connsiteY91"/>
-              </a:cxn>
-              <a:cxn ang="0">
-                <a:pos x="connsiteX92" y="connsiteY92"/>
-              </a:cxn>
-              <a:cxn ang="0">
-                <a:pos x="connsiteX93" y="connsiteY93"/>
-              </a:cxn>
-              <a:cxn ang="0">
-                <a:pos x="connsiteX94" y="connsiteY94"/>
-              </a:cxn>
-              <a:cxn ang="0">
-                <a:pos x="connsiteX95" y="connsiteY95"/>
-              </a:cxn>
-              <a:cxn ang="0">
-                <a:pos x="connsiteX96" y="connsiteY96"/>
-              </a:cxn>
-              <a:cxn ang="0">
-                <a:pos x="connsiteX97" y="connsiteY97"/>
-              </a:cxn>
-              <a:cxn ang="0">
-                <a:pos x="connsiteX98" y="connsiteY98"/>
-              </a:cxn>
-              <a:cxn ang="0">
-                <a:pos x="connsiteX99" y="connsiteY99"/>
-              </a:cxn>
-              <a:cxn ang="0">
-                <a:pos x="connsiteX100" y="connsiteY100"/>
-              </a:cxn>
-              <a:cxn ang="0">
-                <a:pos x="connsiteX101" y="connsiteY101"/>
-              </a:cxn>
-              <a:cxn ang="0">
-                <a:pos x="connsiteX102" y="connsiteY102"/>
-              </a:cxn>
-              <a:cxn ang="0">
-                <a:pos x="connsiteX103" y="connsiteY103"/>
-              </a:cxn>
-              <a:cxn ang="0">
-                <a:pos x="connsiteX104" y="connsiteY104"/>
-              </a:cxn>
-              <a:cxn ang="0">
-                <a:pos x="connsiteX105" y="connsiteY105"/>
-              </a:cxn>
-              <a:cxn ang="0">
-                <a:pos x="connsiteX106" y="connsiteY106"/>
-              </a:cxn>
-              <a:cxn ang="0">
-                <a:pos x="connsiteX107" y="connsiteY107"/>
-              </a:cxn>
-              <a:cxn ang="0">
-                <a:pos x="connsiteX108" y="connsiteY108"/>
-              </a:cxn>
-              <a:cxn ang="0">
-                <a:pos x="connsiteX109" y="connsiteY109"/>
-              </a:cxn>
-              <a:cxn ang="0">
-                <a:pos x="connsiteX110" y="connsiteY110"/>
-              </a:cxn>
             </a:cxnLst>
             <a:rect l="l" t="t" r="r" b="b"/>
             <a:pathLst>
-              <a:path w="1511056" h="1480457">
+              <a:path w="1077686" h="1447800">
                 <a:moveTo>
-                  <a:pt x="228600" y="0"/>
+                  <a:pt x="326572" y="217715"/>
                 </a:moveTo>
                 <a:lnTo>
-                  <a:pt x="228600" y="0"/>
+                  <a:pt x="0" y="1099458"/>
                 </a:lnTo>
-                <a:cubicBezTo>
-                  <a:pt x="272143" y="21771"/>
-                  <a:pt x="317177" y="40784"/>
-                  <a:pt x="359228" y="65314"/>
-                </a:cubicBezTo>
-                <a:cubicBezTo>
-                  <a:pt x="466247" y="127742"/>
-                  <a:pt x="571960" y="213960"/>
-                  <a:pt x="664028" y="293914"/>
-                </a:cubicBezTo>
-                <a:cubicBezTo>
-                  <a:pt x="745485" y="364653"/>
-                  <a:pt x="827227" y="435342"/>
-                  <a:pt x="903514" y="511629"/>
-                </a:cubicBezTo>
-                <a:cubicBezTo>
-                  <a:pt x="973896" y="582011"/>
-                  <a:pt x="1054966" y="657168"/>
-                  <a:pt x="1110342" y="740229"/>
-                </a:cubicBezTo>
-                <a:cubicBezTo>
-                  <a:pt x="1117599" y="751115"/>
-                  <a:pt x="1126263" y="761184"/>
-                  <a:pt x="1132114" y="772886"/>
-                </a:cubicBezTo>
-                <a:cubicBezTo>
-                  <a:pt x="1177188" y="863031"/>
-                  <a:pt x="1102372" y="744601"/>
-                  <a:pt x="1164771" y="838200"/>
-                </a:cubicBezTo>
-                <a:cubicBezTo>
-                  <a:pt x="1168400" y="852714"/>
-                  <a:pt x="1170404" y="867735"/>
-                  <a:pt x="1175657" y="881743"/>
-                </a:cubicBezTo>
-                <a:cubicBezTo>
-                  <a:pt x="1181355" y="896937"/>
-                  <a:pt x="1192296" y="909891"/>
-                  <a:pt x="1197428" y="925286"/>
-                </a:cubicBezTo>
-                <a:cubicBezTo>
-                  <a:pt x="1206890" y="953672"/>
-                  <a:pt x="1211943" y="983343"/>
-                  <a:pt x="1219200" y="1012371"/>
-                </a:cubicBezTo>
                 <a:lnTo>
-                  <a:pt x="1230085" y="1055914"/>
+                  <a:pt x="402772" y="1393372"/>
                 </a:lnTo>
-                <a:cubicBezTo>
-                  <a:pt x="1197672" y="1088329"/>
-                  <a:pt x="1220878" y="1071613"/>
-                  <a:pt x="1175657" y="1088571"/>
-                </a:cubicBezTo>
-                <a:cubicBezTo>
-                  <a:pt x="1157360" y="1095432"/>
-                  <a:pt x="1140424" y="1106687"/>
-                  <a:pt x="1121228" y="1110343"/>
-                </a:cubicBezTo>
-                <a:cubicBezTo>
-                  <a:pt x="1063753" y="1121291"/>
-                  <a:pt x="1004978" y="1123839"/>
-                  <a:pt x="947057" y="1132114"/>
-                </a:cubicBezTo>
                 <a:lnTo>
-                  <a:pt x="870857" y="1143000"/>
+                  <a:pt x="849086" y="1001486"/>
                 </a:lnTo>
-                <a:cubicBezTo>
-                  <a:pt x="809171" y="1139371"/>
-                  <a:pt x="747073" y="1140106"/>
-                  <a:pt x="685800" y="1132114"/>
-                </a:cubicBezTo>
-                <a:cubicBezTo>
-                  <a:pt x="617340" y="1123185"/>
-                  <a:pt x="627723" y="1109425"/>
-                  <a:pt x="576942" y="1077686"/>
-                </a:cubicBezTo>
-                <a:cubicBezTo>
-                  <a:pt x="563181" y="1069085"/>
-                  <a:pt x="546605" y="1065346"/>
-                  <a:pt x="533400" y="1055914"/>
-                </a:cubicBezTo>
-                <a:cubicBezTo>
-                  <a:pt x="520873" y="1046966"/>
-                  <a:pt x="512569" y="1033112"/>
-                  <a:pt x="500742" y="1023257"/>
-                </a:cubicBezTo>
-                <a:cubicBezTo>
-                  <a:pt x="490691" y="1014882"/>
-                  <a:pt x="478018" y="1010000"/>
-                  <a:pt x="468085" y="1001486"/>
-                </a:cubicBezTo>
-                <a:cubicBezTo>
-                  <a:pt x="452500" y="988128"/>
-                  <a:pt x="424542" y="957943"/>
-                  <a:pt x="424542" y="957943"/>
-                </a:cubicBezTo>
-                <a:cubicBezTo>
-                  <a:pt x="420914" y="947057"/>
-                  <a:pt x="417686" y="936030"/>
-                  <a:pt x="413657" y="925286"/>
-                </a:cubicBezTo>
-                <a:cubicBezTo>
-                  <a:pt x="406796" y="906989"/>
-                  <a:pt x="391885" y="890398"/>
-                  <a:pt x="391885" y="870857"/>
-                </a:cubicBezTo>
-                <a:cubicBezTo>
-                  <a:pt x="391885" y="819541"/>
-                  <a:pt x="399923" y="767901"/>
-                  <a:pt x="413657" y="718457"/>
-                </a:cubicBezTo>
-                <a:cubicBezTo>
-                  <a:pt x="418513" y="700976"/>
-                  <a:pt x="433485" y="687743"/>
-                  <a:pt x="446314" y="674914"/>
-                </a:cubicBezTo>
-                <a:cubicBezTo>
-                  <a:pt x="467861" y="653367"/>
-                  <a:pt x="541451" y="601078"/>
-                  <a:pt x="566057" y="587829"/>
-                </a:cubicBezTo>
-                <a:cubicBezTo>
-                  <a:pt x="590388" y="574728"/>
-                  <a:pt x="615053" y="560029"/>
-                  <a:pt x="642257" y="555171"/>
-                </a:cubicBezTo>
-                <a:cubicBezTo>
-                  <a:pt x="717610" y="541715"/>
-                  <a:pt x="870857" y="533400"/>
-                  <a:pt x="870857" y="533400"/>
-                </a:cubicBezTo>
-                <a:cubicBezTo>
-                  <a:pt x="947057" y="537029"/>
-                  <a:pt x="1023937" y="533497"/>
-                  <a:pt x="1099457" y="544286"/>
-                </a:cubicBezTo>
-                <a:cubicBezTo>
-                  <a:pt x="1126814" y="548194"/>
-                  <a:pt x="1150940" y="564585"/>
-                  <a:pt x="1175657" y="576943"/>
-                </a:cubicBezTo>
-                <a:cubicBezTo>
-                  <a:pt x="1225223" y="601726"/>
-                  <a:pt x="1240781" y="618157"/>
-                  <a:pt x="1284514" y="653143"/>
-                </a:cubicBezTo>
-                <a:cubicBezTo>
-                  <a:pt x="1291771" y="667657"/>
-                  <a:pt x="1300587" y="681492"/>
-                  <a:pt x="1306285" y="696686"/>
-                </a:cubicBezTo>
-                <a:cubicBezTo>
-                  <a:pt x="1328963" y="757161"/>
-                  <a:pt x="1320372" y="822833"/>
-                  <a:pt x="1284514" y="881743"/>
-                </a:cubicBezTo>
-                <a:cubicBezTo>
-                  <a:pt x="1256467" y="927821"/>
-                  <a:pt x="1207718" y="957960"/>
-                  <a:pt x="1164771" y="990600"/>
-                </a:cubicBezTo>
-                <a:cubicBezTo>
-                  <a:pt x="1116234" y="1027488"/>
-                  <a:pt x="916497" y="1148441"/>
-                  <a:pt x="859971" y="1175657"/>
-                </a:cubicBezTo>
-                <a:cubicBezTo>
-                  <a:pt x="763423" y="1222143"/>
-                  <a:pt x="698797" y="1235448"/>
-                  <a:pt x="598714" y="1262743"/>
-                </a:cubicBezTo>
-                <a:cubicBezTo>
-                  <a:pt x="518885" y="1251857"/>
-                  <a:pt x="436476" y="1252974"/>
-                  <a:pt x="359228" y="1230086"/>
-                </a:cubicBezTo>
-                <a:cubicBezTo>
-                  <a:pt x="334627" y="1222797"/>
-                  <a:pt x="319032" y="1197006"/>
-                  <a:pt x="304800" y="1175657"/>
-                </a:cubicBezTo>
-                <a:cubicBezTo>
-                  <a:pt x="284257" y="1144842"/>
-                  <a:pt x="248898" y="1029726"/>
-                  <a:pt x="239485" y="1001486"/>
-                </a:cubicBezTo>
-                <a:cubicBezTo>
-                  <a:pt x="235857" y="976086"/>
-                  <a:pt x="232501" y="950645"/>
-                  <a:pt x="228600" y="925286"/>
-                </a:cubicBezTo>
-                <a:cubicBezTo>
-                  <a:pt x="225244" y="903471"/>
-                  <a:pt x="217714" y="882043"/>
-                  <a:pt x="217714" y="859971"/>
-                </a:cubicBezTo>
-                <a:cubicBezTo>
-                  <a:pt x="217714" y="816277"/>
-                  <a:pt x="219121" y="771996"/>
-                  <a:pt x="228600" y="729343"/>
-                </a:cubicBezTo>
-                <a:cubicBezTo>
-                  <a:pt x="240821" y="674347"/>
-                  <a:pt x="287312" y="633354"/>
-                  <a:pt x="326571" y="598714"/>
-                </a:cubicBezTo>
-                <a:cubicBezTo>
-                  <a:pt x="365241" y="564593"/>
-                  <a:pt x="403979" y="530194"/>
-                  <a:pt x="446314" y="500743"/>
-                </a:cubicBezTo>
-                <a:cubicBezTo>
-                  <a:pt x="487695" y="471956"/>
-                  <a:pt x="531854" y="447087"/>
-                  <a:pt x="576942" y="424543"/>
-                </a:cubicBezTo>
-                <a:cubicBezTo>
-                  <a:pt x="671108" y="377460"/>
-                  <a:pt x="778288" y="337090"/>
-                  <a:pt x="881742" y="315686"/>
-                </a:cubicBezTo>
-                <a:cubicBezTo>
-                  <a:pt x="935514" y="304561"/>
-                  <a:pt x="990599" y="301171"/>
-                  <a:pt x="1045028" y="293914"/>
-                </a:cubicBezTo>
-                <a:cubicBezTo>
-                  <a:pt x="1232248" y="325117"/>
-                  <a:pt x="1290414" y="292224"/>
-                  <a:pt x="1404257" y="413657"/>
-                </a:cubicBezTo>
-                <a:cubicBezTo>
-                  <a:pt x="1431101" y="442291"/>
-                  <a:pt x="1447800" y="478972"/>
-                  <a:pt x="1469571" y="511629"/>
-                </a:cubicBezTo>
-                <a:cubicBezTo>
-                  <a:pt x="1515594" y="711065"/>
-                  <a:pt x="1541405" y="742695"/>
-                  <a:pt x="1447800" y="1001486"/>
-                </a:cubicBezTo>
-                <a:cubicBezTo>
-                  <a:pt x="1424092" y="1067033"/>
-                  <a:pt x="1363594" y="1112777"/>
-                  <a:pt x="1317171" y="1164771"/>
-                </a:cubicBezTo>
-                <a:cubicBezTo>
-                  <a:pt x="1272741" y="1214533"/>
-                  <a:pt x="1227373" y="1264147"/>
-                  <a:pt x="1175657" y="1306286"/>
-                </a:cubicBezTo>
-                <a:cubicBezTo>
-                  <a:pt x="1086824" y="1378669"/>
-                  <a:pt x="990847" y="1426864"/>
-                  <a:pt x="881742" y="1458686"/>
-                </a:cubicBezTo>
-                <a:cubicBezTo>
-                  <a:pt x="842796" y="1470045"/>
-                  <a:pt x="801914" y="1473200"/>
-                  <a:pt x="762000" y="1480457"/>
-                </a:cubicBezTo>
-                <a:cubicBezTo>
-                  <a:pt x="695690" y="1473826"/>
-                  <a:pt x="624889" y="1476136"/>
-                  <a:pt x="566057" y="1436914"/>
-                </a:cubicBezTo>
-                <a:cubicBezTo>
-                  <a:pt x="536169" y="1416989"/>
-                  <a:pt x="513234" y="1387987"/>
-                  <a:pt x="489857" y="1360714"/>
-                </a:cubicBezTo>
-                <a:cubicBezTo>
-                  <a:pt x="445967" y="1309509"/>
-                  <a:pt x="418816" y="1258985"/>
-                  <a:pt x="391885" y="1197429"/>
-                </a:cubicBezTo>
-                <a:cubicBezTo>
-                  <a:pt x="379459" y="1169026"/>
-                  <a:pt x="370114" y="1139372"/>
-                  <a:pt x="359228" y="1110343"/>
-                </a:cubicBezTo>
-                <a:cubicBezTo>
-                  <a:pt x="351971" y="1066800"/>
-                  <a:pt x="336608" y="1023849"/>
-                  <a:pt x="337457" y="979714"/>
-                </a:cubicBezTo>
-                <a:cubicBezTo>
-                  <a:pt x="340256" y="834191"/>
-                  <a:pt x="348390" y="688206"/>
-                  <a:pt x="370114" y="544286"/>
-                </a:cubicBezTo>
-                <a:cubicBezTo>
-                  <a:pt x="380985" y="472262"/>
-                  <a:pt x="454079" y="339024"/>
-                  <a:pt x="500742" y="283029"/>
-                </a:cubicBezTo>
-                <a:cubicBezTo>
-                  <a:pt x="525435" y="253397"/>
-                  <a:pt x="557188" y="230260"/>
-                  <a:pt x="587828" y="206829"/>
-                </a:cubicBezTo>
-                <a:cubicBezTo>
-                  <a:pt x="647614" y="161110"/>
-                  <a:pt x="719758" y="114993"/>
-                  <a:pt x="794657" y="97971"/>
-                </a:cubicBezTo>
-                <a:cubicBezTo>
-                  <a:pt x="837264" y="88288"/>
-                  <a:pt x="881742" y="90714"/>
-                  <a:pt x="925285" y="87086"/>
-                </a:cubicBezTo>
-                <a:cubicBezTo>
-                  <a:pt x="1034142" y="90714"/>
-                  <a:pt x="1143605" y="85943"/>
-                  <a:pt x="1251857" y="97971"/>
-                </a:cubicBezTo>
-                <a:cubicBezTo>
-                  <a:pt x="1276049" y="100659"/>
-                  <a:pt x="1295012" y="120556"/>
-                  <a:pt x="1317171" y="130629"/>
-                </a:cubicBezTo>
-                <a:cubicBezTo>
-                  <a:pt x="1334960" y="138715"/>
-                  <a:pt x="1354518" y="142910"/>
-                  <a:pt x="1371600" y="152400"/>
-                </a:cubicBezTo>
-                <a:cubicBezTo>
-                  <a:pt x="1387460" y="161211"/>
-                  <a:pt x="1401582" y="173004"/>
-                  <a:pt x="1415142" y="185057"/>
-                </a:cubicBezTo>
-                <a:cubicBezTo>
-                  <a:pt x="1440681" y="207759"/>
-                  <a:pt x="1474786" y="239032"/>
-                  <a:pt x="1491342" y="272143"/>
-                </a:cubicBezTo>
-                <a:cubicBezTo>
-                  <a:pt x="1496474" y="282406"/>
-                  <a:pt x="1498599" y="293914"/>
-                  <a:pt x="1502228" y="304800"/>
-                </a:cubicBezTo>
-                <a:cubicBezTo>
-                  <a:pt x="1498599" y="344714"/>
-                  <a:pt x="1497010" y="384867"/>
-                  <a:pt x="1491342" y="424543"/>
-                </a:cubicBezTo>
-                <a:cubicBezTo>
-                  <a:pt x="1489719" y="435902"/>
-                  <a:pt x="1491343" y="453571"/>
-                  <a:pt x="1480457" y="457200"/>
-                </a:cubicBezTo>
-                <a:cubicBezTo>
-                  <a:pt x="1470721" y="460446"/>
-                  <a:pt x="1465096" y="443443"/>
-                  <a:pt x="1458685" y="435429"/>
-                </a:cubicBezTo>
-                <a:cubicBezTo>
-                  <a:pt x="1442457" y="415144"/>
-                  <a:pt x="1415702" y="365510"/>
-                  <a:pt x="1404257" y="348343"/>
-                </a:cubicBezTo>
-                <a:cubicBezTo>
-                  <a:pt x="1372432" y="300606"/>
-                  <a:pt x="1346853" y="247398"/>
-                  <a:pt x="1306285" y="206829"/>
-                </a:cubicBezTo>
                 <a:lnTo>
-                  <a:pt x="1240971" y="141514"/>
+                  <a:pt x="805543" y="489858"/>
                 </a:lnTo>
-                <a:cubicBezTo>
-                  <a:pt x="1164771" y="152400"/>
-                  <a:pt x="1086810" y="154582"/>
-                  <a:pt x="1012371" y="174171"/>
-                </a:cubicBezTo>
-                <a:cubicBezTo>
-                  <a:pt x="947857" y="191148"/>
-                  <a:pt x="887544" y="221690"/>
-                  <a:pt x="827314" y="250371"/>
-                </a:cubicBezTo>
-                <a:cubicBezTo>
-                  <a:pt x="735000" y="294330"/>
-                  <a:pt x="645535" y="344046"/>
-                  <a:pt x="555171" y="391886"/>
-                </a:cubicBezTo>
-                <a:cubicBezTo>
-                  <a:pt x="329970" y="511110"/>
-                  <a:pt x="559649" y="395090"/>
-                  <a:pt x="391885" y="478971"/>
-                </a:cubicBezTo>
-                <a:cubicBezTo>
-                  <a:pt x="380999" y="489857"/>
-                  <a:pt x="366113" y="497859"/>
-                  <a:pt x="359228" y="511629"/>
-                </a:cubicBezTo>
-                <a:cubicBezTo>
-                  <a:pt x="350954" y="528178"/>
-                  <a:pt x="352829" y="548107"/>
-                  <a:pt x="348342" y="566057"/>
-                </a:cubicBezTo>
-                <a:cubicBezTo>
-                  <a:pt x="345559" y="577189"/>
-                  <a:pt x="341085" y="587828"/>
-                  <a:pt x="337457" y="598714"/>
-                </a:cubicBezTo>
-                <a:cubicBezTo>
-                  <a:pt x="341085" y="685800"/>
-                  <a:pt x="343069" y="772969"/>
-                  <a:pt x="348342" y="859971"/>
-                </a:cubicBezTo>
-                <a:cubicBezTo>
-                  <a:pt x="350330" y="892769"/>
-                  <a:pt x="351259" y="926066"/>
-                  <a:pt x="359228" y="957943"/>
-                </a:cubicBezTo>
-                <a:cubicBezTo>
-                  <a:pt x="362401" y="970635"/>
-                  <a:pt x="372624" y="980549"/>
-                  <a:pt x="381000" y="990600"/>
-                </a:cubicBezTo>
-                <a:cubicBezTo>
-                  <a:pt x="390855" y="1002426"/>
-                  <a:pt x="400848" y="1014718"/>
-                  <a:pt x="413657" y="1023257"/>
-                </a:cubicBezTo>
-                <a:cubicBezTo>
-                  <a:pt x="423635" y="1029909"/>
-                  <a:pt x="483258" y="1043049"/>
-                  <a:pt x="489857" y="1045029"/>
-                </a:cubicBezTo>
-                <a:cubicBezTo>
-                  <a:pt x="511838" y="1051623"/>
-                  <a:pt x="532476" y="1063396"/>
-                  <a:pt x="555171" y="1066800"/>
-                </a:cubicBezTo>
-                <a:cubicBezTo>
-                  <a:pt x="605537" y="1074355"/>
-                  <a:pt x="656771" y="1074057"/>
-                  <a:pt x="707571" y="1077686"/>
-                </a:cubicBezTo>
-                <a:cubicBezTo>
-                  <a:pt x="773937" y="1090958"/>
-                  <a:pt x="848153" y="1110809"/>
-                  <a:pt x="914400" y="1077686"/>
-                </a:cubicBezTo>
-                <a:cubicBezTo>
-                  <a:pt x="938028" y="1065872"/>
-                  <a:pt x="928914" y="1026886"/>
-                  <a:pt x="936171" y="1001486"/>
-                </a:cubicBezTo>
-                <a:cubicBezTo>
-                  <a:pt x="939800" y="961572"/>
-                  <a:pt x="944202" y="921720"/>
-                  <a:pt x="947057" y="881743"/>
-                </a:cubicBezTo>
-                <a:cubicBezTo>
-                  <a:pt x="955088" y="769310"/>
-                  <a:pt x="968828" y="544286"/>
-                  <a:pt x="968828" y="544286"/>
-                </a:cubicBezTo>
-                <a:cubicBezTo>
-                  <a:pt x="965199" y="449943"/>
-                  <a:pt x="967336" y="355201"/>
-                  <a:pt x="957942" y="261257"/>
-                </a:cubicBezTo>
-                <a:cubicBezTo>
-                  <a:pt x="955344" y="235278"/>
-                  <a:pt x="911782" y="183748"/>
-                  <a:pt x="892628" y="174171"/>
-                </a:cubicBezTo>
-                <a:cubicBezTo>
-                  <a:pt x="814910" y="135312"/>
-                  <a:pt x="726653" y="122923"/>
-                  <a:pt x="642257" y="108857"/>
-                </a:cubicBezTo>
-                <a:cubicBezTo>
-                  <a:pt x="587828" y="112486"/>
-                  <a:pt x="532461" y="109045"/>
-                  <a:pt x="478971" y="119743"/>
-                </a:cubicBezTo>
-                <a:cubicBezTo>
-                  <a:pt x="460816" y="123374"/>
-                  <a:pt x="412780" y="162774"/>
-                  <a:pt x="391885" y="174171"/>
-                </a:cubicBezTo>
-                <a:cubicBezTo>
-                  <a:pt x="272586" y="239243"/>
-                  <a:pt x="343806" y="197959"/>
-                  <a:pt x="250371" y="239486"/>
-                </a:cubicBezTo>
-                <a:cubicBezTo>
-                  <a:pt x="169664" y="275356"/>
-                  <a:pt x="241244" y="249785"/>
-                  <a:pt x="174171" y="272143"/>
-                </a:cubicBezTo>
-                <a:cubicBezTo>
-                  <a:pt x="135618" y="329973"/>
-                  <a:pt x="166135" y="279338"/>
-                  <a:pt x="130628" y="359229"/>
-                </a:cubicBezTo>
-                <a:cubicBezTo>
-                  <a:pt x="124037" y="374058"/>
-                  <a:pt x="115249" y="387856"/>
-                  <a:pt x="108857" y="402771"/>
-                </a:cubicBezTo>
-                <a:cubicBezTo>
-                  <a:pt x="50775" y="538296"/>
-                  <a:pt x="90233" y="474251"/>
-                  <a:pt x="43542" y="544286"/>
-                </a:cubicBezTo>
-                <a:cubicBezTo>
-                  <a:pt x="36285" y="566057"/>
-                  <a:pt x="24618" y="586828"/>
-                  <a:pt x="21771" y="609600"/>
-                </a:cubicBezTo>
-                <a:cubicBezTo>
-                  <a:pt x="5465" y="740042"/>
-                  <a:pt x="13314" y="667532"/>
-                  <a:pt x="0" y="827314"/>
-                </a:cubicBezTo>
-                <a:cubicBezTo>
-                  <a:pt x="3628" y="874486"/>
-                  <a:pt x="5660" y="921807"/>
-                  <a:pt x="10885" y="968829"/>
-                </a:cubicBezTo>
-                <a:cubicBezTo>
-                  <a:pt x="12928" y="987218"/>
-                  <a:pt x="17757" y="1005196"/>
-                  <a:pt x="21771" y="1023257"/>
-                </a:cubicBezTo>
-                <a:cubicBezTo>
-                  <a:pt x="25017" y="1037862"/>
-                  <a:pt x="32657" y="1066800"/>
-                  <a:pt x="32657" y="1066800"/>
-                </a:cubicBezTo>
                 <a:lnTo>
-                  <a:pt x="163285" y="1110343"/>
+                  <a:pt x="718457" y="620486"/>
+                </a:lnTo>
+                <a:lnTo>
+                  <a:pt x="478972" y="968829"/>
+                </a:lnTo>
+                <a:lnTo>
+                  <a:pt x="642257" y="1055915"/>
+                </a:lnTo>
+                <a:lnTo>
+                  <a:pt x="609600" y="1447800"/>
+                </a:lnTo>
+                <a:lnTo>
+                  <a:pt x="10886" y="391886"/>
+                </a:lnTo>
+                <a:lnTo>
+                  <a:pt x="1077686" y="0"/>
+                </a:lnTo>
+                <a:lnTo>
+                  <a:pt x="979714" y="261258"/>
                 </a:lnTo>
               </a:path>
             </a:pathLst>
@@ -6430,10 +6001,10 @@
       </p:sp>
       <p:sp>
         <p:nvSpPr>
-          <p:cNvPr id="3" name="任意形状 2">
-            <a:extLst>
-              <a:ext uri="{FF2B5EF4-FFF2-40B4-BE49-F238E27FC236}">
-                <a16:creationId xmlns:a16="http://schemas.microsoft.com/office/drawing/2014/main" id="{F732B387-16DC-457A-9A00-72091BE77C74}"/>
+          <p:cNvPr id="14" name="任意形状 13">
+            <a:extLst>
+              <a:ext uri="{FF2B5EF4-FFF2-40B4-BE49-F238E27FC236}">
+                <a16:creationId xmlns:a16="http://schemas.microsoft.com/office/drawing/2014/main" id="{767785F8-432A-3F37-B16B-DA3EC1862C8F}"/>
               </a:ext>
             </a:extLst>
           </p:cNvPr>
@@ -6442,88 +6013,294 @@
         </p:nvSpPr>
         <p:spPr>
           <a:xfrm>
-            <a:off x="11343905" y="5501687"/>
-            <a:ext cx="751114" cy="957943"/>
+            <a:off x="10504224" y="5214257"/>
+            <a:ext cx="1490938" cy="1567543"/>
           </a:xfrm>
           <a:custGeom>
             <a:avLst/>
             <a:gdLst>
-              <a:gd name="connsiteX0" fmla="*/ 0 w 751114"/>
-              <a:gd name="connsiteY0" fmla="*/ 0 h 957943"/>
-              <a:gd name="connsiteX1" fmla="*/ 87086 w 751114"/>
-              <a:gd name="connsiteY1" fmla="*/ 10885 h 957943"/>
-              <a:gd name="connsiteX2" fmla="*/ 261257 w 751114"/>
-              <a:gd name="connsiteY2" fmla="*/ 21771 h 957943"/>
-              <a:gd name="connsiteX3" fmla="*/ 348343 w 751114"/>
-              <a:gd name="connsiteY3" fmla="*/ 54428 h 957943"/>
-              <a:gd name="connsiteX4" fmla="*/ 381000 w 751114"/>
-              <a:gd name="connsiteY4" fmla="*/ 76200 h 957943"/>
-              <a:gd name="connsiteX5" fmla="*/ 413657 w 751114"/>
-              <a:gd name="connsiteY5" fmla="*/ 87085 h 957943"/>
-              <a:gd name="connsiteX6" fmla="*/ 446314 w 751114"/>
-              <a:gd name="connsiteY6" fmla="*/ 108857 h 957943"/>
-              <a:gd name="connsiteX7" fmla="*/ 489857 w 751114"/>
-              <a:gd name="connsiteY7" fmla="*/ 141514 h 957943"/>
-              <a:gd name="connsiteX8" fmla="*/ 533400 w 751114"/>
-              <a:gd name="connsiteY8" fmla="*/ 163285 h 957943"/>
-              <a:gd name="connsiteX9" fmla="*/ 631371 w 751114"/>
-              <a:gd name="connsiteY9" fmla="*/ 250371 h 957943"/>
-              <a:gd name="connsiteX10" fmla="*/ 674914 w 751114"/>
-              <a:gd name="connsiteY10" fmla="*/ 315685 h 957943"/>
-              <a:gd name="connsiteX11" fmla="*/ 718457 w 751114"/>
-              <a:gd name="connsiteY11" fmla="*/ 413657 h 957943"/>
-              <a:gd name="connsiteX12" fmla="*/ 751114 w 751114"/>
-              <a:gd name="connsiteY12" fmla="*/ 489857 h 957943"/>
-              <a:gd name="connsiteX13" fmla="*/ 718457 w 751114"/>
-              <a:gd name="connsiteY13" fmla="*/ 566057 h 957943"/>
-              <a:gd name="connsiteX14" fmla="*/ 707571 w 751114"/>
-              <a:gd name="connsiteY14" fmla="*/ 609600 h 957943"/>
-              <a:gd name="connsiteX15" fmla="*/ 685800 w 751114"/>
-              <a:gd name="connsiteY15" fmla="*/ 642257 h 957943"/>
-              <a:gd name="connsiteX16" fmla="*/ 631371 w 751114"/>
-              <a:gd name="connsiteY16" fmla="*/ 762000 h 957943"/>
-              <a:gd name="connsiteX17" fmla="*/ 587829 w 751114"/>
-              <a:gd name="connsiteY17" fmla="*/ 805543 h 957943"/>
-              <a:gd name="connsiteX18" fmla="*/ 522514 w 751114"/>
-              <a:gd name="connsiteY18" fmla="*/ 903514 h 957943"/>
-              <a:gd name="connsiteX19" fmla="*/ 468086 w 751114"/>
-              <a:gd name="connsiteY19" fmla="*/ 957943 h 957943"/>
-              <a:gd name="connsiteX20" fmla="*/ 315686 w 751114"/>
-              <a:gd name="connsiteY20" fmla="*/ 936171 h 957943"/>
-              <a:gd name="connsiteX21" fmla="*/ 261257 w 751114"/>
-              <a:gd name="connsiteY21" fmla="*/ 914400 h 957943"/>
-              <a:gd name="connsiteX22" fmla="*/ 152400 w 751114"/>
-              <a:gd name="connsiteY22" fmla="*/ 870857 h 957943"/>
-              <a:gd name="connsiteX23" fmla="*/ 119743 w 751114"/>
-              <a:gd name="connsiteY23" fmla="*/ 838200 h 957943"/>
-              <a:gd name="connsiteX24" fmla="*/ 87086 w 751114"/>
-              <a:gd name="connsiteY24" fmla="*/ 816428 h 957943"/>
-              <a:gd name="connsiteX25" fmla="*/ 43543 w 751114"/>
-              <a:gd name="connsiteY25" fmla="*/ 751114 h 957943"/>
-              <a:gd name="connsiteX26" fmla="*/ 21771 w 751114"/>
-              <a:gd name="connsiteY26" fmla="*/ 707571 h 957943"/>
-              <a:gd name="connsiteX27" fmla="*/ 0 w 751114"/>
-              <a:gd name="connsiteY27" fmla="*/ 642257 h 957943"/>
-              <a:gd name="connsiteX28" fmla="*/ 10886 w 751114"/>
-              <a:gd name="connsiteY28" fmla="*/ 555171 h 957943"/>
-              <a:gd name="connsiteX29" fmla="*/ 87086 w 751114"/>
-              <a:gd name="connsiteY29" fmla="*/ 478971 h 957943"/>
-              <a:gd name="connsiteX30" fmla="*/ 130629 w 751114"/>
-              <a:gd name="connsiteY30" fmla="*/ 435428 h 957943"/>
-              <a:gd name="connsiteX31" fmla="*/ 174171 w 751114"/>
-              <a:gd name="connsiteY31" fmla="*/ 391885 h 957943"/>
-              <a:gd name="connsiteX32" fmla="*/ 261257 w 751114"/>
-              <a:gd name="connsiteY32" fmla="*/ 359228 h 957943"/>
-              <a:gd name="connsiteX33" fmla="*/ 402771 w 751114"/>
-              <a:gd name="connsiteY33" fmla="*/ 370114 h 957943"/>
-              <a:gd name="connsiteX34" fmla="*/ 424543 w 751114"/>
-              <a:gd name="connsiteY34" fmla="*/ 413657 h 957943"/>
-              <a:gd name="connsiteX35" fmla="*/ 457200 w 751114"/>
-              <a:gd name="connsiteY35" fmla="*/ 500743 h 957943"/>
-              <a:gd name="connsiteX36" fmla="*/ 446314 w 751114"/>
-              <a:gd name="connsiteY36" fmla="*/ 587828 h 957943"/>
-              <a:gd name="connsiteX37" fmla="*/ 424543 w 751114"/>
-              <a:gd name="connsiteY37" fmla="*/ 620485 h 957943"/>
+              <a:gd name="connsiteX0" fmla="*/ 425033 w 1490938"/>
+              <a:gd name="connsiteY0" fmla="*/ 0 h 1567543"/>
+              <a:gd name="connsiteX1" fmla="*/ 512119 w 1490938"/>
+              <a:gd name="connsiteY1" fmla="*/ 21772 h 1567543"/>
+              <a:gd name="connsiteX2" fmla="*/ 762490 w 1490938"/>
+              <a:gd name="connsiteY2" fmla="*/ 152400 h 1567543"/>
+              <a:gd name="connsiteX3" fmla="*/ 893119 w 1490938"/>
+              <a:gd name="connsiteY3" fmla="*/ 283029 h 1567543"/>
+              <a:gd name="connsiteX4" fmla="*/ 1187033 w 1490938"/>
+              <a:gd name="connsiteY4" fmla="*/ 664029 h 1567543"/>
+              <a:gd name="connsiteX5" fmla="*/ 1295890 w 1490938"/>
+              <a:gd name="connsiteY5" fmla="*/ 849086 h 1567543"/>
+              <a:gd name="connsiteX6" fmla="*/ 1404747 w 1490938"/>
+              <a:gd name="connsiteY6" fmla="*/ 1132114 h 1567543"/>
+              <a:gd name="connsiteX7" fmla="*/ 1415633 w 1490938"/>
+              <a:gd name="connsiteY7" fmla="*/ 1208314 h 1567543"/>
+              <a:gd name="connsiteX8" fmla="*/ 1426519 w 1490938"/>
+              <a:gd name="connsiteY8" fmla="*/ 1273629 h 1567543"/>
+              <a:gd name="connsiteX9" fmla="*/ 1415633 w 1490938"/>
+              <a:gd name="connsiteY9" fmla="*/ 1317172 h 1567543"/>
+              <a:gd name="connsiteX10" fmla="*/ 1382976 w 1490938"/>
+              <a:gd name="connsiteY10" fmla="*/ 1382486 h 1567543"/>
+              <a:gd name="connsiteX11" fmla="*/ 1295890 w 1490938"/>
+              <a:gd name="connsiteY11" fmla="*/ 1436914 h 1567543"/>
+              <a:gd name="connsiteX12" fmla="*/ 1230576 w 1490938"/>
+              <a:gd name="connsiteY12" fmla="*/ 1458686 h 1567543"/>
+              <a:gd name="connsiteX13" fmla="*/ 1154376 w 1490938"/>
+              <a:gd name="connsiteY13" fmla="*/ 1480457 h 1567543"/>
+              <a:gd name="connsiteX14" fmla="*/ 1067290 w 1490938"/>
+              <a:gd name="connsiteY14" fmla="*/ 1491343 h 1567543"/>
+              <a:gd name="connsiteX15" fmla="*/ 784262 w 1490938"/>
+              <a:gd name="connsiteY15" fmla="*/ 1458686 h 1567543"/>
+              <a:gd name="connsiteX16" fmla="*/ 686290 w 1490938"/>
+              <a:gd name="connsiteY16" fmla="*/ 1393372 h 1567543"/>
+              <a:gd name="connsiteX17" fmla="*/ 523005 w 1490938"/>
+              <a:gd name="connsiteY17" fmla="*/ 1197429 h 1567543"/>
+              <a:gd name="connsiteX18" fmla="*/ 457690 w 1490938"/>
+              <a:gd name="connsiteY18" fmla="*/ 1055914 h 1567543"/>
+              <a:gd name="connsiteX19" fmla="*/ 414147 w 1490938"/>
+              <a:gd name="connsiteY19" fmla="*/ 925286 h 1567543"/>
+              <a:gd name="connsiteX20" fmla="*/ 414147 w 1490938"/>
+              <a:gd name="connsiteY20" fmla="*/ 751114 h 1567543"/>
+              <a:gd name="connsiteX21" fmla="*/ 588319 w 1490938"/>
+              <a:gd name="connsiteY21" fmla="*/ 620486 h 1567543"/>
+              <a:gd name="connsiteX22" fmla="*/ 740719 w 1490938"/>
+              <a:gd name="connsiteY22" fmla="*/ 587829 h 1567543"/>
+              <a:gd name="connsiteX23" fmla="*/ 1078176 w 1490938"/>
+              <a:gd name="connsiteY23" fmla="*/ 555172 h 1567543"/>
+              <a:gd name="connsiteX24" fmla="*/ 1361205 w 1490938"/>
+              <a:gd name="connsiteY24" fmla="*/ 598714 h 1567543"/>
+              <a:gd name="connsiteX25" fmla="*/ 1448290 w 1490938"/>
+              <a:gd name="connsiteY25" fmla="*/ 653143 h 1567543"/>
+              <a:gd name="connsiteX26" fmla="*/ 1393862 w 1490938"/>
+              <a:gd name="connsiteY26" fmla="*/ 925286 h 1567543"/>
+              <a:gd name="connsiteX27" fmla="*/ 1241462 w 1490938"/>
+              <a:gd name="connsiteY27" fmla="*/ 1023257 h 1567543"/>
+              <a:gd name="connsiteX28" fmla="*/ 925776 w 1490938"/>
+              <a:gd name="connsiteY28" fmla="*/ 1143000 h 1567543"/>
+              <a:gd name="connsiteX29" fmla="*/ 816919 w 1490938"/>
+              <a:gd name="connsiteY29" fmla="*/ 1153886 h 1567543"/>
+              <a:gd name="connsiteX30" fmla="*/ 740719 w 1490938"/>
+              <a:gd name="connsiteY30" fmla="*/ 1132114 h 1567543"/>
+              <a:gd name="connsiteX31" fmla="*/ 686290 w 1490938"/>
+              <a:gd name="connsiteY31" fmla="*/ 859972 h 1567543"/>
+              <a:gd name="connsiteX32" fmla="*/ 751605 w 1490938"/>
+              <a:gd name="connsiteY32" fmla="*/ 664029 h 1567543"/>
+              <a:gd name="connsiteX33" fmla="*/ 860462 w 1490938"/>
+              <a:gd name="connsiteY33" fmla="*/ 489857 h 1567543"/>
+              <a:gd name="connsiteX34" fmla="*/ 1132605 w 1490938"/>
+              <a:gd name="connsiteY34" fmla="*/ 293914 h 1567543"/>
+              <a:gd name="connsiteX35" fmla="*/ 1241462 w 1490938"/>
+              <a:gd name="connsiteY35" fmla="*/ 272143 h 1567543"/>
+              <a:gd name="connsiteX36" fmla="*/ 1372090 w 1490938"/>
+              <a:gd name="connsiteY36" fmla="*/ 326572 h 1567543"/>
+              <a:gd name="connsiteX37" fmla="*/ 1382976 w 1490938"/>
+              <a:gd name="connsiteY37" fmla="*/ 391886 h 1567543"/>
+              <a:gd name="connsiteX38" fmla="*/ 1361205 w 1490938"/>
+              <a:gd name="connsiteY38" fmla="*/ 500743 h 1567543"/>
+              <a:gd name="connsiteX39" fmla="*/ 1274119 w 1490938"/>
+              <a:gd name="connsiteY39" fmla="*/ 642257 h 1567543"/>
+              <a:gd name="connsiteX40" fmla="*/ 1012862 w 1490938"/>
+              <a:gd name="connsiteY40" fmla="*/ 838200 h 1567543"/>
+              <a:gd name="connsiteX41" fmla="*/ 871347 w 1490938"/>
+              <a:gd name="connsiteY41" fmla="*/ 892629 h 1567543"/>
+              <a:gd name="connsiteX42" fmla="*/ 762490 w 1490938"/>
+              <a:gd name="connsiteY42" fmla="*/ 903514 h 1567543"/>
+              <a:gd name="connsiteX43" fmla="*/ 675405 w 1490938"/>
+              <a:gd name="connsiteY43" fmla="*/ 892629 h 1567543"/>
+              <a:gd name="connsiteX44" fmla="*/ 620976 w 1490938"/>
+              <a:gd name="connsiteY44" fmla="*/ 718457 h 1567543"/>
+              <a:gd name="connsiteX45" fmla="*/ 631862 w 1490938"/>
+              <a:gd name="connsiteY45" fmla="*/ 609600 h 1567543"/>
+              <a:gd name="connsiteX46" fmla="*/ 686290 w 1490938"/>
+              <a:gd name="connsiteY46" fmla="*/ 500743 h 1567543"/>
+              <a:gd name="connsiteX47" fmla="*/ 784262 w 1490938"/>
+              <a:gd name="connsiteY47" fmla="*/ 424543 h 1567543"/>
+              <a:gd name="connsiteX48" fmla="*/ 1045519 w 1490938"/>
+              <a:gd name="connsiteY48" fmla="*/ 381000 h 1567543"/>
+              <a:gd name="connsiteX49" fmla="*/ 1154376 w 1490938"/>
+              <a:gd name="connsiteY49" fmla="*/ 413657 h 1567543"/>
+              <a:gd name="connsiteX50" fmla="*/ 1274119 w 1490938"/>
+              <a:gd name="connsiteY50" fmla="*/ 653143 h 1567543"/>
+              <a:gd name="connsiteX51" fmla="*/ 1263233 w 1490938"/>
+              <a:gd name="connsiteY51" fmla="*/ 816429 h 1567543"/>
+              <a:gd name="connsiteX52" fmla="*/ 1034633 w 1490938"/>
+              <a:gd name="connsiteY52" fmla="*/ 1055914 h 1567543"/>
+              <a:gd name="connsiteX53" fmla="*/ 893119 w 1490938"/>
+              <a:gd name="connsiteY53" fmla="*/ 1110343 h 1567543"/>
+              <a:gd name="connsiteX54" fmla="*/ 740719 w 1490938"/>
+              <a:gd name="connsiteY54" fmla="*/ 1121229 h 1567543"/>
+              <a:gd name="connsiteX55" fmla="*/ 588319 w 1490938"/>
+              <a:gd name="connsiteY55" fmla="*/ 1088572 h 1567543"/>
+              <a:gd name="connsiteX56" fmla="*/ 446805 w 1490938"/>
+              <a:gd name="connsiteY56" fmla="*/ 805543 h 1567543"/>
+              <a:gd name="connsiteX57" fmla="*/ 435919 w 1490938"/>
+              <a:gd name="connsiteY57" fmla="*/ 620486 h 1567543"/>
+              <a:gd name="connsiteX58" fmla="*/ 523005 w 1490938"/>
+              <a:gd name="connsiteY58" fmla="*/ 337457 h 1567543"/>
+              <a:gd name="connsiteX59" fmla="*/ 718947 w 1490938"/>
+              <a:gd name="connsiteY59" fmla="*/ 239486 h 1567543"/>
+              <a:gd name="connsiteX60" fmla="*/ 893119 w 1490938"/>
+              <a:gd name="connsiteY60" fmla="*/ 283029 h 1567543"/>
+              <a:gd name="connsiteX61" fmla="*/ 969319 w 1490938"/>
+              <a:gd name="connsiteY61" fmla="*/ 555172 h 1567543"/>
+              <a:gd name="connsiteX62" fmla="*/ 936662 w 1490938"/>
+              <a:gd name="connsiteY62" fmla="*/ 740229 h 1567543"/>
+              <a:gd name="connsiteX63" fmla="*/ 729833 w 1490938"/>
+              <a:gd name="connsiteY63" fmla="*/ 1001486 h 1567543"/>
+              <a:gd name="connsiteX64" fmla="*/ 588319 w 1490938"/>
+              <a:gd name="connsiteY64" fmla="*/ 1077686 h 1567543"/>
+              <a:gd name="connsiteX65" fmla="*/ 479462 w 1490938"/>
+              <a:gd name="connsiteY65" fmla="*/ 1099457 h 1567543"/>
+              <a:gd name="connsiteX66" fmla="*/ 403262 w 1490938"/>
+              <a:gd name="connsiteY66" fmla="*/ 1077686 h 1567543"/>
+              <a:gd name="connsiteX67" fmla="*/ 348833 w 1490938"/>
+              <a:gd name="connsiteY67" fmla="*/ 903514 h 1567543"/>
+              <a:gd name="connsiteX68" fmla="*/ 370605 w 1490938"/>
+              <a:gd name="connsiteY68" fmla="*/ 783772 h 1567543"/>
+              <a:gd name="connsiteX69" fmla="*/ 425033 w 1490938"/>
+              <a:gd name="connsiteY69" fmla="*/ 685800 h 1567543"/>
+              <a:gd name="connsiteX70" fmla="*/ 610090 w 1490938"/>
+              <a:gd name="connsiteY70" fmla="*/ 587829 h 1567543"/>
+              <a:gd name="connsiteX71" fmla="*/ 708062 w 1490938"/>
+              <a:gd name="connsiteY71" fmla="*/ 576943 h 1567543"/>
+              <a:gd name="connsiteX72" fmla="*/ 784262 w 1490938"/>
+              <a:gd name="connsiteY72" fmla="*/ 587829 h 1567543"/>
+              <a:gd name="connsiteX73" fmla="*/ 838690 w 1490938"/>
+              <a:gd name="connsiteY73" fmla="*/ 707572 h 1567543"/>
+              <a:gd name="connsiteX74" fmla="*/ 827805 w 1490938"/>
+              <a:gd name="connsiteY74" fmla="*/ 783772 h 1567543"/>
+              <a:gd name="connsiteX75" fmla="*/ 653633 w 1490938"/>
+              <a:gd name="connsiteY75" fmla="*/ 957943 h 1567543"/>
+              <a:gd name="connsiteX76" fmla="*/ 533890 w 1490938"/>
+              <a:gd name="connsiteY76" fmla="*/ 1023257 h 1567543"/>
+              <a:gd name="connsiteX77" fmla="*/ 337947 w 1490938"/>
+              <a:gd name="connsiteY77" fmla="*/ 1055914 h 1567543"/>
+              <a:gd name="connsiteX78" fmla="*/ 229090 w 1490938"/>
+              <a:gd name="connsiteY78" fmla="*/ 1001486 h 1567543"/>
+              <a:gd name="connsiteX79" fmla="*/ 218205 w 1490938"/>
+              <a:gd name="connsiteY79" fmla="*/ 936172 h 1567543"/>
+              <a:gd name="connsiteX80" fmla="*/ 261747 w 1490938"/>
+              <a:gd name="connsiteY80" fmla="*/ 805543 h 1567543"/>
+              <a:gd name="connsiteX81" fmla="*/ 337947 w 1490938"/>
+              <a:gd name="connsiteY81" fmla="*/ 762000 h 1567543"/>
+              <a:gd name="connsiteX82" fmla="*/ 435919 w 1490938"/>
+              <a:gd name="connsiteY82" fmla="*/ 751114 h 1567543"/>
+              <a:gd name="connsiteX83" fmla="*/ 533890 w 1490938"/>
+              <a:gd name="connsiteY83" fmla="*/ 762000 h 1567543"/>
+              <a:gd name="connsiteX84" fmla="*/ 653633 w 1490938"/>
+              <a:gd name="connsiteY84" fmla="*/ 903514 h 1567543"/>
+              <a:gd name="connsiteX85" fmla="*/ 599205 w 1490938"/>
+              <a:gd name="connsiteY85" fmla="*/ 1077686 h 1567543"/>
+              <a:gd name="connsiteX86" fmla="*/ 479462 w 1490938"/>
+              <a:gd name="connsiteY86" fmla="*/ 1175657 h 1567543"/>
+              <a:gd name="connsiteX87" fmla="*/ 337947 w 1490938"/>
+              <a:gd name="connsiteY87" fmla="*/ 1230086 h 1567543"/>
+              <a:gd name="connsiteX88" fmla="*/ 109347 w 1490938"/>
+              <a:gd name="connsiteY88" fmla="*/ 1273629 h 1567543"/>
+              <a:gd name="connsiteX89" fmla="*/ 44033 w 1490938"/>
+              <a:gd name="connsiteY89" fmla="*/ 1262743 h 1567543"/>
+              <a:gd name="connsiteX90" fmla="*/ 490 w 1490938"/>
+              <a:gd name="connsiteY90" fmla="*/ 1240972 h 1567543"/>
+              <a:gd name="connsiteX91" fmla="*/ 33147 w 1490938"/>
+              <a:gd name="connsiteY91" fmla="*/ 1121229 h 1567543"/>
+              <a:gd name="connsiteX92" fmla="*/ 120233 w 1490938"/>
+              <a:gd name="connsiteY92" fmla="*/ 1066800 h 1567543"/>
+              <a:gd name="connsiteX93" fmla="*/ 359719 w 1490938"/>
+              <a:gd name="connsiteY93" fmla="*/ 1012372 h 1567543"/>
+              <a:gd name="connsiteX94" fmla="*/ 523005 w 1490938"/>
+              <a:gd name="connsiteY94" fmla="*/ 1066800 h 1567543"/>
+              <a:gd name="connsiteX95" fmla="*/ 555662 w 1490938"/>
+              <a:gd name="connsiteY95" fmla="*/ 1132114 h 1567543"/>
+              <a:gd name="connsiteX96" fmla="*/ 523005 w 1490938"/>
+              <a:gd name="connsiteY96" fmla="*/ 1295400 h 1567543"/>
+              <a:gd name="connsiteX97" fmla="*/ 457690 w 1490938"/>
+              <a:gd name="connsiteY97" fmla="*/ 1349829 h 1567543"/>
+              <a:gd name="connsiteX98" fmla="*/ 414147 w 1490938"/>
+              <a:gd name="connsiteY98" fmla="*/ 1393372 h 1567543"/>
+              <a:gd name="connsiteX99" fmla="*/ 261747 w 1490938"/>
+              <a:gd name="connsiteY99" fmla="*/ 1426029 h 1567543"/>
+              <a:gd name="connsiteX100" fmla="*/ 196433 w 1490938"/>
+              <a:gd name="connsiteY100" fmla="*/ 1436914 h 1567543"/>
+              <a:gd name="connsiteX101" fmla="*/ 142005 w 1490938"/>
+              <a:gd name="connsiteY101" fmla="*/ 1426029 h 1567543"/>
+              <a:gd name="connsiteX102" fmla="*/ 120233 w 1490938"/>
+              <a:gd name="connsiteY102" fmla="*/ 1371600 h 1567543"/>
+              <a:gd name="connsiteX103" fmla="*/ 239976 w 1490938"/>
+              <a:gd name="connsiteY103" fmla="*/ 1338943 h 1567543"/>
+              <a:gd name="connsiteX104" fmla="*/ 414147 w 1490938"/>
+              <a:gd name="connsiteY104" fmla="*/ 1349829 h 1567543"/>
+              <a:gd name="connsiteX105" fmla="*/ 435919 w 1490938"/>
+              <a:gd name="connsiteY105" fmla="*/ 1382486 h 1567543"/>
+              <a:gd name="connsiteX106" fmla="*/ 414147 w 1490938"/>
+              <a:gd name="connsiteY106" fmla="*/ 1469572 h 1567543"/>
+              <a:gd name="connsiteX107" fmla="*/ 229090 w 1490938"/>
+              <a:gd name="connsiteY107" fmla="*/ 1556657 h 1567543"/>
+              <a:gd name="connsiteX108" fmla="*/ 196433 w 1490938"/>
+              <a:gd name="connsiteY108" fmla="*/ 1567543 h 1567543"/>
+              <a:gd name="connsiteX109" fmla="*/ 294405 w 1490938"/>
+              <a:gd name="connsiteY109" fmla="*/ 1415143 h 1567543"/>
+              <a:gd name="connsiteX110" fmla="*/ 566547 w 1490938"/>
+              <a:gd name="connsiteY110" fmla="*/ 1240972 h 1567543"/>
+              <a:gd name="connsiteX111" fmla="*/ 697176 w 1490938"/>
+              <a:gd name="connsiteY111" fmla="*/ 1186543 h 1567543"/>
+              <a:gd name="connsiteX112" fmla="*/ 795147 w 1490938"/>
+              <a:gd name="connsiteY112" fmla="*/ 1175657 h 1567543"/>
+              <a:gd name="connsiteX113" fmla="*/ 914890 w 1490938"/>
+              <a:gd name="connsiteY113" fmla="*/ 1197429 h 1567543"/>
+              <a:gd name="connsiteX114" fmla="*/ 849576 w 1490938"/>
+              <a:gd name="connsiteY114" fmla="*/ 1251857 h 1567543"/>
+              <a:gd name="connsiteX115" fmla="*/ 740719 w 1490938"/>
+              <a:gd name="connsiteY115" fmla="*/ 1284514 h 1567543"/>
+              <a:gd name="connsiteX116" fmla="*/ 642747 w 1490938"/>
+              <a:gd name="connsiteY116" fmla="*/ 1306286 h 1567543"/>
+              <a:gd name="connsiteX117" fmla="*/ 566547 w 1490938"/>
+              <a:gd name="connsiteY117" fmla="*/ 1317172 h 1567543"/>
+              <a:gd name="connsiteX118" fmla="*/ 501233 w 1490938"/>
+              <a:gd name="connsiteY118" fmla="*/ 1328057 h 1567543"/>
+              <a:gd name="connsiteX119" fmla="*/ 479462 w 1490938"/>
+              <a:gd name="connsiteY119" fmla="*/ 1262743 h 1567543"/>
+              <a:gd name="connsiteX120" fmla="*/ 523005 w 1490938"/>
+              <a:gd name="connsiteY120" fmla="*/ 1197429 h 1567543"/>
+              <a:gd name="connsiteX121" fmla="*/ 729833 w 1490938"/>
+              <a:gd name="connsiteY121" fmla="*/ 1077686 h 1567543"/>
+              <a:gd name="connsiteX122" fmla="*/ 860462 w 1490938"/>
+              <a:gd name="connsiteY122" fmla="*/ 1055914 h 1567543"/>
+              <a:gd name="connsiteX123" fmla="*/ 1067290 w 1490938"/>
+              <a:gd name="connsiteY123" fmla="*/ 1099457 h 1567543"/>
+              <a:gd name="connsiteX124" fmla="*/ 1121719 w 1490938"/>
+              <a:gd name="connsiteY124" fmla="*/ 1164772 h 1567543"/>
+              <a:gd name="connsiteX125" fmla="*/ 1154376 w 1490938"/>
+              <a:gd name="connsiteY125" fmla="*/ 1295400 h 1567543"/>
+              <a:gd name="connsiteX126" fmla="*/ 1132605 w 1490938"/>
+              <a:gd name="connsiteY126" fmla="*/ 1349829 h 1567543"/>
+              <a:gd name="connsiteX127" fmla="*/ 1034633 w 1490938"/>
+              <a:gd name="connsiteY127" fmla="*/ 1426029 h 1567543"/>
+              <a:gd name="connsiteX128" fmla="*/ 980205 w 1490938"/>
+              <a:gd name="connsiteY128" fmla="*/ 1436914 h 1567543"/>
+              <a:gd name="connsiteX129" fmla="*/ 936662 w 1490938"/>
+              <a:gd name="connsiteY129" fmla="*/ 1447800 h 1567543"/>
+              <a:gd name="connsiteX130" fmla="*/ 871347 w 1490938"/>
+              <a:gd name="connsiteY130" fmla="*/ 1415143 h 1567543"/>
+              <a:gd name="connsiteX131" fmla="*/ 882233 w 1490938"/>
+              <a:gd name="connsiteY131" fmla="*/ 1382486 h 1567543"/>
+              <a:gd name="connsiteX132" fmla="*/ 925776 w 1490938"/>
+              <a:gd name="connsiteY132" fmla="*/ 1349829 h 1567543"/>
+              <a:gd name="connsiteX133" fmla="*/ 1012862 w 1490938"/>
+              <a:gd name="connsiteY133" fmla="*/ 1306286 h 1567543"/>
+              <a:gd name="connsiteX134" fmla="*/ 1187033 w 1490938"/>
+              <a:gd name="connsiteY134" fmla="*/ 1273629 h 1567543"/>
+              <a:gd name="connsiteX135" fmla="*/ 1241462 w 1490938"/>
+              <a:gd name="connsiteY135" fmla="*/ 1284514 h 1567543"/>
+              <a:gd name="connsiteX136" fmla="*/ 1285005 w 1490938"/>
+              <a:gd name="connsiteY136" fmla="*/ 1360714 h 1567543"/>
+              <a:gd name="connsiteX137" fmla="*/ 1274119 w 1490938"/>
+              <a:gd name="connsiteY137" fmla="*/ 1415143 h 1567543"/>
+              <a:gd name="connsiteX138" fmla="*/ 1241462 w 1490938"/>
+              <a:gd name="connsiteY138" fmla="*/ 1447800 h 1567543"/>
+              <a:gd name="connsiteX139" fmla="*/ 1176147 w 1490938"/>
+              <a:gd name="connsiteY139" fmla="*/ 1480457 h 1567543"/>
+              <a:gd name="connsiteX140" fmla="*/ 1165262 w 1490938"/>
+              <a:gd name="connsiteY140" fmla="*/ 1480457 h 1567543"/>
             </a:gdLst>
             <a:ahLst/>
             <a:cxnLst>
@@ -6641,195 +6418,1021 @@
               <a:cxn ang="0">
                 <a:pos x="connsiteX37" y="connsiteY37"/>
               </a:cxn>
+              <a:cxn ang="0">
+                <a:pos x="connsiteX38" y="connsiteY38"/>
+              </a:cxn>
+              <a:cxn ang="0">
+                <a:pos x="connsiteX39" y="connsiteY39"/>
+              </a:cxn>
+              <a:cxn ang="0">
+                <a:pos x="connsiteX40" y="connsiteY40"/>
+              </a:cxn>
+              <a:cxn ang="0">
+                <a:pos x="connsiteX41" y="connsiteY41"/>
+              </a:cxn>
+              <a:cxn ang="0">
+                <a:pos x="connsiteX42" y="connsiteY42"/>
+              </a:cxn>
+              <a:cxn ang="0">
+                <a:pos x="connsiteX43" y="connsiteY43"/>
+              </a:cxn>
+              <a:cxn ang="0">
+                <a:pos x="connsiteX44" y="connsiteY44"/>
+              </a:cxn>
+              <a:cxn ang="0">
+                <a:pos x="connsiteX45" y="connsiteY45"/>
+              </a:cxn>
+              <a:cxn ang="0">
+                <a:pos x="connsiteX46" y="connsiteY46"/>
+              </a:cxn>
+              <a:cxn ang="0">
+                <a:pos x="connsiteX47" y="connsiteY47"/>
+              </a:cxn>
+              <a:cxn ang="0">
+                <a:pos x="connsiteX48" y="connsiteY48"/>
+              </a:cxn>
+              <a:cxn ang="0">
+                <a:pos x="connsiteX49" y="connsiteY49"/>
+              </a:cxn>
+              <a:cxn ang="0">
+                <a:pos x="connsiteX50" y="connsiteY50"/>
+              </a:cxn>
+              <a:cxn ang="0">
+                <a:pos x="connsiteX51" y="connsiteY51"/>
+              </a:cxn>
+              <a:cxn ang="0">
+                <a:pos x="connsiteX52" y="connsiteY52"/>
+              </a:cxn>
+              <a:cxn ang="0">
+                <a:pos x="connsiteX53" y="connsiteY53"/>
+              </a:cxn>
+              <a:cxn ang="0">
+                <a:pos x="connsiteX54" y="connsiteY54"/>
+              </a:cxn>
+              <a:cxn ang="0">
+                <a:pos x="connsiteX55" y="connsiteY55"/>
+              </a:cxn>
+              <a:cxn ang="0">
+                <a:pos x="connsiteX56" y="connsiteY56"/>
+              </a:cxn>
+              <a:cxn ang="0">
+                <a:pos x="connsiteX57" y="connsiteY57"/>
+              </a:cxn>
+              <a:cxn ang="0">
+                <a:pos x="connsiteX58" y="connsiteY58"/>
+              </a:cxn>
+              <a:cxn ang="0">
+                <a:pos x="connsiteX59" y="connsiteY59"/>
+              </a:cxn>
+              <a:cxn ang="0">
+                <a:pos x="connsiteX60" y="connsiteY60"/>
+              </a:cxn>
+              <a:cxn ang="0">
+                <a:pos x="connsiteX61" y="connsiteY61"/>
+              </a:cxn>
+              <a:cxn ang="0">
+                <a:pos x="connsiteX62" y="connsiteY62"/>
+              </a:cxn>
+              <a:cxn ang="0">
+                <a:pos x="connsiteX63" y="connsiteY63"/>
+              </a:cxn>
+              <a:cxn ang="0">
+                <a:pos x="connsiteX64" y="connsiteY64"/>
+              </a:cxn>
+              <a:cxn ang="0">
+                <a:pos x="connsiteX65" y="connsiteY65"/>
+              </a:cxn>
+              <a:cxn ang="0">
+                <a:pos x="connsiteX66" y="connsiteY66"/>
+              </a:cxn>
+              <a:cxn ang="0">
+                <a:pos x="connsiteX67" y="connsiteY67"/>
+              </a:cxn>
+              <a:cxn ang="0">
+                <a:pos x="connsiteX68" y="connsiteY68"/>
+              </a:cxn>
+              <a:cxn ang="0">
+                <a:pos x="connsiteX69" y="connsiteY69"/>
+              </a:cxn>
+              <a:cxn ang="0">
+                <a:pos x="connsiteX70" y="connsiteY70"/>
+              </a:cxn>
+              <a:cxn ang="0">
+                <a:pos x="connsiteX71" y="connsiteY71"/>
+              </a:cxn>
+              <a:cxn ang="0">
+                <a:pos x="connsiteX72" y="connsiteY72"/>
+              </a:cxn>
+              <a:cxn ang="0">
+                <a:pos x="connsiteX73" y="connsiteY73"/>
+              </a:cxn>
+              <a:cxn ang="0">
+                <a:pos x="connsiteX74" y="connsiteY74"/>
+              </a:cxn>
+              <a:cxn ang="0">
+                <a:pos x="connsiteX75" y="connsiteY75"/>
+              </a:cxn>
+              <a:cxn ang="0">
+                <a:pos x="connsiteX76" y="connsiteY76"/>
+              </a:cxn>
+              <a:cxn ang="0">
+                <a:pos x="connsiteX77" y="connsiteY77"/>
+              </a:cxn>
+              <a:cxn ang="0">
+                <a:pos x="connsiteX78" y="connsiteY78"/>
+              </a:cxn>
+              <a:cxn ang="0">
+                <a:pos x="connsiteX79" y="connsiteY79"/>
+              </a:cxn>
+              <a:cxn ang="0">
+                <a:pos x="connsiteX80" y="connsiteY80"/>
+              </a:cxn>
+              <a:cxn ang="0">
+                <a:pos x="connsiteX81" y="connsiteY81"/>
+              </a:cxn>
+              <a:cxn ang="0">
+                <a:pos x="connsiteX82" y="connsiteY82"/>
+              </a:cxn>
+              <a:cxn ang="0">
+                <a:pos x="connsiteX83" y="connsiteY83"/>
+              </a:cxn>
+              <a:cxn ang="0">
+                <a:pos x="connsiteX84" y="connsiteY84"/>
+              </a:cxn>
+              <a:cxn ang="0">
+                <a:pos x="connsiteX85" y="connsiteY85"/>
+              </a:cxn>
+              <a:cxn ang="0">
+                <a:pos x="connsiteX86" y="connsiteY86"/>
+              </a:cxn>
+              <a:cxn ang="0">
+                <a:pos x="connsiteX87" y="connsiteY87"/>
+              </a:cxn>
+              <a:cxn ang="0">
+                <a:pos x="connsiteX88" y="connsiteY88"/>
+              </a:cxn>
+              <a:cxn ang="0">
+                <a:pos x="connsiteX89" y="connsiteY89"/>
+              </a:cxn>
+              <a:cxn ang="0">
+                <a:pos x="connsiteX90" y="connsiteY90"/>
+              </a:cxn>
+              <a:cxn ang="0">
+                <a:pos x="connsiteX91" y="connsiteY91"/>
+              </a:cxn>
+              <a:cxn ang="0">
+                <a:pos x="connsiteX92" y="connsiteY92"/>
+              </a:cxn>
+              <a:cxn ang="0">
+                <a:pos x="connsiteX93" y="connsiteY93"/>
+              </a:cxn>
+              <a:cxn ang="0">
+                <a:pos x="connsiteX94" y="connsiteY94"/>
+              </a:cxn>
+              <a:cxn ang="0">
+                <a:pos x="connsiteX95" y="connsiteY95"/>
+              </a:cxn>
+              <a:cxn ang="0">
+                <a:pos x="connsiteX96" y="connsiteY96"/>
+              </a:cxn>
+              <a:cxn ang="0">
+                <a:pos x="connsiteX97" y="connsiteY97"/>
+              </a:cxn>
+              <a:cxn ang="0">
+                <a:pos x="connsiteX98" y="connsiteY98"/>
+              </a:cxn>
+              <a:cxn ang="0">
+                <a:pos x="connsiteX99" y="connsiteY99"/>
+              </a:cxn>
+              <a:cxn ang="0">
+                <a:pos x="connsiteX100" y="connsiteY100"/>
+              </a:cxn>
+              <a:cxn ang="0">
+                <a:pos x="connsiteX101" y="connsiteY101"/>
+              </a:cxn>
+              <a:cxn ang="0">
+                <a:pos x="connsiteX102" y="connsiteY102"/>
+              </a:cxn>
+              <a:cxn ang="0">
+                <a:pos x="connsiteX103" y="connsiteY103"/>
+              </a:cxn>
+              <a:cxn ang="0">
+                <a:pos x="connsiteX104" y="connsiteY104"/>
+              </a:cxn>
+              <a:cxn ang="0">
+                <a:pos x="connsiteX105" y="connsiteY105"/>
+              </a:cxn>
+              <a:cxn ang="0">
+                <a:pos x="connsiteX106" y="connsiteY106"/>
+              </a:cxn>
+              <a:cxn ang="0">
+                <a:pos x="connsiteX107" y="connsiteY107"/>
+              </a:cxn>
+              <a:cxn ang="0">
+                <a:pos x="connsiteX108" y="connsiteY108"/>
+              </a:cxn>
+              <a:cxn ang="0">
+                <a:pos x="connsiteX109" y="connsiteY109"/>
+              </a:cxn>
+              <a:cxn ang="0">
+                <a:pos x="connsiteX110" y="connsiteY110"/>
+              </a:cxn>
+              <a:cxn ang="0">
+                <a:pos x="connsiteX111" y="connsiteY111"/>
+              </a:cxn>
+              <a:cxn ang="0">
+                <a:pos x="connsiteX112" y="connsiteY112"/>
+              </a:cxn>
+              <a:cxn ang="0">
+                <a:pos x="connsiteX113" y="connsiteY113"/>
+              </a:cxn>
+              <a:cxn ang="0">
+                <a:pos x="connsiteX114" y="connsiteY114"/>
+              </a:cxn>
+              <a:cxn ang="0">
+                <a:pos x="connsiteX115" y="connsiteY115"/>
+              </a:cxn>
+              <a:cxn ang="0">
+                <a:pos x="connsiteX116" y="connsiteY116"/>
+              </a:cxn>
+              <a:cxn ang="0">
+                <a:pos x="connsiteX117" y="connsiteY117"/>
+              </a:cxn>
+              <a:cxn ang="0">
+                <a:pos x="connsiteX118" y="connsiteY118"/>
+              </a:cxn>
+              <a:cxn ang="0">
+                <a:pos x="connsiteX119" y="connsiteY119"/>
+              </a:cxn>
+              <a:cxn ang="0">
+                <a:pos x="connsiteX120" y="connsiteY120"/>
+              </a:cxn>
+              <a:cxn ang="0">
+                <a:pos x="connsiteX121" y="connsiteY121"/>
+              </a:cxn>
+              <a:cxn ang="0">
+                <a:pos x="connsiteX122" y="connsiteY122"/>
+              </a:cxn>
+              <a:cxn ang="0">
+                <a:pos x="connsiteX123" y="connsiteY123"/>
+              </a:cxn>
+              <a:cxn ang="0">
+                <a:pos x="connsiteX124" y="connsiteY124"/>
+              </a:cxn>
+              <a:cxn ang="0">
+                <a:pos x="connsiteX125" y="connsiteY125"/>
+              </a:cxn>
+              <a:cxn ang="0">
+                <a:pos x="connsiteX126" y="connsiteY126"/>
+              </a:cxn>
+              <a:cxn ang="0">
+                <a:pos x="connsiteX127" y="connsiteY127"/>
+              </a:cxn>
+              <a:cxn ang="0">
+                <a:pos x="connsiteX128" y="connsiteY128"/>
+              </a:cxn>
+              <a:cxn ang="0">
+                <a:pos x="connsiteX129" y="connsiteY129"/>
+              </a:cxn>
+              <a:cxn ang="0">
+                <a:pos x="connsiteX130" y="connsiteY130"/>
+              </a:cxn>
+              <a:cxn ang="0">
+                <a:pos x="connsiteX131" y="connsiteY131"/>
+              </a:cxn>
+              <a:cxn ang="0">
+                <a:pos x="connsiteX132" y="connsiteY132"/>
+              </a:cxn>
+              <a:cxn ang="0">
+                <a:pos x="connsiteX133" y="connsiteY133"/>
+              </a:cxn>
+              <a:cxn ang="0">
+                <a:pos x="connsiteX134" y="connsiteY134"/>
+              </a:cxn>
+              <a:cxn ang="0">
+                <a:pos x="connsiteX135" y="connsiteY135"/>
+              </a:cxn>
+              <a:cxn ang="0">
+                <a:pos x="connsiteX136" y="connsiteY136"/>
+              </a:cxn>
+              <a:cxn ang="0">
+                <a:pos x="connsiteX137" y="connsiteY137"/>
+              </a:cxn>
+              <a:cxn ang="0">
+                <a:pos x="connsiteX138" y="connsiteY138"/>
+              </a:cxn>
+              <a:cxn ang="0">
+                <a:pos x="connsiteX139" y="connsiteY139"/>
+              </a:cxn>
+              <a:cxn ang="0">
+                <a:pos x="connsiteX140" y="connsiteY140"/>
+              </a:cxn>
             </a:cxnLst>
             <a:rect l="l" t="t" r="r" b="b"/>
             <a:pathLst>
-              <a:path w="751114" h="957943">
+              <a:path w="1490938" h="1567543">
                 <a:moveTo>
-                  <a:pt x="0" y="0"/>
+                  <a:pt x="425033" y="0"/>
                 </a:moveTo>
                 <a:cubicBezTo>
-                  <a:pt x="29029" y="3628"/>
-                  <a:pt x="57933" y="8456"/>
-                  <a:pt x="87086" y="10885"/>
-                </a:cubicBezTo>
-                <a:cubicBezTo>
-                  <a:pt x="145055" y="15716"/>
-                  <a:pt x="203375" y="15983"/>
-                  <a:pt x="261257" y="21771"/>
-                </a:cubicBezTo>
-                <a:cubicBezTo>
-                  <a:pt x="293725" y="25018"/>
-                  <a:pt x="320506" y="38521"/>
-                  <a:pt x="348343" y="54428"/>
-                </a:cubicBezTo>
-                <a:cubicBezTo>
-                  <a:pt x="359702" y="60919"/>
-                  <a:pt x="369298" y="70349"/>
-                  <a:pt x="381000" y="76200"/>
-                </a:cubicBezTo>
-                <a:cubicBezTo>
-                  <a:pt x="391263" y="81332"/>
-                  <a:pt x="402771" y="83457"/>
-                  <a:pt x="413657" y="87085"/>
-                </a:cubicBezTo>
-                <a:cubicBezTo>
-                  <a:pt x="424543" y="94342"/>
-                  <a:pt x="435668" y="101253"/>
-                  <a:pt x="446314" y="108857"/>
-                </a:cubicBezTo>
-                <a:cubicBezTo>
-                  <a:pt x="461077" y="119402"/>
-                  <a:pt x="474472" y="131898"/>
-                  <a:pt x="489857" y="141514"/>
-                </a:cubicBezTo>
-                <a:cubicBezTo>
-                  <a:pt x="503618" y="150114"/>
-                  <a:pt x="518886" y="156028"/>
-                  <a:pt x="533400" y="163285"/>
-                </a:cubicBezTo>
-                <a:cubicBezTo>
-                  <a:pt x="607965" y="237851"/>
-                  <a:pt x="573095" y="211521"/>
-                  <a:pt x="631371" y="250371"/>
-                </a:cubicBezTo>
-                <a:cubicBezTo>
-                  <a:pt x="645885" y="272142"/>
-                  <a:pt x="663212" y="292282"/>
-                  <a:pt x="674914" y="315685"/>
-                </a:cubicBezTo>
-                <a:cubicBezTo>
-                  <a:pt x="728511" y="422876"/>
-                  <a:pt x="662860" y="288564"/>
-                  <a:pt x="718457" y="413657"/>
-                </a:cubicBezTo>
-                <a:cubicBezTo>
-                  <a:pt x="754328" y="494367"/>
-                  <a:pt x="728757" y="422781"/>
-                  <a:pt x="751114" y="489857"/>
-                </a:cubicBezTo>
-                <a:cubicBezTo>
-                  <a:pt x="719866" y="614857"/>
-                  <a:pt x="763560" y="460819"/>
-                  <a:pt x="718457" y="566057"/>
-                </a:cubicBezTo>
-                <a:cubicBezTo>
-                  <a:pt x="712563" y="579808"/>
-                  <a:pt x="713464" y="595849"/>
-                  <a:pt x="707571" y="609600"/>
-                </a:cubicBezTo>
-                <a:cubicBezTo>
-                  <a:pt x="702417" y="621625"/>
-                  <a:pt x="691651" y="630555"/>
-                  <a:pt x="685800" y="642257"/>
-                </a:cubicBezTo>
-                <a:cubicBezTo>
-                  <a:pt x="660712" y="692434"/>
-                  <a:pt x="691187" y="702183"/>
-                  <a:pt x="631371" y="762000"/>
-                </a:cubicBezTo>
-                <a:cubicBezTo>
-                  <a:pt x="616857" y="776514"/>
-                  <a:pt x="600431" y="789341"/>
-                  <a:pt x="587829" y="805543"/>
-                </a:cubicBezTo>
-                <a:cubicBezTo>
-                  <a:pt x="514866" y="899352"/>
-                  <a:pt x="594423" y="822616"/>
-                  <a:pt x="522514" y="903514"/>
-                </a:cubicBezTo>
-                <a:cubicBezTo>
-                  <a:pt x="505468" y="922691"/>
-                  <a:pt x="468086" y="957943"/>
-                  <a:pt x="468086" y="957943"/>
-                </a:cubicBezTo>
-                <a:cubicBezTo>
-                  <a:pt x="448708" y="955521"/>
-                  <a:pt x="342249" y="943415"/>
-                  <a:pt x="315686" y="936171"/>
-                </a:cubicBezTo>
-                <a:cubicBezTo>
-                  <a:pt x="296834" y="931030"/>
-                  <a:pt x="279621" y="921078"/>
-                  <a:pt x="261257" y="914400"/>
-                </a:cubicBezTo>
-                <a:cubicBezTo>
-                  <a:pt x="162617" y="878531"/>
-                  <a:pt x="229149" y="909230"/>
-                  <a:pt x="152400" y="870857"/>
-                </a:cubicBezTo>
-                <a:cubicBezTo>
-                  <a:pt x="141514" y="859971"/>
-                  <a:pt x="131569" y="848055"/>
-                  <a:pt x="119743" y="838200"/>
-                </a:cubicBezTo>
-                <a:cubicBezTo>
-                  <a:pt x="109692" y="829824"/>
-                  <a:pt x="95701" y="826274"/>
-                  <a:pt x="87086" y="816428"/>
-                </a:cubicBezTo>
-                <a:cubicBezTo>
-                  <a:pt x="69856" y="796736"/>
-                  <a:pt x="55245" y="774517"/>
-                  <a:pt x="43543" y="751114"/>
-                </a:cubicBezTo>
-                <a:cubicBezTo>
-                  <a:pt x="36286" y="736600"/>
-                  <a:pt x="27798" y="722638"/>
-                  <a:pt x="21771" y="707571"/>
-                </a:cubicBezTo>
-                <a:cubicBezTo>
-                  <a:pt x="13248" y="686263"/>
-                  <a:pt x="0" y="642257"/>
-                  <a:pt x="0" y="642257"/>
-                </a:cubicBezTo>
-                <a:cubicBezTo>
-                  <a:pt x="3629" y="613228"/>
-                  <a:pt x="-2881" y="580984"/>
-                  <a:pt x="10886" y="555171"/>
-                </a:cubicBezTo>
-                <a:cubicBezTo>
-                  <a:pt x="27790" y="523476"/>
-                  <a:pt x="61686" y="504371"/>
-                  <a:pt x="87086" y="478971"/>
-                </a:cubicBezTo>
-                <a:lnTo>
-                  <a:pt x="130629" y="435428"/>
-                </a:lnTo>
-                <a:cubicBezTo>
-                  <a:pt x="145143" y="420914"/>
-                  <a:pt x="155812" y="401064"/>
-                  <a:pt x="174171" y="391885"/>
-                </a:cubicBezTo>
-                <a:cubicBezTo>
-                  <a:pt x="231096" y="363423"/>
-                  <a:pt x="201971" y="374050"/>
-                  <a:pt x="261257" y="359228"/>
-                </a:cubicBezTo>
-                <a:cubicBezTo>
-                  <a:pt x="308428" y="362857"/>
-                  <a:pt x="357888" y="355153"/>
-                  <a:pt x="402771" y="370114"/>
-                </a:cubicBezTo>
-                <a:cubicBezTo>
-                  <a:pt x="418166" y="375246"/>
-                  <a:pt x="417952" y="398828"/>
-                  <a:pt x="424543" y="413657"/>
-                </a:cubicBezTo>
-                <a:cubicBezTo>
-                  <a:pt x="441897" y="452703"/>
-                  <a:pt x="445231" y="464837"/>
-                  <a:pt x="457200" y="500743"/>
-                </a:cubicBezTo>
-                <a:cubicBezTo>
-                  <a:pt x="453571" y="529771"/>
-                  <a:pt x="451547" y="559046"/>
-                  <a:pt x="446314" y="587828"/>
-                </a:cubicBezTo>
-                <a:cubicBezTo>
-                  <a:pt x="439751" y="623927"/>
-                  <a:pt x="445174" y="620485"/>
-                  <a:pt x="424543" y="620485"/>
+                  <a:pt x="454062" y="7257"/>
+                  <a:pt x="483732" y="12310"/>
+                  <a:pt x="512119" y="21772"/>
+                </a:cubicBezTo>
+                <a:cubicBezTo>
+                  <a:pt x="600716" y="51304"/>
+                  <a:pt x="689291" y="93841"/>
+                  <a:pt x="762490" y="152400"/>
+                </a:cubicBezTo>
+                <a:cubicBezTo>
+                  <a:pt x="810575" y="190868"/>
+                  <a:pt x="851217" y="237904"/>
+                  <a:pt x="893119" y="283029"/>
+                </a:cubicBezTo>
+                <a:cubicBezTo>
+                  <a:pt x="1036233" y="437152"/>
+                  <a:pt x="1071578" y="483317"/>
+                  <a:pt x="1187033" y="664029"/>
+                </a:cubicBezTo>
+                <a:cubicBezTo>
+                  <a:pt x="1225564" y="724338"/>
+                  <a:pt x="1263884" y="785075"/>
+                  <a:pt x="1295890" y="849086"/>
+                </a:cubicBezTo>
+                <a:cubicBezTo>
+                  <a:pt x="1322924" y="903154"/>
+                  <a:pt x="1380334" y="1064977"/>
+                  <a:pt x="1404747" y="1132114"/>
+                </a:cubicBezTo>
+                <a:cubicBezTo>
+                  <a:pt x="1408376" y="1157514"/>
+                  <a:pt x="1411731" y="1182954"/>
+                  <a:pt x="1415633" y="1208314"/>
+                </a:cubicBezTo>
+                <a:cubicBezTo>
+                  <a:pt x="1418989" y="1230129"/>
+                  <a:pt x="1426519" y="1251557"/>
+                  <a:pt x="1426519" y="1273629"/>
+                </a:cubicBezTo>
+                <a:cubicBezTo>
+                  <a:pt x="1426519" y="1288590"/>
+                  <a:pt x="1419743" y="1302787"/>
+                  <a:pt x="1415633" y="1317172"/>
+                </a:cubicBezTo>
+                <a:cubicBezTo>
+                  <a:pt x="1408550" y="1341961"/>
+                  <a:pt x="1402058" y="1363404"/>
+                  <a:pt x="1382976" y="1382486"/>
+                </a:cubicBezTo>
+                <a:cubicBezTo>
+                  <a:pt x="1361140" y="1404322"/>
+                  <a:pt x="1324634" y="1425416"/>
+                  <a:pt x="1295890" y="1436914"/>
+                </a:cubicBezTo>
+                <a:cubicBezTo>
+                  <a:pt x="1274582" y="1445437"/>
+                  <a:pt x="1252510" y="1451937"/>
+                  <a:pt x="1230576" y="1458686"/>
+                </a:cubicBezTo>
+                <a:cubicBezTo>
+                  <a:pt x="1205328" y="1466455"/>
+                  <a:pt x="1180279" y="1475276"/>
+                  <a:pt x="1154376" y="1480457"/>
+                </a:cubicBezTo>
+                <a:cubicBezTo>
+                  <a:pt x="1125690" y="1486194"/>
+                  <a:pt x="1096319" y="1487714"/>
+                  <a:pt x="1067290" y="1491343"/>
+                </a:cubicBezTo>
+                <a:cubicBezTo>
+                  <a:pt x="972947" y="1480457"/>
+                  <a:pt x="876238" y="1482337"/>
+                  <a:pt x="784262" y="1458686"/>
+                </a:cubicBezTo>
+                <a:cubicBezTo>
+                  <a:pt x="746250" y="1448911"/>
+                  <a:pt x="716588" y="1418323"/>
+                  <a:pt x="686290" y="1393372"/>
+                </a:cubicBezTo>
+                <a:cubicBezTo>
+                  <a:pt x="623283" y="1341484"/>
+                  <a:pt x="562978" y="1268151"/>
+                  <a:pt x="523005" y="1197429"/>
+                </a:cubicBezTo>
+                <a:cubicBezTo>
+                  <a:pt x="497441" y="1152200"/>
+                  <a:pt x="476985" y="1104152"/>
+                  <a:pt x="457690" y="1055914"/>
+                </a:cubicBezTo>
+                <a:cubicBezTo>
+                  <a:pt x="440644" y="1013299"/>
+                  <a:pt x="428661" y="968829"/>
+                  <a:pt x="414147" y="925286"/>
+                </a:cubicBezTo>
+                <a:cubicBezTo>
+                  <a:pt x="407236" y="869996"/>
+                  <a:pt x="392031" y="806404"/>
+                  <a:pt x="414147" y="751114"/>
+                </a:cubicBezTo>
+                <a:cubicBezTo>
+                  <a:pt x="447226" y="668415"/>
+                  <a:pt x="505943" y="646846"/>
+                  <a:pt x="588319" y="620486"/>
+                </a:cubicBezTo>
+                <a:cubicBezTo>
+                  <a:pt x="637801" y="604652"/>
+                  <a:pt x="689473" y="596370"/>
+                  <a:pt x="740719" y="587829"/>
+                </a:cubicBezTo>
+                <a:cubicBezTo>
+                  <a:pt x="873904" y="565631"/>
+                  <a:pt x="945188" y="564037"/>
+                  <a:pt x="1078176" y="555172"/>
+                </a:cubicBezTo>
+                <a:cubicBezTo>
+                  <a:pt x="1182081" y="562593"/>
+                  <a:pt x="1263359" y="559575"/>
+                  <a:pt x="1361205" y="598714"/>
+                </a:cubicBezTo>
+                <a:cubicBezTo>
+                  <a:pt x="1392988" y="611427"/>
+                  <a:pt x="1419262" y="635000"/>
+                  <a:pt x="1448290" y="653143"/>
+                </a:cubicBezTo>
+                <a:cubicBezTo>
+                  <a:pt x="1503821" y="764206"/>
+                  <a:pt x="1522905" y="761049"/>
+                  <a:pt x="1393862" y="925286"/>
+                </a:cubicBezTo>
+                <a:cubicBezTo>
+                  <a:pt x="1356551" y="972773"/>
+                  <a:pt x="1294339" y="994083"/>
+                  <a:pt x="1241462" y="1023257"/>
+                </a:cubicBezTo>
+                <a:cubicBezTo>
+                  <a:pt x="1136442" y="1081199"/>
+                  <a:pt x="1042564" y="1118669"/>
+                  <a:pt x="925776" y="1143000"/>
+                </a:cubicBezTo>
+                <a:cubicBezTo>
+                  <a:pt x="890076" y="1150438"/>
+                  <a:pt x="853205" y="1150257"/>
+                  <a:pt x="816919" y="1153886"/>
+                </a:cubicBezTo>
+                <a:cubicBezTo>
+                  <a:pt x="791519" y="1146629"/>
+                  <a:pt x="759398" y="1150793"/>
+                  <a:pt x="740719" y="1132114"/>
+                </a:cubicBezTo>
+                <a:cubicBezTo>
+                  <a:pt x="679148" y="1070543"/>
+                  <a:pt x="690294" y="924037"/>
+                  <a:pt x="686290" y="859972"/>
+                </a:cubicBezTo>
+                <a:cubicBezTo>
+                  <a:pt x="708062" y="794658"/>
+                  <a:pt x="722290" y="726323"/>
+                  <a:pt x="751605" y="664029"/>
+                </a:cubicBezTo>
+                <a:cubicBezTo>
+                  <a:pt x="780757" y="602082"/>
+                  <a:pt x="817215" y="542933"/>
+                  <a:pt x="860462" y="489857"/>
+                </a:cubicBezTo>
+                <a:cubicBezTo>
+                  <a:pt x="929816" y="404740"/>
+                  <a:pt x="1030478" y="333877"/>
+                  <a:pt x="1132605" y="293914"/>
+                </a:cubicBezTo>
+                <a:cubicBezTo>
+                  <a:pt x="1167065" y="280430"/>
+                  <a:pt x="1205176" y="279400"/>
+                  <a:pt x="1241462" y="272143"/>
+                </a:cubicBezTo>
+                <a:cubicBezTo>
+                  <a:pt x="1293894" y="279633"/>
+                  <a:pt x="1339977" y="273051"/>
+                  <a:pt x="1372090" y="326572"/>
+                </a:cubicBezTo>
+                <a:cubicBezTo>
+                  <a:pt x="1383446" y="345498"/>
+                  <a:pt x="1379347" y="370115"/>
+                  <a:pt x="1382976" y="391886"/>
+                </a:cubicBezTo>
+                <a:cubicBezTo>
+                  <a:pt x="1375719" y="428172"/>
+                  <a:pt x="1375960" y="466808"/>
+                  <a:pt x="1361205" y="500743"/>
+                </a:cubicBezTo>
+                <a:cubicBezTo>
+                  <a:pt x="1339120" y="551537"/>
+                  <a:pt x="1309394" y="599555"/>
+                  <a:pt x="1274119" y="642257"/>
+                </a:cubicBezTo>
+                <a:cubicBezTo>
+                  <a:pt x="1211227" y="718389"/>
+                  <a:pt x="1099861" y="794700"/>
+                  <a:pt x="1012862" y="838200"/>
+                </a:cubicBezTo>
+                <a:cubicBezTo>
+                  <a:pt x="967657" y="860802"/>
+                  <a:pt x="920251" y="879872"/>
+                  <a:pt x="871347" y="892629"/>
+                </a:cubicBezTo>
+                <a:cubicBezTo>
+                  <a:pt x="836061" y="901834"/>
+                  <a:pt x="798776" y="899886"/>
+                  <a:pt x="762490" y="903514"/>
+                </a:cubicBezTo>
+                <a:cubicBezTo>
+                  <a:pt x="733462" y="899886"/>
+                  <a:pt x="699746" y="908856"/>
+                  <a:pt x="675405" y="892629"/>
+                </a:cubicBezTo>
+                <a:cubicBezTo>
+                  <a:pt x="623340" y="857919"/>
+                  <a:pt x="626354" y="766860"/>
+                  <a:pt x="620976" y="718457"/>
+                </a:cubicBezTo>
+                <a:cubicBezTo>
+                  <a:pt x="624605" y="682171"/>
+                  <a:pt x="621383" y="644529"/>
+                  <a:pt x="631862" y="609600"/>
+                </a:cubicBezTo>
+                <a:cubicBezTo>
+                  <a:pt x="643519" y="570742"/>
+                  <a:pt x="660500" y="532059"/>
+                  <a:pt x="686290" y="500743"/>
+                </a:cubicBezTo>
+                <a:cubicBezTo>
+                  <a:pt x="712591" y="468807"/>
+                  <a:pt x="746909" y="442330"/>
+                  <a:pt x="784262" y="424543"/>
+                </a:cubicBezTo>
+                <a:cubicBezTo>
+                  <a:pt x="857663" y="389590"/>
+                  <a:pt x="967140" y="387532"/>
+                  <a:pt x="1045519" y="381000"/>
+                </a:cubicBezTo>
+                <a:cubicBezTo>
+                  <a:pt x="1081805" y="391886"/>
+                  <a:pt x="1122855" y="392643"/>
+                  <a:pt x="1154376" y="413657"/>
+                </a:cubicBezTo>
+                <a:cubicBezTo>
+                  <a:pt x="1258718" y="483219"/>
+                  <a:pt x="1248152" y="540620"/>
+                  <a:pt x="1274119" y="653143"/>
+                </a:cubicBezTo>
+                <a:cubicBezTo>
+                  <a:pt x="1270490" y="707572"/>
+                  <a:pt x="1279926" y="764496"/>
+                  <a:pt x="1263233" y="816429"/>
+                </a:cubicBezTo>
+                <a:cubicBezTo>
+                  <a:pt x="1224552" y="936768"/>
+                  <a:pt x="1140400" y="998963"/>
+                  <a:pt x="1034633" y="1055914"/>
+                </a:cubicBezTo>
+                <a:cubicBezTo>
+                  <a:pt x="990134" y="1079875"/>
+                  <a:pt x="942456" y="1099379"/>
+                  <a:pt x="893119" y="1110343"/>
+                </a:cubicBezTo>
+                <a:cubicBezTo>
+                  <a:pt x="843402" y="1121391"/>
+                  <a:pt x="791519" y="1117600"/>
+                  <a:pt x="740719" y="1121229"/>
+                </a:cubicBezTo>
+                <a:cubicBezTo>
+                  <a:pt x="689919" y="1110343"/>
+                  <a:pt x="633195" y="1114750"/>
+                  <a:pt x="588319" y="1088572"/>
+                </a:cubicBezTo>
+                <a:cubicBezTo>
+                  <a:pt x="459226" y="1013268"/>
+                  <a:pt x="472443" y="933734"/>
+                  <a:pt x="446805" y="805543"/>
+                </a:cubicBezTo>
+                <a:cubicBezTo>
+                  <a:pt x="443176" y="743857"/>
+                  <a:pt x="433927" y="682246"/>
+                  <a:pt x="435919" y="620486"/>
+                </a:cubicBezTo>
+                <a:cubicBezTo>
+                  <a:pt x="438999" y="525013"/>
+                  <a:pt x="459004" y="414258"/>
+                  <a:pt x="523005" y="337457"/>
+                </a:cubicBezTo>
+                <a:cubicBezTo>
+                  <a:pt x="571702" y="279020"/>
+                  <a:pt x="652078" y="261776"/>
+                  <a:pt x="718947" y="239486"/>
+                </a:cubicBezTo>
+                <a:cubicBezTo>
+                  <a:pt x="777004" y="254000"/>
+                  <a:pt x="843326" y="249833"/>
+                  <a:pt x="893119" y="283029"/>
+                </a:cubicBezTo>
+                <a:cubicBezTo>
+                  <a:pt x="956691" y="325410"/>
+                  <a:pt x="963046" y="508125"/>
+                  <a:pt x="969319" y="555172"/>
+                </a:cubicBezTo>
+                <a:cubicBezTo>
+                  <a:pt x="958433" y="616858"/>
+                  <a:pt x="957609" y="681196"/>
+                  <a:pt x="936662" y="740229"/>
+                </a:cubicBezTo>
+                <a:cubicBezTo>
+                  <a:pt x="897279" y="851216"/>
+                  <a:pt x="824214" y="934632"/>
+                  <a:pt x="729833" y="1001486"/>
+                </a:cubicBezTo>
+                <a:cubicBezTo>
+                  <a:pt x="686114" y="1032453"/>
+                  <a:pt x="638210" y="1058163"/>
+                  <a:pt x="588319" y="1077686"/>
+                </a:cubicBezTo>
+                <a:cubicBezTo>
+                  <a:pt x="553859" y="1091170"/>
+                  <a:pt x="515748" y="1092200"/>
+                  <a:pt x="479462" y="1099457"/>
+                </a:cubicBezTo>
+                <a:cubicBezTo>
+                  <a:pt x="454062" y="1092200"/>
+                  <a:pt x="423707" y="1094414"/>
+                  <a:pt x="403262" y="1077686"/>
+                </a:cubicBezTo>
+                <a:cubicBezTo>
+                  <a:pt x="350233" y="1034298"/>
+                  <a:pt x="355294" y="961664"/>
+                  <a:pt x="348833" y="903514"/>
+                </a:cubicBezTo>
+                <a:cubicBezTo>
+                  <a:pt x="356090" y="863600"/>
+                  <a:pt x="357203" y="822063"/>
+                  <a:pt x="370605" y="783772"/>
+                </a:cubicBezTo>
+                <a:cubicBezTo>
+                  <a:pt x="382946" y="748511"/>
+                  <a:pt x="400566" y="714031"/>
+                  <a:pt x="425033" y="685800"/>
+                </a:cubicBezTo>
+                <a:cubicBezTo>
+                  <a:pt x="473324" y="630079"/>
+                  <a:pt x="540625" y="603266"/>
+                  <a:pt x="610090" y="587829"/>
+                </a:cubicBezTo>
+                <a:cubicBezTo>
+                  <a:pt x="642166" y="580701"/>
+                  <a:pt x="675405" y="580572"/>
+                  <a:pt x="708062" y="576943"/>
+                </a:cubicBezTo>
+                <a:cubicBezTo>
+                  <a:pt x="733462" y="580572"/>
+                  <a:pt x="761737" y="575543"/>
+                  <a:pt x="784262" y="587829"/>
+                </a:cubicBezTo>
+                <a:cubicBezTo>
+                  <a:pt x="834189" y="615062"/>
+                  <a:pt x="831020" y="661547"/>
+                  <a:pt x="838690" y="707572"/>
+                </a:cubicBezTo>
+                <a:cubicBezTo>
+                  <a:pt x="835062" y="732972"/>
+                  <a:pt x="838655" y="760521"/>
+                  <a:pt x="827805" y="783772"/>
+                </a:cubicBezTo>
+                <a:cubicBezTo>
+                  <a:pt x="795394" y="853224"/>
+                  <a:pt x="712981" y="918378"/>
+                  <a:pt x="653633" y="957943"/>
+                </a:cubicBezTo>
+                <a:cubicBezTo>
+                  <a:pt x="615803" y="983163"/>
+                  <a:pt x="576377" y="1007071"/>
+                  <a:pt x="533890" y="1023257"/>
+                </a:cubicBezTo>
+                <a:cubicBezTo>
+                  <a:pt x="493581" y="1038613"/>
+                  <a:pt x="384881" y="1050048"/>
+                  <a:pt x="337947" y="1055914"/>
+                </a:cubicBezTo>
+                <a:cubicBezTo>
+                  <a:pt x="287078" y="1047436"/>
+                  <a:pt x="255976" y="1055259"/>
+                  <a:pt x="229090" y="1001486"/>
+                </a:cubicBezTo>
+                <a:cubicBezTo>
+                  <a:pt x="219219" y="981745"/>
+                  <a:pt x="221833" y="957943"/>
+                  <a:pt x="218205" y="936172"/>
+                </a:cubicBezTo>
+                <a:cubicBezTo>
+                  <a:pt x="225379" y="893122"/>
+                  <a:pt x="227724" y="839566"/>
+                  <a:pt x="261747" y="805543"/>
+                </a:cubicBezTo>
+                <a:cubicBezTo>
+                  <a:pt x="282433" y="784857"/>
+                  <a:pt x="310024" y="770726"/>
+                  <a:pt x="337947" y="762000"/>
+                </a:cubicBezTo>
+                <a:cubicBezTo>
+                  <a:pt x="369310" y="752199"/>
+                  <a:pt x="403262" y="754743"/>
+                  <a:pt x="435919" y="751114"/>
+                </a:cubicBezTo>
+                <a:cubicBezTo>
+                  <a:pt x="468576" y="754743"/>
+                  <a:pt x="503124" y="750463"/>
+                  <a:pt x="533890" y="762000"/>
+                </a:cubicBezTo>
+                <a:cubicBezTo>
+                  <a:pt x="615075" y="792445"/>
+                  <a:pt x="618406" y="833061"/>
+                  <a:pt x="653633" y="903514"/>
+                </a:cubicBezTo>
+                <a:cubicBezTo>
+                  <a:pt x="635490" y="961571"/>
+                  <a:pt x="631993" y="1026454"/>
+                  <a:pt x="599205" y="1077686"/>
+                </a:cubicBezTo>
+                <a:cubicBezTo>
+                  <a:pt x="571405" y="1121123"/>
+                  <a:pt x="524009" y="1149672"/>
+                  <a:pt x="479462" y="1175657"/>
+                </a:cubicBezTo>
+                <a:cubicBezTo>
+                  <a:pt x="435806" y="1201123"/>
+                  <a:pt x="386083" y="1214682"/>
+                  <a:pt x="337947" y="1230086"/>
+                </a:cubicBezTo>
+                <a:cubicBezTo>
+                  <a:pt x="229899" y="1264661"/>
+                  <a:pt x="212059" y="1262216"/>
+                  <a:pt x="109347" y="1273629"/>
+                </a:cubicBezTo>
+                <a:cubicBezTo>
+                  <a:pt x="87576" y="1270000"/>
+                  <a:pt x="65174" y="1269085"/>
+                  <a:pt x="44033" y="1262743"/>
+                </a:cubicBezTo>
+                <a:cubicBezTo>
+                  <a:pt x="28490" y="1258080"/>
+                  <a:pt x="1735" y="1257152"/>
+                  <a:pt x="490" y="1240972"/>
+                </a:cubicBezTo>
+                <a:cubicBezTo>
+                  <a:pt x="-2683" y="1199722"/>
+                  <a:pt x="9709" y="1155321"/>
+                  <a:pt x="33147" y="1121229"/>
+                </a:cubicBezTo>
+                <a:cubicBezTo>
+                  <a:pt x="52540" y="1093020"/>
+                  <a:pt x="89296" y="1081454"/>
+                  <a:pt x="120233" y="1066800"/>
+                </a:cubicBezTo>
+                <a:cubicBezTo>
+                  <a:pt x="232387" y="1013674"/>
+                  <a:pt x="240384" y="1023220"/>
+                  <a:pt x="359719" y="1012372"/>
+                </a:cubicBezTo>
+                <a:cubicBezTo>
+                  <a:pt x="431985" y="1020401"/>
+                  <a:pt x="471530" y="1009606"/>
+                  <a:pt x="523005" y="1066800"/>
+                </a:cubicBezTo>
+                <a:cubicBezTo>
+                  <a:pt x="539288" y="1084893"/>
+                  <a:pt x="544776" y="1110343"/>
+                  <a:pt x="555662" y="1132114"/>
+                </a:cubicBezTo>
+                <a:cubicBezTo>
+                  <a:pt x="544776" y="1186543"/>
+                  <a:pt x="545783" y="1244782"/>
+                  <a:pt x="523005" y="1295400"/>
+                </a:cubicBezTo>
+                <a:cubicBezTo>
+                  <a:pt x="511375" y="1321244"/>
+                  <a:pt x="478755" y="1330870"/>
+                  <a:pt x="457690" y="1349829"/>
+                </a:cubicBezTo>
+                <a:cubicBezTo>
+                  <a:pt x="442433" y="1363560"/>
+                  <a:pt x="431748" y="1382811"/>
+                  <a:pt x="414147" y="1393372"/>
+                </a:cubicBezTo>
+                <a:cubicBezTo>
+                  <a:pt x="372004" y="1418658"/>
+                  <a:pt x="306688" y="1419609"/>
+                  <a:pt x="261747" y="1426029"/>
+                </a:cubicBezTo>
+                <a:cubicBezTo>
+                  <a:pt x="239897" y="1429150"/>
+                  <a:pt x="218204" y="1433286"/>
+                  <a:pt x="196433" y="1436914"/>
+                </a:cubicBezTo>
+                <a:cubicBezTo>
+                  <a:pt x="178290" y="1433286"/>
+                  <a:pt x="159329" y="1432525"/>
+                  <a:pt x="142005" y="1426029"/>
+                </a:cubicBezTo>
+                <a:cubicBezTo>
+                  <a:pt x="115762" y="1416188"/>
+                  <a:pt x="91210" y="1400623"/>
+                  <a:pt x="120233" y="1371600"/>
+                </a:cubicBezTo>
+                <a:cubicBezTo>
+                  <a:pt x="147938" y="1343896"/>
+                  <a:pt x="209040" y="1343362"/>
+                  <a:pt x="239976" y="1338943"/>
+                </a:cubicBezTo>
+                <a:cubicBezTo>
+                  <a:pt x="298033" y="1342572"/>
+                  <a:pt x="357362" y="1337210"/>
+                  <a:pt x="414147" y="1349829"/>
+                </a:cubicBezTo>
+                <a:cubicBezTo>
+                  <a:pt x="426919" y="1352667"/>
+                  <a:pt x="435919" y="1369403"/>
+                  <a:pt x="435919" y="1382486"/>
+                </a:cubicBezTo>
+                <a:cubicBezTo>
+                  <a:pt x="435919" y="1412408"/>
+                  <a:pt x="435305" y="1448414"/>
+                  <a:pt x="414147" y="1469572"/>
+                </a:cubicBezTo>
+                <a:cubicBezTo>
+                  <a:pt x="394451" y="1489268"/>
+                  <a:pt x="277177" y="1538624"/>
+                  <a:pt x="229090" y="1556657"/>
+                </a:cubicBezTo>
+                <a:cubicBezTo>
+                  <a:pt x="218346" y="1560686"/>
+                  <a:pt x="207319" y="1563914"/>
+                  <a:pt x="196433" y="1567543"/>
+                </a:cubicBezTo>
+                <a:cubicBezTo>
+                  <a:pt x="211918" y="1459151"/>
+                  <a:pt x="189296" y="1499230"/>
+                  <a:pt x="294405" y="1415143"/>
+                </a:cubicBezTo>
+                <a:cubicBezTo>
+                  <a:pt x="405626" y="1326166"/>
+                  <a:pt x="438401" y="1302482"/>
+                  <a:pt x="566547" y="1240972"/>
+                </a:cubicBezTo>
+                <a:cubicBezTo>
+                  <a:pt x="609073" y="1220559"/>
+                  <a:pt x="651819" y="1199502"/>
+                  <a:pt x="697176" y="1186543"/>
+                </a:cubicBezTo>
+                <a:cubicBezTo>
+                  <a:pt x="728770" y="1177516"/>
+                  <a:pt x="762490" y="1179286"/>
+                  <a:pt x="795147" y="1175657"/>
+                </a:cubicBezTo>
+                <a:cubicBezTo>
+                  <a:pt x="835061" y="1182914"/>
+                  <a:pt x="891310" y="1164417"/>
+                  <a:pt x="914890" y="1197429"/>
+                </a:cubicBezTo>
+                <a:cubicBezTo>
+                  <a:pt x="931362" y="1220490"/>
+                  <a:pt x="874924" y="1239183"/>
+                  <a:pt x="849576" y="1251857"/>
+                </a:cubicBezTo>
+                <a:cubicBezTo>
+                  <a:pt x="815692" y="1268799"/>
+                  <a:pt x="777355" y="1274873"/>
+                  <a:pt x="740719" y="1284514"/>
+                </a:cubicBezTo>
+                <a:cubicBezTo>
+                  <a:pt x="708366" y="1293028"/>
+                  <a:pt x="675628" y="1300121"/>
+                  <a:pt x="642747" y="1306286"/>
+                </a:cubicBezTo>
+                <a:cubicBezTo>
+                  <a:pt x="617529" y="1311015"/>
+                  <a:pt x="591907" y="1313271"/>
+                  <a:pt x="566547" y="1317172"/>
+                </a:cubicBezTo>
+                <a:cubicBezTo>
+                  <a:pt x="544732" y="1320528"/>
+                  <a:pt x="523004" y="1324429"/>
+                  <a:pt x="501233" y="1328057"/>
+                </a:cubicBezTo>
+                <a:cubicBezTo>
+                  <a:pt x="493976" y="1306286"/>
+                  <a:pt x="475689" y="1285380"/>
+                  <a:pt x="479462" y="1262743"/>
+                </a:cubicBezTo>
+                <a:cubicBezTo>
+                  <a:pt x="483764" y="1236933"/>
+                  <a:pt x="504503" y="1215931"/>
+                  <a:pt x="523005" y="1197429"/>
+                </a:cubicBezTo>
+                <a:cubicBezTo>
+                  <a:pt x="573967" y="1146466"/>
+                  <a:pt x="663085" y="1098001"/>
+                  <a:pt x="729833" y="1077686"/>
+                </a:cubicBezTo>
+                <a:cubicBezTo>
+                  <a:pt x="772064" y="1064833"/>
+                  <a:pt x="816919" y="1063171"/>
+                  <a:pt x="860462" y="1055914"/>
+                </a:cubicBezTo>
+                <a:cubicBezTo>
+                  <a:pt x="929405" y="1070428"/>
+                  <a:pt x="1002256" y="1072359"/>
+                  <a:pt x="1067290" y="1099457"/>
+                </a:cubicBezTo>
+                <a:cubicBezTo>
+                  <a:pt x="1093450" y="1110357"/>
+                  <a:pt x="1107439" y="1140292"/>
+                  <a:pt x="1121719" y="1164772"/>
+                </a:cubicBezTo>
+                <a:cubicBezTo>
+                  <a:pt x="1141844" y="1199272"/>
+                  <a:pt x="1148013" y="1257224"/>
+                  <a:pt x="1154376" y="1295400"/>
+                </a:cubicBezTo>
+                <a:cubicBezTo>
+                  <a:pt x="1147119" y="1313543"/>
+                  <a:pt x="1143444" y="1333570"/>
+                  <a:pt x="1132605" y="1349829"/>
+                </a:cubicBezTo>
+                <a:cubicBezTo>
+                  <a:pt x="1113399" y="1378638"/>
+                  <a:pt x="1066156" y="1413420"/>
+                  <a:pt x="1034633" y="1426029"/>
+                </a:cubicBezTo>
+                <a:cubicBezTo>
+                  <a:pt x="1017454" y="1432900"/>
+                  <a:pt x="998266" y="1432900"/>
+                  <a:pt x="980205" y="1436914"/>
+                </a:cubicBezTo>
+                <a:cubicBezTo>
+                  <a:pt x="965600" y="1440159"/>
+                  <a:pt x="951176" y="1444171"/>
+                  <a:pt x="936662" y="1447800"/>
+                </a:cubicBezTo>
+                <a:cubicBezTo>
+                  <a:pt x="914890" y="1436914"/>
+                  <a:pt x="886930" y="1433842"/>
+                  <a:pt x="871347" y="1415143"/>
+                </a:cubicBezTo>
+                <a:cubicBezTo>
+                  <a:pt x="864001" y="1406328"/>
+                  <a:pt x="874887" y="1391301"/>
+                  <a:pt x="882233" y="1382486"/>
+                </a:cubicBezTo>
+                <a:cubicBezTo>
+                  <a:pt x="893848" y="1368548"/>
+                  <a:pt x="910105" y="1358971"/>
+                  <a:pt x="925776" y="1349829"/>
+                </a:cubicBezTo>
+                <a:cubicBezTo>
+                  <a:pt x="953810" y="1333476"/>
+                  <a:pt x="982473" y="1317682"/>
+                  <a:pt x="1012862" y="1306286"/>
+                </a:cubicBezTo>
+                <a:cubicBezTo>
+                  <a:pt x="1070600" y="1284634"/>
+                  <a:pt x="1126697" y="1281170"/>
+                  <a:pt x="1187033" y="1273629"/>
+                </a:cubicBezTo>
+                <a:cubicBezTo>
+                  <a:pt x="1205176" y="1277257"/>
+                  <a:pt x="1225398" y="1275334"/>
+                  <a:pt x="1241462" y="1284514"/>
+                </a:cubicBezTo>
+                <a:cubicBezTo>
+                  <a:pt x="1252229" y="1290667"/>
+                  <a:pt x="1282194" y="1355092"/>
+                  <a:pt x="1285005" y="1360714"/>
+                </a:cubicBezTo>
+                <a:cubicBezTo>
+                  <a:pt x="1281376" y="1378857"/>
+                  <a:pt x="1282393" y="1398594"/>
+                  <a:pt x="1274119" y="1415143"/>
+                </a:cubicBezTo>
+                <a:cubicBezTo>
+                  <a:pt x="1267234" y="1428912"/>
+                  <a:pt x="1253288" y="1437945"/>
+                  <a:pt x="1241462" y="1447800"/>
+                </a:cubicBezTo>
+                <a:cubicBezTo>
+                  <a:pt x="1218654" y="1466807"/>
+                  <a:pt x="1204205" y="1473443"/>
+                  <a:pt x="1176147" y="1480457"/>
+                </a:cubicBezTo>
+                <a:cubicBezTo>
+                  <a:pt x="1172627" y="1481337"/>
+                  <a:pt x="1168890" y="1480457"/>
+                  <a:pt x="1165262" y="1480457"/>
                 </a:cubicBezTo>
               </a:path>
             </a:pathLst>
@@ -6861,12 +7464,174 @@
           </a:p>
         </p:txBody>
       </p:sp>
-      <p:sp>
-        <p:nvSpPr>
-          <p:cNvPr id="4" name="任意形状 3">
-            <a:extLst>
-              <a:ext uri="{FF2B5EF4-FFF2-40B4-BE49-F238E27FC236}">
-                <a16:creationId xmlns:a16="http://schemas.microsoft.com/office/drawing/2014/main" id="{AFE36D9C-394D-418A-208E-DA4C5060E897}"/>
+    </p:spTree>
+    <p:extLst>
+      <p:ext uri="{BB962C8B-B14F-4D97-AF65-F5344CB8AC3E}">
+        <p14:creationId xmlns:p14="http://schemas.microsoft.com/office/powerpoint/2010/main" val="1061853811"/>
+      </p:ext>
+    </p:extLst>
+  </p:cSld>
+  <p:clrMapOvr>
+    <a:masterClrMapping/>
+  </p:clrMapOvr>
+</p:sld>
+</file>
+
+<file path=ppt/slides/slide3.xml><?xml version="1.0" encoding="utf-8"?>
+<p:sld xmlns:a="http://schemas.openxmlformats.org/drawingml/2006/main" xmlns:r="http://schemas.openxmlformats.org/officeDocument/2006/relationships" xmlns:p="http://schemas.openxmlformats.org/presentationml/2006/main">
+  <p:cSld>
+    <p:bg>
+      <p:bgPr>
+        <a:solidFill>
+          <a:schemeClr val="bg1"/>
+        </a:solidFill>
+        <a:effectLst/>
+      </p:bgPr>
+    </p:bg>
+    <p:spTree>
+      <p:nvGrpSpPr>
+        <p:cNvPr id="1" name=""/>
+        <p:cNvGrpSpPr/>
+        <p:nvPr/>
+      </p:nvGrpSpPr>
+      <p:grpSpPr>
+        <a:xfrm>
+          <a:off x="0" y="0"/>
+          <a:ext cx="0" cy="0"/>
+          <a:chOff x="0" y="0"/>
+          <a:chExt cx="0" cy="0"/>
+        </a:xfrm>
+      </p:grpSpPr>
+      <p:sp>
+        <p:nvSpPr>
+          <p:cNvPr id="13" name="文本框 12">
+            <a:extLst>
+              <a:ext uri="{FF2B5EF4-FFF2-40B4-BE49-F238E27FC236}">
+                <a16:creationId xmlns:a16="http://schemas.microsoft.com/office/drawing/2014/main" id="{10527CF6-3A51-925C-34A7-CB880ECCAE03}"/>
+              </a:ext>
+            </a:extLst>
+          </p:cNvPr>
+          <p:cNvSpPr txBox="1"/>
+          <p:nvPr/>
+        </p:nvSpPr>
+        <p:spPr>
+          <a:xfrm>
+            <a:off x="185519" y="150921"/>
+            <a:ext cx="1107996" cy="369332"/>
+          </a:xfrm>
+          <a:prstGeom prst="rect">
+            <a:avLst/>
+          </a:prstGeom>
+          <a:noFill/>
+        </p:spPr>
+        <p:txBody>
+          <a:bodyPr wrap="none" rtlCol="0">
+            <a:spAutoFit/>
+          </a:bodyPr>
+          <a:lstStyle/>
+          <a:p>
+            <a:r>
+              <a:rPr kumimoji="1" lang="zh-CN" altLang="en-US" b="1" dirty="0"/>
+              <a:t>形状测试</a:t>
+            </a:r>
+          </a:p>
+        </p:txBody>
+      </p:sp>
+      <p:cxnSp>
+        <p:nvCxnSpPr>
+          <p:cNvPr id="30" name="直线连接符 29">
+            <a:extLst>
+              <a:ext uri="{FF2B5EF4-FFF2-40B4-BE49-F238E27FC236}">
+                <a16:creationId xmlns:a16="http://schemas.microsoft.com/office/drawing/2014/main" id="{AE72E2C9-6CD3-2987-699B-5C1767C309B0}"/>
+              </a:ext>
+            </a:extLst>
+          </p:cNvPr>
+          <p:cNvCxnSpPr>
+            <a:cxnSpLocks/>
+          </p:cNvCxnSpPr>
+          <p:nvPr/>
+        </p:nvCxnSpPr>
+        <p:spPr>
+          <a:xfrm>
+            <a:off x="0" y="569451"/>
+            <a:ext cx="12192000" cy="0"/>
+          </a:xfrm>
+          <a:prstGeom prst="line">
+            <a:avLst/>
+          </a:prstGeom>
+          <a:ln w="38100">
+            <a:solidFill>
+              <a:schemeClr val="accent2"/>
+            </a:solidFill>
+          </a:ln>
+        </p:spPr>
+        <p:style>
+          <a:lnRef idx="1">
+            <a:schemeClr val="accent1"/>
+          </a:lnRef>
+          <a:fillRef idx="0">
+            <a:schemeClr val="accent1"/>
+          </a:fillRef>
+          <a:effectRef idx="0">
+            <a:schemeClr val="accent1"/>
+          </a:effectRef>
+          <a:fontRef idx="minor">
+            <a:schemeClr val="tx1"/>
+          </a:fontRef>
+        </p:style>
+      </p:cxnSp>
+      <p:cxnSp>
+        <p:nvCxnSpPr>
+          <p:cNvPr id="32" name="直线连接符 31">
+            <a:extLst>
+              <a:ext uri="{FF2B5EF4-FFF2-40B4-BE49-F238E27FC236}">
+                <a16:creationId xmlns:a16="http://schemas.microsoft.com/office/drawing/2014/main" id="{22C3354E-98B7-C197-81C9-7BC5C96C9210}"/>
+              </a:ext>
+            </a:extLst>
+          </p:cNvPr>
+          <p:cNvCxnSpPr>
+            <a:cxnSpLocks/>
+          </p:cNvCxnSpPr>
+          <p:nvPr/>
+        </p:nvCxnSpPr>
+        <p:spPr>
+          <a:xfrm>
+            <a:off x="0" y="2295089"/>
+            <a:ext cx="12067309" cy="0"/>
+          </a:xfrm>
+          <a:prstGeom prst="line">
+            <a:avLst/>
+          </a:prstGeom>
+          <a:ln w="12700">
+            <a:solidFill>
+              <a:schemeClr val="tx1"/>
+            </a:solidFill>
+            <a:prstDash val="dash"/>
+            <a:headEnd type="triangle"/>
+            <a:tailEnd type="arrow"/>
+          </a:ln>
+        </p:spPr>
+        <p:style>
+          <a:lnRef idx="1">
+            <a:schemeClr val="accent1"/>
+          </a:lnRef>
+          <a:fillRef idx="0">
+            <a:schemeClr val="accent1"/>
+          </a:fillRef>
+          <a:effectRef idx="0">
+            <a:schemeClr val="accent1"/>
+          </a:effectRef>
+          <a:fontRef idx="minor">
+            <a:schemeClr val="tx1"/>
+          </a:fontRef>
+        </p:style>
+      </p:cxnSp>
+      <p:sp>
+        <p:nvSpPr>
+          <p:cNvPr id="3" name="框架 2">
+            <a:extLst>
+              <a:ext uri="{FF2B5EF4-FFF2-40B4-BE49-F238E27FC236}">
+                <a16:creationId xmlns:a16="http://schemas.microsoft.com/office/drawing/2014/main" id="{FC7B6215-F031-688A-A633-62A201184A04}"/>
               </a:ext>
             </a:extLst>
           </p:cNvPr>
@@ -6875,69 +7640,20 @@
         </p:nvSpPr>
         <p:spPr>
           <a:xfrm>
-            <a:off x="10759808" y="5501687"/>
-            <a:ext cx="448419" cy="1065368"/>
-          </a:xfrm>
-          <a:custGeom>
-            <a:avLst/>
-            <a:gdLst>
-              <a:gd name="connsiteX0" fmla="*/ 120275 w 448419"/>
-              <a:gd name="connsiteY0" fmla="*/ 0 h 1065368"/>
-              <a:gd name="connsiteX1" fmla="*/ 446846 w 448419"/>
-              <a:gd name="connsiteY1" fmla="*/ 979715 h 1065368"/>
-              <a:gd name="connsiteX2" fmla="*/ 532 w 448419"/>
-              <a:gd name="connsiteY2" fmla="*/ 990600 h 1065368"/>
-              <a:gd name="connsiteX3" fmla="*/ 348875 w 448419"/>
-              <a:gd name="connsiteY3" fmla="*/ 762000 h 1065368"/>
-              <a:gd name="connsiteX4" fmla="*/ 348875 w 448419"/>
-              <a:gd name="connsiteY4" fmla="*/ 762000 h 1065368"/>
-            </a:gdLst>
-            <a:ahLst/>
-            <a:cxnLst>
-              <a:cxn ang="0">
-                <a:pos x="connsiteX0" y="connsiteY0"/>
-              </a:cxn>
-              <a:cxn ang="0">
-                <a:pos x="connsiteX1" y="connsiteY1"/>
-              </a:cxn>
-              <a:cxn ang="0">
-                <a:pos x="connsiteX2" y="connsiteY2"/>
-              </a:cxn>
-              <a:cxn ang="0">
-                <a:pos x="connsiteX3" y="connsiteY3"/>
-              </a:cxn>
-              <a:cxn ang="0">
-                <a:pos x="connsiteX4" y="connsiteY4"/>
-              </a:cxn>
-            </a:cxnLst>
-            <a:rect l="l" t="t" r="r" b="b"/>
-            <a:pathLst>
-              <a:path w="448419" h="1065368">
-                <a:moveTo>
-                  <a:pt x="120275" y="0"/>
-                </a:moveTo>
-                <a:cubicBezTo>
-                  <a:pt x="293539" y="407307"/>
-                  <a:pt x="466803" y="814615"/>
-                  <a:pt x="446846" y="979715"/>
-                </a:cubicBezTo>
-                <a:cubicBezTo>
-                  <a:pt x="426889" y="1144815"/>
-                  <a:pt x="16860" y="1026886"/>
-                  <a:pt x="532" y="990600"/>
-                </a:cubicBezTo>
-                <a:cubicBezTo>
-                  <a:pt x="-15796" y="954314"/>
-                  <a:pt x="348875" y="762000"/>
-                  <a:pt x="348875" y="762000"/>
-                </a:cubicBezTo>
-                <a:lnTo>
-                  <a:pt x="348875" y="762000"/>
-                </a:lnTo>
-              </a:path>
-            </a:pathLst>
-          </a:custGeom>
-          <a:noFill/>
+            <a:off x="185519" y="731520"/>
+            <a:ext cx="1854296" cy="1392697"/>
+          </a:xfrm>
+          <a:prstGeom prst="frame">
+            <a:avLst>
+              <a:gd name="adj1" fmla="val 23611"/>
+            </a:avLst>
+          </a:prstGeom>
+          <a:solidFill>
+            <a:schemeClr val="accent2"/>
+          </a:solidFill>
+          <a:ln w="38100">
+            <a:prstDash val="lgDashDotDot"/>
+          </a:ln>
         </p:spPr>
         <p:style>
           <a:lnRef idx="2">
@@ -6960,14 +7676,501 @@
           <a:lstStyle/>
           <a:p>
             <a:pPr algn="ctr"/>
+            <a:endParaRPr kumimoji="1" lang="zh-CN" altLang="en-US">
+              <a:solidFill>
+                <a:schemeClr val="tx1"/>
+              </a:solidFill>
+            </a:endParaRPr>
+          </a:p>
+        </p:txBody>
+      </p:sp>
+      <p:sp>
+        <p:nvSpPr>
+          <p:cNvPr id="14" name="半闭框 13">
+            <a:extLst>
+              <a:ext uri="{FF2B5EF4-FFF2-40B4-BE49-F238E27FC236}">
+                <a16:creationId xmlns:a16="http://schemas.microsoft.com/office/drawing/2014/main" id="{5FDCF172-8270-C4F1-63AC-690304AAD5B4}"/>
+              </a:ext>
+            </a:extLst>
+          </p:cNvPr>
+          <p:cNvSpPr/>
+          <p:nvPr/>
+        </p:nvSpPr>
+        <p:spPr>
+          <a:xfrm>
+            <a:off x="2574388" y="731520"/>
+            <a:ext cx="2067950" cy="1392697"/>
+          </a:xfrm>
+          <a:prstGeom prst="halfFrame">
+            <a:avLst>
+              <a:gd name="adj1" fmla="val 20202"/>
+              <a:gd name="adj2" fmla="val 50505"/>
+            </a:avLst>
+          </a:prstGeom>
+          <a:solidFill>
+            <a:schemeClr val="accent4"/>
+          </a:solidFill>
+        </p:spPr>
+        <p:style>
+          <a:lnRef idx="2">
+            <a:schemeClr val="accent1">
+              <a:shade val="15000"/>
+            </a:schemeClr>
+          </a:lnRef>
+          <a:fillRef idx="1">
+            <a:schemeClr val="accent1"/>
+          </a:fillRef>
+          <a:effectRef idx="0">
+            <a:schemeClr val="accent1"/>
+          </a:effectRef>
+          <a:fontRef idx="minor">
+            <a:schemeClr val="lt1"/>
+          </a:fontRef>
+        </p:style>
+        <p:txBody>
+          <a:bodyPr rtlCol="0" anchor="ctr"/>
+          <a:lstStyle/>
+          <a:p>
+            <a:pPr algn="ctr"/>
+            <a:endParaRPr kumimoji="1" lang="zh-CN" altLang="en-US">
+              <a:solidFill>
+                <a:schemeClr val="tx1"/>
+              </a:solidFill>
+            </a:endParaRPr>
+          </a:p>
+        </p:txBody>
+      </p:sp>
+      <p:sp>
+        <p:nvSpPr>
+          <p:cNvPr id="17" name="L 形 16">
+            <a:extLst>
+              <a:ext uri="{FF2B5EF4-FFF2-40B4-BE49-F238E27FC236}">
+                <a16:creationId xmlns:a16="http://schemas.microsoft.com/office/drawing/2014/main" id="{42C98155-930D-CCF1-DADE-FEDBDC6CA243}"/>
+              </a:ext>
+            </a:extLst>
+          </p:cNvPr>
+          <p:cNvSpPr/>
+          <p:nvPr/>
+        </p:nvSpPr>
+        <p:spPr>
+          <a:xfrm>
+            <a:off x="4937760" y="731520"/>
+            <a:ext cx="2504049" cy="1392696"/>
+          </a:xfrm>
+          <a:prstGeom prst="corner">
+            <a:avLst>
+              <a:gd name="adj1" fmla="val 33838"/>
+              <a:gd name="adj2" fmla="val 76263"/>
+            </a:avLst>
+          </a:prstGeom>
+        </p:spPr>
+        <p:style>
+          <a:lnRef idx="2">
+            <a:schemeClr val="accent1">
+              <a:shade val="15000"/>
+            </a:schemeClr>
+          </a:lnRef>
+          <a:fillRef idx="1">
+            <a:schemeClr val="accent1"/>
+          </a:fillRef>
+          <a:effectRef idx="0">
+            <a:schemeClr val="accent1"/>
+          </a:effectRef>
+          <a:fontRef idx="minor">
+            <a:schemeClr val="lt1"/>
+          </a:fontRef>
+        </p:style>
+        <p:txBody>
+          <a:bodyPr rtlCol="0" anchor="ctr"/>
+          <a:lstStyle/>
+          <a:p>
+            <a:pPr algn="ctr"/>
             <a:endParaRPr kumimoji="1" lang="zh-CN" altLang="en-US"/>
+          </a:p>
+        </p:txBody>
+      </p:sp>
+      <p:sp>
+        <p:nvSpPr>
+          <p:cNvPr id="28" name="斜纹 27">
+            <a:extLst>
+              <a:ext uri="{FF2B5EF4-FFF2-40B4-BE49-F238E27FC236}">
+                <a16:creationId xmlns:a16="http://schemas.microsoft.com/office/drawing/2014/main" id="{2D178E4E-CEA3-1CF0-1B2D-F424247B304D}"/>
+              </a:ext>
+            </a:extLst>
+          </p:cNvPr>
+          <p:cNvSpPr/>
+          <p:nvPr/>
+        </p:nvSpPr>
+        <p:spPr>
+          <a:xfrm>
+            <a:off x="8215533" y="740324"/>
+            <a:ext cx="2011680" cy="1392696"/>
+          </a:xfrm>
+          <a:prstGeom prst="diagStripe">
+            <a:avLst>
+              <a:gd name="adj" fmla="val 40909"/>
+            </a:avLst>
+          </a:prstGeom>
+          <a:solidFill>
+            <a:schemeClr val="accent6"/>
+          </a:solidFill>
+        </p:spPr>
+        <p:style>
+          <a:lnRef idx="2">
+            <a:schemeClr val="accent1">
+              <a:shade val="15000"/>
+            </a:schemeClr>
+          </a:lnRef>
+          <a:fillRef idx="1">
+            <a:schemeClr val="accent1"/>
+          </a:fillRef>
+          <a:effectRef idx="0">
+            <a:schemeClr val="accent1"/>
+          </a:effectRef>
+          <a:fontRef idx="minor">
+            <a:schemeClr val="lt1"/>
+          </a:fontRef>
+        </p:style>
+        <p:txBody>
+          <a:bodyPr rtlCol="0" anchor="ctr"/>
+          <a:lstStyle/>
+          <a:p>
+            <a:pPr algn="ctr"/>
+            <a:endParaRPr kumimoji="1" lang="zh-CN" altLang="en-US">
+              <a:solidFill>
+                <a:schemeClr val="tx1"/>
+              </a:solidFill>
+            </a:endParaRPr>
+          </a:p>
+        </p:txBody>
+      </p:sp>
+      <p:sp>
+        <p:nvSpPr>
+          <p:cNvPr id="29" name="十字形 28">
+            <a:extLst>
+              <a:ext uri="{FF2B5EF4-FFF2-40B4-BE49-F238E27FC236}">
+                <a16:creationId xmlns:a16="http://schemas.microsoft.com/office/drawing/2014/main" id="{C3FE48CC-1640-CD41-D252-F2CAEB267239}"/>
+              </a:ext>
+            </a:extLst>
+          </p:cNvPr>
+          <p:cNvSpPr/>
+          <p:nvPr/>
+        </p:nvSpPr>
+        <p:spPr>
+          <a:xfrm>
+            <a:off x="10550769" y="740324"/>
+            <a:ext cx="1455712" cy="1383892"/>
+          </a:xfrm>
+          <a:prstGeom prst="plus">
+            <a:avLst>
+              <a:gd name="adj" fmla="val 42281"/>
+            </a:avLst>
+          </a:prstGeom>
+          <a:solidFill>
+            <a:srgbClr val="7030A0"/>
+          </a:solidFill>
+        </p:spPr>
+        <p:style>
+          <a:lnRef idx="2">
+            <a:schemeClr val="accent1">
+              <a:shade val="15000"/>
+            </a:schemeClr>
+          </a:lnRef>
+          <a:fillRef idx="1">
+            <a:schemeClr val="accent1"/>
+          </a:fillRef>
+          <a:effectRef idx="0">
+            <a:schemeClr val="accent1"/>
+          </a:effectRef>
+          <a:fontRef idx="minor">
+            <a:schemeClr val="lt1"/>
+          </a:fontRef>
+        </p:style>
+        <p:txBody>
+          <a:bodyPr rtlCol="0" anchor="ctr"/>
+          <a:lstStyle/>
+          <a:p>
+            <a:pPr algn="ctr"/>
+            <a:endParaRPr kumimoji="1" lang="zh-CN" altLang="en-US"/>
+          </a:p>
+        </p:txBody>
+      </p:sp>
+      <p:sp>
+        <p:nvSpPr>
+          <p:cNvPr id="31" name="圆柱体 30">
+            <a:extLst>
+              <a:ext uri="{FF2B5EF4-FFF2-40B4-BE49-F238E27FC236}">
+                <a16:creationId xmlns:a16="http://schemas.microsoft.com/office/drawing/2014/main" id="{8CCD1C37-B553-89C0-596C-683A0EF670B5}"/>
+              </a:ext>
+            </a:extLst>
+          </p:cNvPr>
+          <p:cNvSpPr/>
+          <p:nvPr/>
+        </p:nvSpPr>
+        <p:spPr>
+          <a:xfrm>
+            <a:off x="185519" y="2574389"/>
+            <a:ext cx="1854296" cy="1772528"/>
+          </a:xfrm>
+          <a:prstGeom prst="can">
+            <a:avLst>
+              <a:gd name="adj" fmla="val 50000"/>
+            </a:avLst>
+          </a:prstGeom>
+          <a:solidFill>
+            <a:schemeClr val="accent6">
+              <a:lumMod val="75000"/>
+            </a:schemeClr>
+          </a:solidFill>
+        </p:spPr>
+        <p:style>
+          <a:lnRef idx="2">
+            <a:schemeClr val="accent1">
+              <a:shade val="15000"/>
+            </a:schemeClr>
+          </a:lnRef>
+          <a:fillRef idx="1">
+            <a:schemeClr val="accent1"/>
+          </a:fillRef>
+          <a:effectRef idx="0">
+            <a:schemeClr val="accent1"/>
+          </a:effectRef>
+          <a:fontRef idx="minor">
+            <a:schemeClr val="lt1"/>
+          </a:fontRef>
+        </p:style>
+        <p:txBody>
+          <a:bodyPr rtlCol="0" anchor="ctr"/>
+          <a:lstStyle/>
+          <a:p>
+            <a:pPr algn="ctr"/>
+            <a:endParaRPr kumimoji="1" lang="zh-CN" altLang="en-US"/>
+          </a:p>
+        </p:txBody>
+      </p:sp>
+      <p:sp>
+        <p:nvSpPr>
+          <p:cNvPr id="33" name="立方体 32">
+            <a:extLst>
+              <a:ext uri="{FF2B5EF4-FFF2-40B4-BE49-F238E27FC236}">
+                <a16:creationId xmlns:a16="http://schemas.microsoft.com/office/drawing/2014/main" id="{960BC0F9-BA27-35B8-85FD-E7D6F61EF771}"/>
+              </a:ext>
+            </a:extLst>
+          </p:cNvPr>
+          <p:cNvSpPr/>
+          <p:nvPr/>
+        </p:nvSpPr>
+        <p:spPr>
+          <a:xfrm>
+            <a:off x="2679602" y="2658792"/>
+            <a:ext cx="1969477" cy="1659986"/>
+          </a:xfrm>
+          <a:prstGeom prst="cube">
+            <a:avLst>
+              <a:gd name="adj" fmla="val 36017"/>
+            </a:avLst>
+          </a:prstGeom>
+          <a:solidFill>
+            <a:schemeClr val="accent2">
+              <a:lumMod val="75000"/>
+            </a:schemeClr>
+          </a:solidFill>
+        </p:spPr>
+        <p:style>
+          <a:lnRef idx="2">
+            <a:schemeClr val="accent1">
+              <a:shade val="15000"/>
+            </a:schemeClr>
+          </a:lnRef>
+          <a:fillRef idx="1">
+            <a:schemeClr val="accent1"/>
+          </a:fillRef>
+          <a:effectRef idx="0">
+            <a:schemeClr val="accent1"/>
+          </a:effectRef>
+          <a:fontRef idx="minor">
+            <a:schemeClr val="lt1"/>
+          </a:fontRef>
+        </p:style>
+        <p:txBody>
+          <a:bodyPr rtlCol="0" anchor="ctr"/>
+          <a:lstStyle/>
+          <a:p>
+            <a:pPr algn="ctr"/>
+            <a:endParaRPr kumimoji="1" lang="zh-CN" altLang="en-US"/>
+          </a:p>
+        </p:txBody>
+      </p:sp>
+      <p:sp>
+        <p:nvSpPr>
+          <p:cNvPr id="34" name="棱台 33">
+            <a:extLst>
+              <a:ext uri="{FF2B5EF4-FFF2-40B4-BE49-F238E27FC236}">
+                <a16:creationId xmlns:a16="http://schemas.microsoft.com/office/drawing/2014/main" id="{F2D97682-F870-F265-5304-74105AE79F6D}"/>
+              </a:ext>
+            </a:extLst>
+          </p:cNvPr>
+          <p:cNvSpPr/>
+          <p:nvPr/>
+        </p:nvSpPr>
+        <p:spPr>
+          <a:xfrm>
+            <a:off x="5394666" y="2574389"/>
+            <a:ext cx="1955409" cy="1772528"/>
+          </a:xfrm>
+          <a:prstGeom prst="bevel">
+            <a:avLst>
+              <a:gd name="adj" fmla="val 25198"/>
+            </a:avLst>
+          </a:prstGeom>
+          <a:solidFill>
+            <a:srgbClr val="00B0F0"/>
+          </a:solidFill>
+        </p:spPr>
+        <p:style>
+          <a:lnRef idx="2">
+            <a:schemeClr val="accent1">
+              <a:shade val="15000"/>
+            </a:schemeClr>
+          </a:lnRef>
+          <a:fillRef idx="1">
+            <a:schemeClr val="accent1"/>
+          </a:fillRef>
+          <a:effectRef idx="0">
+            <a:schemeClr val="accent1"/>
+          </a:effectRef>
+          <a:fontRef idx="minor">
+            <a:schemeClr val="lt1"/>
+          </a:fontRef>
+        </p:style>
+        <p:txBody>
+          <a:bodyPr rtlCol="0" anchor="ctr"/>
+          <a:lstStyle/>
+          <a:p>
+            <a:pPr algn="ctr"/>
+            <a:endParaRPr kumimoji="1" lang="zh-CN" altLang="en-US"/>
+          </a:p>
+        </p:txBody>
+      </p:sp>
+      <p:sp>
+        <p:nvSpPr>
+          <p:cNvPr id="37" name="同心圆 36">
+            <a:extLst>
+              <a:ext uri="{FF2B5EF4-FFF2-40B4-BE49-F238E27FC236}">
+                <a16:creationId xmlns:a16="http://schemas.microsoft.com/office/drawing/2014/main" id="{F06FB147-AAC1-4AC9-AF14-4661BCF661FC}"/>
+              </a:ext>
+            </a:extLst>
+          </p:cNvPr>
+          <p:cNvSpPr/>
+          <p:nvPr/>
+        </p:nvSpPr>
+        <p:spPr>
+          <a:xfrm>
+            <a:off x="8009207" y="2686930"/>
+            <a:ext cx="1659987" cy="1659985"/>
+          </a:xfrm>
+          <a:prstGeom prst="donut">
+            <a:avLst>
+              <a:gd name="adj" fmla="val 18175"/>
+            </a:avLst>
+          </a:prstGeom>
+          <a:solidFill>
+            <a:schemeClr val="bg2">
+              <a:lumMod val="50000"/>
+            </a:schemeClr>
+          </a:solidFill>
+        </p:spPr>
+        <p:style>
+          <a:lnRef idx="2">
+            <a:schemeClr val="accent1">
+              <a:shade val="15000"/>
+            </a:schemeClr>
+          </a:lnRef>
+          <a:fillRef idx="1">
+            <a:schemeClr val="accent1"/>
+          </a:fillRef>
+          <a:effectRef idx="0">
+            <a:schemeClr val="accent1"/>
+          </a:effectRef>
+          <a:fontRef idx="minor">
+            <a:schemeClr val="lt1"/>
+          </a:fontRef>
+        </p:style>
+        <p:txBody>
+          <a:bodyPr rtlCol="0" anchor="ctr"/>
+          <a:lstStyle/>
+          <a:p>
+            <a:pPr algn="ctr"/>
+            <a:endParaRPr kumimoji="1" lang="zh-CN" altLang="en-US">
+              <a:solidFill>
+                <a:schemeClr val="tx1"/>
+              </a:solidFill>
+            </a:endParaRPr>
+          </a:p>
+        </p:txBody>
+      </p:sp>
+      <p:sp>
+        <p:nvSpPr>
+          <p:cNvPr id="41" name="禁止符 40">
+            <a:extLst>
+              <a:ext uri="{FF2B5EF4-FFF2-40B4-BE49-F238E27FC236}">
+                <a16:creationId xmlns:a16="http://schemas.microsoft.com/office/drawing/2014/main" id="{E739A5F0-166C-33C7-8535-7BB920566DD2}"/>
+              </a:ext>
+            </a:extLst>
+          </p:cNvPr>
+          <p:cNvSpPr/>
+          <p:nvPr/>
+        </p:nvSpPr>
+        <p:spPr>
+          <a:xfrm>
+            <a:off x="10051073" y="2630658"/>
+            <a:ext cx="1955408" cy="1772527"/>
+          </a:xfrm>
+          <a:prstGeom prst="noSmoking">
+            <a:avLst>
+              <a:gd name="adj" fmla="val 13901"/>
+            </a:avLst>
+          </a:prstGeom>
+          <a:solidFill>
+            <a:schemeClr val="accent4">
+              <a:lumMod val="60000"/>
+              <a:lumOff val="40000"/>
+            </a:schemeClr>
+          </a:solidFill>
+        </p:spPr>
+        <p:style>
+          <a:lnRef idx="2">
+            <a:schemeClr val="accent1">
+              <a:shade val="15000"/>
+            </a:schemeClr>
+          </a:lnRef>
+          <a:fillRef idx="1">
+            <a:schemeClr val="accent1"/>
+          </a:fillRef>
+          <a:effectRef idx="0">
+            <a:schemeClr val="accent1"/>
+          </a:effectRef>
+          <a:fontRef idx="minor">
+            <a:schemeClr val="lt1"/>
+          </a:fontRef>
+        </p:style>
+        <p:txBody>
+          <a:bodyPr rtlCol="0" anchor="ctr"/>
+          <a:lstStyle/>
+          <a:p>
+            <a:pPr algn="ctr"/>
+            <a:endParaRPr kumimoji="1" lang="zh-CN" altLang="en-US">
+              <a:solidFill>
+                <a:schemeClr val="tx1"/>
+              </a:solidFill>
+            </a:endParaRPr>
           </a:p>
         </p:txBody>
       </p:sp>
     </p:spTree>
     <p:extLst>
       <p:ext uri="{BB962C8B-B14F-4D97-AF65-F5344CB8AC3E}">
-        <p14:creationId xmlns:p14="http://schemas.microsoft.com/office/powerpoint/2010/main" val="1061853811"/>
+        <p14:creationId xmlns:p14="http://schemas.microsoft.com/office/powerpoint/2010/main" val="2104193579"/>
       </p:ext>
     </p:extLst>
   </p:cSld>
@@ -6977,7 +8180,7 @@
 </p:sld>
 </file>
 
-<file path=ppt/slides/slide2.xml><?xml version="1.0" encoding="utf-8"?>
+<file path=ppt/slides/slide4.xml><?xml version="1.0" encoding="utf-8"?>
 <p:sld xmlns:a="http://schemas.openxmlformats.org/drawingml/2006/main" xmlns:r="http://schemas.openxmlformats.org/officeDocument/2006/relationships" xmlns:p="http://schemas.openxmlformats.org/presentationml/2006/main">
   <p:cSld>
     <p:bg>
@@ -7361,7 +8564,7 @@
           <a:p>
             <a:r>
               <a:rPr kumimoji="1" lang="zh-CN" altLang="en-US" dirty="0"/>
-              <a:t>文本测试</a:t>
+              <a:t>测试大标题</a:t>
             </a:r>
           </a:p>
         </p:txBody>
@@ -7380,7 +8583,7 @@
         </p:nvSpPr>
         <p:spPr>
           <a:xfrm>
-            <a:off x="9340241" y="4317950"/>
+            <a:off x="7054241" y="4317950"/>
             <a:ext cx="2446514" cy="2308324"/>
           </a:xfrm>
           <a:prstGeom prst="rect">
@@ -7475,6 +8678,234 @@
           </a:p>
         </p:txBody>
       </p:sp>
+      <p:sp>
+        <p:nvSpPr>
+          <p:cNvPr id="3" name="文本框 2">
+            <a:extLst>
+              <a:ext uri="{FF2B5EF4-FFF2-40B4-BE49-F238E27FC236}">
+                <a16:creationId xmlns:a16="http://schemas.microsoft.com/office/drawing/2014/main" id="{4EBB6F9B-AED0-7F9E-2EE8-A8CC4EC4ADDA}"/>
+              </a:ext>
+            </a:extLst>
+          </p:cNvPr>
+          <p:cNvSpPr txBox="1"/>
+          <p:nvPr/>
+        </p:nvSpPr>
+        <p:spPr>
+          <a:xfrm>
+            <a:off x="8928100" y="4317950"/>
+            <a:ext cx="2667000" cy="646331"/>
+          </a:xfrm>
+          <a:prstGeom prst="rect">
+            <a:avLst/>
+          </a:prstGeom>
+          <a:noFill/>
+        </p:spPr>
+        <p:txBody>
+          <a:bodyPr wrap="square" rtlCol="0">
+            <a:spAutoFit/>
+          </a:bodyPr>
+          <a:lstStyle/>
+          <a:p>
+            <a:pPr marL="342900" indent="-342900">
+              <a:buFont typeface="+mj-lt"/>
+              <a:buAutoNum type="arabicPeriod"/>
+            </a:pPr>
+            <a:r>
+              <a:rPr kumimoji="1" lang="zh-CN" altLang="en-US" dirty="0"/>
+              <a:t>有序列表</a:t>
+            </a:r>
+            <a:endParaRPr kumimoji="1" lang="en-US" altLang="zh-CN" dirty="0"/>
+          </a:p>
+          <a:p>
+            <a:pPr marL="342900" indent="-342900">
+              <a:buFont typeface="+mj-lt"/>
+              <a:buAutoNum type="arabicPeriod"/>
+            </a:pPr>
+            <a:r>
+              <a:rPr kumimoji="1" lang="zh-CN" altLang="en-US" dirty="0"/>
+              <a:t>有序列表</a:t>
+            </a:r>
+          </a:p>
+        </p:txBody>
+      </p:sp>
+      <p:sp>
+        <p:nvSpPr>
+          <p:cNvPr id="4" name="文本框 3">
+            <a:extLst>
+              <a:ext uri="{FF2B5EF4-FFF2-40B4-BE49-F238E27FC236}">
+                <a16:creationId xmlns:a16="http://schemas.microsoft.com/office/drawing/2014/main" id="{7E445FF0-88D1-3E92-EB01-34BD69242BE8}"/>
+              </a:ext>
+            </a:extLst>
+          </p:cNvPr>
+          <p:cNvSpPr txBox="1"/>
+          <p:nvPr/>
+        </p:nvSpPr>
+        <p:spPr>
+          <a:xfrm>
+            <a:off x="8928100" y="5148946"/>
+            <a:ext cx="2667000" cy="646331"/>
+          </a:xfrm>
+          <a:prstGeom prst="rect">
+            <a:avLst/>
+          </a:prstGeom>
+          <a:noFill/>
+        </p:spPr>
+        <p:txBody>
+          <a:bodyPr wrap="square" rtlCol="0">
+            <a:spAutoFit/>
+          </a:bodyPr>
+          <a:lstStyle/>
+          <a:p>
+            <a:pPr marL="342900" indent="-342900">
+              <a:buFont typeface="+mj-ea"/>
+              <a:buAutoNum type="circleNumDbPlain"/>
+            </a:pPr>
+            <a:r>
+              <a:rPr kumimoji="1" lang="zh-CN" altLang="en-US" dirty="0"/>
+              <a:t>有序列表</a:t>
+            </a:r>
+            <a:endParaRPr kumimoji="1" lang="en-US" altLang="zh-CN" dirty="0"/>
+          </a:p>
+          <a:p>
+            <a:pPr marL="342900" indent="-342900">
+              <a:buFont typeface="+mj-ea"/>
+              <a:buAutoNum type="circleNumDbPlain"/>
+            </a:pPr>
+            <a:r>
+              <a:rPr kumimoji="1" lang="zh-CN" altLang="en-US" dirty="0"/>
+              <a:t>有序列表</a:t>
+            </a:r>
+          </a:p>
+        </p:txBody>
+      </p:sp>
+      <p:sp>
+        <p:nvSpPr>
+          <p:cNvPr id="5" name="文本框 4">
+            <a:extLst>
+              <a:ext uri="{FF2B5EF4-FFF2-40B4-BE49-F238E27FC236}">
+                <a16:creationId xmlns:a16="http://schemas.microsoft.com/office/drawing/2014/main" id="{FCE3E340-72C8-4467-3EDD-DD7422CA0DDB}"/>
+              </a:ext>
+            </a:extLst>
+          </p:cNvPr>
+          <p:cNvSpPr txBox="1"/>
+          <p:nvPr/>
+        </p:nvSpPr>
+        <p:spPr>
+          <a:xfrm>
+            <a:off x="8928100" y="5887610"/>
+            <a:ext cx="2667000" cy="646331"/>
+          </a:xfrm>
+          <a:prstGeom prst="rect">
+            <a:avLst/>
+          </a:prstGeom>
+          <a:noFill/>
+        </p:spPr>
+        <p:txBody>
+          <a:bodyPr wrap="square" rtlCol="0">
+            <a:spAutoFit/>
+          </a:bodyPr>
+          <a:lstStyle/>
+          <a:p>
+            <a:pPr marL="400050" indent="-400050">
+              <a:buFont typeface="+mj-ea"/>
+              <a:buAutoNum type="ea1JpnChsDbPeriod"/>
+            </a:pPr>
+            <a:r>
+              <a:rPr kumimoji="1" lang="zh-CN" altLang="en-US" dirty="0"/>
+              <a:t>有序列表</a:t>
+            </a:r>
+            <a:endParaRPr kumimoji="1" lang="en-US" altLang="zh-CN" dirty="0"/>
+          </a:p>
+          <a:p>
+            <a:pPr marL="400050" indent="-400050">
+              <a:buFont typeface="+mj-ea"/>
+              <a:buAutoNum type="ea1JpnChsDbPeriod"/>
+            </a:pPr>
+            <a:r>
+              <a:rPr kumimoji="1" lang="zh-CN" altLang="en-US" dirty="0"/>
+              <a:t>有序列表</a:t>
+            </a:r>
+          </a:p>
+        </p:txBody>
+      </p:sp>
+      <p:sp>
+        <p:nvSpPr>
+          <p:cNvPr id="6" name="文本框 5">
+            <a:extLst>
+              <a:ext uri="{FF2B5EF4-FFF2-40B4-BE49-F238E27FC236}">
+                <a16:creationId xmlns:a16="http://schemas.microsoft.com/office/drawing/2014/main" id="{766568AC-3871-65AD-58C0-23CB78FB4B15}"/>
+              </a:ext>
+            </a:extLst>
+          </p:cNvPr>
+          <p:cNvSpPr txBox="1"/>
+          <p:nvPr/>
+        </p:nvSpPr>
+        <p:spPr>
+          <a:xfrm>
+            <a:off x="185519" y="150921"/>
+            <a:ext cx="1107996" cy="369332"/>
+          </a:xfrm>
+          <a:prstGeom prst="rect">
+            <a:avLst/>
+          </a:prstGeom>
+          <a:noFill/>
+        </p:spPr>
+        <p:txBody>
+          <a:bodyPr wrap="none" rtlCol="0">
+            <a:spAutoFit/>
+          </a:bodyPr>
+          <a:lstStyle/>
+          <a:p>
+            <a:r>
+              <a:rPr kumimoji="1" lang="zh-CN" altLang="en-US" b="1" dirty="0"/>
+              <a:t>文本测试</a:t>
+            </a:r>
+          </a:p>
+        </p:txBody>
+      </p:sp>
+      <p:cxnSp>
+        <p:nvCxnSpPr>
+          <p:cNvPr id="7" name="直线连接符 6">
+            <a:extLst>
+              <a:ext uri="{FF2B5EF4-FFF2-40B4-BE49-F238E27FC236}">
+                <a16:creationId xmlns:a16="http://schemas.microsoft.com/office/drawing/2014/main" id="{4DFF9036-6FDE-5843-9826-162770691CEE}"/>
+              </a:ext>
+            </a:extLst>
+          </p:cNvPr>
+          <p:cNvCxnSpPr>
+            <a:cxnSpLocks/>
+          </p:cNvCxnSpPr>
+          <p:nvPr/>
+        </p:nvCxnSpPr>
+        <p:spPr>
+          <a:xfrm>
+            <a:off x="0" y="569451"/>
+            <a:ext cx="12192000" cy="0"/>
+          </a:xfrm>
+          <a:prstGeom prst="line">
+            <a:avLst/>
+          </a:prstGeom>
+          <a:ln w="38100">
+            <a:solidFill>
+              <a:schemeClr val="accent2"/>
+            </a:solidFill>
+          </a:ln>
+        </p:spPr>
+        <p:style>
+          <a:lnRef idx="1">
+            <a:schemeClr val="accent1"/>
+          </a:lnRef>
+          <a:fillRef idx="0">
+            <a:schemeClr val="accent1"/>
+          </a:fillRef>
+          <a:effectRef idx="0">
+            <a:schemeClr val="accent1"/>
+          </a:effectRef>
+          <a:fontRef idx="minor">
+            <a:schemeClr val="tx1"/>
+          </a:fontRef>
+        </p:style>
+      </p:cxnSp>
     </p:spTree>
     <p:extLst>
       <p:ext uri="{BB962C8B-B14F-4D97-AF65-F5344CB8AC3E}">
@@ -7488,9 +8919,17 @@
 </p:sld>
 </file>
 
-<file path=ppt/slides/slide3.xml><?xml version="1.0" encoding="utf-8"?>
+<file path=ppt/slides/slide5.xml><?xml version="1.0" encoding="utf-8"?>
 <p:sld xmlns:a="http://schemas.openxmlformats.org/drawingml/2006/main" xmlns:r="http://schemas.openxmlformats.org/officeDocument/2006/relationships" xmlns:p="http://schemas.openxmlformats.org/presentationml/2006/main">
   <p:cSld>
+    <p:bg>
+      <p:bgPr>
+        <a:solidFill>
+          <a:schemeClr val="bg1"/>
+        </a:solidFill>
+        <a:effectLst/>
+      </p:bgPr>
+    </p:bg>
     <p:spTree>
       <p:nvGrpSpPr>
         <p:cNvPr id="1" name=""/>
@@ -7553,9 +8992,10 @@
           </a:lstStyle>
           <a:p>
             <a:r>
-              <a:rPr lang="zh-CN" altLang="en-US" dirty="0"/>
-              <a:t>编号测试</a:t>
-            </a:r>
+              <a:rPr lang="zh-CN" altLang="en-US"/>
+              <a:t>事实上事</a:t>
+            </a:r>
+            <a:endParaRPr lang="zh-CN" altLang="en-US" dirty="0"/>
           </a:p>
         </p:txBody>
       </p:sp>
@@ -8128,7 +9568,7 @@
         </p:nvSpPr>
         <p:spPr>
           <a:xfrm>
-            <a:off x="8251373" y="157866"/>
+            <a:off x="4419602" y="1018668"/>
             <a:ext cx="3298372" cy="646331"/>
           </a:xfrm>
           <a:prstGeom prst="rect">
@@ -8533,6 +9973,84 @@
           </a:p>
         </p:txBody>
       </p:sp>
+      <p:sp>
+        <p:nvSpPr>
+          <p:cNvPr id="2" name="文本框 1">
+            <a:extLst>
+              <a:ext uri="{FF2B5EF4-FFF2-40B4-BE49-F238E27FC236}">
+                <a16:creationId xmlns:a16="http://schemas.microsoft.com/office/drawing/2014/main" id="{3454A470-737A-B77F-F09F-B849D24ACD48}"/>
+              </a:ext>
+            </a:extLst>
+          </p:cNvPr>
+          <p:cNvSpPr txBox="1"/>
+          <p:nvPr/>
+        </p:nvSpPr>
+        <p:spPr>
+          <a:xfrm>
+            <a:off x="185519" y="150921"/>
+            <a:ext cx="1107996" cy="369332"/>
+          </a:xfrm>
+          <a:prstGeom prst="rect">
+            <a:avLst/>
+          </a:prstGeom>
+          <a:noFill/>
+        </p:spPr>
+        <p:txBody>
+          <a:bodyPr wrap="none" rtlCol="0">
+            <a:spAutoFit/>
+          </a:bodyPr>
+          <a:lstStyle/>
+          <a:p>
+            <a:r>
+              <a:rPr kumimoji="1" lang="zh-CN" altLang="en-US" b="1" dirty="0"/>
+              <a:t>文本测试</a:t>
+            </a:r>
+          </a:p>
+        </p:txBody>
+      </p:sp>
+      <p:cxnSp>
+        <p:nvCxnSpPr>
+          <p:cNvPr id="3" name="直线连接符 2">
+            <a:extLst>
+              <a:ext uri="{FF2B5EF4-FFF2-40B4-BE49-F238E27FC236}">
+                <a16:creationId xmlns:a16="http://schemas.microsoft.com/office/drawing/2014/main" id="{90383AB6-C27B-4816-8C02-A9D6CB583698}"/>
+              </a:ext>
+            </a:extLst>
+          </p:cNvPr>
+          <p:cNvCxnSpPr>
+            <a:cxnSpLocks/>
+          </p:cNvCxnSpPr>
+          <p:nvPr/>
+        </p:nvCxnSpPr>
+        <p:spPr>
+          <a:xfrm>
+            <a:off x="0" y="569451"/>
+            <a:ext cx="12192000" cy="0"/>
+          </a:xfrm>
+          <a:prstGeom prst="line">
+            <a:avLst/>
+          </a:prstGeom>
+          <a:ln w="38100">
+            <a:solidFill>
+              <a:schemeClr val="accent2"/>
+            </a:solidFill>
+          </a:ln>
+        </p:spPr>
+        <p:style>
+          <a:lnRef idx="1">
+            <a:schemeClr val="accent1"/>
+          </a:lnRef>
+          <a:fillRef idx="0">
+            <a:schemeClr val="accent1"/>
+          </a:fillRef>
+          <a:effectRef idx="0">
+            <a:schemeClr val="accent1"/>
+          </a:effectRef>
+          <a:fontRef idx="minor">
+            <a:schemeClr val="tx1"/>
+          </a:fontRef>
+        </p:style>
+      </p:cxnSp>
     </p:spTree>
     <p:extLst>
       <p:ext uri="{BB962C8B-B14F-4D97-AF65-F5344CB8AC3E}">
@@ -8546,9 +10064,17 @@
 </p:sld>
 </file>
 
-<file path=ppt/slides/slide4.xml><?xml version="1.0" encoding="utf-8"?>
+<file path=ppt/slides/slide6.xml><?xml version="1.0" encoding="utf-8"?>
 <p:sld xmlns:a="http://schemas.openxmlformats.org/drawingml/2006/main" xmlns:r="http://schemas.openxmlformats.org/officeDocument/2006/relationships" xmlns:p="http://schemas.openxmlformats.org/presentationml/2006/main">
   <p:cSld>
+    <p:bg>
+      <p:bgPr>
+        <a:solidFill>
+          <a:schemeClr val="bg1"/>
+        </a:solidFill>
+        <a:effectLst/>
+      </p:bgPr>
+    </p:bg>
     <p:spTree>
       <p:nvGrpSpPr>
         <p:cNvPr id="1" name=""/>
@@ -8563,60 +10089,180 @@
           <a:chExt cx="0" cy="0"/>
         </a:xfrm>
       </p:grpSpPr>
-      <p:sp>
-        <p:nvSpPr>
-          <p:cNvPr id="2" name="标题 1">
-            <a:extLst>
-              <a:ext uri="{FF2B5EF4-FFF2-40B4-BE49-F238E27FC236}">
-                <a16:creationId xmlns:a16="http://schemas.microsoft.com/office/drawing/2014/main" id="{47A349C2-1C82-C9ED-4F6E-0FDACB7C9282}"/>
-              </a:ext>
-            </a:extLst>
-          </p:cNvPr>
-          <p:cNvSpPr>
-            <a:spLocks noGrp="1"/>
-          </p:cNvSpPr>
-          <p:nvPr>
-            <p:ph type="title"/>
-          </p:nvPr>
-        </p:nvSpPr>
-        <p:spPr/>
-        <p:txBody>
-          <a:bodyPr/>
-          <a:lstStyle/>
-          <a:p>
-            <a:endParaRPr kumimoji="1" lang="zh-CN" altLang="en-US" dirty="0"/>
-          </a:p>
-        </p:txBody>
-      </p:sp>
-      <p:sp>
-        <p:nvSpPr>
-          <p:cNvPr id="3" name="内容占位符 2">
-            <a:extLst>
-              <a:ext uri="{FF2B5EF4-FFF2-40B4-BE49-F238E27FC236}">
-                <a16:creationId xmlns:a16="http://schemas.microsoft.com/office/drawing/2014/main" id="{FA0FEB7F-2EDA-3559-D00A-EF373ED72C4A}"/>
-              </a:ext>
-            </a:extLst>
-          </p:cNvPr>
-          <p:cNvSpPr>
-            <a:spLocks noGrp="1"/>
-          </p:cNvSpPr>
-          <p:nvPr>
-            <p:ph idx="1"/>
-          </p:nvPr>
-        </p:nvSpPr>
-        <p:spPr/>
-        <p:txBody>
-          <a:bodyPr/>
-          <a:lstStyle/>
-          <a:p>
-            <a:endParaRPr kumimoji="1" lang="zh-CN" altLang="en-US"/>
-          </a:p>
-        </p:txBody>
-      </p:sp>
+      <p:pic>
+        <p:nvPicPr>
+          <p:cNvPr id="1026" name="Picture 2">
+            <a:extLst>
+              <a:ext uri="{FF2B5EF4-FFF2-40B4-BE49-F238E27FC236}">
+                <a16:creationId xmlns:a16="http://schemas.microsoft.com/office/drawing/2014/main" id="{EA366C5F-85A8-141F-EB75-49ABC17CDF1B}"/>
+              </a:ext>
+            </a:extLst>
+          </p:cNvPr>
+          <p:cNvPicPr>
+            <a:picLocks noChangeAspect="1" noChangeArrowheads="1"/>
+          </p:cNvPicPr>
+          <p:nvPr/>
+        </p:nvPicPr>
+        <p:blipFill>
+          <a:blip r:embed="rId2">
+            <a:extLst>
+              <a:ext uri="{28A0092B-C50C-407E-A947-70E740481C1C}">
+                <a14:useLocalDpi xmlns:a14="http://schemas.microsoft.com/office/drawing/2010/main" val="0"/>
+              </a:ext>
+            </a:extLst>
+          </a:blip>
+          <a:srcRect/>
+          <a:stretch>
+            <a:fillRect/>
+          </a:stretch>
+        </p:blipFill>
+        <p:spPr bwMode="auto">
+          <a:xfrm>
+            <a:off x="435428" y="1197428"/>
+            <a:ext cx="4299857" cy="4299857"/>
+          </a:xfrm>
+          <a:prstGeom prst="rect">
+            <a:avLst/>
+          </a:prstGeom>
+          <a:noFill/>
+          <a:extLst>
+            <a:ext uri="{909E8E84-426E-40DD-AFC4-6F175D3DCCD1}">
+              <a14:hiddenFill xmlns:a14="http://schemas.microsoft.com/office/drawing/2010/main">
+                <a:solidFill>
+                  <a:srgbClr val="FFFFFF"/>
+                </a:solidFill>
+              </a14:hiddenFill>
+            </a:ext>
+          </a:extLst>
+        </p:spPr>
+      </p:pic>
+      <p:pic>
+        <p:nvPicPr>
+          <p:cNvPr id="1028" name="Picture 4">
+            <a:extLst>
+              <a:ext uri="{FF2B5EF4-FFF2-40B4-BE49-F238E27FC236}">
+                <a16:creationId xmlns:a16="http://schemas.microsoft.com/office/drawing/2014/main" id="{5DA9471B-2B08-7720-D5DF-3DFCA592F020}"/>
+              </a:ext>
+            </a:extLst>
+          </p:cNvPr>
+          <p:cNvPicPr>
+            <a:picLocks noChangeAspect="1" noChangeArrowheads="1"/>
+          </p:cNvPicPr>
+          <p:nvPr/>
+        </p:nvPicPr>
+        <p:blipFill rotWithShape="1">
+          <a:blip r:embed="rId3">
+            <a:extLst>
+              <a:ext uri="{28A0092B-C50C-407E-A947-70E740481C1C}">
+                <a14:useLocalDpi xmlns:a14="http://schemas.microsoft.com/office/drawing/2010/main" val="0"/>
+              </a:ext>
+            </a:extLst>
+          </a:blip>
+          <a:srcRect b="37302"/>
+          <a:stretch/>
+        </p:blipFill>
+        <p:spPr bwMode="auto">
+          <a:xfrm>
+            <a:off x="4993821" y="1197428"/>
+            <a:ext cx="5143500" cy="4299857"/>
+          </a:xfrm>
+          <a:prstGeom prst="rect">
+            <a:avLst/>
+          </a:prstGeom>
+          <a:noFill/>
+          <a:extLst>
+            <a:ext uri="{909E8E84-426E-40DD-AFC4-6F175D3DCCD1}">
+              <a14:hiddenFill xmlns:a14="http://schemas.microsoft.com/office/drawing/2010/main">
+                <a:solidFill>
+                  <a:srgbClr val="FFFFFF"/>
+                </a:solidFill>
+              </a14:hiddenFill>
+            </a:ext>
+          </a:extLst>
+        </p:spPr>
+      </p:pic>
+      <p:sp>
+        <p:nvSpPr>
+          <p:cNvPr id="4" name="文本框 3">
+            <a:extLst>
+              <a:ext uri="{FF2B5EF4-FFF2-40B4-BE49-F238E27FC236}">
+                <a16:creationId xmlns:a16="http://schemas.microsoft.com/office/drawing/2014/main" id="{355A8A1D-005C-321D-B068-7EABB1DC0AB3}"/>
+              </a:ext>
+            </a:extLst>
+          </p:cNvPr>
+          <p:cNvSpPr txBox="1"/>
+          <p:nvPr/>
+        </p:nvSpPr>
+        <p:spPr>
+          <a:xfrm>
+            <a:off x="185519" y="150921"/>
+            <a:ext cx="1107996" cy="369332"/>
+          </a:xfrm>
+          <a:prstGeom prst="rect">
+            <a:avLst/>
+          </a:prstGeom>
+          <a:noFill/>
+        </p:spPr>
+        <p:txBody>
+          <a:bodyPr wrap="none" rtlCol="0">
+            <a:spAutoFit/>
+          </a:bodyPr>
+          <a:lstStyle/>
+          <a:p>
+            <a:r>
+              <a:rPr kumimoji="1" lang="zh-CN" altLang="en-US" b="1" dirty="0"/>
+              <a:t>图片测试</a:t>
+            </a:r>
+          </a:p>
+        </p:txBody>
+      </p:sp>
+      <p:cxnSp>
+        <p:nvCxnSpPr>
+          <p:cNvPr id="5" name="直线连接符 4">
+            <a:extLst>
+              <a:ext uri="{FF2B5EF4-FFF2-40B4-BE49-F238E27FC236}">
+                <a16:creationId xmlns:a16="http://schemas.microsoft.com/office/drawing/2014/main" id="{E826629C-6C84-57B4-9B61-85BE45D292ED}"/>
+              </a:ext>
+            </a:extLst>
+          </p:cNvPr>
+          <p:cNvCxnSpPr>
+            <a:cxnSpLocks/>
+          </p:cNvCxnSpPr>
+          <p:nvPr/>
+        </p:nvCxnSpPr>
+        <p:spPr>
+          <a:xfrm>
+            <a:off x="0" y="569451"/>
+            <a:ext cx="12192000" cy="0"/>
+          </a:xfrm>
+          <a:prstGeom prst="line">
+            <a:avLst/>
+          </a:prstGeom>
+          <a:ln w="38100">
+            <a:solidFill>
+              <a:schemeClr val="accent2"/>
+            </a:solidFill>
+          </a:ln>
+        </p:spPr>
+        <p:style>
+          <a:lnRef idx="1">
+            <a:schemeClr val="accent1"/>
+          </a:lnRef>
+          <a:fillRef idx="0">
+            <a:schemeClr val="accent1"/>
+          </a:fillRef>
+          <a:effectRef idx="0">
+            <a:schemeClr val="accent1"/>
+          </a:effectRef>
+          <a:fontRef idx="minor">
+            <a:schemeClr val="tx1"/>
+          </a:fontRef>
+        </p:style>
+      </p:cxnSp>
     </p:spTree>
     <p:extLst>
       <p:ext uri="{BB962C8B-B14F-4D97-AF65-F5344CB8AC3E}">
-        <p14:creationId xmlns:p14="http://schemas.microsoft.com/office/powerpoint/2010/main" val="1600069309"/>
+        <p14:creationId xmlns:p14="http://schemas.microsoft.com/office/powerpoint/2010/main" val="4151040533"/>
       </p:ext>
     </p:extLst>
   </p:cSld>
